--- a/ClinicalOutcomes.pptx
+++ b/ClinicalOutcomes.pptx
@@ -5,31 +5,36 @@
     <p:sldMasterId id="2147483648" r:id="rId1"/>
   </p:sldMasterIdLst>
   <p:notesMasterIdLst>
-    <p:notesMasterId r:id="rId24"/>
+    <p:notesMasterId r:id="rId29"/>
   </p:notesMasterIdLst>
   <p:sldIdLst>
     <p:sldId id="256" r:id="rId2"/>
     <p:sldId id="257" r:id="rId3"/>
-    <p:sldId id="258" r:id="rId4"/>
-    <p:sldId id="259" r:id="rId5"/>
-    <p:sldId id="260" r:id="rId6"/>
-    <p:sldId id="262" r:id="rId7"/>
-    <p:sldId id="261" r:id="rId8"/>
-    <p:sldId id="263" r:id="rId9"/>
+    <p:sldId id="259" r:id="rId4"/>
+    <p:sldId id="260" r:id="rId5"/>
+    <p:sldId id="262" r:id="rId6"/>
+    <p:sldId id="261" r:id="rId7"/>
+    <p:sldId id="263" r:id="rId8"/>
+    <p:sldId id="282" r:id="rId9"/>
     <p:sldId id="273" r:id="rId10"/>
     <p:sldId id="269" r:id="rId11"/>
     <p:sldId id="270" r:id="rId12"/>
     <p:sldId id="271" r:id="rId13"/>
-    <p:sldId id="272" r:id="rId14"/>
-    <p:sldId id="275" r:id="rId15"/>
-    <p:sldId id="276" r:id="rId16"/>
-    <p:sldId id="274" r:id="rId17"/>
-    <p:sldId id="277" r:id="rId18"/>
-    <p:sldId id="266" r:id="rId19"/>
-    <p:sldId id="268" r:id="rId20"/>
-    <p:sldId id="278" r:id="rId21"/>
-    <p:sldId id="279" r:id="rId22"/>
-    <p:sldId id="280" r:id="rId23"/>
+    <p:sldId id="284" r:id="rId14"/>
+    <p:sldId id="283" r:id="rId15"/>
+    <p:sldId id="285" r:id="rId16"/>
+    <p:sldId id="286" r:id="rId17"/>
+    <p:sldId id="287" r:id="rId18"/>
+    <p:sldId id="288" r:id="rId19"/>
+    <p:sldId id="289" r:id="rId20"/>
+    <p:sldId id="291" r:id="rId21"/>
+    <p:sldId id="290" r:id="rId22"/>
+    <p:sldId id="266" r:id="rId23"/>
+    <p:sldId id="292" r:id="rId24"/>
+    <p:sldId id="293" r:id="rId25"/>
+    <p:sldId id="268" r:id="rId26"/>
+    <p:sldId id="278" r:id="rId27"/>
+    <p:sldId id="294" r:id="rId28"/>
   </p:sldIdLst>
   <p:sldSz cx="12192000" cy="6858000"/>
   <p:notesSz cx="6858000" cy="9144000"/>
@@ -563,7 +568,7 @@
           <a:p>
             <a:fld id="{25C02D5A-27D3-4AD5-A518-65245B9E2171}" type="slidenum">
               <a:rPr lang="en-US" smtClean="0"/>
-              <a:t>6</a:t>
+              <a:t>5</a:t>
             </a:fld>
             <a:endParaRPr lang="en-US"/>
           </a:p>
@@ -815,7 +820,91 @@
           <a:p>
             <a:fld id="{25C02D5A-27D3-4AD5-A518-65245B9E2171}" type="slidenum">
               <a:rPr lang="en-US" smtClean="0"/>
-              <a:t>18</a:t>
+              <a:t>14</a:t>
+            </a:fld>
+            <a:endParaRPr lang="en-US"/>
+          </a:p>
+        </p:txBody>
+      </p:sp>
+    </p:spTree>
+    <p:extLst>
+      <p:ext uri="{BB962C8B-B14F-4D97-AF65-F5344CB8AC3E}">
+        <p14:creationId xmlns:p14="http://schemas.microsoft.com/office/powerpoint/2010/main" val="997892301"/>
+      </p:ext>
+    </p:extLst>
+  </p:cSld>
+  <p:clrMapOvr>
+    <a:masterClrMapping/>
+  </p:clrMapOvr>
+</p:notes>
+</file>
+
+<file path=ppt/notesSlides/notesSlide5.xml><?xml version="1.0" encoding="utf-8"?>
+<p:notes xmlns:a="http://schemas.openxmlformats.org/drawingml/2006/main" xmlns:r="http://schemas.openxmlformats.org/officeDocument/2006/relationships" xmlns:p="http://schemas.openxmlformats.org/presentationml/2006/main">
+  <p:cSld>
+    <p:spTree>
+      <p:nvGrpSpPr>
+        <p:cNvPr id="1" name=""/>
+        <p:cNvGrpSpPr/>
+        <p:nvPr/>
+      </p:nvGrpSpPr>
+      <p:grpSpPr>
+        <a:xfrm>
+          <a:off x="0" y="0"/>
+          <a:ext cx="0" cy="0"/>
+          <a:chOff x="0" y="0"/>
+          <a:chExt cx="0" cy="0"/>
+        </a:xfrm>
+      </p:grpSpPr>
+      <p:sp>
+        <p:nvSpPr>
+          <p:cNvPr id="2" name="Slide Image Placeholder 1"/>
+          <p:cNvSpPr>
+            <a:spLocks noGrp="1" noRot="1" noChangeAspect="1"/>
+          </p:cNvSpPr>
+          <p:nvPr>
+            <p:ph type="sldImg"/>
+          </p:nvPr>
+        </p:nvSpPr>
+        <p:spPr/>
+      </p:sp>
+      <p:sp>
+        <p:nvSpPr>
+          <p:cNvPr id="3" name="Notes Placeholder 2"/>
+          <p:cNvSpPr>
+            <a:spLocks noGrp="1"/>
+          </p:cNvSpPr>
+          <p:nvPr>
+            <p:ph type="body" idx="1"/>
+          </p:nvPr>
+        </p:nvSpPr>
+        <p:spPr/>
+        <p:txBody>
+          <a:bodyPr/>
+          <a:lstStyle/>
+          <a:p>
+            <a:endParaRPr lang="en-US" dirty="0"/>
+          </a:p>
+        </p:txBody>
+      </p:sp>
+      <p:sp>
+        <p:nvSpPr>
+          <p:cNvPr id="4" name="Slide Number Placeholder 3"/>
+          <p:cNvSpPr>
+            <a:spLocks noGrp="1"/>
+          </p:cNvSpPr>
+          <p:nvPr>
+            <p:ph type="sldNum" sz="quarter" idx="10"/>
+          </p:nvPr>
+        </p:nvSpPr>
+        <p:spPr/>
+        <p:txBody>
+          <a:bodyPr/>
+          <a:lstStyle/>
+          <a:p>
+            <a:fld id="{25C02D5A-27D3-4AD5-A518-65245B9E2171}" type="slidenum">
+              <a:rPr lang="en-US" smtClean="0"/>
+              <a:t>22</a:t>
             </a:fld>
             <a:endParaRPr lang="en-US"/>
           </a:p>
@@ -3703,8 +3792,8 @@
         </p:nvSpPr>
         <p:spPr>
           <a:xfrm>
-            <a:off x="333743" y="3701585"/>
-            <a:ext cx="11416937" cy="909002"/>
+            <a:off x="253851" y="3701585"/>
+            <a:ext cx="11637678" cy="909002"/>
           </a:xfrm>
         </p:spPr>
         <p:txBody>
@@ -3717,7 +3806,13 @@
               <a:rPr lang="en-US" sz="3200" dirty="0" smtClean="0">
                 <a:latin typeface="Arial Rounded MT Bold" panose="020F0704030504030204" pitchFamily="34" charset="0"/>
               </a:rPr>
-              <a:t>Predicting Post-Procedural Complications</a:t>
+              <a:t>Predicting Post-Procedural </a:t>
+            </a:r>
+            <a:r>
+              <a:rPr lang="en-US" sz="3200" dirty="0" smtClean="0">
+                <a:latin typeface="Arial Rounded MT Bold" panose="020F0704030504030204" pitchFamily="34" charset="0"/>
+              </a:rPr>
+              <a:t>Complications Using MIMIC-III</a:t>
             </a:r>
             <a:endParaRPr lang="en-US" sz="3200" dirty="0">
               <a:latin typeface="Arial Rounded MT Bold" panose="020F0704030504030204" pitchFamily="34" charset="0"/>
@@ -3845,7 +3940,7 @@
         </p:blipFill>
         <p:spPr>
           <a:xfrm>
-            <a:off x="1808775" y="233458"/>
+            <a:off x="1839255" y="317679"/>
             <a:ext cx="8466871" cy="3106119"/>
           </a:xfrm>
           <a:prstGeom prst="rect">
@@ -3906,8 +4001,28 @@
           <a:lstStyle/>
           <a:p>
             <a:r>
+              <a:rPr lang="en-US" sz="3600" dirty="0">
+                <a:latin typeface="Arial Rounded MT Bold" panose="020F0704030504030204" pitchFamily="34" charset="0"/>
+                <a:ea typeface="+mn-ea"/>
+                <a:cs typeface="+mn-cs"/>
+              </a:rPr>
+              <a:t>MIMIC-III</a:t>
+            </a:r>
+            <a:r>
               <a:rPr lang="en-US" dirty="0" smtClean="0"/>
-              <a:t>MIMIC-III Database	</a:t>
+              <a:t> </a:t>
+            </a:r>
+            <a:r>
+              <a:rPr lang="en-US" sz="3600" dirty="0">
+                <a:latin typeface="Arial Rounded MT Bold" panose="020F0704030504030204" pitchFamily="34" charset="0"/>
+                <a:ea typeface="+mn-ea"/>
+                <a:cs typeface="+mn-cs"/>
+              </a:rPr>
+              <a:t>Database</a:t>
+            </a:r>
+            <a:r>
+              <a:rPr lang="en-US" dirty="0" smtClean="0"/>
+              <a:t>	</a:t>
             </a:r>
             <a:endParaRPr lang="en-US" dirty="0"/>
           </a:p>
@@ -3923,7 +4038,12 @@
             <p:ph idx="1"/>
           </p:nvPr>
         </p:nvSpPr>
-        <p:spPr/>
+        <p:spPr>
+          <a:xfrm>
+            <a:off x="838200" y="2088861"/>
+            <a:ext cx="10515600" cy="4351338"/>
+          </a:xfrm>
+        </p:spPr>
         <p:txBody>
           <a:bodyPr/>
           <a:lstStyle/>
@@ -3974,7 +4094,17 @@
           <a:p>
             <a:r>
               <a:rPr lang="en-US" dirty="0" smtClean="0"/>
-              <a:t>Each year, having conferences, journal publications, books and chapters related to critical care, health and medicine using MIMIC-III</a:t>
+              <a:t>Each year, having conferences, journal publications, books and chapters related to critical care, health and medicine using </a:t>
+            </a:r>
+            <a:r>
+              <a:rPr lang="en-US" dirty="0" smtClean="0"/>
+              <a:t>MIMIC-III</a:t>
+            </a:r>
+          </a:p>
+          <a:p>
+            <a:r>
+              <a:rPr lang="en-US" dirty="0" smtClean="0"/>
+              <a:t>26 Files</a:t>
             </a:r>
             <a:endParaRPr lang="en-US" dirty="0"/>
           </a:p>
@@ -4002,8 +4132,68 @@
         </p:blipFill>
         <p:spPr>
           <a:xfrm>
-            <a:off x="9077325" y="365125"/>
+            <a:off x="5893309" y="552843"/>
             <a:ext cx="2276475" cy="1285875"/>
+          </a:xfrm>
+          <a:prstGeom prst="rect">
+            <a:avLst/>
+          </a:prstGeom>
+        </p:spPr>
+      </p:pic>
+      <p:pic>
+        <p:nvPicPr>
+          <p:cNvPr id="5" name="Picture 4"/>
+          <p:cNvPicPr>
+            <a:picLocks noChangeAspect="1"/>
+          </p:cNvPicPr>
+          <p:nvPr/>
+        </p:nvPicPr>
+        <p:blipFill>
+          <a:blip r:embed="rId4" cstate="print">
+            <a:extLst>
+              <a:ext uri="{28A0092B-C50C-407E-A947-70E740481C1C}">
+                <a14:useLocalDpi xmlns:a14="http://schemas.microsoft.com/office/drawing/2010/main" val="0"/>
+              </a:ext>
+            </a:extLst>
+          </a:blip>
+          <a:stretch>
+            <a:fillRect/>
+          </a:stretch>
+        </p:blipFill>
+        <p:spPr>
+          <a:xfrm>
+            <a:off x="8477589" y="337397"/>
+            <a:ext cx="1552377" cy="1552377"/>
+          </a:xfrm>
+          <a:prstGeom prst="rect">
+            <a:avLst/>
+          </a:prstGeom>
+        </p:spPr>
+      </p:pic>
+      <p:pic>
+        <p:nvPicPr>
+          <p:cNvPr id="6" name="Picture 5"/>
+          <p:cNvPicPr>
+            <a:picLocks noChangeAspect="1"/>
+          </p:cNvPicPr>
+          <p:nvPr/>
+        </p:nvPicPr>
+        <p:blipFill>
+          <a:blip r:embed="rId5" cstate="print">
+            <a:extLst>
+              <a:ext uri="{28A0092B-C50C-407E-A947-70E740481C1C}">
+                <a14:useLocalDpi xmlns:a14="http://schemas.microsoft.com/office/drawing/2010/main" val="0"/>
+              </a:ext>
+            </a:extLst>
+          </a:blip>
+          <a:stretch>
+            <a:fillRect/>
+          </a:stretch>
+        </p:blipFill>
+        <p:spPr>
+          <a:xfrm>
+            <a:off x="10265942" y="497950"/>
+            <a:ext cx="1395663" cy="1395663"/>
           </a:xfrm>
           <a:prstGeom prst="rect">
             <a:avLst/>
@@ -4063,8 +4253,16 @@
           <a:lstStyle/>
           <a:p>
             <a:r>
+              <a:rPr lang="en-US" sz="3600" dirty="0">
+                <a:latin typeface="Arial Rounded MT Bold" panose="020F0704030504030204" pitchFamily="34" charset="0"/>
+                <a:ea typeface="+mn-ea"/>
+                <a:cs typeface="+mn-cs"/>
+              </a:rPr>
+              <a:t>MIMIC-III Data Access</a:t>
+            </a:r>
+            <a:r>
               <a:rPr lang="en-US" dirty="0" smtClean="0"/>
-              <a:t>MIMIC-III Data Access	</a:t>
+              <a:t>	</a:t>
             </a:r>
             <a:endParaRPr lang="en-US" dirty="0"/>
           </a:p>
@@ -4088,89 +4286,60 @@
         </p:spPr>
         <p:txBody>
           <a:bodyPr>
-            <a:normAutofit fontScale="92500" lnSpcReduction="10000"/>
+            <a:normAutofit/>
           </a:bodyPr>
           <a:lstStyle/>
           <a:p>
+            <a:pPr marL="0" indent="0">
+              <a:buNone/>
+            </a:pPr>
             <a:r>
               <a:rPr lang="en-US" dirty="0" smtClean="0"/>
               <a:t>Requires research ethics and compliance training courses (completed)</a:t>
             </a:r>
           </a:p>
           <a:p>
+            <a:pPr marL="0" indent="0">
+              <a:buNone/>
+            </a:pPr>
             <a:r>
               <a:rPr lang="en-US" dirty="0" smtClean="0"/>
-              <a:t>Took “Data or Specimens Only Research under requirements set by “Massachusetts Institute of Technology Affiliates”</a:t>
-            </a:r>
-          </a:p>
-          <a:p>
+              <a:t>Data </a:t>
+            </a:r>
             <a:r>
               <a:rPr lang="en-US" dirty="0" smtClean="0"/>
-              <a:t>15 modules:</a:t>
-            </a:r>
-          </a:p>
-          <a:p>
-            <a:pPr lvl="1"/>
+              <a:t>or Specimens Only Research under requirements set by “Massachusetts Institute of Technology Affiliates”</a:t>
+            </a:r>
+          </a:p>
+          <a:p>
+            <a:pPr marL="0" indent="0">
+              <a:buNone/>
+            </a:pPr>
+            <a:r>
+              <a:rPr lang="en-US" b="1" dirty="0" smtClean="0"/>
+              <a:t>15 modules</a:t>
+            </a:r>
             <a:r>
               <a:rPr lang="en-US" dirty="0" smtClean="0"/>
-              <a:t>Research and Human Subjects</a:t>
-            </a:r>
-          </a:p>
-          <a:p>
-            <a:pPr lvl="1"/>
-            <a:r>
-              <a:rPr lang="en-US" dirty="0" smtClean="0"/>
-              <a:t>Privacy and Confidentiality</a:t>
-            </a:r>
-          </a:p>
-          <a:p>
-            <a:pPr lvl="1"/>
-            <a:r>
-              <a:rPr lang="en-US" dirty="0" smtClean="0"/>
-              <a:t>Assessing Risks</a:t>
-            </a:r>
-          </a:p>
-          <a:p>
-            <a:pPr lvl="1"/>
-            <a:r>
-              <a:rPr lang="en-US" dirty="0" smtClean="0"/>
-              <a:t>History and Ethical Principles</a:t>
-            </a:r>
-          </a:p>
-          <a:p>
-            <a:pPr lvl="1"/>
-            <a:r>
-              <a:rPr lang="en-US" dirty="0" smtClean="0"/>
-              <a:t>Regulations and Process</a:t>
-            </a:r>
-          </a:p>
-          <a:p>
-            <a:pPr lvl="1"/>
-            <a:r>
-              <a:rPr lang="en-US" dirty="0" smtClean="0"/>
-              <a:t>Genetics Research</a:t>
-            </a:r>
-          </a:p>
-          <a:p>
-            <a:pPr lvl="1"/>
-            <a:r>
-              <a:rPr lang="en-US" dirty="0" smtClean="0"/>
-              <a:t>International Research </a:t>
-            </a:r>
-          </a:p>
-          <a:p>
-            <a:pPr lvl="1"/>
-            <a:r>
-              <a:rPr lang="en-US" dirty="0" smtClean="0"/>
-              <a:t>HIPAA </a:t>
-            </a:r>
-          </a:p>
-          <a:p>
-            <a:pPr lvl="1"/>
-            <a:r>
-              <a:rPr lang="en-US" dirty="0" smtClean="0"/>
-              <a:t>Conflicts and Interest in Research</a:t>
-            </a:r>
+              <a:t>:</a:t>
+            </a:r>
+          </a:p>
+          <a:p>
+            <a:pPr marL="457200" lvl="1" indent="0">
+              <a:buNone/>
+            </a:pPr>
+            <a:endParaRPr lang="en-US" dirty="0" smtClean="0"/>
+          </a:p>
+          <a:p>
+            <a:pPr marL="457200" lvl="1" indent="0">
+              <a:buNone/>
+            </a:pPr>
+            <a:endParaRPr lang="en-US" dirty="0" smtClean="0"/>
+          </a:p>
+          <a:p>
+            <a:pPr marL="457200" lvl="1" indent="0">
+              <a:buNone/>
+            </a:pPr>
             <a:endParaRPr lang="en-US" dirty="0"/>
           </a:p>
         </p:txBody>
@@ -4199,6 +4368,124 @@
           </a:prstGeom>
         </p:spPr>
       </p:pic>
+      <p:sp>
+        <p:nvSpPr>
+          <p:cNvPr id="7" name="TextBox 6"/>
+          <p:cNvSpPr txBox="1"/>
+          <p:nvPr/>
+        </p:nvSpPr>
+        <p:spPr>
+          <a:xfrm>
+            <a:off x="1052945" y="3588327"/>
+            <a:ext cx="9836728" cy="2677656"/>
+          </a:xfrm>
+          <a:prstGeom prst="rect">
+            <a:avLst/>
+          </a:prstGeom>
+          <a:noFill/>
+        </p:spPr>
+        <p:txBody>
+          <a:bodyPr wrap="square" numCol="2" rtlCol="0">
+            <a:spAutoFit/>
+          </a:bodyPr>
+          <a:lstStyle/>
+          <a:p>
+            <a:pPr marL="742950" lvl="1" indent="-285750">
+              <a:buFont typeface="Arial" panose="020B0604020202020204" pitchFamily="34" charset="0"/>
+              <a:buChar char="•"/>
+            </a:pPr>
+            <a:r>
+              <a:rPr lang="en-US" sz="2800" dirty="0"/>
+              <a:t>Research and Human Subjects</a:t>
+            </a:r>
+          </a:p>
+          <a:p>
+            <a:pPr marL="742950" lvl="1" indent="-285750">
+              <a:buFont typeface="Arial" panose="020B0604020202020204" pitchFamily="34" charset="0"/>
+              <a:buChar char="•"/>
+            </a:pPr>
+            <a:r>
+              <a:rPr lang="en-US" sz="2800" dirty="0"/>
+              <a:t>Privacy and Confidentiality</a:t>
+            </a:r>
+          </a:p>
+          <a:p>
+            <a:pPr marL="742950" lvl="1" indent="-285750">
+              <a:buFont typeface="Arial" panose="020B0604020202020204" pitchFamily="34" charset="0"/>
+              <a:buChar char="•"/>
+            </a:pPr>
+            <a:r>
+              <a:rPr lang="en-US" sz="2800" dirty="0"/>
+              <a:t>Assessing Risks</a:t>
+            </a:r>
+          </a:p>
+          <a:p>
+            <a:pPr marL="742950" lvl="1" indent="-285750">
+              <a:buFont typeface="Arial" panose="020B0604020202020204" pitchFamily="34" charset="0"/>
+              <a:buChar char="•"/>
+            </a:pPr>
+            <a:r>
+              <a:rPr lang="en-US" sz="2800" dirty="0"/>
+              <a:t>History and Ethical Principles</a:t>
+            </a:r>
+          </a:p>
+          <a:p>
+            <a:pPr marL="742950" lvl="1" indent="-285750">
+              <a:buFont typeface="Arial" panose="020B0604020202020204" pitchFamily="34" charset="0"/>
+              <a:buChar char="•"/>
+            </a:pPr>
+            <a:r>
+              <a:rPr lang="en-US" sz="2800" dirty="0"/>
+              <a:t>Regulations and Process</a:t>
+            </a:r>
+          </a:p>
+          <a:p>
+            <a:pPr marL="742950" lvl="1" indent="-285750">
+              <a:buFont typeface="Arial" panose="020B0604020202020204" pitchFamily="34" charset="0"/>
+              <a:buChar char="•"/>
+            </a:pPr>
+            <a:r>
+              <a:rPr lang="en-US" sz="2800" dirty="0"/>
+              <a:t>Genetics Research</a:t>
+            </a:r>
+          </a:p>
+          <a:p>
+            <a:pPr marL="742950" lvl="1" indent="-285750">
+              <a:buFont typeface="Arial" panose="020B0604020202020204" pitchFamily="34" charset="0"/>
+              <a:buChar char="•"/>
+            </a:pPr>
+            <a:r>
+              <a:rPr lang="en-US" sz="2800" dirty="0"/>
+              <a:t>International Research </a:t>
+            </a:r>
+          </a:p>
+          <a:p>
+            <a:pPr marL="742950" lvl="1" indent="-285750">
+              <a:buFont typeface="Arial" panose="020B0604020202020204" pitchFamily="34" charset="0"/>
+              <a:buChar char="•"/>
+            </a:pPr>
+            <a:r>
+              <a:rPr lang="en-US" sz="2800" dirty="0"/>
+              <a:t>HIPAA </a:t>
+            </a:r>
+          </a:p>
+          <a:p>
+            <a:pPr marL="742950" lvl="1" indent="-285750">
+              <a:buFont typeface="Arial" panose="020B0604020202020204" pitchFamily="34" charset="0"/>
+              <a:buChar char="•"/>
+            </a:pPr>
+            <a:r>
+              <a:rPr lang="en-US" sz="2800" dirty="0"/>
+              <a:t>Conflicts and Interest in </a:t>
+            </a:r>
+            <a:r>
+              <a:rPr lang="en-US" sz="2800" dirty="0" smtClean="0"/>
+              <a:t>Research</a:t>
+            </a:r>
+            <a:endParaRPr lang="en-US" sz="2800" dirty="0"/>
+          </a:p>
+        </p:txBody>
+      </p:sp>
     </p:spTree>
     <p:extLst>
       <p:ext uri="{BB962C8B-B14F-4D97-AF65-F5344CB8AC3E}">
@@ -4297,52 +4584,30 @@
           <a:chExt cx="0" cy="0"/>
         </a:xfrm>
       </p:grpSpPr>
-      <p:sp>
-        <p:nvSpPr>
-          <p:cNvPr id="2" name="Title 1"/>
-          <p:cNvSpPr>
-            <a:spLocks noGrp="1"/>
-          </p:cNvSpPr>
-          <p:nvPr>
-            <p:ph type="title"/>
-          </p:nvPr>
-        </p:nvSpPr>
-        <p:spPr>
-          <a:xfrm>
-            <a:off x="206188" y="0"/>
-            <a:ext cx="10515600" cy="1325563"/>
-          </a:xfrm>
-        </p:spPr>
-        <p:txBody>
-          <a:bodyPr/>
-          <a:lstStyle/>
-          <a:p>
-            <a:r>
-              <a:rPr lang="en-US" dirty="0" smtClean="0"/>
-              <a:t>Initial Exploration</a:t>
-            </a:r>
-            <a:endParaRPr lang="en-US" dirty="0"/>
-          </a:p>
-        </p:txBody>
-      </p:sp>
       <p:pic>
         <p:nvPicPr>
-          <p:cNvPr id="5" name="Picture 4"/>
+          <p:cNvPr id="2" name="Picture 1"/>
           <p:cNvPicPr>
             <a:picLocks noChangeAspect="1"/>
           </p:cNvPicPr>
           <p:nvPr/>
         </p:nvPicPr>
         <p:blipFill>
-          <a:blip r:embed="rId2"/>
+          <a:blip r:embed="rId2">
+            <a:extLst>
+              <a:ext uri="{28A0092B-C50C-407E-A947-70E740481C1C}">
+                <a14:useLocalDpi xmlns:a14="http://schemas.microsoft.com/office/drawing/2010/main" val="0"/>
+              </a:ext>
+            </a:extLst>
+          </a:blip>
           <a:stretch>
             <a:fillRect/>
           </a:stretch>
         </p:blipFill>
         <p:spPr>
           <a:xfrm>
-            <a:off x="737065" y="950902"/>
-            <a:ext cx="4350965" cy="2676154"/>
+            <a:off x="-401782" y="0"/>
+            <a:ext cx="12593782" cy="6858000"/>
           </a:xfrm>
           <a:prstGeom prst="rect">
             <a:avLst/>
@@ -4351,46 +4616,28 @@
       </p:pic>
       <p:pic>
         <p:nvPicPr>
-          <p:cNvPr id="6" name="Picture 5"/>
+          <p:cNvPr id="3" name="Picture 2"/>
           <p:cNvPicPr>
             <a:picLocks noChangeAspect="1"/>
           </p:cNvPicPr>
           <p:nvPr/>
         </p:nvPicPr>
         <p:blipFill>
-          <a:blip r:embed="rId3"/>
+          <a:blip r:embed="rId3" cstate="print">
+            <a:extLst>
+              <a:ext uri="{28A0092B-C50C-407E-A947-70E740481C1C}">
+                <a14:useLocalDpi xmlns:a14="http://schemas.microsoft.com/office/drawing/2010/main" val="0"/>
+              </a:ext>
+            </a:extLst>
+          </a:blip>
           <a:stretch>
             <a:fillRect/>
           </a:stretch>
         </p:blipFill>
         <p:spPr>
           <a:xfrm>
-            <a:off x="6639767" y="552456"/>
-            <a:ext cx="4082021" cy="3261931"/>
-          </a:xfrm>
-          <a:prstGeom prst="rect">
-            <a:avLst/>
-          </a:prstGeom>
-        </p:spPr>
-      </p:pic>
-      <p:pic>
-        <p:nvPicPr>
-          <p:cNvPr id="10" name="Picture 9"/>
-          <p:cNvPicPr>
-            <a:picLocks noChangeAspect="1"/>
-          </p:cNvPicPr>
-          <p:nvPr/>
-        </p:nvPicPr>
-        <p:blipFill>
-          <a:blip r:embed="rId4"/>
-          <a:stretch>
-            <a:fillRect/>
-          </a:stretch>
-        </p:blipFill>
-        <p:spPr>
-          <a:xfrm>
-            <a:off x="3564030" y="3814387"/>
-            <a:ext cx="4267200" cy="2962275"/>
+            <a:off x="10432473" y="166254"/>
+            <a:ext cx="1475509" cy="1475509"/>
           </a:xfrm>
           <a:prstGeom prst="rect">
             <a:avLst/>
@@ -4399,14 +4646,14 @@
       </p:pic>
       <p:sp>
         <p:nvSpPr>
-          <p:cNvPr id="11" name="TextBox 10"/>
+          <p:cNvPr id="4" name="TextBox 3"/>
           <p:cNvSpPr txBox="1"/>
           <p:nvPr/>
         </p:nvSpPr>
         <p:spPr>
           <a:xfrm>
-            <a:off x="1298900" y="3635925"/>
-            <a:ext cx="3227294" cy="369332"/>
+            <a:off x="5171210" y="580842"/>
+            <a:ext cx="5999017" cy="646331"/>
           </a:xfrm>
           <a:prstGeom prst="rect">
             <a:avLst/>
@@ -4420,77 +4667,31 @@
           <a:lstStyle/>
           <a:p>
             <a:r>
+              <a:rPr lang="en-US" sz="3600" dirty="0">
+                <a:latin typeface="Arial Rounded MT Bold" panose="020F0704030504030204" pitchFamily="34" charset="0"/>
+              </a:rPr>
+              <a:t>MIMIC-III</a:t>
+            </a:r>
+            <a:r>
               <a:rPr lang="en-US" dirty="0" smtClean="0"/>
-              <a:t>Figure 1: Age Distribution</a:t>
-            </a:r>
-            <a:endParaRPr lang="en-US" dirty="0"/>
-          </a:p>
-        </p:txBody>
-      </p:sp>
-      <p:sp>
-        <p:nvSpPr>
-          <p:cNvPr id="12" name="TextBox 11"/>
-          <p:cNvSpPr txBox="1"/>
-          <p:nvPr/>
-        </p:nvSpPr>
-        <p:spPr>
-          <a:xfrm>
-            <a:off x="7716230" y="3817052"/>
-            <a:ext cx="3709287" cy="369332"/>
-          </a:xfrm>
-          <a:prstGeom prst="rect">
-            <a:avLst/>
-          </a:prstGeom>
-          <a:noFill/>
-        </p:spPr>
-        <p:txBody>
-          <a:bodyPr wrap="square" rtlCol="0">
-            <a:spAutoFit/>
-          </a:bodyPr>
-          <a:lstStyle/>
-          <a:p>
-            <a:r>
-              <a:rPr lang="en-US" dirty="0" smtClean="0"/>
-              <a:t>Figure 2: Admit Type Distribution</a:t>
-            </a:r>
-            <a:endParaRPr lang="en-US" dirty="0"/>
-          </a:p>
-        </p:txBody>
-      </p:sp>
-      <p:sp>
-        <p:nvSpPr>
-          <p:cNvPr id="13" name="TextBox 12"/>
-          <p:cNvSpPr txBox="1"/>
-          <p:nvPr/>
-        </p:nvSpPr>
-        <p:spPr>
-          <a:xfrm>
-            <a:off x="7716230" y="5825147"/>
-            <a:ext cx="3709287" cy="369332"/>
-          </a:xfrm>
-          <a:prstGeom prst="rect">
-            <a:avLst/>
-          </a:prstGeom>
-          <a:noFill/>
-        </p:spPr>
-        <p:txBody>
-          <a:bodyPr wrap="square" rtlCol="0">
-            <a:spAutoFit/>
-          </a:bodyPr>
-          <a:lstStyle/>
-          <a:p>
-            <a:r>
-              <a:rPr lang="en-US" dirty="0" smtClean="0"/>
-              <a:t>Figure 3: Expired At Hospital Dist. </a:t>
-            </a:r>
-            <a:endParaRPr lang="en-US" dirty="0"/>
+              <a:t> </a:t>
+            </a:r>
+            <a:r>
+              <a:rPr lang="en-US" sz="3600" dirty="0">
+                <a:latin typeface="Arial Rounded MT Bold" panose="020F0704030504030204" pitchFamily="34" charset="0"/>
+              </a:rPr>
+              <a:t>Construction</a:t>
+            </a:r>
+            <a:endParaRPr lang="en-US" sz="3600" dirty="0">
+              <a:latin typeface="Arial Rounded MT Bold" panose="020F0704030504030204" pitchFamily="34" charset="0"/>
+            </a:endParaRPr>
           </a:p>
         </p:txBody>
       </p:sp>
     </p:spTree>
     <p:extLst>
       <p:ext uri="{BB962C8B-B14F-4D97-AF65-F5344CB8AC3E}">
-        <p14:creationId xmlns:p14="http://schemas.microsoft.com/office/powerpoint/2010/main" val="2569638884"/>
+        <p14:creationId xmlns:p14="http://schemas.microsoft.com/office/powerpoint/2010/main" val="1304096069"/>
       </p:ext>
     </p:extLst>
   </p:cSld>
@@ -4524,54 +4725,68 @@
           <a:chExt cx="0" cy="0"/>
         </a:xfrm>
       </p:grpSpPr>
+      <p:pic>
+        <p:nvPicPr>
+          <p:cNvPr id="2" name="Picture 1"/>
+          <p:cNvPicPr>
+            <a:picLocks noChangeAspect="1"/>
+          </p:cNvPicPr>
+          <p:nvPr/>
+        </p:nvPicPr>
+        <p:blipFill>
+          <a:blip r:embed="rId3">
+            <a:extLst>
+              <a:ext uri="{28A0092B-C50C-407E-A947-70E740481C1C}">
+                <a14:useLocalDpi xmlns:a14="http://schemas.microsoft.com/office/drawing/2010/main" val="0"/>
+              </a:ext>
+            </a:extLst>
+          </a:blip>
+          <a:stretch>
+            <a:fillRect/>
+          </a:stretch>
+        </p:blipFill>
+        <p:spPr>
+          <a:xfrm>
+            <a:off x="924788" y="839246"/>
+            <a:ext cx="5881255" cy="5861479"/>
+          </a:xfrm>
+          <a:prstGeom prst="rect">
+            <a:avLst/>
+          </a:prstGeom>
+        </p:spPr>
+      </p:pic>
       <p:sp>
         <p:nvSpPr>
-          <p:cNvPr id="2" name="Title 1"/>
-          <p:cNvSpPr>
-            <a:spLocks noGrp="1"/>
-          </p:cNvSpPr>
-          <p:nvPr>
-            <p:ph type="title"/>
-          </p:nvPr>
+          <p:cNvPr id="3" name="TextBox 2"/>
+          <p:cNvSpPr txBox="1"/>
+          <p:nvPr/>
         </p:nvSpPr>
-        <p:spPr/>
+        <p:spPr>
+          <a:xfrm>
+            <a:off x="807027" y="192915"/>
+            <a:ext cx="10917382" cy="646331"/>
+          </a:xfrm>
+          <a:prstGeom prst="rect">
+            <a:avLst/>
+          </a:prstGeom>
+          <a:noFill/>
+        </p:spPr>
         <p:txBody>
-          <a:bodyPr/>
+          <a:bodyPr wrap="square" rtlCol="0">
+            <a:spAutoFit/>
+          </a:bodyPr>
           <a:lstStyle/>
           <a:p>
-            <a:r>
-              <a:rPr lang="en-US" dirty="0" smtClean="0"/>
-              <a:t>Experiments Mortality Prediction	</a:t>
-            </a:r>
-            <a:endParaRPr lang="en-US" dirty="0"/>
-          </a:p>
-        </p:txBody>
-      </p:sp>
-      <p:sp>
-        <p:nvSpPr>
-          <p:cNvPr id="3" name="Content Placeholder 2"/>
-          <p:cNvSpPr>
-            <a:spLocks noGrp="1"/>
-          </p:cNvSpPr>
-          <p:nvPr>
-            <p:ph idx="1"/>
-          </p:nvPr>
-        </p:nvSpPr>
-        <p:spPr/>
-        <p:txBody>
-          <a:bodyPr/>
-          <a:lstStyle/>
-          <a:p>
-            <a:r>
-              <a:rPr lang="en-US" b="1" dirty="0" smtClean="0"/>
-              <a:t>Random Forrest : </a:t>
-            </a:r>
-          </a:p>
-          <a:p>
-            <a:pPr marL="0" indent="0">
-              <a:buNone/>
-            </a:pPr>
-            <a:endParaRPr lang="en-US" dirty="0"/>
+            <a:pPr algn="ctr"/>
+            <a:r>
+              <a:rPr lang="en-US" sz="3600" dirty="0" smtClean="0">
+                <a:latin typeface="Arial Rounded MT Bold" panose="020F0704030504030204" pitchFamily="34" charset="0"/>
+              </a:rPr>
+              <a:t>ETL Process – Python, R, PostgreSQL …</a:t>
+            </a:r>
+            <a:endParaRPr lang="en-US" sz="3600" dirty="0">
+              <a:latin typeface="Arial Rounded MT Bold" panose="020F0704030504030204" pitchFamily="34" charset="0"/>
+            </a:endParaRPr>
           </a:p>
         </p:txBody>
       </p:sp>
@@ -4584,15 +4799,21 @@
           <p:nvPr/>
         </p:nvPicPr>
         <p:blipFill>
-          <a:blip r:embed="rId2"/>
+          <a:blip r:embed="rId4" cstate="print">
+            <a:extLst>
+              <a:ext uri="{28A0092B-C50C-407E-A947-70E740481C1C}">
+                <a14:useLocalDpi xmlns:a14="http://schemas.microsoft.com/office/drawing/2010/main" val="0"/>
+              </a:ext>
+            </a:extLst>
+          </a:blip>
           <a:stretch>
             <a:fillRect/>
           </a:stretch>
         </p:blipFill>
         <p:spPr>
           <a:xfrm>
-            <a:off x="4389633" y="1453681"/>
-            <a:ext cx="2518990" cy="1215559"/>
+            <a:off x="9646230" y="4806117"/>
+            <a:ext cx="1894608" cy="1894608"/>
           </a:xfrm>
           <a:prstGeom prst="rect">
             <a:avLst/>
@@ -4608,15 +4829,21 @@
           <p:nvPr/>
         </p:nvPicPr>
         <p:blipFill>
-          <a:blip r:embed="rId3"/>
+          <a:blip r:embed="rId5" cstate="print">
+            <a:extLst>
+              <a:ext uri="{28A0092B-C50C-407E-A947-70E740481C1C}">
+                <a14:useLocalDpi xmlns:a14="http://schemas.microsoft.com/office/drawing/2010/main" val="0"/>
+              </a:ext>
+            </a:extLst>
+          </a:blip>
           <a:stretch>
             <a:fillRect/>
           </a:stretch>
         </p:blipFill>
         <p:spPr>
           <a:xfrm>
-            <a:off x="6908623" y="1453681"/>
-            <a:ext cx="4876604" cy="3225895"/>
+            <a:off x="9705109" y="1253139"/>
+            <a:ext cx="1835729" cy="1835729"/>
           </a:xfrm>
           <a:prstGeom prst="rect">
             <a:avLst/>
@@ -4632,15 +4859,111 @@
           <p:nvPr/>
         </p:nvPicPr>
         <p:blipFill>
-          <a:blip r:embed="rId4"/>
+          <a:blip r:embed="rId6" cstate="print">
+            <a:extLst>
+              <a:ext uri="{28A0092B-C50C-407E-A947-70E740481C1C}">
+                <a14:useLocalDpi xmlns:a14="http://schemas.microsoft.com/office/drawing/2010/main" val="0"/>
+              </a:ext>
+            </a:extLst>
+          </a:blip>
           <a:stretch>
             <a:fillRect/>
           </a:stretch>
         </p:blipFill>
         <p:spPr>
           <a:xfrm>
-            <a:off x="525847" y="2587297"/>
-            <a:ext cx="5570153" cy="4184557"/>
+            <a:off x="7207828" y="3252915"/>
+            <a:ext cx="1645135" cy="1645135"/>
+          </a:xfrm>
+          <a:prstGeom prst="rect">
+            <a:avLst/>
+          </a:prstGeom>
+        </p:spPr>
+      </p:pic>
+      <p:pic>
+        <p:nvPicPr>
+          <p:cNvPr id="7" name="Picture 6"/>
+          <p:cNvPicPr>
+            <a:picLocks noChangeAspect="1"/>
+          </p:cNvPicPr>
+          <p:nvPr/>
+        </p:nvPicPr>
+        <p:blipFill>
+          <a:blip r:embed="rId7" cstate="print">
+            <a:extLst>
+              <a:ext uri="{28A0092B-C50C-407E-A947-70E740481C1C}">
+                <a14:useLocalDpi xmlns:a14="http://schemas.microsoft.com/office/drawing/2010/main" val="0"/>
+              </a:ext>
+            </a:extLst>
+          </a:blip>
+          <a:stretch>
+            <a:fillRect/>
+          </a:stretch>
+        </p:blipFill>
+        <p:spPr>
+          <a:xfrm>
+            <a:off x="9705109" y="3252915"/>
+            <a:ext cx="1606822" cy="1606822"/>
+          </a:xfrm>
+          <a:prstGeom prst="rect">
+            <a:avLst/>
+          </a:prstGeom>
+        </p:spPr>
+      </p:pic>
+      <p:pic>
+        <p:nvPicPr>
+          <p:cNvPr id="8" name="Picture 7"/>
+          <p:cNvPicPr>
+            <a:picLocks noChangeAspect="1"/>
+          </p:cNvPicPr>
+          <p:nvPr/>
+        </p:nvPicPr>
+        <p:blipFill>
+          <a:blip r:embed="rId8" cstate="print">
+            <a:extLst>
+              <a:ext uri="{28A0092B-C50C-407E-A947-70E740481C1C}">
+                <a14:useLocalDpi xmlns:a14="http://schemas.microsoft.com/office/drawing/2010/main" val="0"/>
+              </a:ext>
+            </a:extLst>
+          </a:blip>
+          <a:stretch>
+            <a:fillRect/>
+          </a:stretch>
+        </p:blipFill>
+        <p:spPr>
+          <a:xfrm>
+            <a:off x="7357848" y="5032658"/>
+            <a:ext cx="1495115" cy="1495115"/>
+          </a:xfrm>
+          <a:prstGeom prst="rect">
+            <a:avLst/>
+          </a:prstGeom>
+        </p:spPr>
+      </p:pic>
+      <p:pic>
+        <p:nvPicPr>
+          <p:cNvPr id="9" name="Picture 8"/>
+          <p:cNvPicPr>
+            <a:picLocks noChangeAspect="1"/>
+          </p:cNvPicPr>
+          <p:nvPr/>
+        </p:nvPicPr>
+        <p:blipFill>
+          <a:blip r:embed="rId9" cstate="print">
+            <a:extLst>
+              <a:ext uri="{28A0092B-C50C-407E-A947-70E740481C1C}">
+                <a14:useLocalDpi xmlns:a14="http://schemas.microsoft.com/office/drawing/2010/main" val="0"/>
+              </a:ext>
+            </a:extLst>
+          </a:blip>
+          <a:stretch>
+            <a:fillRect/>
+          </a:stretch>
+        </p:blipFill>
+        <p:spPr>
+          <a:xfrm>
+            <a:off x="7159250" y="1299858"/>
+            <a:ext cx="1742290" cy="1742290"/>
           </a:xfrm>
           <a:prstGeom prst="rect">
             <a:avLst/>
@@ -4650,7 +4973,7 @@
     </p:spTree>
     <p:extLst>
       <p:ext uri="{BB962C8B-B14F-4D97-AF65-F5344CB8AC3E}">
-        <p14:creationId xmlns:p14="http://schemas.microsoft.com/office/powerpoint/2010/main" val="186537464"/>
+        <p14:creationId xmlns:p14="http://schemas.microsoft.com/office/powerpoint/2010/main" val="3021290503"/>
       </p:ext>
     </p:extLst>
   </p:cSld>
@@ -4684,163 +5007,74 @@
           <a:chExt cx="0" cy="0"/>
         </a:xfrm>
       </p:grpSpPr>
-      <p:sp>
-        <p:nvSpPr>
-          <p:cNvPr id="2" name="Title 1"/>
-          <p:cNvSpPr>
-            <a:spLocks noGrp="1"/>
-          </p:cNvSpPr>
-          <p:nvPr>
-            <p:ph type="title"/>
-          </p:nvPr>
-        </p:nvSpPr>
-        <p:spPr>
-          <a:xfrm>
-            <a:off x="192741" y="123078"/>
-            <a:ext cx="10515600" cy="1325563"/>
-          </a:xfrm>
-        </p:spPr>
-        <p:txBody>
-          <a:bodyPr/>
-          <a:lstStyle/>
-          <a:p>
-            <a:r>
-              <a:rPr lang="en-US" dirty="0" smtClean="0"/>
-              <a:t>Cont..</a:t>
-            </a:r>
-            <a:endParaRPr lang="en-US" dirty="0"/>
-          </a:p>
-        </p:txBody>
-      </p:sp>
-      <p:sp>
-        <p:nvSpPr>
-          <p:cNvPr id="4" name="Rectangle 3"/>
-          <p:cNvSpPr/>
-          <p:nvPr/>
-        </p:nvSpPr>
-        <p:spPr>
-          <a:xfrm>
-            <a:off x="583646" y="1263975"/>
-            <a:ext cx="1016554" cy="707886"/>
-          </a:xfrm>
-          <a:prstGeom prst="rect">
-            <a:avLst/>
-          </a:prstGeom>
-        </p:spPr>
-        <p:txBody>
-          <a:bodyPr wrap="square">
-            <a:spAutoFit/>
-          </a:bodyPr>
-          <a:lstStyle/>
-          <a:p>
-            <a:r>
-              <a:rPr lang="en-US" sz="4000" b="1" dirty="0" smtClean="0"/>
-              <a:t>NN: </a:t>
-            </a:r>
-            <a:endParaRPr lang="en-US" sz="4000" b="1" dirty="0"/>
-          </a:p>
-        </p:txBody>
-      </p:sp>
       <p:pic>
         <p:nvPicPr>
-          <p:cNvPr id="5" name="Picture 4"/>
+          <p:cNvPr id="2" name="Picture 1"/>
           <p:cNvPicPr>
             <a:picLocks noChangeAspect="1"/>
           </p:cNvPicPr>
           <p:nvPr/>
         </p:nvPicPr>
         <p:blipFill>
-          <a:blip r:embed="rId2"/>
+          <a:blip r:embed="rId2">
+            <a:extLst>
+              <a:ext uri="{28A0092B-C50C-407E-A947-70E740481C1C}">
+                <a14:useLocalDpi xmlns:a14="http://schemas.microsoft.com/office/drawing/2010/main" val="0"/>
+              </a:ext>
+            </a:extLst>
+          </a:blip>
           <a:stretch>
             <a:fillRect/>
           </a:stretch>
         </p:blipFill>
         <p:spPr>
           <a:xfrm>
-            <a:off x="7708526" y="172776"/>
-            <a:ext cx="4305300" cy="2914650"/>
+            <a:off x="0" y="36140"/>
+            <a:ext cx="12256934" cy="6821860"/>
           </a:xfrm>
           <a:prstGeom prst="rect">
             <a:avLst/>
           </a:prstGeom>
         </p:spPr>
       </p:pic>
-      <p:pic>
-        <p:nvPicPr>
-          <p:cNvPr id="6" name="Picture 5"/>
-          <p:cNvPicPr>
-            <a:picLocks noChangeAspect="1"/>
-          </p:cNvPicPr>
+      <p:sp>
+        <p:nvSpPr>
+          <p:cNvPr id="3" name="TextBox 2"/>
+          <p:cNvSpPr txBox="1"/>
           <p:nvPr/>
-        </p:nvPicPr>
-        <p:blipFill>
-          <a:blip r:embed="rId3"/>
-          <a:stretch>
-            <a:fillRect/>
-          </a:stretch>
-        </p:blipFill>
+        </p:nvSpPr>
         <p:spPr>
           <a:xfrm>
-            <a:off x="7553325" y="3341594"/>
-            <a:ext cx="4638675" cy="2971800"/>
+            <a:off x="3075708" y="2874568"/>
+            <a:ext cx="6511637" cy="461665"/>
           </a:xfrm>
           <a:prstGeom prst="rect">
             <a:avLst/>
           </a:prstGeom>
+          <a:noFill/>
         </p:spPr>
-      </p:pic>
-      <p:pic>
-        <p:nvPicPr>
-          <p:cNvPr id="7" name="Picture 6"/>
-          <p:cNvPicPr>
-            <a:picLocks noChangeAspect="1"/>
-          </p:cNvPicPr>
-          <p:nvPr/>
-        </p:nvPicPr>
-        <p:blipFill>
-          <a:blip r:embed="rId4"/>
-          <a:stretch>
-            <a:fillRect/>
-          </a:stretch>
-        </p:blipFill>
-        <p:spPr>
-          <a:xfrm>
-            <a:off x="2870114" y="562557"/>
-            <a:ext cx="4482625" cy="1402836"/>
-          </a:xfrm>
-          <a:prstGeom prst="rect">
-            <a:avLst/>
-          </a:prstGeom>
-        </p:spPr>
-      </p:pic>
-      <p:pic>
-        <p:nvPicPr>
-          <p:cNvPr id="8" name="Picture 7"/>
-          <p:cNvPicPr>
-            <a:picLocks noChangeAspect="1"/>
-          </p:cNvPicPr>
-          <p:nvPr/>
-        </p:nvPicPr>
-        <p:blipFill>
-          <a:blip r:embed="rId5"/>
-          <a:stretch>
-            <a:fillRect/>
-          </a:stretch>
-        </p:blipFill>
-        <p:spPr>
-          <a:xfrm>
-            <a:off x="1091923" y="1888120"/>
-            <a:ext cx="5324475" cy="4724400"/>
-          </a:xfrm>
-          <a:prstGeom prst="rect">
-            <a:avLst/>
-          </a:prstGeom>
-        </p:spPr>
-      </p:pic>
+        <p:txBody>
+          <a:bodyPr wrap="square" rtlCol="0">
+            <a:spAutoFit/>
+          </a:bodyPr>
+          <a:lstStyle/>
+          <a:p>
+            <a:r>
+              <a:rPr lang="en-US" sz="2400" dirty="0">
+                <a:latin typeface="Arial Rounded MT Bold" panose="020F0704030504030204" pitchFamily="34" charset="0"/>
+              </a:rPr>
+              <a:t>Chart Events and Lab Events Processing</a:t>
+            </a:r>
+            <a:endParaRPr lang="en-US" sz="2400" dirty="0">
+              <a:latin typeface="Arial Rounded MT Bold" panose="020F0704030504030204" pitchFamily="34" charset="0"/>
+            </a:endParaRPr>
+          </a:p>
+        </p:txBody>
+      </p:sp>
     </p:spTree>
     <p:extLst>
       <p:ext uri="{BB962C8B-B14F-4D97-AF65-F5344CB8AC3E}">
-        <p14:creationId xmlns:p14="http://schemas.microsoft.com/office/powerpoint/2010/main" val="2717175600"/>
+        <p14:creationId xmlns:p14="http://schemas.microsoft.com/office/powerpoint/2010/main" val="4034972952"/>
       </p:ext>
     </p:extLst>
   </p:cSld>
@@ -4876,7 +5110,7 @@
       </p:grpSpPr>
       <p:sp>
         <p:nvSpPr>
-          <p:cNvPr id="5" name="Title 1"/>
+          <p:cNvPr id="2" name="Title 1"/>
           <p:cNvSpPr>
             <a:spLocks noGrp="1"/>
           </p:cNvSpPr>
@@ -4884,114 +5118,107 @@
             <p:ph type="title"/>
           </p:nvPr>
         </p:nvSpPr>
-        <p:spPr>
-          <a:xfrm>
-            <a:off x="206188" y="0"/>
-            <a:ext cx="10515600" cy="1325563"/>
-          </a:xfrm>
-        </p:spPr>
+        <p:spPr/>
         <p:txBody>
           <a:bodyPr/>
           <a:lstStyle/>
           <a:p>
             <a:r>
+              <a:rPr lang="en-US" sz="3600" dirty="0">
+                <a:latin typeface="Arial Rounded MT Bold" panose="020F0704030504030204" pitchFamily="34" charset="0"/>
+                <a:ea typeface="+mn-ea"/>
+                <a:cs typeface="+mn-cs"/>
+              </a:rPr>
+              <a:t>Features</a:t>
+            </a:r>
+            <a:r>
               <a:rPr lang="en-US" dirty="0" smtClean="0"/>
-              <a:t>Initial Exploration Cont..</a:t>
-            </a:r>
+              <a:t>	</a:t>
+            </a:r>
+            <a:endParaRPr lang="en-US" dirty="0"/>
+          </a:p>
+        </p:txBody>
+      </p:sp>
+      <p:sp>
+        <p:nvSpPr>
+          <p:cNvPr id="3" name="Content Placeholder 2"/>
+          <p:cNvSpPr>
+            <a:spLocks noGrp="1"/>
+          </p:cNvSpPr>
+          <p:nvPr>
+            <p:ph idx="1"/>
+          </p:nvPr>
+        </p:nvSpPr>
+        <p:spPr/>
+        <p:txBody>
+          <a:bodyPr>
+            <a:normAutofit fontScale="85000" lnSpcReduction="20000"/>
+          </a:bodyPr>
+          <a:lstStyle/>
+          <a:p>
+            <a:pPr lvl="0"/>
+            <a:r>
+              <a:rPr lang="en-US" b="1" dirty="0"/>
+              <a:t>General</a:t>
+            </a:r>
+            <a:r>
+              <a:rPr lang="en-US" dirty="0"/>
+              <a:t>: Insurance, Martial status, Hospital Expire Flag, Length of Stay, Calculated Bicarbonate, TotalCo2, Chloride, Free Calcium, Glucose, Hematocrit, Hemoglobin, Lactate, Oxygen, Oxygen Saturation, PCO2, PH, Potassium, Sodium, Temperature, Calcium Total, Centromere, Creatinine, Globulin, Blood Glucose, Blood Lipase, Blood Magnesium, Blood Potassium, Blood Sodium, Platelets Counts, Red Blood Cells, White Blood Cells, Lymphocytes</a:t>
+            </a:r>
+          </a:p>
+          <a:p>
+            <a:r>
+              <a:rPr lang="en-US" dirty="0"/>
+              <a:t> </a:t>
+            </a:r>
+          </a:p>
+          <a:p>
+            <a:r>
+              <a:rPr lang="en-US" b="1" dirty="0"/>
+              <a:t>Engineered Concepts (</a:t>
+            </a:r>
+            <a:r>
+              <a:rPr lang="en-US" b="1" dirty="0" smtClean="0"/>
+              <a:t>Derived Comorbidities)</a:t>
+            </a:r>
+            <a:r>
+              <a:rPr lang="en-US" dirty="0" smtClean="0"/>
+              <a:t>: Hypothyroidism</a:t>
+            </a:r>
+            <a:r>
+              <a:rPr lang="en-US" dirty="0"/>
+              <a:t>, Renal Failure, Liver Disease, Peptic Ulcer, Aids, Lymphoma, Metastatic Cancer, Solid Tumor, Rheumatoid Arthritis, Coagulopathy, Obesity, Weight Loss, Fluid Electrolyte, Blood Loss Anemia, Alcohol Abuse, Drug Abuse, Psychoses, Depression, Congestive Heart Failure, Cardiac Arrhythmias, Valvular Disease, Pulmonary Circulation, Peripheral Vascular, Hypertension, Paralysis, Other Neurological, Chronic Pulmonary, Diabetes Uncomplicated, Diabetes Complicated</a:t>
+            </a:r>
+          </a:p>
+          <a:p>
             <a:endParaRPr lang="en-US" dirty="0"/>
           </a:p>
         </p:txBody>
       </p:sp>
       <p:pic>
         <p:nvPicPr>
-          <p:cNvPr id="6" name="Picture 5"/>
+          <p:cNvPr id="4" name="Picture 3"/>
           <p:cNvPicPr>
             <a:picLocks noChangeAspect="1"/>
           </p:cNvPicPr>
           <p:nvPr/>
         </p:nvPicPr>
         <p:blipFill>
-          <a:blip r:embed="rId2"/>
+          <a:blip r:embed="rId2" cstate="print">
+            <a:extLst>
+              <a:ext uri="{28A0092B-C50C-407E-A947-70E740481C1C}">
+                <a14:useLocalDpi xmlns:a14="http://schemas.microsoft.com/office/drawing/2010/main" val="0"/>
+              </a:ext>
+            </a:extLst>
+          </a:blip>
           <a:stretch>
             <a:fillRect/>
           </a:stretch>
         </p:blipFill>
         <p:spPr>
           <a:xfrm>
-            <a:off x="5728447" y="178686"/>
-            <a:ext cx="6289203" cy="3160017"/>
-          </a:xfrm>
-          <a:prstGeom prst="rect">
-            <a:avLst/>
-          </a:prstGeom>
-        </p:spPr>
-      </p:pic>
-      <p:pic>
-        <p:nvPicPr>
-          <p:cNvPr id="7" name="Picture 6"/>
-          <p:cNvPicPr>
-            <a:picLocks noChangeAspect="1"/>
-          </p:cNvPicPr>
-          <p:nvPr/>
-        </p:nvPicPr>
-        <p:blipFill>
-          <a:blip r:embed="rId3"/>
-          <a:stretch>
-            <a:fillRect/>
-          </a:stretch>
-        </p:blipFill>
-        <p:spPr>
-          <a:xfrm>
-            <a:off x="5728447" y="3338702"/>
-            <a:ext cx="6284177" cy="3519297"/>
-          </a:xfrm>
-          <a:prstGeom prst="rect">
-            <a:avLst/>
-          </a:prstGeom>
-        </p:spPr>
-      </p:pic>
-      <p:pic>
-        <p:nvPicPr>
-          <p:cNvPr id="8" name="Picture 7"/>
-          <p:cNvPicPr>
-            <a:picLocks noChangeAspect="1"/>
-          </p:cNvPicPr>
-          <p:nvPr/>
-        </p:nvPicPr>
-        <p:blipFill>
-          <a:blip r:embed="rId4"/>
-          <a:stretch>
-            <a:fillRect/>
-          </a:stretch>
-        </p:blipFill>
-        <p:spPr>
-          <a:xfrm>
-            <a:off x="0" y="1124510"/>
-            <a:ext cx="5534025" cy="2914650"/>
-          </a:xfrm>
-          <a:prstGeom prst="rect">
-            <a:avLst/>
-          </a:prstGeom>
-        </p:spPr>
-      </p:pic>
-      <p:pic>
-        <p:nvPicPr>
-          <p:cNvPr id="9" name="Picture 8"/>
-          <p:cNvPicPr>
-            <a:picLocks noChangeAspect="1"/>
-          </p:cNvPicPr>
-          <p:nvPr/>
-        </p:nvPicPr>
-        <p:blipFill>
-          <a:blip r:embed="rId5"/>
-          <a:stretch>
-            <a:fillRect/>
-          </a:stretch>
-        </p:blipFill>
-        <p:spPr>
-          <a:xfrm>
-            <a:off x="0" y="4039160"/>
-            <a:ext cx="5534025" cy="2848931"/>
+            <a:off x="9633934" y="181913"/>
+            <a:ext cx="1576243" cy="1576243"/>
           </a:xfrm>
           <a:prstGeom prst="rect">
             <a:avLst/>
@@ -5001,7 +5228,7 @@
     </p:spTree>
     <p:extLst>
       <p:ext uri="{BB962C8B-B14F-4D97-AF65-F5344CB8AC3E}">
-        <p14:creationId xmlns:p14="http://schemas.microsoft.com/office/powerpoint/2010/main" val="2317526208"/>
+        <p14:creationId xmlns:p14="http://schemas.microsoft.com/office/powerpoint/2010/main" val="3170731721"/>
       </p:ext>
     </p:extLst>
   </p:cSld>
@@ -5035,86 +5262,94 @@
           <a:chExt cx="0" cy="0"/>
         </a:xfrm>
       </p:grpSpPr>
+      <p:pic>
+        <p:nvPicPr>
+          <p:cNvPr id="2" name="Picture 1"/>
+          <p:cNvPicPr>
+            <a:picLocks noChangeAspect="1"/>
+          </p:cNvPicPr>
+          <p:nvPr/>
+        </p:nvPicPr>
+        <p:blipFill>
+          <a:blip r:embed="rId2" cstate="print">
+            <a:extLst>
+              <a:ext uri="{28A0092B-C50C-407E-A947-70E740481C1C}">
+                <a14:useLocalDpi xmlns:a14="http://schemas.microsoft.com/office/drawing/2010/main" val="0"/>
+              </a:ext>
+            </a:extLst>
+          </a:blip>
+          <a:stretch>
+            <a:fillRect/>
+          </a:stretch>
+        </p:blipFill>
+        <p:spPr>
+          <a:xfrm>
+            <a:off x="9878691" y="477982"/>
+            <a:ext cx="1606727" cy="1606727"/>
+          </a:xfrm>
+          <a:prstGeom prst="rect">
+            <a:avLst/>
+          </a:prstGeom>
+        </p:spPr>
+      </p:pic>
       <p:sp>
         <p:nvSpPr>
-          <p:cNvPr id="2" name="Title 1"/>
-          <p:cNvSpPr>
-            <a:spLocks noGrp="1"/>
+          <p:cNvPr id="3" name="Title 1"/>
+          <p:cNvSpPr txBox="1">
+            <a:spLocks/>
           </p:cNvSpPr>
-          <p:nvPr>
-            <p:ph type="title"/>
-          </p:nvPr>
-        </p:nvSpPr>
-        <p:spPr>
-          <a:xfrm>
-            <a:off x="838200" y="321142"/>
-            <a:ext cx="10515600" cy="1325563"/>
-          </a:xfrm>
-        </p:spPr>
-        <p:txBody>
-          <a:bodyPr/>
-          <a:lstStyle/>
-          <a:p>
-            <a:r>
-              <a:rPr lang="en-US" dirty="0" smtClean="0"/>
-              <a:t>Experiments Length of Stay Prediction	</a:t>
-            </a:r>
-            <a:endParaRPr lang="en-US" dirty="0"/>
-          </a:p>
-        </p:txBody>
-      </p:sp>
-      <p:sp>
-        <p:nvSpPr>
-          <p:cNvPr id="8" name="Rectangle 7"/>
-          <p:cNvSpPr/>
           <p:nvPr/>
         </p:nvSpPr>
         <p:spPr>
           <a:xfrm>
-            <a:off x="838200" y="1506022"/>
-            <a:ext cx="4464556" cy="523220"/>
+            <a:off x="782782" y="477982"/>
+            <a:ext cx="10515600" cy="810492"/>
           </a:xfrm>
           <a:prstGeom prst="rect">
             <a:avLst/>
           </a:prstGeom>
         </p:spPr>
         <p:txBody>
-          <a:bodyPr wrap="none">
-            <a:spAutoFit/>
-          </a:bodyPr>
-          <a:lstStyle/>
-          <a:p>
-            <a:r>
-              <a:rPr lang="en-US" sz="2800" dirty="0">
+          <a:bodyPr/>
+          <a:lstStyle>
+            <a:lvl1pPr algn="l" defTabSz="914400" rtl="0" eaLnBrk="1" latinLnBrk="0" hangingPunct="1">
+              <a:lnSpc>
+                <a:spcPct val="90000"/>
+              </a:lnSpc>
+              <a:spcBef>
+                <a:spcPct val="0"/>
+              </a:spcBef>
+              <a:buNone/>
+              <a:defRPr sz="4400" kern="1200">
                 <a:solidFill>
-                  <a:srgbClr val="660099"/>
+                  <a:schemeClr val="tx1"/>
                 </a:solidFill>
-                <a:hlinkClick r:id="rId2"/>
+                <a:latin typeface="+mj-lt"/>
+                <a:ea typeface="+mj-ea"/>
+                <a:cs typeface="+mj-cs"/>
+              </a:defRPr>
+            </a:lvl1pPr>
+          </a:lstStyle>
+          <a:p>
+            <a:r>
+              <a:rPr lang="en-US" sz="3600" dirty="0" smtClean="0">
+                <a:latin typeface="Arial Rounded MT Bold" panose="020F0704030504030204" pitchFamily="34" charset="0"/>
+                <a:ea typeface="+mn-ea"/>
+                <a:cs typeface="+mn-cs"/>
               </a:rPr>
-              <a:t>Gradient Boosting </a:t>
-            </a:r>
-            <a:r>
-              <a:rPr lang="en-US" sz="2800" dirty="0" smtClean="0">
-                <a:solidFill>
-                  <a:srgbClr val="660099"/>
-                </a:solidFill>
-                <a:hlinkClick r:id="rId2"/>
-              </a:rPr>
-              <a:t>Regression</a:t>
-            </a:r>
-            <a:endParaRPr lang="en-US" sz="2800" b="0" i="0" dirty="0">
-              <a:solidFill>
-                <a:srgbClr val="660099"/>
-              </a:solidFill>
-              <a:effectLst/>
-              <a:hlinkClick r:id="rId2"/>
-            </a:endParaRPr>
+              <a:t>Over Sampling</a:t>
+            </a:r>
+            <a:r>
+              <a:rPr lang="en-US" dirty="0" smtClean="0"/>
+              <a:t>	</a:t>
+            </a:r>
+            <a:endParaRPr lang="en-US" dirty="0"/>
           </a:p>
         </p:txBody>
       </p:sp>
       <p:pic>
         <p:nvPicPr>
-          <p:cNvPr id="9" name="Picture 8"/>
+          <p:cNvPr id="4" name="Picture 3"/>
           <p:cNvPicPr>
             <a:picLocks noChangeAspect="1"/>
           </p:cNvPicPr>
@@ -5128,8 +5363,8 @@
         </p:blipFill>
         <p:spPr>
           <a:xfrm>
-            <a:off x="6387353" y="1840983"/>
-            <a:ext cx="3684493" cy="3766578"/>
+            <a:off x="1413164" y="3147063"/>
+            <a:ext cx="4225636" cy="2430675"/>
           </a:xfrm>
           <a:prstGeom prst="rect">
             <a:avLst/>
@@ -5138,14 +5373,14 @@
       </p:pic>
       <p:sp>
         <p:nvSpPr>
-          <p:cNvPr id="10" name="TextBox 9"/>
+          <p:cNvPr id="5" name="TextBox 4"/>
           <p:cNvSpPr txBox="1"/>
           <p:nvPr/>
         </p:nvSpPr>
         <p:spPr>
           <a:xfrm>
-            <a:off x="6279777" y="5801840"/>
-            <a:ext cx="3899647" cy="646331"/>
+            <a:off x="858579" y="1438377"/>
+            <a:ext cx="8423965" cy="954107"/>
           </a:xfrm>
           <a:prstGeom prst="rect">
             <a:avLst/>
@@ -5158,33 +5393,73 @@
           </a:bodyPr>
           <a:lstStyle/>
           <a:p>
-            <a:pPr algn="ctr"/>
-            <a:r>
-              <a:rPr lang="en-US" b="1" dirty="0" smtClean="0"/>
-              <a:t>Figure 2. Length of Stay Prediction (Labels vs Prediction)</a:t>
-            </a:r>
-            <a:endParaRPr lang="en-US" b="1" dirty="0"/>
+            <a:pPr marL="285750" indent="-285750">
+              <a:buFont typeface="Arial" panose="020B0604020202020204" pitchFamily="34" charset="0"/>
+              <a:buChar char="•"/>
+            </a:pPr>
+            <a:r>
+              <a:rPr lang="en-US" sz="2800" b="1" dirty="0" smtClean="0"/>
+              <a:t>SMOTE</a:t>
+            </a:r>
+            <a:r>
+              <a:rPr lang="en-US" sz="2800" dirty="0" smtClean="0"/>
+              <a:t>: </a:t>
+            </a:r>
+            <a:r>
+              <a:rPr lang="en-US" sz="2800" dirty="0"/>
+              <a:t>Synthetic Minority Over-Sampling Technique</a:t>
+            </a:r>
+            <a:endParaRPr lang="en-US" sz="2800" dirty="0" smtClean="0"/>
+          </a:p>
+          <a:p>
+            <a:pPr marL="285750" indent="-285750">
+              <a:buFont typeface="Arial" panose="020B0604020202020204" pitchFamily="34" charset="0"/>
+              <a:buChar char="•"/>
+            </a:pPr>
+            <a:r>
+              <a:rPr lang="en-US" sz="2800" b="1" dirty="0" smtClean="0"/>
+              <a:t>ADASYN</a:t>
+            </a:r>
+            <a:r>
+              <a:rPr lang="en-US" sz="2800" dirty="0" smtClean="0"/>
+              <a:t>: </a:t>
+            </a:r>
+            <a:r>
+              <a:rPr lang="en-US" sz="2800" dirty="0"/>
+              <a:t>Adaptive Synthetic </a:t>
+            </a:r>
+            <a:r>
+              <a:rPr lang="en-US" sz="2800" dirty="0" smtClean="0"/>
+              <a:t>Sampling</a:t>
+            </a:r>
+            <a:endParaRPr lang="en-US" sz="2800" dirty="0"/>
           </a:p>
         </p:txBody>
       </p:sp>
       <p:pic>
         <p:nvPicPr>
-          <p:cNvPr id="11" name="Picture 10"/>
+          <p:cNvPr id="6" name="Picture 5"/>
           <p:cNvPicPr>
             <a:picLocks noChangeAspect="1"/>
           </p:cNvPicPr>
           <p:nvPr/>
         </p:nvPicPr>
         <p:blipFill>
-          <a:blip r:embed="rId4"/>
+          <a:blip r:embed="rId4" cstate="print">
+            <a:extLst>
+              <a:ext uri="{28A0092B-C50C-407E-A947-70E740481C1C}">
+                <a14:useLocalDpi xmlns:a14="http://schemas.microsoft.com/office/drawing/2010/main" val="0"/>
+              </a:ext>
+            </a:extLst>
+          </a:blip>
           <a:stretch>
             <a:fillRect/>
           </a:stretch>
         </p:blipFill>
         <p:spPr>
           <a:xfrm>
-            <a:off x="1013011" y="2082467"/>
-            <a:ext cx="3774141" cy="3834048"/>
+            <a:off x="6885909" y="2234612"/>
+            <a:ext cx="5028999" cy="4132161"/>
           </a:xfrm>
           <a:prstGeom prst="rect">
             <a:avLst/>
@@ -5193,39 +5468,37 @@
       </p:pic>
       <p:sp>
         <p:nvSpPr>
-          <p:cNvPr id="12" name="TextBox 11"/>
-          <p:cNvSpPr txBox="1"/>
+          <p:cNvPr id="7" name="Rectangle 6"/>
+          <p:cNvSpPr/>
           <p:nvPr/>
         </p:nvSpPr>
         <p:spPr>
           <a:xfrm>
-            <a:off x="838200" y="5969740"/>
-            <a:ext cx="3899647" cy="646331"/>
+            <a:off x="9282544" y="5997441"/>
+            <a:ext cx="872098" cy="369332"/>
           </a:xfrm>
           <a:prstGeom prst="rect">
             <a:avLst/>
           </a:prstGeom>
-          <a:noFill/>
         </p:spPr>
         <p:txBody>
-          <a:bodyPr wrap="square" rtlCol="0">
+          <a:bodyPr wrap="none">
             <a:spAutoFit/>
           </a:bodyPr>
           <a:lstStyle/>
           <a:p>
-            <a:pPr algn="ctr"/>
             <a:r>
               <a:rPr lang="en-US" b="1" dirty="0" smtClean="0"/>
-              <a:t>Figure 1. LOS Group Prediction (Labels vs Prediction)</a:t>
-            </a:r>
-            <a:endParaRPr lang="en-US" b="1" dirty="0"/>
+              <a:t>SMOTE</a:t>
+            </a:r>
+            <a:endParaRPr lang="en-US" dirty="0"/>
           </a:p>
         </p:txBody>
       </p:sp>
     </p:spTree>
     <p:extLst>
       <p:ext uri="{BB962C8B-B14F-4D97-AF65-F5344CB8AC3E}">
-        <p14:creationId xmlns:p14="http://schemas.microsoft.com/office/powerpoint/2010/main" val="2313498685"/>
+        <p14:creationId xmlns:p14="http://schemas.microsoft.com/office/powerpoint/2010/main" val="3149523915"/>
       </p:ext>
     </p:extLst>
   </p:cSld>
@@ -5262,6 +5535,2306 @@
       <p:sp>
         <p:nvSpPr>
           <p:cNvPr id="2" name="Title 1"/>
+          <p:cNvSpPr txBox="1">
+            <a:spLocks/>
+          </p:cNvSpPr>
+          <p:nvPr/>
+        </p:nvSpPr>
+        <p:spPr>
+          <a:xfrm>
+            <a:off x="768928" y="380451"/>
+            <a:ext cx="10515600" cy="810492"/>
+          </a:xfrm>
+          <a:prstGeom prst="rect">
+            <a:avLst/>
+          </a:prstGeom>
+        </p:spPr>
+        <p:txBody>
+          <a:bodyPr/>
+          <a:lstStyle>
+            <a:lvl1pPr algn="l" defTabSz="914400" rtl="0" eaLnBrk="1" latinLnBrk="0" hangingPunct="1">
+              <a:lnSpc>
+                <a:spcPct val="90000"/>
+              </a:lnSpc>
+              <a:spcBef>
+                <a:spcPct val="0"/>
+              </a:spcBef>
+              <a:buNone/>
+              <a:defRPr sz="4400" kern="1200">
+                <a:solidFill>
+                  <a:schemeClr val="tx1"/>
+                </a:solidFill>
+                <a:latin typeface="+mj-lt"/>
+                <a:ea typeface="+mj-ea"/>
+                <a:cs typeface="+mj-cs"/>
+              </a:defRPr>
+            </a:lvl1pPr>
+          </a:lstStyle>
+          <a:p>
+            <a:r>
+              <a:rPr lang="en-US" sz="3600" dirty="0" smtClean="0">
+                <a:latin typeface="Arial Rounded MT Bold" panose="020F0704030504030204" pitchFamily="34" charset="0"/>
+                <a:ea typeface="+mn-ea"/>
+                <a:cs typeface="+mn-cs"/>
+              </a:rPr>
+              <a:t>Experiments and Results…</a:t>
+            </a:r>
+            <a:r>
+              <a:rPr lang="en-US" dirty="0" smtClean="0"/>
+              <a:t>	</a:t>
+            </a:r>
+            <a:endParaRPr lang="en-US" dirty="0"/>
+          </a:p>
+        </p:txBody>
+      </p:sp>
+      <p:pic>
+        <p:nvPicPr>
+          <p:cNvPr id="3" name="Picture 2"/>
+          <p:cNvPicPr>
+            <a:picLocks noChangeAspect="1"/>
+          </p:cNvPicPr>
+          <p:nvPr/>
+        </p:nvPicPr>
+        <p:blipFill>
+          <a:blip r:embed="rId2">
+            <a:extLst>
+              <a:ext uri="{28A0092B-C50C-407E-A947-70E740481C1C}">
+                <a14:useLocalDpi xmlns:a14="http://schemas.microsoft.com/office/drawing/2010/main" val="0"/>
+              </a:ext>
+            </a:extLst>
+          </a:blip>
+          <a:stretch>
+            <a:fillRect/>
+          </a:stretch>
+        </p:blipFill>
+        <p:spPr>
+          <a:xfrm>
+            <a:off x="973934" y="1190943"/>
+            <a:ext cx="10438095" cy="5085714"/>
+          </a:xfrm>
+          <a:prstGeom prst="rect">
+            <a:avLst/>
+          </a:prstGeom>
+        </p:spPr>
+      </p:pic>
+    </p:spTree>
+    <p:extLst>
+      <p:ext uri="{BB962C8B-B14F-4D97-AF65-F5344CB8AC3E}">
+        <p14:creationId xmlns:p14="http://schemas.microsoft.com/office/powerpoint/2010/main" val="3099193363"/>
+      </p:ext>
+    </p:extLst>
+  </p:cSld>
+  <p:clrMapOvr>
+    <a:masterClrMapping/>
+  </p:clrMapOvr>
+  <p:timing>
+    <p:tnLst>
+      <p:par>
+        <p:cTn id="1" dur="indefinite" restart="never" nodeType="tmRoot"/>
+      </p:par>
+    </p:tnLst>
+  </p:timing>
+</p:sld>
+</file>
+
+<file path=ppt/slides/slide19.xml><?xml version="1.0" encoding="utf-8"?>
+<p:sld xmlns:a="http://schemas.openxmlformats.org/drawingml/2006/main" xmlns:r="http://schemas.openxmlformats.org/officeDocument/2006/relationships" xmlns:p="http://schemas.openxmlformats.org/presentationml/2006/main">
+  <p:cSld>
+    <p:spTree>
+      <p:nvGrpSpPr>
+        <p:cNvPr id="1" name=""/>
+        <p:cNvGrpSpPr/>
+        <p:nvPr/>
+      </p:nvGrpSpPr>
+      <p:grpSpPr>
+        <a:xfrm>
+          <a:off x="0" y="0"/>
+          <a:ext cx="0" cy="0"/>
+          <a:chOff x="0" y="0"/>
+          <a:chExt cx="0" cy="0"/>
+        </a:xfrm>
+      </p:grpSpPr>
+      <p:pic>
+        <p:nvPicPr>
+          <p:cNvPr id="2" name="Picture 1"/>
+          <p:cNvPicPr>
+            <a:picLocks noChangeAspect="1"/>
+          </p:cNvPicPr>
+          <p:nvPr/>
+        </p:nvPicPr>
+        <p:blipFill>
+          <a:blip r:embed="rId2">
+            <a:extLst>
+              <a:ext uri="{28A0092B-C50C-407E-A947-70E740481C1C}">
+                <a14:useLocalDpi xmlns:a14="http://schemas.microsoft.com/office/drawing/2010/main" val="0"/>
+              </a:ext>
+            </a:extLst>
+          </a:blip>
+          <a:stretch>
+            <a:fillRect/>
+          </a:stretch>
+        </p:blipFill>
+        <p:spPr>
+          <a:xfrm>
+            <a:off x="921328" y="1190943"/>
+            <a:ext cx="10515600" cy="5429250"/>
+          </a:xfrm>
+          <a:prstGeom prst="rect">
+            <a:avLst/>
+          </a:prstGeom>
+        </p:spPr>
+      </p:pic>
+      <p:sp>
+        <p:nvSpPr>
+          <p:cNvPr id="3" name="Title 1"/>
+          <p:cNvSpPr txBox="1">
+            <a:spLocks/>
+          </p:cNvSpPr>
+          <p:nvPr/>
+        </p:nvSpPr>
+        <p:spPr>
+          <a:xfrm>
+            <a:off x="768928" y="380451"/>
+            <a:ext cx="10515600" cy="810492"/>
+          </a:xfrm>
+          <a:prstGeom prst="rect">
+            <a:avLst/>
+          </a:prstGeom>
+        </p:spPr>
+        <p:txBody>
+          <a:bodyPr/>
+          <a:lstStyle>
+            <a:lvl1pPr algn="l" defTabSz="914400" rtl="0" eaLnBrk="1" latinLnBrk="0" hangingPunct="1">
+              <a:lnSpc>
+                <a:spcPct val="90000"/>
+              </a:lnSpc>
+              <a:spcBef>
+                <a:spcPct val="0"/>
+              </a:spcBef>
+              <a:buNone/>
+              <a:defRPr sz="4400" kern="1200">
+                <a:solidFill>
+                  <a:schemeClr val="tx1"/>
+                </a:solidFill>
+                <a:latin typeface="+mj-lt"/>
+                <a:ea typeface="+mj-ea"/>
+                <a:cs typeface="+mj-cs"/>
+              </a:defRPr>
+            </a:lvl1pPr>
+          </a:lstStyle>
+          <a:p>
+            <a:r>
+              <a:rPr lang="en-US" sz="3600" dirty="0" smtClean="0">
+                <a:latin typeface="Arial Rounded MT Bold" panose="020F0704030504030204" pitchFamily="34" charset="0"/>
+                <a:ea typeface="+mn-ea"/>
+                <a:cs typeface="+mn-cs"/>
+              </a:rPr>
+              <a:t>Experiments and Results…</a:t>
+            </a:r>
+            <a:r>
+              <a:rPr lang="en-US" dirty="0" smtClean="0"/>
+              <a:t>	</a:t>
+            </a:r>
+            <a:endParaRPr lang="en-US" dirty="0"/>
+          </a:p>
+        </p:txBody>
+      </p:sp>
+    </p:spTree>
+    <p:extLst>
+      <p:ext uri="{BB962C8B-B14F-4D97-AF65-F5344CB8AC3E}">
+        <p14:creationId xmlns:p14="http://schemas.microsoft.com/office/powerpoint/2010/main" val="4285452604"/>
+      </p:ext>
+    </p:extLst>
+  </p:cSld>
+  <p:clrMapOvr>
+    <a:masterClrMapping/>
+  </p:clrMapOvr>
+  <p:timing>
+    <p:tnLst>
+      <p:par>
+        <p:cTn id="1" dur="indefinite" restart="never" nodeType="tmRoot"/>
+      </p:par>
+    </p:tnLst>
+  </p:timing>
+</p:sld>
+</file>
+
+<file path=ppt/slides/slide2.xml><?xml version="1.0" encoding="utf-8"?>
+<p:sld xmlns:a="http://schemas.openxmlformats.org/drawingml/2006/main" xmlns:r="http://schemas.openxmlformats.org/officeDocument/2006/relationships" xmlns:p="http://schemas.openxmlformats.org/presentationml/2006/main">
+  <p:cSld>
+    <p:spTree>
+      <p:nvGrpSpPr>
+        <p:cNvPr id="1" name=""/>
+        <p:cNvGrpSpPr/>
+        <p:nvPr/>
+      </p:nvGrpSpPr>
+      <p:grpSpPr>
+        <a:xfrm>
+          <a:off x="0" y="0"/>
+          <a:ext cx="0" cy="0"/>
+          <a:chOff x="0" y="0"/>
+          <a:chExt cx="0" cy="0"/>
+        </a:xfrm>
+      </p:grpSpPr>
+      <p:sp>
+        <p:nvSpPr>
+          <p:cNvPr id="6" name="TextBox 5"/>
+          <p:cNvSpPr txBox="1"/>
+          <p:nvPr/>
+        </p:nvSpPr>
+        <p:spPr>
+          <a:xfrm>
+            <a:off x="1286836" y="541260"/>
+            <a:ext cx="10153934" cy="646331"/>
+          </a:xfrm>
+          <a:prstGeom prst="rect">
+            <a:avLst/>
+          </a:prstGeom>
+          <a:noFill/>
+        </p:spPr>
+        <p:txBody>
+          <a:bodyPr wrap="square" rtlCol="0">
+            <a:spAutoFit/>
+          </a:bodyPr>
+          <a:lstStyle/>
+          <a:p>
+            <a:r>
+              <a:rPr lang="en-US" sz="3600" dirty="0">
+                <a:latin typeface="Arial Rounded MT Bold" panose="020F0704030504030204" pitchFamily="34" charset="0"/>
+              </a:rPr>
+              <a:t>Outline</a:t>
+            </a:r>
+            <a:r>
+              <a:rPr lang="en-US" sz="3200" dirty="0">
+                <a:latin typeface="Arial Rounded MT Bold" panose="020F0704030504030204" pitchFamily="34" charset="0"/>
+              </a:rPr>
+              <a:t>	</a:t>
+            </a:r>
+            <a:r>
+              <a:rPr lang="en-US" sz="3200" dirty="0" smtClean="0">
+                <a:solidFill>
+                  <a:schemeClr val="accent5">
+                    <a:lumMod val="75000"/>
+                  </a:schemeClr>
+                </a:solidFill>
+                <a:latin typeface="Arial Rounded MT Bold" panose="020F0704030504030204" pitchFamily="34" charset="0"/>
+              </a:rPr>
+              <a:t>						</a:t>
+            </a:r>
+            <a:r>
+              <a:rPr lang="en-US" sz="3200" dirty="0">
+                <a:solidFill>
+                  <a:schemeClr val="accent5">
+                    <a:lumMod val="75000"/>
+                  </a:schemeClr>
+                </a:solidFill>
+                <a:latin typeface="Arial Rounded MT Bold" panose="020F0704030504030204" pitchFamily="34" charset="0"/>
+              </a:rPr>
+              <a:t>	 </a:t>
+            </a:r>
+            <a:r>
+              <a:rPr lang="en-US" sz="3200" dirty="0" smtClean="0">
+                <a:solidFill>
+                  <a:schemeClr val="accent5">
+                    <a:lumMod val="75000"/>
+                  </a:schemeClr>
+                </a:solidFill>
+                <a:latin typeface="Arial Rounded MT Bold" panose="020F0704030504030204" pitchFamily="34" charset="0"/>
+              </a:rPr>
+              <a:t>    </a:t>
+            </a:r>
+            <a:endParaRPr lang="en-US" sz="3200" dirty="0">
+              <a:solidFill>
+                <a:schemeClr val="accent5">
+                  <a:lumMod val="75000"/>
+                </a:schemeClr>
+              </a:solidFill>
+              <a:latin typeface="Arial Rounded MT Bold" panose="020F0704030504030204" pitchFamily="34" charset="0"/>
+            </a:endParaRPr>
+          </a:p>
+        </p:txBody>
+      </p:sp>
+      <p:sp>
+        <p:nvSpPr>
+          <p:cNvPr id="7" name="TextBox 6"/>
+          <p:cNvSpPr txBox="1"/>
+          <p:nvPr/>
+        </p:nvSpPr>
+        <p:spPr>
+          <a:xfrm>
+            <a:off x="775855" y="1508455"/>
+            <a:ext cx="7831220" cy="5463034"/>
+          </a:xfrm>
+          <a:prstGeom prst="rect">
+            <a:avLst/>
+          </a:prstGeom>
+          <a:noFill/>
+        </p:spPr>
+        <p:txBody>
+          <a:bodyPr wrap="square" numCol="2" rtlCol="0">
+            <a:spAutoFit/>
+          </a:bodyPr>
+          <a:lstStyle/>
+          <a:p>
+            <a:pPr indent="-285750">
+              <a:buFont typeface="Arial" panose="020B0604020202020204" pitchFamily="34" charset="0"/>
+              <a:buChar char="•"/>
+            </a:pPr>
+            <a:r>
+              <a:rPr lang="en-US" sz="2800" dirty="0" smtClean="0">
+                <a:cs typeface="helvetica" panose="020B0604020202020204" pitchFamily="34" charset="0"/>
+              </a:rPr>
+              <a:t>Introduction</a:t>
+            </a:r>
+          </a:p>
+          <a:p>
+            <a:endParaRPr lang="en-US" sz="2800" dirty="0">
+              <a:cs typeface="helvetica" panose="020B0604020202020204" pitchFamily="34" charset="0"/>
+            </a:endParaRPr>
+          </a:p>
+          <a:p>
+            <a:pPr indent="-285750">
+              <a:buFont typeface="Arial" panose="020B0604020202020204" pitchFamily="34" charset="0"/>
+              <a:buChar char="•"/>
+            </a:pPr>
+            <a:r>
+              <a:rPr lang="en-US" sz="2800" dirty="0">
+                <a:cs typeface="helvetica" panose="020B0604020202020204" pitchFamily="34" charset="0"/>
+              </a:rPr>
+              <a:t>Problem Statement</a:t>
+            </a:r>
+          </a:p>
+          <a:p>
+            <a:endParaRPr lang="en-US" sz="2800" dirty="0" smtClean="0">
+              <a:cs typeface="helvetica" panose="020B0604020202020204" pitchFamily="34" charset="0"/>
+            </a:endParaRPr>
+          </a:p>
+          <a:p>
+            <a:pPr indent="-285750">
+              <a:buFont typeface="Arial" panose="020B0604020202020204" pitchFamily="34" charset="0"/>
+              <a:buChar char="•"/>
+            </a:pPr>
+            <a:r>
+              <a:rPr lang="en-US" sz="2800" dirty="0">
+                <a:cs typeface="helvetica" panose="020B0604020202020204" pitchFamily="34" charset="0"/>
+              </a:rPr>
+              <a:t>Objective</a:t>
+            </a:r>
+            <a:endParaRPr lang="en-US" sz="2800" dirty="0">
+              <a:cs typeface="helvetica" panose="020B0604020202020204" pitchFamily="34" charset="0"/>
+            </a:endParaRPr>
+          </a:p>
+          <a:p>
+            <a:endParaRPr lang="en-US" sz="2800" dirty="0">
+              <a:cs typeface="helvetica" panose="020B0604020202020204" pitchFamily="34" charset="0"/>
+            </a:endParaRPr>
+          </a:p>
+          <a:p>
+            <a:pPr indent="-285750">
+              <a:buFont typeface="Arial" panose="020B0604020202020204" pitchFamily="34" charset="0"/>
+              <a:buChar char="•"/>
+            </a:pPr>
+            <a:r>
+              <a:rPr lang="en-US" sz="2800" dirty="0">
+                <a:cs typeface="helvetica" panose="020B0604020202020204" pitchFamily="34" charset="0"/>
+              </a:rPr>
+              <a:t>Challenges</a:t>
+            </a:r>
+          </a:p>
+          <a:p>
+            <a:endParaRPr lang="en-US" sz="2800" dirty="0">
+              <a:cs typeface="helvetica" panose="020B0604020202020204" pitchFamily="34" charset="0"/>
+            </a:endParaRPr>
+          </a:p>
+          <a:p>
+            <a:pPr indent="-285750">
+              <a:buFont typeface="Arial" panose="020B0604020202020204" pitchFamily="34" charset="0"/>
+              <a:buChar char="•"/>
+            </a:pPr>
+            <a:r>
+              <a:rPr lang="en-US" sz="2800" dirty="0">
+                <a:cs typeface="helvetica" panose="020B0604020202020204" pitchFamily="34" charset="0"/>
+              </a:rPr>
+              <a:t>Literature Review</a:t>
+            </a:r>
+          </a:p>
+          <a:p>
+            <a:pPr indent="-285750">
+              <a:buFont typeface="Arial" panose="020B0604020202020204" pitchFamily="34" charset="0"/>
+              <a:buChar char="•"/>
+            </a:pPr>
+            <a:endParaRPr lang="en-US" sz="2800" dirty="0">
+              <a:cs typeface="helvetica" panose="020B0604020202020204" pitchFamily="34" charset="0"/>
+            </a:endParaRPr>
+          </a:p>
+          <a:p>
+            <a:pPr indent="-285750">
+              <a:buFont typeface="Arial" panose="020B0604020202020204" pitchFamily="34" charset="0"/>
+              <a:buChar char="•"/>
+            </a:pPr>
+            <a:r>
+              <a:rPr lang="en-US" sz="2800" dirty="0" smtClean="0">
+                <a:cs typeface="helvetica" panose="020B0604020202020204" pitchFamily="34" charset="0"/>
+              </a:rPr>
+              <a:t>Dataset</a:t>
+            </a:r>
+          </a:p>
+          <a:p>
+            <a:pPr indent="-285750">
+              <a:buFont typeface="Arial" panose="020B0604020202020204" pitchFamily="34" charset="0"/>
+              <a:buChar char="•"/>
+            </a:pPr>
+            <a:endParaRPr lang="en-US" sz="2800" dirty="0">
+              <a:cs typeface="helvetica" panose="020B0604020202020204" pitchFamily="34" charset="0"/>
+            </a:endParaRPr>
+          </a:p>
+          <a:p>
+            <a:pPr indent="-285750">
+              <a:buFont typeface="Arial" panose="020B0604020202020204" pitchFamily="34" charset="0"/>
+              <a:buChar char="•"/>
+            </a:pPr>
+            <a:r>
+              <a:rPr lang="en-US" sz="2800" dirty="0" smtClean="0">
+                <a:cs typeface="helvetica" panose="020B0604020202020204" pitchFamily="34" charset="0"/>
+              </a:rPr>
+              <a:t>Methodology</a:t>
+            </a:r>
+          </a:p>
+          <a:p>
+            <a:endParaRPr lang="en-US" sz="2800" dirty="0">
+              <a:cs typeface="helvetica" panose="020B0604020202020204" pitchFamily="34" charset="0"/>
+            </a:endParaRPr>
+          </a:p>
+          <a:p>
+            <a:pPr indent="-285750">
+              <a:buFont typeface="Arial" panose="020B0604020202020204" pitchFamily="34" charset="0"/>
+              <a:buChar char="•"/>
+            </a:pPr>
+            <a:r>
+              <a:rPr lang="en-US" sz="2800" dirty="0" smtClean="0">
+                <a:cs typeface="helvetica" panose="020B0604020202020204" pitchFamily="34" charset="0"/>
+              </a:rPr>
+              <a:t>Sampling</a:t>
+            </a:r>
+          </a:p>
+          <a:p>
+            <a:pPr indent="-285750">
+              <a:buFont typeface="Arial" panose="020B0604020202020204" pitchFamily="34" charset="0"/>
+              <a:buChar char="•"/>
+            </a:pPr>
+            <a:endParaRPr lang="en-US" sz="2800" dirty="0">
+              <a:cs typeface="helvetica" panose="020B0604020202020204" pitchFamily="34" charset="0"/>
+            </a:endParaRPr>
+          </a:p>
+          <a:p>
+            <a:pPr indent="-285750">
+              <a:buFont typeface="Arial" panose="020B0604020202020204" pitchFamily="34" charset="0"/>
+              <a:buChar char="•"/>
+            </a:pPr>
+            <a:r>
+              <a:rPr lang="en-US" sz="2800" dirty="0" smtClean="0">
+                <a:cs typeface="helvetica" panose="020B0604020202020204" pitchFamily="34" charset="0"/>
+              </a:rPr>
+              <a:t>Results</a:t>
+            </a:r>
+          </a:p>
+          <a:p>
+            <a:pPr indent="-285750">
+              <a:buFont typeface="Arial" panose="020B0604020202020204" pitchFamily="34" charset="0"/>
+              <a:buChar char="•"/>
+            </a:pPr>
+            <a:endParaRPr lang="en-US" sz="2800" dirty="0">
+              <a:cs typeface="helvetica" panose="020B0604020202020204" pitchFamily="34" charset="0"/>
+            </a:endParaRPr>
+          </a:p>
+          <a:p>
+            <a:pPr indent="-285750">
+              <a:buFont typeface="Arial" panose="020B0604020202020204" pitchFamily="34" charset="0"/>
+              <a:buChar char="•"/>
+            </a:pPr>
+            <a:r>
+              <a:rPr lang="en-US" sz="2800" dirty="0" smtClean="0">
+                <a:cs typeface="helvetica" panose="020B0604020202020204" pitchFamily="34" charset="0"/>
+              </a:rPr>
+              <a:t>Future Work</a:t>
+            </a:r>
+          </a:p>
+          <a:p>
+            <a:pPr indent="-285750">
+              <a:buFont typeface="Arial" panose="020B0604020202020204" pitchFamily="34" charset="0"/>
+              <a:buChar char="•"/>
+            </a:pPr>
+            <a:endParaRPr lang="en-US" dirty="0" smtClean="0">
+              <a:latin typeface="Arial Rounded MT Bold" panose="020F0704030504030204" pitchFamily="34" charset="0"/>
+              <a:cs typeface="helvetica" panose="020B0604020202020204" pitchFamily="34" charset="0"/>
+            </a:endParaRPr>
+          </a:p>
+          <a:p>
+            <a:pPr indent="-285750">
+              <a:lnSpc>
+                <a:spcPct val="150000"/>
+              </a:lnSpc>
+              <a:buFont typeface="Arial" panose="020B0604020202020204" pitchFamily="34" charset="0"/>
+              <a:buChar char="•"/>
+            </a:pPr>
+            <a:endParaRPr lang="en-US" dirty="0">
+              <a:latin typeface="Arial Rounded MT Bold" panose="020F0704030504030204" pitchFamily="34" charset="0"/>
+              <a:cs typeface="helvetica" panose="020B0604020202020204" pitchFamily="34" charset="0"/>
+            </a:endParaRPr>
+          </a:p>
+          <a:p>
+            <a:pPr marL="285750" indent="-285750">
+              <a:buFont typeface="Arial" panose="020B0604020202020204" pitchFamily="34" charset="0"/>
+              <a:buChar char="•"/>
+            </a:pPr>
+            <a:endParaRPr lang="en-US" sz="2000" dirty="0">
+              <a:latin typeface="Arial Rounded MT Bold" panose="020F0704030504030204" pitchFamily="34" charset="0"/>
+            </a:endParaRPr>
+          </a:p>
+          <a:p>
+            <a:pPr marL="285750" indent="-285750">
+              <a:buFont typeface="Arial" panose="020B0604020202020204" pitchFamily="34" charset="0"/>
+              <a:buChar char="•"/>
+            </a:pPr>
+            <a:endParaRPr lang="en-US" sz="2000" dirty="0" smtClean="0">
+              <a:latin typeface="Arial Rounded MT Bold" panose="020F0704030504030204" pitchFamily="34" charset="0"/>
+            </a:endParaRPr>
+          </a:p>
+          <a:p>
+            <a:pPr marL="285750" indent="-285750">
+              <a:buFont typeface="Arial" panose="020B0604020202020204" pitchFamily="34" charset="0"/>
+              <a:buChar char="•"/>
+            </a:pPr>
+            <a:endParaRPr lang="en-US" sz="2000" dirty="0" smtClean="0">
+              <a:latin typeface="Arial Rounded MT Bold" panose="020F0704030504030204" pitchFamily="34" charset="0"/>
+            </a:endParaRPr>
+          </a:p>
+          <a:p>
+            <a:pPr marL="285750" indent="-285750">
+              <a:buFont typeface="Arial" panose="020B0604020202020204" pitchFamily="34" charset="0"/>
+              <a:buChar char="•"/>
+            </a:pPr>
+            <a:endParaRPr lang="en-US" sz="2000" dirty="0" smtClean="0">
+              <a:latin typeface="Arial Rounded MT Bold" panose="020F0704030504030204" pitchFamily="34" charset="0"/>
+            </a:endParaRPr>
+          </a:p>
+        </p:txBody>
+      </p:sp>
+      <p:pic>
+        <p:nvPicPr>
+          <p:cNvPr id="2" name="Picture 1"/>
+          <p:cNvPicPr>
+            <a:picLocks noChangeAspect="1"/>
+          </p:cNvPicPr>
+          <p:nvPr/>
+        </p:nvPicPr>
+        <p:blipFill>
+          <a:blip r:embed="rId2" cstate="print">
+            <a:extLst>
+              <a:ext uri="{28A0092B-C50C-407E-A947-70E740481C1C}">
+                <a14:useLocalDpi xmlns:a14="http://schemas.microsoft.com/office/drawing/2010/main" val="0"/>
+              </a:ext>
+            </a:extLst>
+          </a:blip>
+          <a:stretch>
+            <a:fillRect/>
+          </a:stretch>
+        </p:blipFill>
+        <p:spPr>
+          <a:xfrm>
+            <a:off x="476984" y="477289"/>
+            <a:ext cx="712718" cy="712718"/>
+          </a:xfrm>
+          <a:prstGeom prst="rect">
+            <a:avLst/>
+          </a:prstGeom>
+        </p:spPr>
+      </p:pic>
+      <p:pic>
+        <p:nvPicPr>
+          <p:cNvPr id="3" name="Picture 2"/>
+          <p:cNvPicPr>
+            <a:picLocks noChangeAspect="1"/>
+          </p:cNvPicPr>
+          <p:nvPr/>
+        </p:nvPicPr>
+        <p:blipFill>
+          <a:blip r:embed="rId3" cstate="print">
+            <a:extLst>
+              <a:ext uri="{28A0092B-C50C-407E-A947-70E740481C1C}">
+                <a14:useLocalDpi xmlns:a14="http://schemas.microsoft.com/office/drawing/2010/main" val="0"/>
+              </a:ext>
+            </a:extLst>
+          </a:blip>
+          <a:stretch>
+            <a:fillRect/>
+          </a:stretch>
+        </p:blipFill>
+        <p:spPr>
+          <a:xfrm>
+            <a:off x="9567780" y="194324"/>
+            <a:ext cx="1412706" cy="1412706"/>
+          </a:xfrm>
+          <a:prstGeom prst="rect">
+            <a:avLst/>
+          </a:prstGeom>
+        </p:spPr>
+      </p:pic>
+      <p:pic>
+        <p:nvPicPr>
+          <p:cNvPr id="9" name="Picture 8"/>
+          <p:cNvPicPr>
+            <a:picLocks noChangeAspect="1"/>
+          </p:cNvPicPr>
+          <p:nvPr/>
+        </p:nvPicPr>
+        <p:blipFill>
+          <a:blip r:embed="rId4" cstate="print">
+            <a:extLst>
+              <a:ext uri="{28A0092B-C50C-407E-A947-70E740481C1C}">
+                <a14:useLocalDpi xmlns:a14="http://schemas.microsoft.com/office/drawing/2010/main" val="0"/>
+              </a:ext>
+            </a:extLst>
+          </a:blip>
+          <a:stretch>
+            <a:fillRect/>
+          </a:stretch>
+        </p:blipFill>
+        <p:spPr>
+          <a:xfrm>
+            <a:off x="8433364" y="3923153"/>
+            <a:ext cx="1616732" cy="1616732"/>
+          </a:xfrm>
+          <a:prstGeom prst="rect">
+            <a:avLst/>
+          </a:prstGeom>
+        </p:spPr>
+      </p:pic>
+      <p:pic>
+        <p:nvPicPr>
+          <p:cNvPr id="10" name="Picture 9"/>
+          <p:cNvPicPr>
+            <a:picLocks noChangeAspect="1"/>
+          </p:cNvPicPr>
+          <p:nvPr/>
+        </p:nvPicPr>
+        <p:blipFill>
+          <a:blip r:embed="rId5" cstate="print">
+            <a:extLst>
+              <a:ext uri="{28A0092B-C50C-407E-A947-70E740481C1C}">
+                <a14:useLocalDpi xmlns:a14="http://schemas.microsoft.com/office/drawing/2010/main" val="0"/>
+              </a:ext>
+            </a:extLst>
+          </a:blip>
+          <a:stretch>
+            <a:fillRect/>
+          </a:stretch>
+        </p:blipFill>
+        <p:spPr>
+          <a:xfrm>
+            <a:off x="8611249" y="2042653"/>
+            <a:ext cx="1438847" cy="1438847"/>
+          </a:xfrm>
+          <a:prstGeom prst="rect">
+            <a:avLst/>
+          </a:prstGeom>
+        </p:spPr>
+      </p:pic>
+      <p:pic>
+        <p:nvPicPr>
+          <p:cNvPr id="4" name="Picture 3"/>
+          <p:cNvPicPr>
+            <a:picLocks noChangeAspect="1"/>
+          </p:cNvPicPr>
+          <p:nvPr/>
+        </p:nvPicPr>
+        <p:blipFill>
+          <a:blip r:embed="rId6" cstate="print">
+            <a:extLst>
+              <a:ext uri="{28A0092B-C50C-407E-A947-70E740481C1C}">
+                <a14:useLocalDpi xmlns:a14="http://schemas.microsoft.com/office/drawing/2010/main" val="0"/>
+              </a:ext>
+            </a:extLst>
+          </a:blip>
+          <a:stretch>
+            <a:fillRect/>
+          </a:stretch>
+        </p:blipFill>
+        <p:spPr>
+          <a:xfrm>
+            <a:off x="10399381" y="3976815"/>
+            <a:ext cx="1365499" cy="1365499"/>
+          </a:xfrm>
+          <a:prstGeom prst="rect">
+            <a:avLst/>
+          </a:prstGeom>
+        </p:spPr>
+      </p:pic>
+      <p:pic>
+        <p:nvPicPr>
+          <p:cNvPr id="12" name="Picture 11"/>
+          <p:cNvPicPr>
+            <a:picLocks noChangeAspect="1"/>
+          </p:cNvPicPr>
+          <p:nvPr/>
+        </p:nvPicPr>
+        <p:blipFill>
+          <a:blip r:embed="rId7" cstate="print">
+            <a:extLst>
+              <a:ext uri="{28A0092B-C50C-407E-A947-70E740481C1C}">
+                <a14:useLocalDpi xmlns:a14="http://schemas.microsoft.com/office/drawing/2010/main" val="0"/>
+              </a:ext>
+            </a:extLst>
+          </a:blip>
+          <a:stretch>
+            <a:fillRect/>
+          </a:stretch>
+        </p:blipFill>
+        <p:spPr>
+          <a:xfrm>
+            <a:off x="10399381" y="2042653"/>
+            <a:ext cx="1162210" cy="1162210"/>
+          </a:xfrm>
+          <a:prstGeom prst="rect">
+            <a:avLst/>
+          </a:prstGeom>
+        </p:spPr>
+      </p:pic>
+    </p:spTree>
+    <p:extLst>
+      <p:ext uri="{BB962C8B-B14F-4D97-AF65-F5344CB8AC3E}">
+        <p14:creationId xmlns:p14="http://schemas.microsoft.com/office/powerpoint/2010/main" val="2755754768"/>
+      </p:ext>
+    </p:extLst>
+  </p:cSld>
+  <p:clrMapOvr>
+    <a:masterClrMapping/>
+  </p:clrMapOvr>
+  <p:timing>
+    <p:tnLst>
+      <p:par>
+        <p:cTn id="1" dur="indefinite" restart="never" nodeType="tmRoot"/>
+      </p:par>
+    </p:tnLst>
+  </p:timing>
+</p:sld>
+</file>
+
+<file path=ppt/slides/slide20.xml><?xml version="1.0" encoding="utf-8"?>
+<p:sld xmlns:a="http://schemas.openxmlformats.org/drawingml/2006/main" xmlns:r="http://schemas.openxmlformats.org/officeDocument/2006/relationships" xmlns:p="http://schemas.openxmlformats.org/presentationml/2006/main">
+  <p:cSld>
+    <p:spTree>
+      <p:nvGrpSpPr>
+        <p:cNvPr id="1" name=""/>
+        <p:cNvGrpSpPr/>
+        <p:nvPr/>
+      </p:nvGrpSpPr>
+      <p:grpSpPr>
+        <a:xfrm>
+          <a:off x="0" y="0"/>
+          <a:ext cx="0" cy="0"/>
+          <a:chOff x="0" y="0"/>
+          <a:chExt cx="0" cy="0"/>
+        </a:xfrm>
+      </p:grpSpPr>
+      <p:pic>
+        <p:nvPicPr>
+          <p:cNvPr id="6" name="Picture 5"/>
+          <p:cNvPicPr>
+            <a:picLocks noChangeAspect="1"/>
+          </p:cNvPicPr>
+          <p:nvPr/>
+        </p:nvPicPr>
+        <p:blipFill>
+          <a:blip r:embed="rId2" cstate="print">
+            <a:extLst>
+              <a:ext uri="{28A0092B-C50C-407E-A947-70E740481C1C}">
+                <a14:useLocalDpi xmlns:a14="http://schemas.microsoft.com/office/drawing/2010/main" val="0"/>
+              </a:ext>
+            </a:extLst>
+          </a:blip>
+          <a:stretch>
+            <a:fillRect/>
+          </a:stretch>
+        </p:blipFill>
+        <p:spPr>
+          <a:xfrm>
+            <a:off x="8222672" y="4718173"/>
+            <a:ext cx="1877291" cy="1877291"/>
+          </a:xfrm>
+          <a:prstGeom prst="rect">
+            <a:avLst/>
+          </a:prstGeom>
+        </p:spPr>
+      </p:pic>
+      <p:pic>
+        <p:nvPicPr>
+          <p:cNvPr id="7" name="Picture 6"/>
+          <p:cNvPicPr>
+            <a:picLocks noChangeAspect="1"/>
+          </p:cNvPicPr>
+          <p:nvPr/>
+        </p:nvPicPr>
+        <p:blipFill>
+          <a:blip r:embed="rId3" cstate="print">
+            <a:extLst>
+              <a:ext uri="{28A0092B-C50C-407E-A947-70E740481C1C}">
+                <a14:useLocalDpi xmlns:a14="http://schemas.microsoft.com/office/drawing/2010/main" val="0"/>
+              </a:ext>
+            </a:extLst>
+          </a:blip>
+          <a:stretch>
+            <a:fillRect/>
+          </a:stretch>
+        </p:blipFill>
+        <p:spPr>
+          <a:xfrm>
+            <a:off x="10200409" y="4809685"/>
+            <a:ext cx="1785779" cy="1785779"/>
+          </a:xfrm>
+          <a:prstGeom prst="rect">
+            <a:avLst/>
+          </a:prstGeom>
+        </p:spPr>
+      </p:pic>
+      <p:sp>
+        <p:nvSpPr>
+          <p:cNvPr id="8" name="Title 1"/>
+          <p:cNvSpPr txBox="1">
+            <a:spLocks/>
+          </p:cNvSpPr>
+          <p:nvPr/>
+        </p:nvSpPr>
+        <p:spPr>
+          <a:xfrm>
+            <a:off x="408710" y="351626"/>
+            <a:ext cx="10515600" cy="810492"/>
+          </a:xfrm>
+          <a:prstGeom prst="rect">
+            <a:avLst/>
+          </a:prstGeom>
+        </p:spPr>
+        <p:txBody>
+          <a:bodyPr/>
+          <a:lstStyle>
+            <a:lvl1pPr algn="l" defTabSz="914400" rtl="0" eaLnBrk="1" latinLnBrk="0" hangingPunct="1">
+              <a:lnSpc>
+                <a:spcPct val="90000"/>
+              </a:lnSpc>
+              <a:spcBef>
+                <a:spcPct val="0"/>
+              </a:spcBef>
+              <a:buNone/>
+              <a:defRPr sz="4400" kern="1200">
+                <a:solidFill>
+                  <a:schemeClr val="tx1"/>
+                </a:solidFill>
+                <a:latin typeface="+mj-lt"/>
+                <a:ea typeface="+mj-ea"/>
+                <a:cs typeface="+mj-cs"/>
+              </a:defRPr>
+            </a:lvl1pPr>
+          </a:lstStyle>
+          <a:p>
+            <a:r>
+              <a:rPr lang="en-US" sz="3600" dirty="0" smtClean="0">
+                <a:latin typeface="Arial Rounded MT Bold" panose="020F0704030504030204" pitchFamily="34" charset="0"/>
+                <a:ea typeface="+mn-ea"/>
+                <a:cs typeface="+mn-cs"/>
+              </a:rPr>
+              <a:t>ADASYN</a:t>
+            </a:r>
+            <a:r>
+              <a:rPr lang="en-US" dirty="0" smtClean="0"/>
+              <a:t>	</a:t>
+            </a:r>
+            <a:endParaRPr lang="en-US" dirty="0"/>
+          </a:p>
+        </p:txBody>
+      </p:sp>
+      <p:graphicFrame>
+        <p:nvGraphicFramePr>
+          <p:cNvPr id="4" name="Table 3"/>
+          <p:cNvGraphicFramePr>
+            <a:graphicFrameLocks noGrp="1"/>
+          </p:cNvGraphicFramePr>
+          <p:nvPr>
+            <p:extLst>
+              <p:ext uri="{D42A27DB-BD31-4B8C-83A1-F6EECF244321}">
+                <p14:modId xmlns:p14="http://schemas.microsoft.com/office/powerpoint/2010/main" val="4131387418"/>
+              </p:ext>
+            </p:extLst>
+          </p:nvPr>
+        </p:nvGraphicFramePr>
+        <p:xfrm>
+          <a:off x="408710" y="1178310"/>
+          <a:ext cx="6144489" cy="2585290"/>
+        </p:xfrm>
+        <a:graphic>
+          <a:graphicData uri="http://schemas.openxmlformats.org/drawingml/2006/table">
+            <a:tbl>
+              <a:tblPr firstRow="1" firstCol="1" bandRow="1">
+                <a:tableStyleId>{9D7B26C5-4107-4FEC-AEDC-1716B250A1EF}</a:tableStyleId>
+              </a:tblPr>
+              <a:tblGrid>
+                <a:gridCol w="2048163">
+                  <a:extLst>
+                    <a:ext uri="{9D8B030D-6E8A-4147-A177-3AD203B41FA5}">
+                      <a16:colId xmlns:a16="http://schemas.microsoft.com/office/drawing/2014/main" val="1594343296"/>
+                    </a:ext>
+                  </a:extLst>
+                </a:gridCol>
+                <a:gridCol w="2048163">
+                  <a:extLst>
+                    <a:ext uri="{9D8B030D-6E8A-4147-A177-3AD203B41FA5}">
+                      <a16:colId xmlns:a16="http://schemas.microsoft.com/office/drawing/2014/main" val="547225535"/>
+                    </a:ext>
+                  </a:extLst>
+                </a:gridCol>
+                <a:gridCol w="2048163">
+                  <a:extLst>
+                    <a:ext uri="{9D8B030D-6E8A-4147-A177-3AD203B41FA5}">
+                      <a16:colId xmlns:a16="http://schemas.microsoft.com/office/drawing/2014/main" val="3003035144"/>
+                    </a:ext>
+                  </a:extLst>
+                </a:gridCol>
+              </a:tblGrid>
+              <a:tr h="517058">
+                <a:tc>
+                  <a:txBody>
+                    <a:bodyPr/>
+                    <a:lstStyle/>
+                    <a:p>
+                      <a:pPr algn="ctr">
+                        <a:lnSpc>
+                          <a:spcPct val="150000"/>
+                        </a:lnSpc>
+                        <a:spcAft>
+                          <a:spcPts val="0"/>
+                        </a:spcAft>
+                      </a:pPr>
+                      <a:r>
+                        <a:rPr lang="en-US" sz="2000" dirty="0">
+                          <a:effectLst/>
+                        </a:rPr>
+                        <a:t>Model</a:t>
+                      </a:r>
+                      <a:endParaRPr lang="en-US" sz="2000" dirty="0">
+                        <a:effectLst/>
+                        <a:latin typeface="Times New Roman" panose="02020603050405020304" pitchFamily="18" charset="0"/>
+                        <a:ea typeface="Cordia New"/>
+                        <a:cs typeface="Cordia New"/>
+                      </a:endParaRPr>
+                    </a:p>
+                  </a:txBody>
+                  <a:tcPr marL="68580" marR="68580" marT="0" marB="0"/>
+                </a:tc>
+                <a:tc>
+                  <a:txBody>
+                    <a:bodyPr/>
+                    <a:lstStyle/>
+                    <a:p>
+                      <a:pPr algn="ctr">
+                        <a:lnSpc>
+                          <a:spcPct val="150000"/>
+                        </a:lnSpc>
+                        <a:spcAft>
+                          <a:spcPts val="0"/>
+                        </a:spcAft>
+                      </a:pPr>
+                      <a:r>
+                        <a:rPr lang="en-US" sz="2000" dirty="0">
+                          <a:effectLst/>
+                        </a:rPr>
+                        <a:t>Accuracy</a:t>
+                      </a:r>
+                      <a:endParaRPr lang="en-US" sz="2000" dirty="0">
+                        <a:effectLst/>
+                        <a:latin typeface="Times New Roman" panose="02020603050405020304" pitchFamily="18" charset="0"/>
+                        <a:ea typeface="Cordia New"/>
+                        <a:cs typeface="Cordia New"/>
+                      </a:endParaRPr>
+                    </a:p>
+                  </a:txBody>
+                  <a:tcPr marL="68580" marR="68580" marT="0" marB="0"/>
+                </a:tc>
+                <a:tc>
+                  <a:txBody>
+                    <a:bodyPr/>
+                    <a:lstStyle/>
+                    <a:p>
+                      <a:pPr algn="ctr">
+                        <a:lnSpc>
+                          <a:spcPct val="150000"/>
+                        </a:lnSpc>
+                        <a:spcAft>
+                          <a:spcPts val="0"/>
+                        </a:spcAft>
+                      </a:pPr>
+                      <a:r>
+                        <a:rPr lang="en-US" sz="2000" dirty="0">
+                          <a:effectLst/>
+                        </a:rPr>
+                        <a:t>AUROC</a:t>
+                      </a:r>
+                      <a:endParaRPr lang="en-US" sz="2000" dirty="0">
+                        <a:effectLst/>
+                        <a:latin typeface="Times New Roman" panose="02020603050405020304" pitchFamily="18" charset="0"/>
+                        <a:ea typeface="Cordia New"/>
+                        <a:cs typeface="Cordia New"/>
+                      </a:endParaRPr>
+                    </a:p>
+                  </a:txBody>
+                  <a:tcPr marL="68580" marR="68580" marT="0" marB="0"/>
+                </a:tc>
+                <a:extLst>
+                  <a:ext uri="{0D108BD9-81ED-4DB2-BD59-A6C34878D82A}">
+                    <a16:rowId xmlns:a16="http://schemas.microsoft.com/office/drawing/2014/main" val="1942673229"/>
+                  </a:ext>
+                </a:extLst>
+              </a:tr>
+              <a:tr h="517058">
+                <a:tc>
+                  <a:txBody>
+                    <a:bodyPr/>
+                    <a:lstStyle/>
+                    <a:p>
+                      <a:pPr algn="ctr">
+                        <a:lnSpc>
+                          <a:spcPct val="150000"/>
+                        </a:lnSpc>
+                        <a:spcAft>
+                          <a:spcPts val="0"/>
+                        </a:spcAft>
+                      </a:pPr>
+                      <a:r>
+                        <a:rPr lang="en-US" sz="1800" dirty="0">
+                          <a:effectLst/>
+                        </a:rPr>
+                        <a:t>Logistic Regression</a:t>
+                      </a:r>
+                      <a:endParaRPr lang="en-US" sz="1800" dirty="0">
+                        <a:effectLst/>
+                        <a:latin typeface="Times New Roman" panose="02020603050405020304" pitchFamily="18" charset="0"/>
+                        <a:ea typeface="Cordia New"/>
+                        <a:cs typeface="Cordia New"/>
+                      </a:endParaRPr>
+                    </a:p>
+                  </a:txBody>
+                  <a:tcPr marL="68580" marR="68580" marT="0" marB="0"/>
+                </a:tc>
+                <a:tc>
+                  <a:txBody>
+                    <a:bodyPr/>
+                    <a:lstStyle/>
+                    <a:p>
+                      <a:pPr algn="ctr">
+                        <a:lnSpc>
+                          <a:spcPct val="150000"/>
+                        </a:lnSpc>
+                        <a:spcAft>
+                          <a:spcPts val="0"/>
+                        </a:spcAft>
+                      </a:pPr>
+                      <a:r>
+                        <a:rPr lang="en-US" sz="1800" b="1" dirty="0">
+                          <a:effectLst/>
+                        </a:rPr>
+                        <a:t>65 %</a:t>
+                      </a:r>
+                      <a:endParaRPr lang="en-US" sz="1800" b="1" dirty="0">
+                        <a:effectLst/>
+                        <a:latin typeface="Times New Roman" panose="02020603050405020304" pitchFamily="18" charset="0"/>
+                        <a:ea typeface="Cordia New"/>
+                        <a:cs typeface="Cordia New"/>
+                      </a:endParaRPr>
+                    </a:p>
+                  </a:txBody>
+                  <a:tcPr marL="68580" marR="68580" marT="0" marB="0"/>
+                </a:tc>
+                <a:tc>
+                  <a:txBody>
+                    <a:bodyPr/>
+                    <a:lstStyle/>
+                    <a:p>
+                      <a:pPr algn="ctr">
+                        <a:lnSpc>
+                          <a:spcPct val="150000"/>
+                        </a:lnSpc>
+                        <a:spcAft>
+                          <a:spcPts val="0"/>
+                        </a:spcAft>
+                      </a:pPr>
+                      <a:r>
+                        <a:rPr lang="en-US" sz="1800" b="1">
+                          <a:effectLst/>
+                        </a:rPr>
+                        <a:t>0.72</a:t>
+                      </a:r>
+                      <a:endParaRPr lang="en-US" sz="1800" b="1">
+                        <a:effectLst/>
+                        <a:latin typeface="Times New Roman" panose="02020603050405020304" pitchFamily="18" charset="0"/>
+                        <a:ea typeface="Cordia New"/>
+                        <a:cs typeface="Cordia New"/>
+                      </a:endParaRPr>
+                    </a:p>
+                  </a:txBody>
+                  <a:tcPr marL="68580" marR="68580" marT="0" marB="0"/>
+                </a:tc>
+                <a:extLst>
+                  <a:ext uri="{0D108BD9-81ED-4DB2-BD59-A6C34878D82A}">
+                    <a16:rowId xmlns:a16="http://schemas.microsoft.com/office/drawing/2014/main" val="120864913"/>
+                  </a:ext>
+                </a:extLst>
+              </a:tr>
+              <a:tr h="517058">
+                <a:tc>
+                  <a:txBody>
+                    <a:bodyPr/>
+                    <a:lstStyle/>
+                    <a:p>
+                      <a:pPr algn="ctr">
+                        <a:lnSpc>
+                          <a:spcPct val="150000"/>
+                        </a:lnSpc>
+                        <a:spcAft>
+                          <a:spcPts val="0"/>
+                        </a:spcAft>
+                      </a:pPr>
+                      <a:r>
+                        <a:rPr lang="en-US" sz="1800" dirty="0">
+                          <a:effectLst/>
+                        </a:rPr>
+                        <a:t>Linear SVC</a:t>
+                      </a:r>
+                      <a:endParaRPr lang="en-US" sz="1800" dirty="0">
+                        <a:effectLst/>
+                        <a:latin typeface="Times New Roman" panose="02020603050405020304" pitchFamily="18" charset="0"/>
+                        <a:ea typeface="Cordia New"/>
+                        <a:cs typeface="Cordia New"/>
+                      </a:endParaRPr>
+                    </a:p>
+                  </a:txBody>
+                  <a:tcPr marL="68580" marR="68580" marT="0" marB="0"/>
+                </a:tc>
+                <a:tc>
+                  <a:txBody>
+                    <a:bodyPr/>
+                    <a:lstStyle/>
+                    <a:p>
+                      <a:pPr algn="ctr">
+                        <a:lnSpc>
+                          <a:spcPct val="150000"/>
+                        </a:lnSpc>
+                        <a:spcAft>
+                          <a:spcPts val="0"/>
+                        </a:spcAft>
+                      </a:pPr>
+                      <a:r>
+                        <a:rPr lang="en-US" sz="1800" b="1" dirty="0">
+                          <a:effectLst/>
+                        </a:rPr>
+                        <a:t>66%</a:t>
+                      </a:r>
+                      <a:endParaRPr lang="en-US" sz="1800" b="1" dirty="0">
+                        <a:effectLst/>
+                        <a:latin typeface="Times New Roman" panose="02020603050405020304" pitchFamily="18" charset="0"/>
+                        <a:ea typeface="Cordia New"/>
+                        <a:cs typeface="Cordia New"/>
+                      </a:endParaRPr>
+                    </a:p>
+                  </a:txBody>
+                  <a:tcPr marL="68580" marR="68580" marT="0" marB="0"/>
+                </a:tc>
+                <a:tc>
+                  <a:txBody>
+                    <a:bodyPr/>
+                    <a:lstStyle/>
+                    <a:p>
+                      <a:pPr algn="ctr">
+                        <a:lnSpc>
+                          <a:spcPct val="150000"/>
+                        </a:lnSpc>
+                        <a:spcAft>
+                          <a:spcPts val="0"/>
+                        </a:spcAft>
+                      </a:pPr>
+                      <a:r>
+                        <a:rPr lang="en-US" sz="1800" b="1" dirty="0">
+                          <a:effectLst/>
+                        </a:rPr>
+                        <a:t>0.72</a:t>
+                      </a:r>
+                      <a:endParaRPr lang="en-US" sz="1800" b="1" dirty="0">
+                        <a:effectLst/>
+                        <a:latin typeface="Times New Roman" panose="02020603050405020304" pitchFamily="18" charset="0"/>
+                        <a:ea typeface="Cordia New"/>
+                        <a:cs typeface="Cordia New"/>
+                      </a:endParaRPr>
+                    </a:p>
+                  </a:txBody>
+                  <a:tcPr marL="68580" marR="68580" marT="0" marB="0"/>
+                </a:tc>
+                <a:extLst>
+                  <a:ext uri="{0D108BD9-81ED-4DB2-BD59-A6C34878D82A}">
+                    <a16:rowId xmlns:a16="http://schemas.microsoft.com/office/drawing/2014/main" val="577848799"/>
+                  </a:ext>
+                </a:extLst>
+              </a:tr>
+              <a:tr h="517058">
+                <a:tc>
+                  <a:txBody>
+                    <a:bodyPr/>
+                    <a:lstStyle/>
+                    <a:p>
+                      <a:pPr algn="ctr">
+                        <a:lnSpc>
+                          <a:spcPct val="150000"/>
+                        </a:lnSpc>
+                        <a:spcAft>
+                          <a:spcPts val="0"/>
+                        </a:spcAft>
+                      </a:pPr>
+                      <a:r>
+                        <a:rPr lang="en-US" sz="1800" dirty="0">
+                          <a:effectLst/>
+                        </a:rPr>
+                        <a:t>Random Forrest</a:t>
+                      </a:r>
+                      <a:endParaRPr lang="en-US" sz="1800" dirty="0">
+                        <a:effectLst/>
+                        <a:latin typeface="Times New Roman" panose="02020603050405020304" pitchFamily="18" charset="0"/>
+                        <a:ea typeface="Cordia New"/>
+                        <a:cs typeface="Cordia New"/>
+                      </a:endParaRPr>
+                    </a:p>
+                  </a:txBody>
+                  <a:tcPr marL="68580" marR="68580" marT="0" marB="0"/>
+                </a:tc>
+                <a:tc>
+                  <a:txBody>
+                    <a:bodyPr/>
+                    <a:lstStyle/>
+                    <a:p>
+                      <a:pPr algn="ctr">
+                        <a:lnSpc>
+                          <a:spcPct val="150000"/>
+                        </a:lnSpc>
+                        <a:spcAft>
+                          <a:spcPts val="0"/>
+                        </a:spcAft>
+                      </a:pPr>
+                      <a:r>
+                        <a:rPr lang="en-US" sz="1800" b="1" dirty="0">
+                          <a:effectLst/>
+                        </a:rPr>
+                        <a:t>86%</a:t>
+                      </a:r>
+                      <a:endParaRPr lang="en-US" sz="1800" b="1" dirty="0">
+                        <a:effectLst/>
+                        <a:latin typeface="Times New Roman" panose="02020603050405020304" pitchFamily="18" charset="0"/>
+                        <a:ea typeface="Cordia New"/>
+                        <a:cs typeface="Cordia New"/>
+                      </a:endParaRPr>
+                    </a:p>
+                  </a:txBody>
+                  <a:tcPr marL="68580" marR="68580" marT="0" marB="0"/>
+                </a:tc>
+                <a:tc>
+                  <a:txBody>
+                    <a:bodyPr/>
+                    <a:lstStyle/>
+                    <a:p>
+                      <a:pPr algn="ctr">
+                        <a:lnSpc>
+                          <a:spcPct val="150000"/>
+                        </a:lnSpc>
+                        <a:spcAft>
+                          <a:spcPts val="0"/>
+                        </a:spcAft>
+                      </a:pPr>
+                      <a:r>
+                        <a:rPr lang="en-US" sz="1800" b="1" dirty="0">
+                          <a:effectLst/>
+                        </a:rPr>
+                        <a:t>0.83</a:t>
+                      </a:r>
+                      <a:endParaRPr lang="en-US" sz="1800" b="1" dirty="0">
+                        <a:effectLst/>
+                        <a:latin typeface="Times New Roman" panose="02020603050405020304" pitchFamily="18" charset="0"/>
+                        <a:ea typeface="Cordia New"/>
+                        <a:cs typeface="Cordia New"/>
+                      </a:endParaRPr>
+                    </a:p>
+                  </a:txBody>
+                  <a:tcPr marL="68580" marR="68580" marT="0" marB="0"/>
+                </a:tc>
+                <a:extLst>
+                  <a:ext uri="{0D108BD9-81ED-4DB2-BD59-A6C34878D82A}">
+                    <a16:rowId xmlns:a16="http://schemas.microsoft.com/office/drawing/2014/main" val="172985147"/>
+                  </a:ext>
+                </a:extLst>
+              </a:tr>
+              <a:tr h="517058">
+                <a:tc>
+                  <a:txBody>
+                    <a:bodyPr/>
+                    <a:lstStyle/>
+                    <a:p>
+                      <a:pPr algn="ctr">
+                        <a:lnSpc>
+                          <a:spcPct val="150000"/>
+                        </a:lnSpc>
+                        <a:spcAft>
+                          <a:spcPts val="0"/>
+                        </a:spcAft>
+                      </a:pPr>
+                      <a:r>
+                        <a:rPr lang="en-US" sz="1800" dirty="0">
+                          <a:effectLst/>
+                        </a:rPr>
+                        <a:t>ANN</a:t>
+                      </a:r>
+                      <a:endParaRPr lang="en-US" sz="1800" dirty="0">
+                        <a:effectLst/>
+                        <a:latin typeface="Times New Roman" panose="02020603050405020304" pitchFamily="18" charset="0"/>
+                        <a:ea typeface="Cordia New"/>
+                        <a:cs typeface="Cordia New"/>
+                      </a:endParaRPr>
+                    </a:p>
+                  </a:txBody>
+                  <a:tcPr marL="68580" marR="68580" marT="0" marB="0"/>
+                </a:tc>
+                <a:tc>
+                  <a:txBody>
+                    <a:bodyPr/>
+                    <a:lstStyle/>
+                    <a:p>
+                      <a:pPr algn="ctr">
+                        <a:lnSpc>
+                          <a:spcPct val="150000"/>
+                        </a:lnSpc>
+                        <a:spcAft>
+                          <a:spcPts val="0"/>
+                        </a:spcAft>
+                      </a:pPr>
+                      <a:r>
+                        <a:rPr lang="en-US" sz="1800" b="1" dirty="0">
+                          <a:effectLst/>
+                        </a:rPr>
+                        <a:t>81%</a:t>
+                      </a:r>
+                      <a:endParaRPr lang="en-US" sz="1800" b="1" dirty="0">
+                        <a:effectLst/>
+                        <a:latin typeface="Times New Roman" panose="02020603050405020304" pitchFamily="18" charset="0"/>
+                        <a:ea typeface="Cordia New"/>
+                        <a:cs typeface="Cordia New"/>
+                      </a:endParaRPr>
+                    </a:p>
+                  </a:txBody>
+                  <a:tcPr marL="68580" marR="68580" marT="0" marB="0"/>
+                </a:tc>
+                <a:tc>
+                  <a:txBody>
+                    <a:bodyPr/>
+                    <a:lstStyle/>
+                    <a:p>
+                      <a:pPr algn="ctr">
+                        <a:lnSpc>
+                          <a:spcPct val="150000"/>
+                        </a:lnSpc>
+                        <a:spcAft>
+                          <a:spcPts val="0"/>
+                        </a:spcAft>
+                      </a:pPr>
+                      <a:r>
+                        <a:rPr lang="en-US" sz="1800" b="1" dirty="0">
+                          <a:effectLst/>
+                        </a:rPr>
+                        <a:t>0.82</a:t>
+                      </a:r>
+                      <a:endParaRPr lang="en-US" sz="1800" b="1" dirty="0">
+                        <a:effectLst/>
+                        <a:latin typeface="Times New Roman" panose="02020603050405020304" pitchFamily="18" charset="0"/>
+                        <a:ea typeface="Cordia New"/>
+                        <a:cs typeface="Cordia New"/>
+                      </a:endParaRPr>
+                    </a:p>
+                  </a:txBody>
+                  <a:tcPr marL="68580" marR="68580" marT="0" marB="0"/>
+                </a:tc>
+                <a:extLst>
+                  <a:ext uri="{0D108BD9-81ED-4DB2-BD59-A6C34878D82A}">
+                    <a16:rowId xmlns:a16="http://schemas.microsoft.com/office/drawing/2014/main" val="620746123"/>
+                  </a:ext>
+                </a:extLst>
+              </a:tr>
+            </a:tbl>
+          </a:graphicData>
+        </a:graphic>
+      </p:graphicFrame>
+      <p:pic>
+        <p:nvPicPr>
+          <p:cNvPr id="9" name="Picture 8"/>
+          <p:cNvPicPr>
+            <a:picLocks noChangeAspect="1"/>
+          </p:cNvPicPr>
+          <p:nvPr/>
+        </p:nvPicPr>
+        <p:blipFill>
+          <a:blip r:embed="rId4">
+            <a:extLst>
+              <a:ext uri="{28A0092B-C50C-407E-A947-70E740481C1C}">
+                <a14:useLocalDpi xmlns:a14="http://schemas.microsoft.com/office/drawing/2010/main" val="0"/>
+              </a:ext>
+            </a:extLst>
+          </a:blip>
+          <a:stretch>
+            <a:fillRect/>
+          </a:stretch>
+        </p:blipFill>
+        <p:spPr>
+          <a:xfrm>
+            <a:off x="6785211" y="908188"/>
+            <a:ext cx="5218671" cy="3312307"/>
+          </a:xfrm>
+          <a:prstGeom prst="rect">
+            <a:avLst/>
+          </a:prstGeom>
+        </p:spPr>
+      </p:pic>
+      <p:pic>
+        <p:nvPicPr>
+          <p:cNvPr id="10" name="Picture 9"/>
+          <p:cNvPicPr/>
+          <p:nvPr/>
+        </p:nvPicPr>
+        <p:blipFill>
+          <a:blip r:embed="rId5"/>
+          <a:stretch>
+            <a:fillRect/>
+          </a:stretch>
+        </p:blipFill>
+        <p:spPr>
+          <a:xfrm>
+            <a:off x="406544" y="4061814"/>
+            <a:ext cx="3762375" cy="2533650"/>
+          </a:xfrm>
+          <a:prstGeom prst="rect">
+            <a:avLst/>
+          </a:prstGeom>
+        </p:spPr>
+      </p:pic>
+      <p:pic>
+        <p:nvPicPr>
+          <p:cNvPr id="11" name="Picture 10"/>
+          <p:cNvPicPr/>
+          <p:nvPr/>
+        </p:nvPicPr>
+        <p:blipFill>
+          <a:blip r:embed="rId6"/>
+          <a:stretch>
+            <a:fillRect/>
+          </a:stretch>
+        </p:blipFill>
+        <p:spPr>
+          <a:xfrm>
+            <a:off x="4269365" y="3966564"/>
+            <a:ext cx="3771900" cy="2724150"/>
+          </a:xfrm>
+          <a:prstGeom prst="rect">
+            <a:avLst/>
+          </a:prstGeom>
+        </p:spPr>
+      </p:pic>
+    </p:spTree>
+    <p:extLst>
+      <p:ext uri="{BB962C8B-B14F-4D97-AF65-F5344CB8AC3E}">
+        <p14:creationId xmlns:p14="http://schemas.microsoft.com/office/powerpoint/2010/main" val="1596090781"/>
+      </p:ext>
+    </p:extLst>
+  </p:cSld>
+  <p:clrMapOvr>
+    <a:masterClrMapping/>
+  </p:clrMapOvr>
+  <p:timing>
+    <p:tnLst>
+      <p:par>
+        <p:cTn id="1" dur="indefinite" restart="never" nodeType="tmRoot"/>
+      </p:par>
+    </p:tnLst>
+  </p:timing>
+</p:sld>
+</file>
+
+<file path=ppt/slides/slide21.xml><?xml version="1.0" encoding="utf-8"?>
+<p:sld xmlns:a="http://schemas.openxmlformats.org/drawingml/2006/main" xmlns:r="http://schemas.openxmlformats.org/officeDocument/2006/relationships" xmlns:p="http://schemas.openxmlformats.org/presentationml/2006/main">
+  <p:cSld>
+    <p:spTree>
+      <p:nvGrpSpPr>
+        <p:cNvPr id="1" name=""/>
+        <p:cNvGrpSpPr/>
+        <p:nvPr/>
+      </p:nvGrpSpPr>
+      <p:grpSpPr>
+        <a:xfrm>
+          <a:off x="0" y="0"/>
+          <a:ext cx="0" cy="0"/>
+          <a:chOff x="0" y="0"/>
+          <a:chExt cx="0" cy="0"/>
+        </a:xfrm>
+      </p:grpSpPr>
+      <p:graphicFrame>
+        <p:nvGraphicFramePr>
+          <p:cNvPr id="2" name="Table 1"/>
+          <p:cNvGraphicFramePr>
+            <a:graphicFrameLocks noGrp="1"/>
+          </p:cNvGraphicFramePr>
+          <p:nvPr>
+            <p:extLst>
+              <p:ext uri="{D42A27DB-BD31-4B8C-83A1-F6EECF244321}">
+                <p14:modId xmlns:p14="http://schemas.microsoft.com/office/powerpoint/2010/main" val="1255085613"/>
+              </p:ext>
+            </p:extLst>
+          </p:nvPr>
+        </p:nvGraphicFramePr>
+        <p:xfrm>
+          <a:off x="470301" y="1709471"/>
+          <a:ext cx="6281478" cy="2656510"/>
+        </p:xfrm>
+        <a:graphic>
+          <a:graphicData uri="http://schemas.openxmlformats.org/drawingml/2006/table">
+            <a:tbl>
+              <a:tblPr firstRow="1" firstCol="1" bandRow="1">
+                <a:tableStyleId>{9D7B26C5-4107-4FEC-AEDC-1716B250A1EF}</a:tableStyleId>
+              </a:tblPr>
+              <a:tblGrid>
+                <a:gridCol w="2093826">
+                  <a:extLst>
+                    <a:ext uri="{9D8B030D-6E8A-4147-A177-3AD203B41FA5}">
+                      <a16:colId xmlns:a16="http://schemas.microsoft.com/office/drawing/2014/main" val="2287432312"/>
+                    </a:ext>
+                  </a:extLst>
+                </a:gridCol>
+                <a:gridCol w="2093826">
+                  <a:extLst>
+                    <a:ext uri="{9D8B030D-6E8A-4147-A177-3AD203B41FA5}">
+                      <a16:colId xmlns:a16="http://schemas.microsoft.com/office/drawing/2014/main" val="1176316480"/>
+                    </a:ext>
+                  </a:extLst>
+                </a:gridCol>
+                <a:gridCol w="2093826">
+                  <a:extLst>
+                    <a:ext uri="{9D8B030D-6E8A-4147-A177-3AD203B41FA5}">
+                      <a16:colId xmlns:a16="http://schemas.microsoft.com/office/drawing/2014/main" val="1917550153"/>
+                    </a:ext>
+                  </a:extLst>
+                </a:gridCol>
+              </a:tblGrid>
+              <a:tr h="531302">
+                <a:tc>
+                  <a:txBody>
+                    <a:bodyPr/>
+                    <a:lstStyle/>
+                    <a:p>
+                      <a:pPr algn="ctr">
+                        <a:lnSpc>
+                          <a:spcPct val="150000"/>
+                        </a:lnSpc>
+                        <a:spcAft>
+                          <a:spcPts val="0"/>
+                        </a:spcAft>
+                      </a:pPr>
+                      <a:r>
+                        <a:rPr lang="en-US" sz="2000" dirty="0">
+                          <a:effectLst/>
+                        </a:rPr>
+                        <a:t>Model</a:t>
+                      </a:r>
+                      <a:endParaRPr lang="en-US" sz="2000" dirty="0">
+                        <a:effectLst/>
+                        <a:latin typeface="Times New Roman" panose="02020603050405020304" pitchFamily="18" charset="0"/>
+                        <a:ea typeface="Cordia New"/>
+                        <a:cs typeface="Cordia New"/>
+                      </a:endParaRPr>
+                    </a:p>
+                  </a:txBody>
+                  <a:tcPr marL="68580" marR="68580" marT="0" marB="0"/>
+                </a:tc>
+                <a:tc>
+                  <a:txBody>
+                    <a:bodyPr/>
+                    <a:lstStyle/>
+                    <a:p>
+                      <a:pPr algn="ctr">
+                        <a:lnSpc>
+                          <a:spcPct val="150000"/>
+                        </a:lnSpc>
+                        <a:spcAft>
+                          <a:spcPts val="0"/>
+                        </a:spcAft>
+                      </a:pPr>
+                      <a:r>
+                        <a:rPr lang="en-US" sz="2000" dirty="0">
+                          <a:effectLst/>
+                        </a:rPr>
+                        <a:t>Accuracy</a:t>
+                      </a:r>
+                      <a:endParaRPr lang="en-US" sz="2000" dirty="0">
+                        <a:effectLst/>
+                        <a:latin typeface="Times New Roman" panose="02020603050405020304" pitchFamily="18" charset="0"/>
+                        <a:ea typeface="Cordia New"/>
+                        <a:cs typeface="Cordia New"/>
+                      </a:endParaRPr>
+                    </a:p>
+                  </a:txBody>
+                  <a:tcPr marL="68580" marR="68580" marT="0" marB="0"/>
+                </a:tc>
+                <a:tc>
+                  <a:txBody>
+                    <a:bodyPr/>
+                    <a:lstStyle/>
+                    <a:p>
+                      <a:pPr algn="ctr">
+                        <a:lnSpc>
+                          <a:spcPct val="150000"/>
+                        </a:lnSpc>
+                        <a:spcAft>
+                          <a:spcPts val="0"/>
+                        </a:spcAft>
+                      </a:pPr>
+                      <a:r>
+                        <a:rPr lang="en-US" sz="2000" dirty="0">
+                          <a:effectLst/>
+                        </a:rPr>
+                        <a:t>AUROC</a:t>
+                      </a:r>
+                      <a:endParaRPr lang="en-US" sz="2000" dirty="0">
+                        <a:effectLst/>
+                        <a:latin typeface="Times New Roman" panose="02020603050405020304" pitchFamily="18" charset="0"/>
+                        <a:ea typeface="Cordia New"/>
+                        <a:cs typeface="Cordia New"/>
+                      </a:endParaRPr>
+                    </a:p>
+                  </a:txBody>
+                  <a:tcPr marL="68580" marR="68580" marT="0" marB="0"/>
+                </a:tc>
+                <a:extLst>
+                  <a:ext uri="{0D108BD9-81ED-4DB2-BD59-A6C34878D82A}">
+                    <a16:rowId xmlns:a16="http://schemas.microsoft.com/office/drawing/2014/main" val="3983249902"/>
+                  </a:ext>
+                </a:extLst>
+              </a:tr>
+              <a:tr h="531302">
+                <a:tc>
+                  <a:txBody>
+                    <a:bodyPr/>
+                    <a:lstStyle/>
+                    <a:p>
+                      <a:pPr algn="ctr">
+                        <a:lnSpc>
+                          <a:spcPct val="150000"/>
+                        </a:lnSpc>
+                        <a:spcAft>
+                          <a:spcPts val="0"/>
+                        </a:spcAft>
+                      </a:pPr>
+                      <a:r>
+                        <a:rPr lang="en-US" sz="1800" dirty="0">
+                          <a:effectLst/>
+                        </a:rPr>
+                        <a:t>Logistic Regression</a:t>
+                      </a:r>
+                      <a:endParaRPr lang="en-US" sz="1800" dirty="0">
+                        <a:effectLst/>
+                        <a:latin typeface="Times New Roman" panose="02020603050405020304" pitchFamily="18" charset="0"/>
+                        <a:ea typeface="Cordia New"/>
+                        <a:cs typeface="Cordia New"/>
+                      </a:endParaRPr>
+                    </a:p>
+                  </a:txBody>
+                  <a:tcPr marL="68580" marR="68580" marT="0" marB="0"/>
+                </a:tc>
+                <a:tc>
+                  <a:txBody>
+                    <a:bodyPr/>
+                    <a:lstStyle/>
+                    <a:p>
+                      <a:pPr algn="ctr">
+                        <a:lnSpc>
+                          <a:spcPct val="150000"/>
+                        </a:lnSpc>
+                        <a:spcAft>
+                          <a:spcPts val="0"/>
+                        </a:spcAft>
+                      </a:pPr>
+                      <a:r>
+                        <a:rPr lang="en-US" sz="1800" b="1" dirty="0">
+                          <a:effectLst/>
+                        </a:rPr>
+                        <a:t>67 %</a:t>
+                      </a:r>
+                      <a:endParaRPr lang="en-US" sz="1800" b="1" dirty="0">
+                        <a:effectLst/>
+                        <a:latin typeface="Times New Roman" panose="02020603050405020304" pitchFamily="18" charset="0"/>
+                        <a:ea typeface="Cordia New"/>
+                        <a:cs typeface="Cordia New"/>
+                      </a:endParaRPr>
+                    </a:p>
+                  </a:txBody>
+                  <a:tcPr marL="68580" marR="68580" marT="0" marB="0"/>
+                </a:tc>
+                <a:tc>
+                  <a:txBody>
+                    <a:bodyPr/>
+                    <a:lstStyle/>
+                    <a:p>
+                      <a:pPr algn="ctr">
+                        <a:lnSpc>
+                          <a:spcPct val="150000"/>
+                        </a:lnSpc>
+                        <a:spcAft>
+                          <a:spcPts val="0"/>
+                        </a:spcAft>
+                      </a:pPr>
+                      <a:r>
+                        <a:rPr lang="en-US" sz="1800" b="1" dirty="0">
+                          <a:effectLst/>
+                        </a:rPr>
+                        <a:t>0.72</a:t>
+                      </a:r>
+                      <a:endParaRPr lang="en-US" sz="1800" b="1" dirty="0">
+                        <a:effectLst/>
+                        <a:latin typeface="Times New Roman" panose="02020603050405020304" pitchFamily="18" charset="0"/>
+                        <a:ea typeface="Cordia New"/>
+                        <a:cs typeface="Cordia New"/>
+                      </a:endParaRPr>
+                    </a:p>
+                  </a:txBody>
+                  <a:tcPr marL="68580" marR="68580" marT="0" marB="0"/>
+                </a:tc>
+                <a:extLst>
+                  <a:ext uri="{0D108BD9-81ED-4DB2-BD59-A6C34878D82A}">
+                    <a16:rowId xmlns:a16="http://schemas.microsoft.com/office/drawing/2014/main" val="1367841742"/>
+                  </a:ext>
+                </a:extLst>
+              </a:tr>
+              <a:tr h="531302">
+                <a:tc>
+                  <a:txBody>
+                    <a:bodyPr/>
+                    <a:lstStyle/>
+                    <a:p>
+                      <a:pPr algn="ctr">
+                        <a:lnSpc>
+                          <a:spcPct val="150000"/>
+                        </a:lnSpc>
+                        <a:spcAft>
+                          <a:spcPts val="0"/>
+                        </a:spcAft>
+                      </a:pPr>
+                      <a:r>
+                        <a:rPr lang="en-US" sz="1800" dirty="0">
+                          <a:effectLst/>
+                        </a:rPr>
+                        <a:t>Linear SVC</a:t>
+                      </a:r>
+                      <a:endParaRPr lang="en-US" sz="1800" dirty="0">
+                        <a:effectLst/>
+                        <a:latin typeface="Times New Roman" panose="02020603050405020304" pitchFamily="18" charset="0"/>
+                        <a:ea typeface="Cordia New"/>
+                        <a:cs typeface="Cordia New"/>
+                      </a:endParaRPr>
+                    </a:p>
+                  </a:txBody>
+                  <a:tcPr marL="68580" marR="68580" marT="0" marB="0"/>
+                </a:tc>
+                <a:tc>
+                  <a:txBody>
+                    <a:bodyPr/>
+                    <a:lstStyle/>
+                    <a:p>
+                      <a:pPr algn="ctr">
+                        <a:lnSpc>
+                          <a:spcPct val="150000"/>
+                        </a:lnSpc>
+                        <a:spcAft>
+                          <a:spcPts val="0"/>
+                        </a:spcAft>
+                      </a:pPr>
+                      <a:r>
+                        <a:rPr lang="en-US" sz="1800" b="1" dirty="0">
+                          <a:effectLst/>
+                        </a:rPr>
+                        <a:t>67%</a:t>
+                      </a:r>
+                      <a:endParaRPr lang="en-US" sz="1800" b="1" dirty="0">
+                        <a:effectLst/>
+                        <a:latin typeface="Times New Roman" panose="02020603050405020304" pitchFamily="18" charset="0"/>
+                        <a:ea typeface="Cordia New"/>
+                        <a:cs typeface="Cordia New"/>
+                      </a:endParaRPr>
+                    </a:p>
+                  </a:txBody>
+                  <a:tcPr marL="68580" marR="68580" marT="0" marB="0"/>
+                </a:tc>
+                <a:tc>
+                  <a:txBody>
+                    <a:bodyPr/>
+                    <a:lstStyle/>
+                    <a:p>
+                      <a:pPr algn="ctr">
+                        <a:lnSpc>
+                          <a:spcPct val="150000"/>
+                        </a:lnSpc>
+                        <a:spcAft>
+                          <a:spcPts val="0"/>
+                        </a:spcAft>
+                      </a:pPr>
+                      <a:r>
+                        <a:rPr lang="en-US" sz="1800" b="1" dirty="0">
+                          <a:effectLst/>
+                        </a:rPr>
+                        <a:t>0.73</a:t>
+                      </a:r>
+                      <a:endParaRPr lang="en-US" sz="1800" b="1" dirty="0">
+                        <a:effectLst/>
+                        <a:latin typeface="Times New Roman" panose="02020603050405020304" pitchFamily="18" charset="0"/>
+                        <a:ea typeface="Cordia New"/>
+                        <a:cs typeface="Cordia New"/>
+                      </a:endParaRPr>
+                    </a:p>
+                  </a:txBody>
+                  <a:tcPr marL="68580" marR="68580" marT="0" marB="0"/>
+                </a:tc>
+                <a:extLst>
+                  <a:ext uri="{0D108BD9-81ED-4DB2-BD59-A6C34878D82A}">
+                    <a16:rowId xmlns:a16="http://schemas.microsoft.com/office/drawing/2014/main" val="2749809168"/>
+                  </a:ext>
+                </a:extLst>
+              </a:tr>
+              <a:tr h="531302">
+                <a:tc>
+                  <a:txBody>
+                    <a:bodyPr/>
+                    <a:lstStyle/>
+                    <a:p>
+                      <a:pPr algn="ctr">
+                        <a:lnSpc>
+                          <a:spcPct val="150000"/>
+                        </a:lnSpc>
+                        <a:spcAft>
+                          <a:spcPts val="0"/>
+                        </a:spcAft>
+                      </a:pPr>
+                      <a:r>
+                        <a:rPr lang="en-US" sz="1800">
+                          <a:effectLst/>
+                        </a:rPr>
+                        <a:t>Random Forrest</a:t>
+                      </a:r>
+                      <a:endParaRPr lang="en-US" sz="1800">
+                        <a:effectLst/>
+                        <a:latin typeface="Times New Roman" panose="02020603050405020304" pitchFamily="18" charset="0"/>
+                        <a:ea typeface="Cordia New"/>
+                        <a:cs typeface="Cordia New"/>
+                      </a:endParaRPr>
+                    </a:p>
+                  </a:txBody>
+                  <a:tcPr marL="68580" marR="68580" marT="0" marB="0"/>
+                </a:tc>
+                <a:tc>
+                  <a:txBody>
+                    <a:bodyPr/>
+                    <a:lstStyle/>
+                    <a:p>
+                      <a:pPr algn="ctr">
+                        <a:lnSpc>
+                          <a:spcPct val="150000"/>
+                        </a:lnSpc>
+                        <a:spcAft>
+                          <a:spcPts val="0"/>
+                        </a:spcAft>
+                      </a:pPr>
+                      <a:r>
+                        <a:rPr lang="en-US" sz="1800" b="1" dirty="0">
+                          <a:effectLst/>
+                        </a:rPr>
+                        <a:t>85%</a:t>
+                      </a:r>
+                      <a:endParaRPr lang="en-US" sz="1800" b="1" dirty="0">
+                        <a:effectLst/>
+                        <a:latin typeface="Times New Roman" panose="02020603050405020304" pitchFamily="18" charset="0"/>
+                        <a:ea typeface="Cordia New"/>
+                        <a:cs typeface="Cordia New"/>
+                      </a:endParaRPr>
+                    </a:p>
+                  </a:txBody>
+                  <a:tcPr marL="68580" marR="68580" marT="0" marB="0"/>
+                </a:tc>
+                <a:tc>
+                  <a:txBody>
+                    <a:bodyPr/>
+                    <a:lstStyle/>
+                    <a:p>
+                      <a:pPr algn="ctr">
+                        <a:lnSpc>
+                          <a:spcPct val="150000"/>
+                        </a:lnSpc>
+                        <a:spcAft>
+                          <a:spcPts val="0"/>
+                        </a:spcAft>
+                      </a:pPr>
+                      <a:r>
+                        <a:rPr lang="en-US" sz="1800" b="1" dirty="0">
+                          <a:effectLst/>
+                        </a:rPr>
+                        <a:t>0.86</a:t>
+                      </a:r>
+                      <a:endParaRPr lang="en-US" sz="1800" b="1" dirty="0">
+                        <a:effectLst/>
+                        <a:latin typeface="Times New Roman" panose="02020603050405020304" pitchFamily="18" charset="0"/>
+                        <a:ea typeface="Cordia New"/>
+                        <a:cs typeface="Cordia New"/>
+                      </a:endParaRPr>
+                    </a:p>
+                  </a:txBody>
+                  <a:tcPr marL="68580" marR="68580" marT="0" marB="0"/>
+                </a:tc>
+                <a:extLst>
+                  <a:ext uri="{0D108BD9-81ED-4DB2-BD59-A6C34878D82A}">
+                    <a16:rowId xmlns:a16="http://schemas.microsoft.com/office/drawing/2014/main" val="3223291433"/>
+                  </a:ext>
+                </a:extLst>
+              </a:tr>
+              <a:tr h="531302">
+                <a:tc>
+                  <a:txBody>
+                    <a:bodyPr/>
+                    <a:lstStyle/>
+                    <a:p>
+                      <a:pPr algn="ctr">
+                        <a:lnSpc>
+                          <a:spcPct val="150000"/>
+                        </a:lnSpc>
+                        <a:spcAft>
+                          <a:spcPts val="0"/>
+                        </a:spcAft>
+                      </a:pPr>
+                      <a:r>
+                        <a:rPr lang="en-US" sz="1800">
+                          <a:effectLst/>
+                        </a:rPr>
+                        <a:t>ANN</a:t>
+                      </a:r>
+                      <a:endParaRPr lang="en-US" sz="1800">
+                        <a:effectLst/>
+                        <a:latin typeface="Times New Roman" panose="02020603050405020304" pitchFamily="18" charset="0"/>
+                        <a:ea typeface="Cordia New"/>
+                        <a:cs typeface="Cordia New"/>
+                      </a:endParaRPr>
+                    </a:p>
+                  </a:txBody>
+                  <a:tcPr marL="68580" marR="68580" marT="0" marB="0"/>
+                </a:tc>
+                <a:tc>
+                  <a:txBody>
+                    <a:bodyPr/>
+                    <a:lstStyle/>
+                    <a:p>
+                      <a:pPr algn="ctr">
+                        <a:lnSpc>
+                          <a:spcPct val="150000"/>
+                        </a:lnSpc>
+                        <a:spcAft>
+                          <a:spcPts val="0"/>
+                        </a:spcAft>
+                      </a:pPr>
+                      <a:r>
+                        <a:rPr lang="en-US" sz="1800" b="1">
+                          <a:effectLst/>
+                        </a:rPr>
+                        <a:t>84%</a:t>
+                      </a:r>
+                      <a:endParaRPr lang="en-US" sz="1800" b="1">
+                        <a:effectLst/>
+                        <a:latin typeface="Times New Roman" panose="02020603050405020304" pitchFamily="18" charset="0"/>
+                        <a:ea typeface="Cordia New"/>
+                        <a:cs typeface="Cordia New"/>
+                      </a:endParaRPr>
+                    </a:p>
+                  </a:txBody>
+                  <a:tcPr marL="68580" marR="68580" marT="0" marB="0"/>
+                </a:tc>
+                <a:tc>
+                  <a:txBody>
+                    <a:bodyPr/>
+                    <a:lstStyle/>
+                    <a:p>
+                      <a:pPr algn="ctr">
+                        <a:lnSpc>
+                          <a:spcPct val="150000"/>
+                        </a:lnSpc>
+                        <a:spcAft>
+                          <a:spcPts val="0"/>
+                        </a:spcAft>
+                      </a:pPr>
+                      <a:r>
+                        <a:rPr lang="en-US" sz="1800" b="1" dirty="0">
+                          <a:effectLst/>
+                        </a:rPr>
+                        <a:t>0.83</a:t>
+                      </a:r>
+                      <a:endParaRPr lang="en-US" sz="1800" b="1" dirty="0">
+                        <a:effectLst/>
+                        <a:latin typeface="Times New Roman" panose="02020603050405020304" pitchFamily="18" charset="0"/>
+                        <a:ea typeface="Cordia New"/>
+                        <a:cs typeface="Cordia New"/>
+                      </a:endParaRPr>
+                    </a:p>
+                  </a:txBody>
+                  <a:tcPr marL="68580" marR="68580" marT="0" marB="0"/>
+                </a:tc>
+                <a:extLst>
+                  <a:ext uri="{0D108BD9-81ED-4DB2-BD59-A6C34878D82A}">
+                    <a16:rowId xmlns:a16="http://schemas.microsoft.com/office/drawing/2014/main" val="3117857010"/>
+                  </a:ext>
+                </a:extLst>
+              </a:tr>
+            </a:tbl>
+          </a:graphicData>
+        </a:graphic>
+      </p:graphicFrame>
+      <p:sp>
+        <p:nvSpPr>
+          <p:cNvPr id="3" name="Rectangle 2"/>
+          <p:cNvSpPr/>
+          <p:nvPr/>
+        </p:nvSpPr>
+        <p:spPr>
+          <a:xfrm>
+            <a:off x="1192241" y="4661454"/>
+            <a:ext cx="3813865" cy="369332"/>
+          </a:xfrm>
+          <a:prstGeom prst="rect">
+            <a:avLst/>
+          </a:prstGeom>
+        </p:spPr>
+        <p:txBody>
+          <a:bodyPr wrap="none">
+            <a:spAutoFit/>
+          </a:bodyPr>
+          <a:lstStyle/>
+          <a:p>
+            <a:pPr algn="ctr">
+              <a:spcAft>
+                <a:spcPts val="1000"/>
+              </a:spcAft>
+            </a:pPr>
+            <a:r>
+              <a:rPr lang="en-US" b="1" dirty="0" smtClean="0">
+                <a:latin typeface="Times New Roman" panose="02020603050405020304" pitchFamily="18" charset="0"/>
+                <a:ea typeface="Cordia New"/>
+                <a:cs typeface="Cordia New"/>
+              </a:rPr>
+              <a:t>Results </a:t>
+            </a:r>
+            <a:r>
+              <a:rPr lang="en-US" b="1" dirty="0">
+                <a:latin typeface="Times New Roman" panose="02020603050405020304" pitchFamily="18" charset="0"/>
+                <a:ea typeface="Cordia New"/>
+                <a:cs typeface="Cordia New"/>
+              </a:rPr>
+              <a:t>with SMOTE Data Sampling</a:t>
+            </a:r>
+          </a:p>
+        </p:txBody>
+      </p:sp>
+      <p:pic>
+        <p:nvPicPr>
+          <p:cNvPr id="6" name="Picture 5"/>
+          <p:cNvPicPr>
+            <a:picLocks noChangeAspect="1"/>
+          </p:cNvPicPr>
+          <p:nvPr/>
+        </p:nvPicPr>
+        <p:blipFill>
+          <a:blip r:embed="rId2" cstate="print">
+            <a:extLst>
+              <a:ext uri="{28A0092B-C50C-407E-A947-70E740481C1C}">
+                <a14:useLocalDpi xmlns:a14="http://schemas.microsoft.com/office/drawing/2010/main" val="0"/>
+              </a:ext>
+            </a:extLst>
+          </a:blip>
+          <a:stretch>
+            <a:fillRect/>
+          </a:stretch>
+        </p:blipFill>
+        <p:spPr>
+          <a:xfrm>
+            <a:off x="8468591" y="212928"/>
+            <a:ext cx="1877291" cy="1877291"/>
+          </a:xfrm>
+          <a:prstGeom prst="rect">
+            <a:avLst/>
+          </a:prstGeom>
+        </p:spPr>
+      </p:pic>
+      <p:pic>
+        <p:nvPicPr>
+          <p:cNvPr id="7" name="Picture 6"/>
+          <p:cNvPicPr>
+            <a:picLocks noChangeAspect="1"/>
+          </p:cNvPicPr>
+          <p:nvPr/>
+        </p:nvPicPr>
+        <p:blipFill>
+          <a:blip r:embed="rId3">
+            <a:extLst>
+              <a:ext uri="{28A0092B-C50C-407E-A947-70E740481C1C}">
+                <a14:useLocalDpi xmlns:a14="http://schemas.microsoft.com/office/drawing/2010/main" val="0"/>
+              </a:ext>
+            </a:extLst>
+          </a:blip>
+          <a:stretch>
+            <a:fillRect/>
+          </a:stretch>
+        </p:blipFill>
+        <p:spPr>
+          <a:xfrm>
+            <a:off x="8468591" y="4312209"/>
+            <a:ext cx="2161004" cy="2161004"/>
+          </a:xfrm>
+          <a:prstGeom prst="rect">
+            <a:avLst/>
+          </a:prstGeom>
+        </p:spPr>
+      </p:pic>
+      <p:sp>
+        <p:nvSpPr>
+          <p:cNvPr id="8" name="Title 1"/>
+          <p:cNvSpPr txBox="1">
+            <a:spLocks/>
+          </p:cNvSpPr>
+          <p:nvPr/>
+        </p:nvSpPr>
+        <p:spPr>
+          <a:xfrm>
+            <a:off x="768928" y="603506"/>
+            <a:ext cx="10515600" cy="810492"/>
+          </a:xfrm>
+          <a:prstGeom prst="rect">
+            <a:avLst/>
+          </a:prstGeom>
+        </p:spPr>
+        <p:txBody>
+          <a:bodyPr/>
+          <a:lstStyle>
+            <a:lvl1pPr algn="l" defTabSz="914400" rtl="0" eaLnBrk="1" latinLnBrk="0" hangingPunct="1">
+              <a:lnSpc>
+                <a:spcPct val="90000"/>
+              </a:lnSpc>
+              <a:spcBef>
+                <a:spcPct val="0"/>
+              </a:spcBef>
+              <a:buNone/>
+              <a:defRPr sz="4400" kern="1200">
+                <a:solidFill>
+                  <a:schemeClr val="tx1"/>
+                </a:solidFill>
+                <a:latin typeface="+mj-lt"/>
+                <a:ea typeface="+mj-ea"/>
+                <a:cs typeface="+mj-cs"/>
+              </a:defRPr>
+            </a:lvl1pPr>
+          </a:lstStyle>
+          <a:p>
+            <a:r>
+              <a:rPr lang="en-US" sz="3600" dirty="0" smtClean="0">
+                <a:latin typeface="Arial Rounded MT Bold" panose="020F0704030504030204" pitchFamily="34" charset="0"/>
+                <a:ea typeface="+mn-ea"/>
+                <a:cs typeface="+mn-cs"/>
+              </a:rPr>
+              <a:t>SMOTE</a:t>
+            </a:r>
+            <a:r>
+              <a:rPr lang="en-US" dirty="0" smtClean="0"/>
+              <a:t>	</a:t>
+            </a:r>
+            <a:endParaRPr lang="en-US" dirty="0"/>
+          </a:p>
+        </p:txBody>
+      </p:sp>
+      <p:pic>
+        <p:nvPicPr>
+          <p:cNvPr id="10" name="Picture 9"/>
+          <p:cNvPicPr>
+            <a:picLocks noChangeAspect="1"/>
+          </p:cNvPicPr>
+          <p:nvPr/>
+        </p:nvPicPr>
+        <p:blipFill>
+          <a:blip r:embed="rId4" cstate="print">
+            <a:extLst>
+              <a:ext uri="{28A0092B-C50C-407E-A947-70E740481C1C}">
+                <a14:useLocalDpi xmlns:a14="http://schemas.microsoft.com/office/drawing/2010/main" val="0"/>
+              </a:ext>
+            </a:extLst>
+          </a:blip>
+          <a:stretch>
+            <a:fillRect/>
+          </a:stretch>
+        </p:blipFill>
+        <p:spPr>
+          <a:xfrm>
+            <a:off x="9805555" y="2292909"/>
+            <a:ext cx="2019300" cy="2019300"/>
+          </a:xfrm>
+          <a:prstGeom prst="rect">
+            <a:avLst/>
+          </a:prstGeom>
+        </p:spPr>
+      </p:pic>
+    </p:spTree>
+    <p:extLst>
+      <p:ext uri="{BB962C8B-B14F-4D97-AF65-F5344CB8AC3E}">
+        <p14:creationId xmlns:p14="http://schemas.microsoft.com/office/powerpoint/2010/main" val="75484530"/>
+      </p:ext>
+    </p:extLst>
+  </p:cSld>
+  <p:clrMapOvr>
+    <a:masterClrMapping/>
+  </p:clrMapOvr>
+  <p:timing>
+    <p:tnLst>
+      <p:par>
+        <p:cTn id="1" dur="indefinite" restart="never" nodeType="tmRoot"/>
+      </p:par>
+    </p:tnLst>
+  </p:timing>
+</p:sld>
+</file>
+
+<file path=ppt/slides/slide22.xml><?xml version="1.0" encoding="utf-8"?>
+<p:sld xmlns:a="http://schemas.openxmlformats.org/drawingml/2006/main" xmlns:r="http://schemas.openxmlformats.org/officeDocument/2006/relationships" xmlns:p="http://schemas.openxmlformats.org/presentationml/2006/main">
+  <p:cSld>
+    <p:spTree>
+      <p:nvGrpSpPr>
+        <p:cNvPr id="1" name=""/>
+        <p:cNvGrpSpPr/>
+        <p:nvPr/>
+      </p:nvGrpSpPr>
+      <p:grpSpPr>
+        <a:xfrm>
+          <a:off x="0" y="0"/>
+          <a:ext cx="0" cy="0"/>
+          <a:chOff x="0" y="0"/>
+          <a:chExt cx="0" cy="0"/>
+        </a:xfrm>
+      </p:grpSpPr>
+      <p:sp>
+        <p:nvSpPr>
+          <p:cNvPr id="2" name="Title 1"/>
           <p:cNvSpPr>
             <a:spLocks noGrp="1"/>
           </p:cNvSpPr>
@@ -5271,14 +7844,24 @@
         </p:nvSpPr>
         <p:spPr/>
         <p:txBody>
-          <a:bodyPr/>
+          <a:bodyPr>
+            <a:normAutofit/>
+          </a:bodyPr>
           <a:lstStyle/>
           <a:p>
             <a:r>
-              <a:rPr lang="en-US" dirty="0" smtClean="0"/>
-              <a:t>Proposed Technique</a:t>
-            </a:r>
-            <a:endParaRPr lang="en-US" dirty="0"/>
+              <a:rPr lang="en-US" sz="3600" dirty="0">
+                <a:latin typeface="Arial Rounded MT Bold" panose="020F0704030504030204" pitchFamily="34" charset="0"/>
+                <a:ea typeface="+mn-ea"/>
+                <a:cs typeface="+mn-cs"/>
+              </a:rPr>
+              <a:t>Future Work: Notes and Medicine Notes</a:t>
+            </a:r>
+            <a:endParaRPr lang="en-US" sz="3600" dirty="0">
+              <a:latin typeface="Arial Rounded MT Bold" panose="020F0704030504030204" pitchFamily="34" charset="0"/>
+              <a:ea typeface="+mn-ea"/>
+              <a:cs typeface="+mn-cs"/>
+            </a:endParaRPr>
           </a:p>
         </p:txBody>
       </p:sp>
@@ -5333,7 +7916,7 @@
         </p:blipFill>
         <p:spPr>
           <a:xfrm>
-            <a:off x="9708775" y="552475"/>
+            <a:off x="10498485" y="458799"/>
             <a:ext cx="1138213" cy="1138213"/>
           </a:xfrm>
           <a:prstGeom prst="rect">
@@ -5361,7 +7944,279 @@
 </p:sld>
 </file>
 
-<file path=ppt/slides/slide19.xml><?xml version="1.0" encoding="utf-8"?>
+<file path=ppt/slides/slide23.xml><?xml version="1.0" encoding="utf-8"?>
+<p:sld xmlns:a="http://schemas.openxmlformats.org/drawingml/2006/main" xmlns:r="http://schemas.openxmlformats.org/officeDocument/2006/relationships" xmlns:p="http://schemas.openxmlformats.org/presentationml/2006/main">
+  <p:cSld>
+    <p:spTree>
+      <p:nvGrpSpPr>
+        <p:cNvPr id="1" name=""/>
+        <p:cNvGrpSpPr/>
+        <p:nvPr/>
+      </p:nvGrpSpPr>
+      <p:grpSpPr>
+        <a:xfrm>
+          <a:off x="0" y="0"/>
+          <a:ext cx="0" cy="0"/>
+          <a:chOff x="0" y="0"/>
+          <a:chExt cx="0" cy="0"/>
+        </a:xfrm>
+      </p:grpSpPr>
+      <p:pic>
+        <p:nvPicPr>
+          <p:cNvPr id="2" name="Picture 1"/>
+          <p:cNvPicPr>
+            <a:picLocks noChangeAspect="1"/>
+          </p:cNvPicPr>
+          <p:nvPr/>
+        </p:nvPicPr>
+        <p:blipFill>
+          <a:blip r:embed="rId2"/>
+          <a:stretch>
+            <a:fillRect/>
+          </a:stretch>
+        </p:blipFill>
+        <p:spPr>
+          <a:xfrm>
+            <a:off x="2175596" y="1066366"/>
+            <a:ext cx="7896225" cy="5667375"/>
+          </a:xfrm>
+          <a:prstGeom prst="rect">
+            <a:avLst/>
+          </a:prstGeom>
+        </p:spPr>
+      </p:pic>
+      <p:sp>
+        <p:nvSpPr>
+          <p:cNvPr id="3" name="Title 1"/>
+          <p:cNvSpPr txBox="1">
+            <a:spLocks/>
+          </p:cNvSpPr>
+          <p:nvPr/>
+        </p:nvSpPr>
+        <p:spPr>
+          <a:xfrm>
+            <a:off x="741217" y="223475"/>
+            <a:ext cx="10515600" cy="1325563"/>
+          </a:xfrm>
+          <a:prstGeom prst="rect">
+            <a:avLst/>
+          </a:prstGeom>
+        </p:spPr>
+        <p:txBody>
+          <a:bodyPr>
+            <a:normAutofit/>
+          </a:bodyPr>
+          <a:lstStyle>
+            <a:lvl1pPr algn="l" defTabSz="914400" rtl="0" eaLnBrk="1" latinLnBrk="0" hangingPunct="1">
+              <a:lnSpc>
+                <a:spcPct val="90000"/>
+              </a:lnSpc>
+              <a:spcBef>
+                <a:spcPct val="0"/>
+              </a:spcBef>
+              <a:buNone/>
+              <a:defRPr sz="4400" kern="1200">
+                <a:solidFill>
+                  <a:schemeClr val="tx1"/>
+                </a:solidFill>
+                <a:latin typeface="+mj-lt"/>
+                <a:ea typeface="+mj-ea"/>
+                <a:cs typeface="+mj-cs"/>
+              </a:defRPr>
+            </a:lvl1pPr>
+          </a:lstStyle>
+          <a:p>
+            <a:r>
+              <a:rPr lang="en-US" sz="3600" dirty="0" smtClean="0">
+                <a:latin typeface="Arial Rounded MT Bold" panose="020F0704030504030204" pitchFamily="34" charset="0"/>
+                <a:ea typeface="+mn-ea"/>
+                <a:cs typeface="+mn-cs"/>
+              </a:rPr>
+              <a:t>Future Work: Derived Concepts</a:t>
+            </a:r>
+            <a:endParaRPr lang="en-US" sz="3600" dirty="0">
+              <a:latin typeface="Arial Rounded MT Bold" panose="020F0704030504030204" pitchFamily="34" charset="0"/>
+              <a:ea typeface="+mn-ea"/>
+              <a:cs typeface="+mn-cs"/>
+            </a:endParaRPr>
+          </a:p>
+        </p:txBody>
+      </p:sp>
+    </p:spTree>
+    <p:extLst>
+      <p:ext uri="{BB962C8B-B14F-4D97-AF65-F5344CB8AC3E}">
+        <p14:creationId xmlns:p14="http://schemas.microsoft.com/office/powerpoint/2010/main" val="814728065"/>
+      </p:ext>
+    </p:extLst>
+  </p:cSld>
+  <p:clrMapOvr>
+    <a:masterClrMapping/>
+  </p:clrMapOvr>
+  <p:timing>
+    <p:tnLst>
+      <p:par>
+        <p:cTn id="1" dur="indefinite" restart="never" nodeType="tmRoot"/>
+      </p:par>
+    </p:tnLst>
+  </p:timing>
+</p:sld>
+</file>
+
+<file path=ppt/slides/slide24.xml><?xml version="1.0" encoding="utf-8"?>
+<p:sld xmlns:a="http://schemas.openxmlformats.org/drawingml/2006/main" xmlns:r="http://schemas.openxmlformats.org/officeDocument/2006/relationships" xmlns:p="http://schemas.openxmlformats.org/presentationml/2006/main">
+  <p:cSld>
+    <p:spTree>
+      <p:nvGrpSpPr>
+        <p:cNvPr id="1" name=""/>
+        <p:cNvGrpSpPr/>
+        <p:nvPr/>
+      </p:nvGrpSpPr>
+      <p:grpSpPr>
+        <a:xfrm>
+          <a:off x="0" y="0"/>
+          <a:ext cx="0" cy="0"/>
+          <a:chOff x="0" y="0"/>
+          <a:chExt cx="0" cy="0"/>
+        </a:xfrm>
+      </p:grpSpPr>
+      <p:sp>
+        <p:nvSpPr>
+          <p:cNvPr id="3" name="Title 1"/>
+          <p:cNvSpPr txBox="1">
+            <a:spLocks/>
+          </p:cNvSpPr>
+          <p:nvPr/>
+        </p:nvSpPr>
+        <p:spPr>
+          <a:xfrm>
+            <a:off x="741217" y="514420"/>
+            <a:ext cx="10515600" cy="1325563"/>
+          </a:xfrm>
+          <a:prstGeom prst="rect">
+            <a:avLst/>
+          </a:prstGeom>
+        </p:spPr>
+        <p:txBody>
+          <a:bodyPr>
+            <a:normAutofit/>
+          </a:bodyPr>
+          <a:lstStyle>
+            <a:lvl1pPr algn="l" defTabSz="914400" rtl="0" eaLnBrk="1" latinLnBrk="0" hangingPunct="1">
+              <a:lnSpc>
+                <a:spcPct val="90000"/>
+              </a:lnSpc>
+              <a:spcBef>
+                <a:spcPct val="0"/>
+              </a:spcBef>
+              <a:buNone/>
+              <a:defRPr sz="4400" kern="1200">
+                <a:solidFill>
+                  <a:schemeClr val="tx1"/>
+                </a:solidFill>
+                <a:latin typeface="+mj-lt"/>
+                <a:ea typeface="+mj-ea"/>
+                <a:cs typeface="+mj-cs"/>
+              </a:defRPr>
+            </a:lvl1pPr>
+          </a:lstStyle>
+          <a:p>
+            <a:r>
+              <a:rPr lang="en-US" sz="3600" dirty="0" smtClean="0">
+                <a:latin typeface="Arial Rounded MT Bold" panose="020F0704030504030204" pitchFamily="34" charset="0"/>
+                <a:ea typeface="+mn-ea"/>
+                <a:cs typeface="+mn-cs"/>
+              </a:rPr>
+              <a:t>Future Work: Subclasses of Complications</a:t>
+            </a:r>
+            <a:endParaRPr lang="en-US" sz="3600" dirty="0">
+              <a:latin typeface="Arial Rounded MT Bold" panose="020F0704030504030204" pitchFamily="34" charset="0"/>
+              <a:ea typeface="+mn-ea"/>
+              <a:cs typeface="+mn-cs"/>
+            </a:endParaRPr>
+          </a:p>
+        </p:txBody>
+      </p:sp>
+      <p:pic>
+        <p:nvPicPr>
+          <p:cNvPr id="4" name="Picture 3"/>
+          <p:cNvPicPr>
+            <a:picLocks noChangeAspect="1"/>
+          </p:cNvPicPr>
+          <p:nvPr/>
+        </p:nvPicPr>
+        <p:blipFill>
+          <a:blip r:embed="rId2">
+            <a:extLst>
+              <a:ext uri="{28A0092B-C50C-407E-A947-70E740481C1C}">
+                <a14:useLocalDpi xmlns:a14="http://schemas.microsoft.com/office/drawing/2010/main" val="0"/>
+              </a:ext>
+            </a:extLst>
+          </a:blip>
+          <a:stretch>
+            <a:fillRect/>
+          </a:stretch>
+        </p:blipFill>
+        <p:spPr>
+          <a:xfrm>
+            <a:off x="6690089" y="1839983"/>
+            <a:ext cx="3245275" cy="3245275"/>
+          </a:xfrm>
+          <a:prstGeom prst="rect">
+            <a:avLst/>
+          </a:prstGeom>
+        </p:spPr>
+      </p:pic>
+      <p:pic>
+        <p:nvPicPr>
+          <p:cNvPr id="5" name="Picture 4"/>
+          <p:cNvPicPr>
+            <a:picLocks noChangeAspect="1"/>
+          </p:cNvPicPr>
+          <p:nvPr/>
+        </p:nvPicPr>
+        <p:blipFill>
+          <a:blip r:embed="rId3">
+            <a:extLst>
+              <a:ext uri="{28A0092B-C50C-407E-A947-70E740481C1C}">
+                <a14:useLocalDpi xmlns:a14="http://schemas.microsoft.com/office/drawing/2010/main" val="0"/>
+              </a:ext>
+            </a:extLst>
+          </a:blip>
+          <a:stretch>
+            <a:fillRect/>
+          </a:stretch>
+        </p:blipFill>
+        <p:spPr>
+          <a:xfrm>
+            <a:off x="2078183" y="1839983"/>
+            <a:ext cx="3290453" cy="3290453"/>
+          </a:xfrm>
+          <a:prstGeom prst="rect">
+            <a:avLst/>
+          </a:prstGeom>
+        </p:spPr>
+      </p:pic>
+    </p:spTree>
+    <p:extLst>
+      <p:ext uri="{BB962C8B-B14F-4D97-AF65-F5344CB8AC3E}">
+        <p14:creationId xmlns:p14="http://schemas.microsoft.com/office/powerpoint/2010/main" val="671071513"/>
+      </p:ext>
+    </p:extLst>
+  </p:cSld>
+  <p:clrMapOvr>
+    <a:masterClrMapping/>
+  </p:clrMapOvr>
+  <p:timing>
+    <p:tnLst>
+      <p:par>
+        <p:cTn id="1" dur="indefinite" restart="never" nodeType="tmRoot"/>
+      </p:par>
+    </p:tnLst>
+  </p:timing>
+</p:sld>
+</file>
+
+<file path=ppt/slides/slide25.xml><?xml version="1.0" encoding="utf-8"?>
 <p:sld xmlns:a="http://schemas.openxmlformats.org/drawingml/2006/main" xmlns:r="http://schemas.openxmlformats.org/officeDocument/2006/relationships" xmlns:p="http://schemas.openxmlformats.org/presentationml/2006/main">
   <p:cSld>
     <p:spTree>
@@ -5388,7 +8243,12 @@
             <p:ph type="title"/>
           </p:nvPr>
         </p:nvSpPr>
-        <p:spPr/>
+        <p:spPr>
+          <a:xfrm>
+            <a:off x="838200" y="263245"/>
+            <a:ext cx="10515600" cy="1325563"/>
+          </a:xfrm>
+        </p:spPr>
         <p:txBody>
           <a:bodyPr/>
           <a:lstStyle/>
@@ -5438,8 +8298,8 @@
         </p:nvSpPr>
         <p:spPr>
           <a:xfrm>
-            <a:off x="838200" y="1448641"/>
-            <a:ext cx="9453283" cy="4801314"/>
+            <a:off x="838200" y="1327618"/>
+            <a:ext cx="9453283" cy="5909310"/>
           </a:xfrm>
           <a:prstGeom prst="rect">
             <a:avLst/>
@@ -5454,11 +8314,23 @@
           <a:p>
             <a:r>
               <a:rPr lang="en-US" dirty="0" smtClean="0"/>
-              <a:t>[1] </a:t>
+              <a:t>[1</a:t>
+            </a:r>
+            <a:r>
+              <a:rPr lang="en-US" dirty="0" smtClean="0"/>
+              <a:t>]</a:t>
+            </a:r>
+            <a:r>
+              <a:rPr lang="en-US" dirty="0" smtClean="0"/>
+              <a:t> </a:t>
+            </a:r>
+            <a:r>
+              <a:rPr lang="en-US" dirty="0"/>
+              <a:t>Johnson, Alistair EW, Tom J. Pollard, Lu Shen, H. Lehman Li-</a:t>
             </a:r>
             <a:r>
               <a:rPr lang="en-US" dirty="0" err="1"/>
-              <a:t>Gentimis</a:t>
+              <a:t>wei</a:t>
             </a:r>
             <a:r>
               <a:rPr lang="en-US" dirty="0"/>
@@ -5466,101 +8338,110 @@
             </a:r>
             <a:r>
               <a:rPr lang="en-US" dirty="0" err="1"/>
-              <a:t>Thanos</a:t>
+              <a:t>Mengling</a:t>
             </a:r>
             <a:r>
               <a:rPr lang="en-US" dirty="0"/>
-              <a:t>, </a:t>
+              <a:t> Feng, Mohammad </a:t>
             </a:r>
             <a:r>
               <a:rPr lang="en-US" dirty="0" err="1"/>
-              <a:t>Alnaser</a:t>
+              <a:t>Ghassemi</a:t>
             </a:r>
             <a:r>
               <a:rPr lang="en-US" dirty="0"/>
-              <a:t> </a:t>
+              <a:t>, Benjamin Moody, Peter </a:t>
             </a:r>
             <a:r>
               <a:rPr lang="en-US" dirty="0" err="1"/>
-              <a:t>Ala'J</a:t>
+              <a:t>Szolovits</a:t>
             </a:r>
             <a:r>
               <a:rPr lang="en-US" dirty="0"/>
-              <a:t>, Alex Durante, Kyle Cook, and Robert Steele. "</a:t>
+              <a:t>, Leo Anthony </a:t>
+            </a:r>
+            <a:r>
+              <a:rPr lang="en-US" dirty="0" err="1"/>
+              <a:t>Celi</a:t>
+            </a:r>
+            <a:r>
+              <a:rPr lang="en-US" dirty="0"/>
+              <a:t>, and Roger G. Mark. "</a:t>
             </a:r>
             <a:r>
               <a:rPr lang="en-US" b="1" dirty="0"/>
-              <a:t>Predicting Hospital Length of Stay Using Neural Networks on MIMIC III Data</a:t>
+              <a:t>MIMIC-III, a freely accessible critical care database</a:t>
             </a:r>
             <a:r>
               <a:rPr lang="en-US" dirty="0"/>
-              <a:t>." In </a:t>
+              <a:t>." </a:t>
             </a:r>
             <a:r>
               <a:rPr lang="en-US" i="1" dirty="0"/>
-              <a:t>2017 </a:t>
-            </a:r>
-            <a:r>
-              <a:rPr lang="en-US" b="1" i="1" dirty="0"/>
-              <a:t>IEEE</a:t>
-            </a:r>
-            <a:r>
-              <a:rPr lang="en-US" i="1" dirty="0"/>
-              <a:t> 15th Intl </a:t>
-            </a:r>
-            <a:r>
-              <a:rPr lang="en-US" i="1" dirty="0" err="1"/>
-              <a:t>Conf</a:t>
-            </a:r>
-            <a:r>
-              <a:rPr lang="en-US" i="1" dirty="0"/>
-              <a:t> on Dependable, Autonomic and Secure Computing, 15th Intl </a:t>
-            </a:r>
-            <a:r>
-              <a:rPr lang="en-US" i="1" dirty="0" err="1"/>
-              <a:t>Conf</a:t>
-            </a:r>
-            <a:r>
-              <a:rPr lang="en-US" i="1" dirty="0"/>
-              <a:t> on Pervasive Intelligence and Computing, 3rd Intl </a:t>
-            </a:r>
-            <a:r>
-              <a:rPr lang="en-US" i="1" dirty="0" err="1"/>
-              <a:t>Conf</a:t>
-            </a:r>
-            <a:r>
-              <a:rPr lang="en-US" i="1" dirty="0"/>
-              <a:t> on Big Data Intelligence and Computing and Cyber Science and Technology Congress (DASC/</a:t>
-            </a:r>
-            <a:r>
-              <a:rPr lang="en-US" i="1" dirty="0" err="1"/>
-              <a:t>PiCom</a:t>
-            </a:r>
-            <a:r>
-              <a:rPr lang="en-US" i="1" dirty="0"/>
+              <a:t>Scientific data</a:t>
+            </a:r>
+            <a:r>
+              <a:rPr lang="en-US" dirty="0"/>
+              <a:t> 3 (2016): 160035. Available at: </a:t>
+            </a:r>
+            <a:r>
+              <a:rPr lang="en-US" u="sng" dirty="0">
+                <a:hlinkClick r:id="rId3"/>
+              </a:rPr>
+              <a:t>https://mimic.physionet.org</a:t>
+            </a:r>
+            <a:r>
+              <a:rPr lang="en-US" u="sng" dirty="0" smtClean="0">
+                <a:hlinkClick r:id="rId3"/>
+              </a:rPr>
               <a:t>/</a:t>
             </a:r>
-            <a:r>
-              <a:rPr lang="en-US" i="1" dirty="0" err="1"/>
-              <a:t>DataCom</a:t>
-            </a:r>
-            <a:r>
-              <a:rPr lang="en-US" i="1" dirty="0"/>
-              <a:t>/</a:t>
-            </a:r>
-            <a:r>
-              <a:rPr lang="en-US" i="1" dirty="0" err="1"/>
-              <a:t>CyberSciTech</a:t>
-            </a:r>
-            <a:r>
-              <a:rPr lang="en-US" i="1" dirty="0"/>
-              <a:t>)</a:t>
+            <a:endParaRPr lang="en-US" u="sng" dirty="0" smtClean="0"/>
+          </a:p>
+          <a:p>
+            <a:endParaRPr lang="en-US" u="sng" dirty="0"/>
+          </a:p>
+          <a:p>
+            <a:r>
+              <a:rPr lang="en-US" dirty="0" smtClean="0"/>
+              <a:t>[</a:t>
             </a:r>
             <a:r>
               <a:rPr lang="en-US" dirty="0"/>
-              <a:t>, pp. 1194-1201. IEEE, 2017. </a:t>
-            </a:r>
-            <a:endParaRPr lang="en-US" dirty="0" smtClean="0"/>
+              <a:t>2</a:t>
+            </a:r>
+            <a:r>
+              <a:rPr lang="en-US" dirty="0" smtClean="0"/>
+              <a:t>] </a:t>
+            </a:r>
+            <a:r>
+              <a:rPr lang="en-US" dirty="0"/>
+              <a:t>He, </a:t>
+            </a:r>
+            <a:r>
+              <a:rPr lang="en-US" dirty="0" err="1"/>
+              <a:t>Haibo</a:t>
+            </a:r>
+            <a:r>
+              <a:rPr lang="en-US" dirty="0"/>
+              <a:t>, Yang Bai, Edwardo A. Garcia, and </a:t>
+            </a:r>
+            <a:r>
+              <a:rPr lang="en-US" dirty="0" err="1"/>
+              <a:t>Shutao</a:t>
+            </a:r>
+            <a:r>
+              <a:rPr lang="en-US" dirty="0"/>
+              <a:t> Li. "</a:t>
+            </a:r>
+            <a:r>
+              <a:rPr lang="en-US" b="1" dirty="0"/>
+              <a:t>ADASYN: Adaptive synthetic sampling approach for imbalanced learning</a:t>
+            </a:r>
+            <a:r>
+              <a:rPr lang="en-US" dirty="0"/>
+              <a:t>." In 2008 IEEE International Joint Conference on Neural Networks (IEEE World Congress on Computational Intelligence), pp. 1322-1328. IEEE, 2008.</a:t>
+            </a:r>
           </a:p>
           <a:p>
             <a:endParaRPr lang="en-US" dirty="0"/>
@@ -5568,175 +8449,69 @@
           <a:p>
             <a:r>
               <a:rPr lang="en-US" dirty="0" smtClean="0"/>
-              <a:t>[2] </a:t>
-            </a:r>
-            <a:r>
-              <a:rPr lang="en-US" dirty="0" err="1"/>
-              <a:t>Sadeghi</a:t>
+              <a:t>[3] Available </a:t>
             </a:r>
             <a:r>
               <a:rPr lang="en-US" dirty="0"/>
-              <a:t>, Reza, </a:t>
-            </a:r>
-            <a:r>
-              <a:rPr lang="en-US" dirty="0" err="1"/>
-              <a:t>Tanvi</a:t>
-            </a:r>
+              <a:t>code repository:</a:t>
+            </a:r>
+          </a:p>
+          <a:p>
             <a:r>
               <a:rPr lang="en-US" dirty="0"/>
-              <a:t> Banerjee, and William Romine. "</a:t>
-            </a:r>
-            <a:r>
-              <a:rPr lang="en-US" b="1" dirty="0"/>
-              <a:t>Early hospital mortality prediction using vital signals." Smart Health9 (2018)</a:t>
-            </a:r>
+              <a:t> </a:t>
+            </a:r>
+          </a:p>
+          <a:p>
+            <a:pPr lvl="0"/>
+            <a:r>
+              <a:rPr lang="en-US" u="sng" dirty="0">
+                <a:hlinkClick r:id="rId4"/>
+              </a:rPr>
+              <a:t>https://github.com/faisalmaqbool94/Thesis-Bioinformatics-MIMICIII-</a:t>
+            </a:r>
+            <a:endParaRPr lang="en-US" dirty="0"/>
+          </a:p>
+          <a:p>
             <a:r>
               <a:rPr lang="en-US" dirty="0"/>
-              <a:t>: 265-274. </a:t>
-            </a:r>
-            <a:endParaRPr lang="en-US" dirty="0" smtClean="0"/>
-          </a:p>
-          <a:p>
+              <a:t> </a:t>
+            </a:r>
+          </a:p>
+          <a:p>
+            <a:r>
+              <a:rPr lang="en-US" dirty="0" smtClean="0"/>
+              <a:t>[4] Repository </a:t>
+            </a:r>
+            <a:r>
+              <a:rPr lang="en-US" dirty="0"/>
+              <a:t>of code shared development community provided by MIT Laboratory for Computational </a:t>
+            </a:r>
+            <a:r>
+              <a:rPr lang="en-US" dirty="0" smtClean="0"/>
+              <a:t>Physiology</a:t>
+            </a:r>
             <a:endParaRPr lang="en-US" dirty="0"/>
           </a:p>
           <a:p>
-            <a:r>
-              <a:rPr lang="en-US" dirty="0" smtClean="0"/>
-              <a:t>[3] </a:t>
-            </a:r>
-            <a:r>
-              <a:rPr lang="en-US" dirty="0" err="1"/>
-              <a:t>Purushotham</a:t>
-            </a:r>
-            <a:r>
-              <a:rPr lang="en-US" dirty="0"/>
-              <a:t>, Sanjay, </a:t>
-            </a:r>
-            <a:r>
-              <a:rPr lang="en-US" dirty="0" err="1"/>
-              <a:t>Chuizheng</a:t>
-            </a:r>
-            <a:r>
-              <a:rPr lang="en-US" dirty="0"/>
-              <a:t> </a:t>
-            </a:r>
-            <a:r>
-              <a:rPr lang="en-US" dirty="0" err="1"/>
-              <a:t>Meng</a:t>
-            </a:r>
-            <a:r>
-              <a:rPr lang="en-US" dirty="0"/>
-              <a:t>, </a:t>
-            </a:r>
-            <a:r>
-              <a:rPr lang="en-US" dirty="0" err="1"/>
-              <a:t>Zhengping</a:t>
-            </a:r>
-            <a:r>
-              <a:rPr lang="en-US" dirty="0"/>
-              <a:t> </a:t>
-            </a:r>
-            <a:r>
-              <a:rPr lang="en-US" dirty="0" err="1"/>
-              <a:t>Che</a:t>
-            </a:r>
-            <a:r>
-              <a:rPr lang="en-US" dirty="0"/>
-              <a:t>, and Yan Liu. "</a:t>
-            </a:r>
-            <a:r>
-              <a:rPr lang="en-US" b="1" dirty="0"/>
-              <a:t>Benchmark of deep learning models on large healthcare mimic datasets." </a:t>
-            </a:r>
-            <a:r>
-              <a:rPr lang="en-US" b="1" i="1" dirty="0" err="1"/>
-              <a:t>arXiv</a:t>
-            </a:r>
-            <a:r>
-              <a:rPr lang="en-US" b="1" i="1" dirty="0"/>
-              <a:t> preprint arXiv:1710.08531</a:t>
-            </a:r>
-            <a:r>
-              <a:rPr lang="en-US" b="1" dirty="0"/>
-              <a:t>(2017)</a:t>
-            </a:r>
-            <a:r>
-              <a:rPr lang="en-US" dirty="0"/>
-              <a:t>. </a:t>
-            </a:r>
-            <a:endParaRPr lang="en-US" dirty="0" smtClean="0"/>
-          </a:p>
-          <a:p>
-            <a:endParaRPr lang="en-US" dirty="0"/>
-          </a:p>
-          <a:p>
-            <a:r>
-              <a:rPr lang="en-US" dirty="0" smtClean="0"/>
-              <a:t>[4] </a:t>
-            </a:r>
-            <a:r>
-              <a:rPr lang="en-US" dirty="0" err="1"/>
-              <a:t>Purushotham</a:t>
-            </a:r>
-            <a:r>
-              <a:rPr lang="en-US" dirty="0"/>
-              <a:t>, Sanjay, </a:t>
-            </a:r>
-            <a:r>
-              <a:rPr lang="en-US" dirty="0" err="1"/>
-              <a:t>Chuizheng</a:t>
-            </a:r>
-            <a:r>
-              <a:rPr lang="en-US" dirty="0"/>
-              <a:t> </a:t>
-            </a:r>
-            <a:r>
-              <a:rPr lang="en-US" dirty="0" err="1"/>
-              <a:t>Meng</a:t>
-            </a:r>
-            <a:r>
-              <a:rPr lang="en-US" dirty="0"/>
-              <a:t>, </a:t>
-            </a:r>
-            <a:r>
-              <a:rPr lang="en-US" dirty="0" err="1"/>
-              <a:t>Zhengping</a:t>
-            </a:r>
-            <a:r>
-              <a:rPr lang="en-US" dirty="0"/>
-              <a:t> </a:t>
-            </a:r>
-            <a:r>
-              <a:rPr lang="en-US" dirty="0" err="1"/>
-              <a:t>Che</a:t>
-            </a:r>
-            <a:r>
-              <a:rPr lang="en-US" dirty="0"/>
-              <a:t>, and Yan Liu. "</a:t>
-            </a:r>
-            <a:r>
-              <a:rPr lang="en-US" b="1" dirty="0"/>
-              <a:t>Benchmark of deep learning models on large healthcare mimic datasets." </a:t>
-            </a:r>
-            <a:r>
-              <a:rPr lang="en-US" b="1" i="1" dirty="0" err="1"/>
-              <a:t>arXiv</a:t>
-            </a:r>
-            <a:r>
-              <a:rPr lang="en-US" b="1" i="1" dirty="0"/>
-              <a:t> preprint arXiv:1710.08531</a:t>
-            </a:r>
-            <a:r>
-              <a:rPr lang="en-US" b="1" dirty="0"/>
-              <a:t>(2017</a:t>
-            </a:r>
-            <a:r>
-              <a:rPr lang="en-US" b="1" dirty="0" smtClean="0"/>
-              <a:t>).</a:t>
-            </a:r>
-          </a:p>
-          <a:p>
-            <a:endParaRPr lang="en-US" b="1" dirty="0"/>
+            <a:pPr lvl="0"/>
+            <a:r>
+              <a:rPr lang="en-US" u="sng" dirty="0">
+                <a:hlinkClick r:id="rId5"/>
+              </a:rPr>
+              <a:t>https://</a:t>
+            </a:r>
+            <a:r>
+              <a:rPr lang="en-US" u="sng" dirty="0" smtClean="0">
+                <a:hlinkClick r:id="rId5"/>
+              </a:rPr>
+              <a:t>github.com/MIT-LCP/mimic-code</a:t>
+            </a:r>
+            <a:endParaRPr lang="en-US" u="sng" dirty="0" smtClean="0"/>
+          </a:p>
+          <a:p>
+            <a:pPr lvl="0"/>
+            <a:endParaRPr lang="en-US" u="sng" dirty="0"/>
           </a:p>
           <a:p>
             <a:r>
@@ -5744,45 +8519,34 @@
               <a:t>[5] </a:t>
             </a:r>
             <a:r>
-              <a:rPr lang="en-US" dirty="0" err="1"/>
-              <a:t>Mullenbach</a:t>
+              <a:rPr lang="en-US" i="1" dirty="0" smtClean="0"/>
+              <a:t>International </a:t>
+            </a:r>
+            <a:r>
+              <a:rPr lang="en-US" i="1" dirty="0"/>
+              <a:t>Classification of Diseases</a:t>
             </a:r>
             <a:r>
               <a:rPr lang="en-US" dirty="0"/>
-              <a:t>, James, Sarah </a:t>
-            </a:r>
-            <a:r>
-              <a:rPr lang="en-US" dirty="0" err="1"/>
-              <a:t>Wiegreffe</a:t>
-            </a:r>
-            <a:r>
-              <a:rPr lang="en-US" dirty="0"/>
-              <a:t>, Jon Duke, </a:t>
-            </a:r>
-            <a:r>
-              <a:rPr lang="en-US" dirty="0" err="1"/>
-              <a:t>Jimeng</a:t>
-            </a:r>
-            <a:r>
-              <a:rPr lang="en-US" dirty="0"/>
-              <a:t> Sun, and Jacob Eisenstein. "</a:t>
-            </a:r>
-            <a:r>
-              <a:rPr lang="en-US" b="1" dirty="0"/>
-              <a:t>Explainable prediction of medical codes from clinical text." </a:t>
-            </a:r>
-            <a:r>
-              <a:rPr lang="en-US" b="1" i="1" dirty="0" err="1"/>
-              <a:t>arXiv</a:t>
-            </a:r>
-            <a:r>
-              <a:rPr lang="en-US" b="1" i="1" dirty="0"/>
-              <a:t> preprint arXiv:1802.05695</a:t>
-            </a:r>
-            <a:r>
-              <a:rPr lang="en-US" b="1" dirty="0"/>
-              <a:t>(2018).</a:t>
-            </a:r>
+              <a:t>. Available at </a:t>
+            </a:r>
+            <a:r>
+              <a:rPr lang="en-US" u="sng" dirty="0">
+                <a:hlinkClick r:id="rId6"/>
+              </a:rPr>
+              <a:t>https://www.cdc.gov/nchs/icd/icd9.htm</a:t>
+            </a:r>
+            <a:endParaRPr lang="en-US" dirty="0"/>
+          </a:p>
+          <a:p>
+            <a:pPr lvl="0"/>
+            <a:endParaRPr lang="en-US" dirty="0"/>
+          </a:p>
+          <a:p>
+            <a:endParaRPr lang="en-US" dirty="0" smtClean="0"/>
+          </a:p>
+          <a:p>
+            <a:endParaRPr lang="en-US" dirty="0"/>
           </a:p>
         </p:txBody>
       </p:sp>
@@ -5806,369 +8570,7 @@
 </p:sld>
 </file>
 
-<file path=ppt/slides/slide2.xml><?xml version="1.0" encoding="utf-8"?>
-<p:sld xmlns:a="http://schemas.openxmlformats.org/drawingml/2006/main" xmlns:r="http://schemas.openxmlformats.org/officeDocument/2006/relationships" xmlns:p="http://schemas.openxmlformats.org/presentationml/2006/main">
-  <p:cSld>
-    <p:spTree>
-      <p:nvGrpSpPr>
-        <p:cNvPr id="1" name=""/>
-        <p:cNvGrpSpPr/>
-        <p:nvPr/>
-      </p:nvGrpSpPr>
-      <p:grpSpPr>
-        <a:xfrm>
-          <a:off x="0" y="0"/>
-          <a:ext cx="0" cy="0"/>
-          <a:chOff x="0" y="0"/>
-          <a:chExt cx="0" cy="0"/>
-        </a:xfrm>
-      </p:grpSpPr>
-      <p:sp>
-        <p:nvSpPr>
-          <p:cNvPr id="6" name="TextBox 5"/>
-          <p:cNvSpPr txBox="1"/>
-          <p:nvPr/>
-        </p:nvSpPr>
-        <p:spPr>
-          <a:xfrm>
-            <a:off x="1431713" y="697869"/>
-            <a:ext cx="10153934" cy="584775"/>
-          </a:xfrm>
-          <a:prstGeom prst="rect">
-            <a:avLst/>
-          </a:prstGeom>
-          <a:noFill/>
-        </p:spPr>
-        <p:txBody>
-          <a:bodyPr wrap="square" rtlCol="0">
-            <a:spAutoFit/>
-          </a:bodyPr>
-          <a:lstStyle/>
-          <a:p>
-            <a:r>
-              <a:rPr lang="en-US" sz="3200" dirty="0">
-                <a:solidFill>
-                  <a:schemeClr val="tx2"/>
-                </a:solidFill>
-                <a:latin typeface="Arial Rounded MT Bold" panose="020F0704030504030204" pitchFamily="34" charset="0"/>
-              </a:rPr>
-              <a:t>Outline</a:t>
-            </a:r>
-            <a:r>
-              <a:rPr lang="en-US" sz="3200" dirty="0">
-                <a:latin typeface="Arial Rounded MT Bold" panose="020F0704030504030204" pitchFamily="34" charset="0"/>
-              </a:rPr>
-              <a:t>	</a:t>
-            </a:r>
-            <a:r>
-              <a:rPr lang="en-US" sz="3200" dirty="0" smtClean="0">
-                <a:solidFill>
-                  <a:schemeClr val="accent5">
-                    <a:lumMod val="75000"/>
-                  </a:schemeClr>
-                </a:solidFill>
-                <a:latin typeface="Arial Rounded MT Bold" panose="020F0704030504030204" pitchFamily="34" charset="0"/>
-              </a:rPr>
-              <a:t>						</a:t>
-            </a:r>
-            <a:r>
-              <a:rPr lang="en-US" sz="3200" dirty="0">
-                <a:solidFill>
-                  <a:schemeClr val="accent5">
-                    <a:lumMod val="75000"/>
-                  </a:schemeClr>
-                </a:solidFill>
-                <a:latin typeface="Arial Rounded MT Bold" panose="020F0704030504030204" pitchFamily="34" charset="0"/>
-              </a:rPr>
-              <a:t>	 </a:t>
-            </a:r>
-            <a:r>
-              <a:rPr lang="en-US" sz="3200" dirty="0" smtClean="0">
-                <a:solidFill>
-                  <a:schemeClr val="accent5">
-                    <a:lumMod val="75000"/>
-                  </a:schemeClr>
-                </a:solidFill>
-                <a:latin typeface="Arial Rounded MT Bold" panose="020F0704030504030204" pitchFamily="34" charset="0"/>
-              </a:rPr>
-              <a:t>    </a:t>
-            </a:r>
-            <a:endParaRPr lang="en-US" sz="3200" dirty="0">
-              <a:solidFill>
-                <a:schemeClr val="accent5">
-                  <a:lumMod val="75000"/>
-                </a:schemeClr>
-              </a:solidFill>
-              <a:latin typeface="Arial Rounded MT Bold" panose="020F0704030504030204" pitchFamily="34" charset="0"/>
-            </a:endParaRPr>
-          </a:p>
-        </p:txBody>
-      </p:sp>
-      <p:sp>
-        <p:nvSpPr>
-          <p:cNvPr id="7" name="TextBox 6"/>
-          <p:cNvSpPr txBox="1"/>
-          <p:nvPr/>
-        </p:nvSpPr>
-        <p:spPr>
-          <a:xfrm>
-            <a:off x="926618" y="1656576"/>
-            <a:ext cx="8617975" cy="4524315"/>
-          </a:xfrm>
-          <a:prstGeom prst="rect">
-            <a:avLst/>
-          </a:prstGeom>
-          <a:noFill/>
-        </p:spPr>
-        <p:txBody>
-          <a:bodyPr wrap="square" rtlCol="0">
-            <a:spAutoFit/>
-          </a:bodyPr>
-          <a:lstStyle/>
-          <a:p>
-            <a:pPr indent="-285750">
-              <a:buFont typeface="Arial" panose="020B0604020202020204" pitchFamily="34" charset="0"/>
-              <a:buChar char="•"/>
-            </a:pPr>
-            <a:r>
-              <a:rPr lang="en-US" sz="1600" dirty="0">
-                <a:latin typeface="Arial Rounded MT Bold" panose="020F0704030504030204" pitchFamily="34" charset="0"/>
-                <a:cs typeface="helvetica" panose="020B0604020202020204" pitchFamily="34" charset="0"/>
-              </a:rPr>
-              <a:t>Introduction</a:t>
-            </a:r>
-          </a:p>
-          <a:p>
-            <a:pPr indent="-285750">
-              <a:buFont typeface="Arial" panose="020B0604020202020204" pitchFamily="34" charset="0"/>
-              <a:buChar char="•"/>
-            </a:pPr>
-            <a:endParaRPr lang="en-US" sz="1600" dirty="0">
-              <a:latin typeface="Arial Rounded MT Bold" panose="020F0704030504030204" pitchFamily="34" charset="0"/>
-              <a:cs typeface="helvetica" panose="020B0604020202020204" pitchFamily="34" charset="0"/>
-            </a:endParaRPr>
-          </a:p>
-          <a:p>
-            <a:pPr indent="-285750">
-              <a:buFont typeface="Arial" panose="020B0604020202020204" pitchFamily="34" charset="0"/>
-              <a:buChar char="•"/>
-            </a:pPr>
-            <a:r>
-              <a:rPr lang="en-US" sz="1600" dirty="0">
-                <a:latin typeface="Arial Rounded MT Bold" panose="020F0704030504030204" pitchFamily="34" charset="0"/>
-                <a:cs typeface="helvetica" panose="020B0604020202020204" pitchFamily="34" charset="0"/>
-              </a:rPr>
-              <a:t>Motivation</a:t>
-            </a:r>
-          </a:p>
-          <a:p>
-            <a:pPr indent="-285750">
-              <a:buFont typeface="Arial" panose="020B0604020202020204" pitchFamily="34" charset="0"/>
-              <a:buChar char="•"/>
-            </a:pPr>
-            <a:endParaRPr lang="en-US" sz="1600" dirty="0">
-              <a:latin typeface="Arial Rounded MT Bold" panose="020F0704030504030204" pitchFamily="34" charset="0"/>
-              <a:cs typeface="helvetica" panose="020B0604020202020204" pitchFamily="34" charset="0"/>
-            </a:endParaRPr>
-          </a:p>
-          <a:p>
-            <a:pPr indent="-285750">
-              <a:buFont typeface="Arial" panose="020B0604020202020204" pitchFamily="34" charset="0"/>
-              <a:buChar char="•"/>
-            </a:pPr>
-            <a:r>
-              <a:rPr lang="en-US" sz="1600" dirty="0">
-                <a:latin typeface="Arial Rounded MT Bold" panose="020F0704030504030204" pitchFamily="34" charset="0"/>
-                <a:cs typeface="helvetica" panose="020B0604020202020204" pitchFamily="34" charset="0"/>
-              </a:rPr>
-              <a:t>Challenges</a:t>
-            </a:r>
-          </a:p>
-          <a:p>
-            <a:pPr indent="-285750">
-              <a:buFont typeface="Arial" panose="020B0604020202020204" pitchFamily="34" charset="0"/>
-              <a:buChar char="•"/>
-            </a:pPr>
-            <a:endParaRPr lang="en-US" sz="1600" dirty="0">
-              <a:latin typeface="Arial Rounded MT Bold" panose="020F0704030504030204" pitchFamily="34" charset="0"/>
-              <a:cs typeface="helvetica" panose="020B0604020202020204" pitchFamily="34" charset="0"/>
-            </a:endParaRPr>
-          </a:p>
-          <a:p>
-            <a:pPr indent="-285750">
-              <a:buFont typeface="Arial" panose="020B0604020202020204" pitchFamily="34" charset="0"/>
-              <a:buChar char="•"/>
-            </a:pPr>
-            <a:r>
-              <a:rPr lang="en-US" sz="1600" dirty="0">
-                <a:latin typeface="Arial Rounded MT Bold" panose="020F0704030504030204" pitchFamily="34" charset="0"/>
-                <a:cs typeface="helvetica" panose="020B0604020202020204" pitchFamily="34" charset="0"/>
-              </a:rPr>
-              <a:t>Problem Statement</a:t>
-            </a:r>
-          </a:p>
-          <a:p>
-            <a:pPr indent="-285750">
-              <a:buFont typeface="Arial" panose="020B0604020202020204" pitchFamily="34" charset="0"/>
-              <a:buChar char="•"/>
-            </a:pPr>
-            <a:endParaRPr lang="en-US" sz="1600" dirty="0">
-              <a:latin typeface="Arial Rounded MT Bold" panose="020F0704030504030204" pitchFamily="34" charset="0"/>
-              <a:cs typeface="helvetica" panose="020B0604020202020204" pitchFamily="34" charset="0"/>
-            </a:endParaRPr>
-          </a:p>
-          <a:p>
-            <a:pPr indent="-285750">
-              <a:buFont typeface="Arial" panose="020B0604020202020204" pitchFamily="34" charset="0"/>
-              <a:buChar char="•"/>
-            </a:pPr>
-            <a:r>
-              <a:rPr lang="en-US" sz="1600" dirty="0">
-                <a:latin typeface="Arial Rounded MT Bold" panose="020F0704030504030204" pitchFamily="34" charset="0"/>
-                <a:cs typeface="helvetica" panose="020B0604020202020204" pitchFamily="34" charset="0"/>
-              </a:rPr>
-              <a:t>Literature Review</a:t>
-            </a:r>
-          </a:p>
-          <a:p>
-            <a:pPr indent="-285750">
-              <a:buFont typeface="Arial" panose="020B0604020202020204" pitchFamily="34" charset="0"/>
-              <a:buChar char="•"/>
-            </a:pPr>
-            <a:endParaRPr lang="en-US" sz="1600" dirty="0">
-              <a:latin typeface="Arial Rounded MT Bold" panose="020F0704030504030204" pitchFamily="34" charset="0"/>
-              <a:cs typeface="helvetica" panose="020B0604020202020204" pitchFamily="34" charset="0"/>
-            </a:endParaRPr>
-          </a:p>
-          <a:p>
-            <a:pPr indent="-285750">
-              <a:buFont typeface="Arial" panose="020B0604020202020204" pitchFamily="34" charset="0"/>
-              <a:buChar char="•"/>
-            </a:pPr>
-            <a:r>
-              <a:rPr lang="en-US" sz="1600" dirty="0" smtClean="0">
-                <a:latin typeface="Arial Rounded MT Bold" panose="020F0704030504030204" pitchFamily="34" charset="0"/>
-                <a:cs typeface="helvetica" panose="020B0604020202020204" pitchFamily="34" charset="0"/>
-              </a:rPr>
-              <a:t>Dataset</a:t>
-            </a:r>
-            <a:endParaRPr lang="en-US" sz="1600" dirty="0">
-              <a:latin typeface="Arial Rounded MT Bold" panose="020F0704030504030204" pitchFamily="34" charset="0"/>
-              <a:cs typeface="helvetica" panose="020B0604020202020204" pitchFamily="34" charset="0"/>
-            </a:endParaRPr>
-          </a:p>
-          <a:p>
-            <a:pPr indent="-285750">
-              <a:buFont typeface="Arial" panose="020B0604020202020204" pitchFamily="34" charset="0"/>
-              <a:buChar char="•"/>
-            </a:pPr>
-            <a:endParaRPr lang="en-US" sz="1600" dirty="0">
-              <a:latin typeface="Arial Rounded MT Bold" panose="020F0704030504030204" pitchFamily="34" charset="0"/>
-              <a:cs typeface="helvetica" panose="020B0604020202020204" pitchFamily="34" charset="0"/>
-            </a:endParaRPr>
-          </a:p>
-          <a:p>
-            <a:pPr indent="-285750">
-              <a:buFont typeface="Arial" panose="020B0604020202020204" pitchFamily="34" charset="0"/>
-              <a:buChar char="•"/>
-            </a:pPr>
-            <a:r>
-              <a:rPr lang="en-US" sz="1600" dirty="0">
-                <a:latin typeface="Arial Rounded MT Bold" panose="020F0704030504030204" pitchFamily="34" charset="0"/>
-                <a:cs typeface="helvetica" panose="020B0604020202020204" pitchFamily="34" charset="0"/>
-              </a:rPr>
-              <a:t>Proposed Technique</a:t>
-            </a:r>
-          </a:p>
-          <a:p>
-            <a:pPr marL="285750" indent="-285750">
-              <a:buFont typeface="Arial" panose="020B0604020202020204" pitchFamily="34" charset="0"/>
-              <a:buChar char="•"/>
-            </a:pPr>
-            <a:endParaRPr lang="en-US" sz="2000" dirty="0">
-              <a:latin typeface="Arial Rounded MT Bold" panose="020F0704030504030204" pitchFamily="34" charset="0"/>
-            </a:endParaRPr>
-          </a:p>
-          <a:p>
-            <a:pPr marL="285750" indent="-285750">
-              <a:buFont typeface="Arial" panose="020B0604020202020204" pitchFamily="34" charset="0"/>
-              <a:buChar char="•"/>
-            </a:pPr>
-            <a:endParaRPr lang="en-US" sz="2000" dirty="0" smtClean="0">
-              <a:latin typeface="Arial Rounded MT Bold" panose="020F0704030504030204" pitchFamily="34" charset="0"/>
-            </a:endParaRPr>
-          </a:p>
-          <a:p>
-            <a:pPr marL="285750" indent="-285750">
-              <a:buFont typeface="Arial" panose="020B0604020202020204" pitchFamily="34" charset="0"/>
-              <a:buChar char="•"/>
-            </a:pPr>
-            <a:endParaRPr lang="en-US" sz="2000" dirty="0" smtClean="0">
-              <a:latin typeface="Arial Rounded MT Bold" panose="020F0704030504030204" pitchFamily="34" charset="0"/>
-            </a:endParaRPr>
-          </a:p>
-          <a:p>
-            <a:pPr marL="285750" indent="-285750">
-              <a:buFont typeface="Arial" panose="020B0604020202020204" pitchFamily="34" charset="0"/>
-              <a:buChar char="•"/>
-            </a:pPr>
-            <a:endParaRPr lang="en-US" sz="2000" dirty="0" smtClean="0">
-              <a:latin typeface="Arial Rounded MT Bold" panose="020F0704030504030204" pitchFamily="34" charset="0"/>
-            </a:endParaRPr>
-          </a:p>
-        </p:txBody>
-      </p:sp>
-      <p:pic>
-        <p:nvPicPr>
-          <p:cNvPr id="8" name="Picture 7"/>
-          <p:cNvPicPr>
-            <a:picLocks noChangeAspect="1"/>
-          </p:cNvPicPr>
-          <p:nvPr/>
-        </p:nvPicPr>
-        <p:blipFill>
-          <a:blip r:embed="rId2" cstate="print">
-            <a:extLst>
-              <a:ext uri="{28A0092B-C50C-407E-A947-70E740481C1C}">
-                <a14:useLocalDpi xmlns:a14="http://schemas.microsoft.com/office/drawing/2010/main" val="0"/>
-              </a:ext>
-            </a:extLst>
-          </a:blip>
-          <a:stretch>
-            <a:fillRect/>
-          </a:stretch>
-        </p:blipFill>
-        <p:spPr>
-          <a:xfrm>
-            <a:off x="944034" y="737117"/>
-            <a:ext cx="487679" cy="487679"/>
-          </a:xfrm>
-          <a:prstGeom prst="rect">
-            <a:avLst/>
-          </a:prstGeom>
-        </p:spPr>
-      </p:pic>
-    </p:spTree>
-    <p:extLst>
-      <p:ext uri="{BB962C8B-B14F-4D97-AF65-F5344CB8AC3E}">
-        <p14:creationId xmlns:p14="http://schemas.microsoft.com/office/powerpoint/2010/main" val="2755754768"/>
-      </p:ext>
-    </p:extLst>
-  </p:cSld>
-  <p:clrMapOvr>
-    <a:masterClrMapping/>
-  </p:clrMapOvr>
-  <p:timing>
-    <p:tnLst>
-      <p:par>
-        <p:cTn id="1" dur="indefinite" restart="never" nodeType="tmRoot"/>
-      </p:par>
-    </p:tnLst>
-  </p:timing>
-</p:sld>
-</file>
-
-<file path=ppt/slides/slide20.xml><?xml version="1.0" encoding="utf-8"?>
+<file path=ppt/slides/slide26.xml><?xml version="1.0" encoding="utf-8"?>
 <p:sld xmlns:a="http://schemas.openxmlformats.org/drawingml/2006/main" xmlns:r="http://schemas.openxmlformats.org/officeDocument/2006/relationships" xmlns:p="http://schemas.openxmlformats.org/presentationml/2006/main">
   <p:cSld>
     <p:spTree>
@@ -6245,8 +8647,8 @@
         </p:nvSpPr>
         <p:spPr>
           <a:xfrm>
-            <a:off x="838200" y="1448641"/>
-            <a:ext cx="9453283" cy="369332"/>
+            <a:off x="838200" y="1506022"/>
+            <a:ext cx="9453283" cy="4801314"/>
           </a:xfrm>
           <a:prstGeom prst="rect">
             <a:avLst/>
@@ -6264,17 +8666,249 @@
               <a:t>[6] </a:t>
             </a:r>
             <a:r>
-              <a:rPr lang="en-US" dirty="0">
-                <a:hlinkClick r:id="rId3"/>
-              </a:rPr>
-              <a:t>http://kaggle.com/drscarlat/mimic3a</a:t>
-            </a:r>
-            <a:r>
-              <a:rPr lang="en-US" dirty="0" smtClean="0">
-                <a:hlinkClick r:id="rId3"/>
-              </a:rPr>
-              <a:t>/</a:t>
-            </a:r>
+              <a:rPr lang="en-US" dirty="0"/>
+              <a:t>Chawla, </a:t>
+            </a:r>
+            <a:r>
+              <a:rPr lang="en-US" dirty="0" err="1"/>
+              <a:t>Nitesh</a:t>
+            </a:r>
+            <a:r>
+              <a:rPr lang="en-US" dirty="0"/>
+              <a:t> V., Kevin W. Bowyer, Lawrence O. Hall, and W. Philip </a:t>
+            </a:r>
+            <a:r>
+              <a:rPr lang="en-US" dirty="0" err="1"/>
+              <a:t>Kegelmeyer</a:t>
+            </a:r>
+            <a:r>
+              <a:rPr lang="en-US" dirty="0"/>
+              <a:t>. "</a:t>
+            </a:r>
+            <a:r>
+              <a:rPr lang="en-US" b="1" dirty="0"/>
+              <a:t>SMOTE: synthetic minority over-sampling technique</a:t>
+            </a:r>
+            <a:r>
+              <a:rPr lang="en-US" dirty="0"/>
+              <a:t>." </a:t>
+            </a:r>
+            <a:r>
+              <a:rPr lang="en-US" i="1" dirty="0"/>
+              <a:t>Journal of artificial intelligence research</a:t>
+            </a:r>
+            <a:r>
+              <a:rPr lang="en-US" dirty="0"/>
+              <a:t> 16 (2002): 321-357</a:t>
+            </a:r>
+            <a:r>
+              <a:rPr lang="en-US" dirty="0" smtClean="0"/>
+              <a:t>.</a:t>
+            </a:r>
+          </a:p>
+          <a:p>
+            <a:endParaRPr lang="en-US" dirty="0"/>
+          </a:p>
+          <a:p>
+            <a:r>
+              <a:rPr lang="en-US" dirty="0" smtClean="0"/>
+              <a:t>[7] </a:t>
+            </a:r>
+            <a:r>
+              <a:rPr lang="en-US" dirty="0" err="1"/>
+              <a:t>Davoodi</a:t>
+            </a:r>
+            <a:r>
+              <a:rPr lang="en-US" dirty="0"/>
+              <a:t>, </a:t>
+            </a:r>
+            <a:r>
+              <a:rPr lang="en-US" dirty="0" err="1"/>
+              <a:t>Raheleh</a:t>
+            </a:r>
+            <a:r>
+              <a:rPr lang="en-US" dirty="0"/>
+              <a:t>, and Mohammad Hassan </a:t>
+            </a:r>
+            <a:r>
+              <a:rPr lang="en-US" dirty="0" err="1"/>
+              <a:t>Moradi</a:t>
+            </a:r>
+            <a:r>
+              <a:rPr lang="en-US" dirty="0"/>
+              <a:t>. "</a:t>
+            </a:r>
+            <a:r>
+              <a:rPr lang="en-US" b="1" dirty="0"/>
+              <a:t>Mortality prediction in intensive care units (ICUs) using a deep rule-based fuzzy classifier.</a:t>
+            </a:r>
+            <a:r>
+              <a:rPr lang="en-US" dirty="0"/>
+              <a:t>" </a:t>
+            </a:r>
+            <a:r>
+              <a:rPr lang="en-US" i="1" dirty="0"/>
+              <a:t>Journal of biomedical informatics</a:t>
+            </a:r>
+            <a:r>
+              <a:rPr lang="en-US" dirty="0"/>
+              <a:t> 79 (2018): 48-59</a:t>
+            </a:r>
+            <a:r>
+              <a:rPr lang="en-US" dirty="0" smtClean="0"/>
+              <a:t>.</a:t>
+            </a:r>
+          </a:p>
+          <a:p>
+            <a:endParaRPr lang="en-US" dirty="0"/>
+          </a:p>
+          <a:p>
+            <a:r>
+              <a:rPr lang="en-US" dirty="0"/>
+              <a:t>[8]</a:t>
+            </a:r>
+            <a:r>
+              <a:rPr lang="en-US" b="1" dirty="0"/>
+              <a:t> </a:t>
+            </a:r>
+            <a:r>
+              <a:rPr lang="en-US" dirty="0"/>
+              <a:t>Meyer, A., </a:t>
+            </a:r>
+            <a:r>
+              <a:rPr lang="en-US" dirty="0" err="1"/>
+              <a:t>Zverinski</a:t>
+            </a:r>
+            <a:r>
+              <a:rPr lang="en-US" dirty="0"/>
+              <a:t>, D., </a:t>
+            </a:r>
+            <a:r>
+              <a:rPr lang="en-US" dirty="0" err="1"/>
+              <a:t>Pfahringer</a:t>
+            </a:r>
+            <a:r>
+              <a:rPr lang="en-US" dirty="0"/>
+              <a:t>, B., </a:t>
+            </a:r>
+            <a:r>
+              <a:rPr lang="en-US" dirty="0" err="1"/>
+              <a:t>Kempfert</a:t>
+            </a:r>
+            <a:r>
+              <a:rPr lang="en-US" dirty="0"/>
+              <a:t>, J., </a:t>
+            </a:r>
+            <a:r>
+              <a:rPr lang="en-US" dirty="0" err="1"/>
+              <a:t>Kuehne</a:t>
+            </a:r>
+            <a:r>
+              <a:rPr lang="en-US" dirty="0"/>
+              <a:t>, T., </a:t>
+            </a:r>
+            <a:r>
+              <a:rPr lang="en-US" dirty="0" err="1"/>
+              <a:t>Sündermann</a:t>
+            </a:r>
+            <a:r>
+              <a:rPr lang="en-US" dirty="0"/>
+              <a:t>, S.H., </a:t>
+            </a:r>
+            <a:r>
+              <a:rPr lang="en-US" dirty="0" err="1"/>
+              <a:t>Stamm</a:t>
+            </a:r>
+            <a:r>
+              <a:rPr lang="en-US" dirty="0"/>
+              <a:t>, C., Hofmann, T., Falk, V. and </a:t>
+            </a:r>
+            <a:r>
+              <a:rPr lang="en-US" dirty="0" err="1"/>
+              <a:t>Eickhoff</a:t>
+            </a:r>
+            <a:r>
+              <a:rPr lang="en-US" dirty="0"/>
+              <a:t>, C., 2018. </a:t>
+            </a:r>
+            <a:r>
+              <a:rPr lang="en-US" b="1" dirty="0"/>
+              <a:t>Machine learning for real-time prediction of complications in critical care: a retrospective study</a:t>
+            </a:r>
+            <a:r>
+              <a:rPr lang="en-US" dirty="0"/>
+              <a:t>. </a:t>
+            </a:r>
+            <a:r>
+              <a:rPr lang="en-US" i="1" dirty="0"/>
+              <a:t>The Lancet Respiratory Medicine</a:t>
+            </a:r>
+            <a:r>
+              <a:rPr lang="en-US" dirty="0"/>
+              <a:t>, </a:t>
+            </a:r>
+            <a:r>
+              <a:rPr lang="en-US" i="1" dirty="0"/>
+              <a:t>6</a:t>
+            </a:r>
+            <a:r>
+              <a:rPr lang="en-US" dirty="0"/>
+              <a:t>(12), pp.905-914</a:t>
+            </a:r>
+            <a:r>
+              <a:rPr lang="en-US" dirty="0" smtClean="0"/>
+              <a:t>.</a:t>
+            </a:r>
+          </a:p>
+          <a:p>
+            <a:endParaRPr lang="en-US" dirty="0"/>
+          </a:p>
+          <a:p>
+            <a:r>
+              <a:rPr lang="en-US" dirty="0" smtClean="0"/>
+              <a:t>[9] Rojas</a:t>
+            </a:r>
+            <a:r>
+              <a:rPr lang="en-US" dirty="0"/>
+              <a:t>, Juan C., Kyle A. Carey, Dana P. </a:t>
+            </a:r>
+            <a:r>
+              <a:rPr lang="en-US" dirty="0" err="1"/>
+              <a:t>Edelson</a:t>
+            </a:r>
+            <a:r>
+              <a:rPr lang="en-US" dirty="0"/>
+              <a:t>, Laura R. Venable, Michael D. Howell, and Matthew M. </a:t>
+            </a:r>
+            <a:r>
+              <a:rPr lang="en-US" dirty="0" err="1"/>
+              <a:t>Churpek</a:t>
+            </a:r>
+            <a:r>
+              <a:rPr lang="en-US" dirty="0"/>
+              <a:t>. "</a:t>
+            </a:r>
+            <a:r>
+              <a:rPr lang="en-US" b="1" dirty="0"/>
+              <a:t>Predicting intensive care unit readmission with machine learning using electronic health record data</a:t>
+            </a:r>
+            <a:r>
+              <a:rPr lang="en-US" dirty="0"/>
+              <a:t>." </a:t>
+            </a:r>
+            <a:r>
+              <a:rPr lang="en-US" i="1" dirty="0"/>
+              <a:t>Annals of the American Thoracic Society</a:t>
+            </a:r>
+            <a:r>
+              <a:rPr lang="en-US" dirty="0"/>
+              <a:t> 15, no. 7 (2018): 846-853.</a:t>
+            </a:r>
+          </a:p>
+          <a:p>
+            <a:endParaRPr lang="en-US" dirty="0"/>
+          </a:p>
+          <a:p>
             <a:endParaRPr lang="en-US" dirty="0" smtClean="0"/>
           </a:p>
         </p:txBody>
@@ -6299,7 +8933,7 @@
 </p:sld>
 </file>
 
-<file path=ppt/slides/slide21.xml><?xml version="1.0" encoding="utf-8"?>
+<file path=ppt/slides/slide27.xml><?xml version="1.0" encoding="utf-8"?>
 <p:sld xmlns:a="http://schemas.openxmlformats.org/drawingml/2006/main" xmlns:r="http://schemas.openxmlformats.org/officeDocument/2006/relationships" xmlns:p="http://schemas.openxmlformats.org/presentationml/2006/main">
   <p:cSld>
     <p:spTree>
@@ -6318,7 +8952,7 @@
       </p:grpSpPr>
       <p:sp>
         <p:nvSpPr>
-          <p:cNvPr id="5" name="Title 1"/>
+          <p:cNvPr id="2" name="Title 1"/>
           <p:cNvSpPr>
             <a:spLocks noGrp="1"/>
           </p:cNvSpPr>
@@ -6326,19 +8960,14 @@
             <p:ph type="title"/>
           </p:nvPr>
         </p:nvSpPr>
-        <p:spPr>
-          <a:xfrm>
-            <a:off x="1034714" y="203506"/>
-            <a:ext cx="10515600" cy="1325563"/>
-          </a:xfrm>
-        </p:spPr>
+        <p:spPr/>
         <p:txBody>
           <a:bodyPr/>
           <a:lstStyle/>
           <a:p>
             <a:r>
               <a:rPr lang="en-US" dirty="0" smtClean="0"/>
-              <a:t>Classes of Data</a:t>
+              <a:t>References</a:t>
             </a:r>
             <a:endParaRPr lang="en-US" dirty="0"/>
           </a:p>
@@ -6346,11 +8975,13 @@
       </p:sp>
       <p:pic>
         <p:nvPicPr>
-          <p:cNvPr id="6" name="Picture 5"/>
+          <p:cNvPr id="4" name="Content Placeholder 3"/>
           <p:cNvPicPr>
-            <a:picLocks noChangeAspect="1"/>
+            <a:picLocks noGrp="1" noChangeAspect="1"/>
           </p:cNvPicPr>
-          <p:nvPr/>
+          <p:nvPr>
+            <p:ph idx="1"/>
+          </p:nvPr>
         </p:nvPicPr>
         <p:blipFill>
           <a:blip r:embed="rId2" cstate="print">
@@ -6366,54 +8997,21 @@
         </p:blipFill>
         <p:spPr>
           <a:xfrm>
-            <a:off x="10437392" y="1119314"/>
-            <a:ext cx="1395663" cy="1395663"/>
+            <a:off x="10744200" y="524436"/>
+            <a:ext cx="803182" cy="803182"/>
           </a:xfrm>
-          <a:prstGeom prst="rect">
-            <a:avLst/>
-          </a:prstGeom>
-        </p:spPr>
-      </p:pic>
-      <p:pic>
-        <p:nvPicPr>
-          <p:cNvPr id="7" name="Picture 6"/>
-          <p:cNvPicPr>
-            <a:picLocks noChangeAspect="1"/>
-          </p:cNvPicPr>
-          <p:nvPr/>
-        </p:nvPicPr>
-        <p:blipFill>
-          <a:blip r:embed="rId3" cstate="print">
-            <a:extLst>
-              <a:ext uri="{28A0092B-C50C-407E-A947-70E740481C1C}">
-                <a14:useLocalDpi xmlns:a14="http://schemas.microsoft.com/office/drawing/2010/main" val="0"/>
-              </a:ext>
-            </a:extLst>
-          </a:blip>
-          <a:stretch>
-            <a:fillRect/>
-          </a:stretch>
-        </p:blipFill>
-        <p:spPr>
-          <a:xfrm>
-            <a:off x="8602274" y="873349"/>
-            <a:ext cx="1552377" cy="1552377"/>
-          </a:xfrm>
-          <a:prstGeom prst="rect">
-            <a:avLst/>
-          </a:prstGeom>
         </p:spPr>
       </p:pic>
       <p:sp>
         <p:nvSpPr>
-          <p:cNvPr id="8" name="TextBox 7"/>
+          <p:cNvPr id="3" name="TextBox 2"/>
           <p:cNvSpPr txBox="1"/>
           <p:nvPr/>
         </p:nvSpPr>
         <p:spPr>
           <a:xfrm>
-            <a:off x="1179095" y="1828800"/>
-            <a:ext cx="6797842" cy="2585323"/>
+            <a:off x="838200" y="1506022"/>
+            <a:ext cx="9453283" cy="1200329"/>
           </a:xfrm>
           <a:prstGeom prst="rect">
             <a:avLst/>
@@ -6426,222 +9024,56 @@
           </a:bodyPr>
           <a:lstStyle/>
           <a:p>
-            <a:pPr marL="285750" indent="-285750">
-              <a:buFont typeface="Arial" panose="020B0604020202020204" pitchFamily="34" charset="0"/>
-              <a:buChar char="•"/>
-            </a:pPr>
             <a:r>
               <a:rPr lang="en-US" dirty="0" smtClean="0"/>
-              <a:t>Billing (Against DRG codes and ICD Classification)</a:t>
-            </a:r>
-          </a:p>
-          <a:p>
-            <a:pPr marL="285750" indent="-285750">
-              <a:buFont typeface="Arial" panose="020B0604020202020204" pitchFamily="34" charset="0"/>
-              <a:buChar char="•"/>
-            </a:pPr>
-            <a:r>
-              <a:rPr lang="en-US" dirty="0" smtClean="0"/>
-              <a:t>Descriptive (Demographics, Admissions)</a:t>
-            </a:r>
-          </a:p>
-          <a:p>
-            <a:pPr marL="285750" indent="-285750">
-              <a:buFont typeface="Arial" panose="020B0604020202020204" pitchFamily="34" charset="0"/>
-              <a:buChar char="•"/>
-            </a:pPr>
-            <a:r>
-              <a:rPr lang="en-US" dirty="0" smtClean="0"/>
-              <a:t>Dictionaries (Lookup Information for ICD and Items)</a:t>
-            </a:r>
-          </a:p>
-          <a:p>
-            <a:pPr marL="285750" indent="-285750">
-              <a:buFont typeface="Arial" panose="020B0604020202020204" pitchFamily="34" charset="0"/>
-              <a:buChar char="•"/>
-            </a:pPr>
-            <a:r>
-              <a:rPr lang="en-US" dirty="0" smtClean="0"/>
-              <a:t>Interventions (Procedures Dialysis, imaging studies)</a:t>
-            </a:r>
-          </a:p>
-          <a:p>
-            <a:pPr marL="285750" indent="-285750">
-              <a:buFont typeface="Arial" panose="020B0604020202020204" pitchFamily="34" charset="0"/>
-              <a:buChar char="•"/>
-            </a:pPr>
-            <a:r>
-              <a:rPr lang="en-US" dirty="0" smtClean="0"/>
-              <a:t>Laboratory (Blood Chemistry, Urine Analysis)</a:t>
-            </a:r>
-          </a:p>
-          <a:p>
-            <a:pPr marL="285750" indent="-285750">
-              <a:buFont typeface="Arial" panose="020B0604020202020204" pitchFamily="34" charset="0"/>
-              <a:buChar char="•"/>
-            </a:pPr>
-            <a:r>
-              <a:rPr lang="en-US" dirty="0" smtClean="0"/>
-              <a:t>Medication (Medications, Caregivers)</a:t>
-            </a:r>
-          </a:p>
-          <a:p>
-            <a:pPr marL="285750" indent="-285750">
-              <a:buFont typeface="Arial" panose="020B0604020202020204" pitchFamily="34" charset="0"/>
-              <a:buChar char="•"/>
-            </a:pPr>
-            <a:r>
-              <a:rPr lang="en-US" dirty="0" smtClean="0"/>
-              <a:t>Notes (Discharge summaries, Clinicians or nurses notes)</a:t>
-            </a:r>
-          </a:p>
-          <a:p>
-            <a:pPr marL="285750" indent="-285750">
-              <a:buFont typeface="Arial" panose="020B0604020202020204" pitchFamily="34" charset="0"/>
-              <a:buChar char="•"/>
-            </a:pPr>
-            <a:r>
-              <a:rPr lang="en-US" dirty="0" smtClean="0"/>
-              <a:t>Physiologic (Nurse verified vital signs)</a:t>
-            </a:r>
-          </a:p>
-          <a:p>
-            <a:pPr marL="285750" indent="-285750">
-              <a:buFont typeface="Arial" panose="020B0604020202020204" pitchFamily="34" charset="0"/>
-              <a:buChar char="•"/>
-            </a:pPr>
-            <a:r>
-              <a:rPr lang="en-US" dirty="0" smtClean="0"/>
-              <a:t>Reports (Text reports of Electrocardiogram)</a:t>
-            </a:r>
+              <a:t>[10] </a:t>
+            </a:r>
+            <a:r>
+              <a:rPr lang="en-US" dirty="0"/>
+              <a:t>Arvind, Varun, Jun S. Kim, Eric K. </a:t>
+            </a:r>
+            <a:r>
+              <a:rPr lang="en-US" dirty="0" err="1"/>
+              <a:t>Oermann</a:t>
+            </a:r>
+            <a:r>
+              <a:rPr lang="en-US" dirty="0"/>
+              <a:t>, Deepak </a:t>
+            </a:r>
+            <a:r>
+              <a:rPr lang="en-US" dirty="0" err="1"/>
+              <a:t>Kaji</a:t>
+            </a:r>
+            <a:r>
+              <a:rPr lang="en-US" dirty="0"/>
+              <a:t>, and Samuel K. Cho. "</a:t>
+            </a:r>
+            <a:r>
+              <a:rPr lang="en-US" b="1" dirty="0"/>
+              <a:t>Predicting Surgical Complications in Adult Patients Undergoing Anterior Cervical Discectomy and Fusion Using Machine Learning.</a:t>
+            </a:r>
+            <a:r>
+              <a:rPr lang="en-US" dirty="0"/>
+              <a:t>" </a:t>
+            </a:r>
+            <a:r>
+              <a:rPr lang="en-US" i="1" dirty="0" err="1"/>
+              <a:t>Neurospine</a:t>
+            </a:r>
+            <a:r>
+              <a:rPr lang="en-US" dirty="0"/>
+              <a:t> 15, no. 4 (2018): 329.</a:t>
+            </a:r>
+          </a:p>
+          <a:p>
+            <a:endParaRPr lang="en-US" dirty="0" smtClean="0"/>
           </a:p>
         </p:txBody>
       </p:sp>
-      <p:pic>
-        <p:nvPicPr>
-          <p:cNvPr id="9" name="Picture 8"/>
-          <p:cNvPicPr>
-            <a:picLocks noChangeAspect="1"/>
-          </p:cNvPicPr>
-          <p:nvPr/>
-        </p:nvPicPr>
-        <p:blipFill>
-          <a:blip r:embed="rId4" cstate="print">
-            <a:extLst>
-              <a:ext uri="{28A0092B-C50C-407E-A947-70E740481C1C}">
-                <a14:useLocalDpi xmlns:a14="http://schemas.microsoft.com/office/drawing/2010/main" val="0"/>
-              </a:ext>
-            </a:extLst>
-          </a:blip>
-          <a:stretch>
-            <a:fillRect/>
-          </a:stretch>
-        </p:blipFill>
-        <p:spPr>
-          <a:xfrm>
-            <a:off x="10500922" y="2732319"/>
-            <a:ext cx="1193774" cy="1193774"/>
-          </a:xfrm>
-          <a:prstGeom prst="rect">
-            <a:avLst/>
-          </a:prstGeom>
-        </p:spPr>
-      </p:pic>
-      <p:pic>
-        <p:nvPicPr>
-          <p:cNvPr id="10" name="Picture 9"/>
-          <p:cNvPicPr>
-            <a:picLocks noChangeAspect="1"/>
-          </p:cNvPicPr>
-          <p:nvPr/>
-        </p:nvPicPr>
-        <p:blipFill>
-          <a:blip r:embed="rId5" cstate="print">
-            <a:extLst>
-              <a:ext uri="{28A0092B-C50C-407E-A947-70E740481C1C}">
-                <a14:useLocalDpi xmlns:a14="http://schemas.microsoft.com/office/drawing/2010/main" val="0"/>
-              </a:ext>
-            </a:extLst>
-          </a:blip>
-          <a:stretch>
-            <a:fillRect/>
-          </a:stretch>
-        </p:blipFill>
-        <p:spPr>
-          <a:xfrm>
-            <a:off x="8723200" y="2667621"/>
-            <a:ext cx="1323169" cy="1323169"/>
-          </a:xfrm>
-          <a:prstGeom prst="rect">
-            <a:avLst/>
-          </a:prstGeom>
-        </p:spPr>
-      </p:pic>
     </p:spTree>
     <p:extLst>
       <p:ext uri="{BB962C8B-B14F-4D97-AF65-F5344CB8AC3E}">
-        <p14:creationId xmlns:p14="http://schemas.microsoft.com/office/powerpoint/2010/main" val="3616958812"/>
-      </p:ext>
-    </p:extLst>
-  </p:cSld>
-  <p:clrMapOvr>
-    <a:masterClrMapping/>
-  </p:clrMapOvr>
-  <p:timing>
-    <p:tnLst>
-      <p:par>
-        <p:cTn id="1" dur="indefinite" restart="never" nodeType="tmRoot"/>
-      </p:par>
-    </p:tnLst>
-  </p:timing>
-</p:sld>
-</file>
-
-<file path=ppt/slides/slide22.xml><?xml version="1.0" encoding="utf-8"?>
-<p:sld xmlns:a="http://schemas.openxmlformats.org/drawingml/2006/main" xmlns:r="http://schemas.openxmlformats.org/officeDocument/2006/relationships" xmlns:p="http://schemas.openxmlformats.org/presentationml/2006/main">
-  <p:cSld>
-    <p:spTree>
-      <p:nvGrpSpPr>
-        <p:cNvPr id="1" name=""/>
-        <p:cNvGrpSpPr/>
-        <p:nvPr/>
-      </p:nvGrpSpPr>
-      <p:grpSpPr>
-        <a:xfrm>
-          <a:off x="0" y="0"/>
-          <a:ext cx="0" cy="0"/>
-          <a:chOff x="0" y="0"/>
-          <a:chExt cx="0" cy="0"/>
-        </a:xfrm>
-      </p:grpSpPr>
-      <p:pic>
-        <p:nvPicPr>
-          <p:cNvPr id="2" name="Picture 1"/>
-          <p:cNvPicPr>
-            <a:picLocks noChangeAspect="1"/>
-          </p:cNvPicPr>
-          <p:nvPr/>
-        </p:nvPicPr>
-        <p:blipFill>
-          <a:blip r:embed="rId2"/>
-          <a:stretch>
-            <a:fillRect/>
-          </a:stretch>
-        </p:blipFill>
-        <p:spPr>
-          <a:xfrm>
-            <a:off x="972802" y="716467"/>
-            <a:ext cx="8375735" cy="5900901"/>
-          </a:xfrm>
-          <a:prstGeom prst="rect">
-            <a:avLst/>
-          </a:prstGeom>
-        </p:spPr>
-      </p:pic>
-    </p:spTree>
-    <p:extLst>
-      <p:ext uri="{BB962C8B-B14F-4D97-AF65-F5344CB8AC3E}">
-        <p14:creationId xmlns:p14="http://schemas.microsoft.com/office/powerpoint/2010/main" val="231776176"/>
+        <p14:creationId xmlns:p14="http://schemas.microsoft.com/office/powerpoint/2010/main" val="1389513200"/>
       </p:ext>
     </p:extLst>
   </p:cSld>
@@ -6687,7 +9119,7 @@
         </p:nvSpPr>
         <p:spPr>
           <a:xfrm>
-            <a:off x="838200" y="347708"/>
+            <a:off x="838200" y="318550"/>
             <a:ext cx="10515600" cy="1325563"/>
           </a:xfrm>
         </p:spPr>
@@ -6696,74 +9128,30 @@
           <a:lstStyle/>
           <a:p>
             <a:r>
-              <a:rPr lang="en-US" dirty="0" smtClean="0"/>
+              <a:rPr lang="en-US" sz="3600" dirty="0">
+                <a:latin typeface="Arial Rounded MT Bold" panose="020F0704030504030204" pitchFamily="34" charset="0"/>
+                <a:ea typeface="+mn-ea"/>
+                <a:cs typeface="+mn-cs"/>
+              </a:rPr>
               <a:t>Introduction</a:t>
             </a:r>
-            <a:endParaRPr lang="en-US" dirty="0"/>
-          </a:p>
-        </p:txBody>
-      </p:sp>
-      <p:sp>
-        <p:nvSpPr>
-          <p:cNvPr id="3" name="Content Placeholder 2"/>
-          <p:cNvSpPr>
-            <a:spLocks noGrp="1"/>
-          </p:cNvSpPr>
-          <p:nvPr>
-            <p:ph idx="1"/>
-          </p:nvPr>
-        </p:nvSpPr>
-        <p:spPr>
-          <a:xfrm>
-            <a:off x="838200" y="1747248"/>
-            <a:ext cx="10515600" cy="4351338"/>
-          </a:xfrm>
-        </p:spPr>
-        <p:txBody>
-          <a:bodyPr>
-            <a:normAutofit/>
-          </a:bodyPr>
-          <a:lstStyle/>
-          <a:p>
-            <a:r>
-              <a:rPr lang="en-US" sz="2000" dirty="0"/>
-              <a:t>Deep learning models </a:t>
-            </a:r>
-            <a:r>
-              <a:rPr lang="en-US" sz="2000" dirty="0" smtClean="0"/>
-              <a:t>have </a:t>
-            </a:r>
-            <a:r>
-              <a:rPr lang="en-US" sz="2000" dirty="0"/>
-              <a:t>revolutionized many fields including computer vision, natural language processing, speech recognition, and is being increasingly used in clinical healthcare </a:t>
-            </a:r>
-            <a:r>
-              <a:rPr lang="en-US" sz="2000" dirty="0" smtClean="0"/>
-              <a:t>applications</a:t>
-            </a:r>
-          </a:p>
-          <a:p>
-            <a:r>
-              <a:rPr lang="en-US" sz="2000" dirty="0" smtClean="0"/>
-              <a:t>Early hospital mortality, length of stay, obesity and ICD-9 code group prediction is critical as intensivists strive to make efficient decisions about ill patients admitted in hospitals</a:t>
-            </a:r>
-            <a:endParaRPr lang="en-US" sz="1600" dirty="0" smtClean="0"/>
-          </a:p>
-          <a:p>
-            <a:endParaRPr lang="en-US" sz="1600" dirty="0" smtClean="0"/>
-          </a:p>
-          <a:p>
-            <a:endParaRPr lang="en-US" sz="1600" dirty="0"/>
+            <a:endParaRPr lang="en-US" sz="3600" dirty="0">
+              <a:latin typeface="Arial Rounded MT Bold" panose="020F0704030504030204" pitchFamily="34" charset="0"/>
+              <a:ea typeface="+mn-ea"/>
+              <a:cs typeface="+mn-cs"/>
+            </a:endParaRPr>
           </a:p>
         </p:txBody>
       </p:sp>
       <p:pic>
         <p:nvPicPr>
-          <p:cNvPr id="5" name="Picture 4"/>
+          <p:cNvPr id="6" name="Content Placeholder 5"/>
           <p:cNvPicPr>
-            <a:picLocks noChangeAspect="1"/>
+            <a:picLocks noGrp="1" noChangeAspect="1"/>
           </p:cNvPicPr>
-          <p:nvPr/>
+          <p:nvPr>
+            <p:ph idx="1"/>
+          </p:nvPr>
         </p:nvPicPr>
         <p:blipFill>
           <a:blip r:embed="rId2" cstate="print">
@@ -6779,17 +9167,14 @@
         </p:blipFill>
         <p:spPr>
           <a:xfrm>
-            <a:off x="4702978" y="4165524"/>
-            <a:ext cx="1140962" cy="1140962"/>
+            <a:off x="7826720" y="2585107"/>
+            <a:ext cx="1017429" cy="1017429"/>
           </a:xfrm>
-          <a:prstGeom prst="rect">
-            <a:avLst/>
-          </a:prstGeom>
         </p:spPr>
       </p:pic>
       <p:pic>
         <p:nvPicPr>
-          <p:cNvPr id="6" name="Picture 5"/>
+          <p:cNvPr id="7" name="Picture 6"/>
           <p:cNvPicPr>
             <a:picLocks noChangeAspect="1"/>
           </p:cNvPicPr>
@@ -6809,18 +9194,481 @@
         </p:blipFill>
         <p:spPr>
           <a:xfrm>
-            <a:off x="6312713" y="4165524"/>
-            <a:ext cx="1237444" cy="1237444"/>
+            <a:off x="8823147" y="151700"/>
+            <a:ext cx="1517398" cy="1517398"/>
           </a:xfrm>
           <a:prstGeom prst="rect">
             <a:avLst/>
           </a:prstGeom>
         </p:spPr>
       </p:pic>
+      <p:pic>
+        <p:nvPicPr>
+          <p:cNvPr id="8" name="Picture 7"/>
+          <p:cNvPicPr>
+            <a:picLocks noChangeAspect="1"/>
+          </p:cNvPicPr>
+          <p:nvPr/>
+        </p:nvPicPr>
+        <p:blipFill>
+          <a:blip r:embed="rId4" cstate="print">
+            <a:extLst>
+              <a:ext uri="{28A0092B-C50C-407E-A947-70E740481C1C}">
+                <a14:useLocalDpi xmlns:a14="http://schemas.microsoft.com/office/drawing/2010/main" val="0"/>
+              </a:ext>
+            </a:extLst>
+          </a:blip>
+          <a:stretch>
+            <a:fillRect/>
+          </a:stretch>
+        </p:blipFill>
+        <p:spPr>
+          <a:xfrm>
+            <a:off x="10248319" y="717440"/>
+            <a:ext cx="1625377" cy="1625377"/>
+          </a:xfrm>
+          <a:prstGeom prst="rect">
+            <a:avLst/>
+          </a:prstGeom>
+        </p:spPr>
+      </p:pic>
+      <p:pic>
+        <p:nvPicPr>
+          <p:cNvPr id="9" name="Picture 8"/>
+          <p:cNvPicPr>
+            <a:picLocks noChangeAspect="1"/>
+          </p:cNvPicPr>
+          <p:nvPr/>
+        </p:nvPicPr>
+        <p:blipFill>
+          <a:blip r:embed="rId5" cstate="print">
+            <a:extLst>
+              <a:ext uri="{28A0092B-C50C-407E-A947-70E740481C1C}">
+                <a14:useLocalDpi xmlns:a14="http://schemas.microsoft.com/office/drawing/2010/main" val="0"/>
+              </a:ext>
+            </a:extLst>
+          </a:blip>
+          <a:stretch>
+            <a:fillRect/>
+          </a:stretch>
+        </p:blipFill>
+        <p:spPr>
+          <a:xfrm>
+            <a:off x="9229416" y="2286472"/>
+            <a:ext cx="1018903" cy="1018903"/>
+          </a:xfrm>
+          <a:prstGeom prst="rect">
+            <a:avLst/>
+          </a:prstGeom>
+        </p:spPr>
+      </p:pic>
+      <p:pic>
+        <p:nvPicPr>
+          <p:cNvPr id="10" name="Picture 9"/>
+          <p:cNvPicPr>
+            <a:picLocks noChangeAspect="1"/>
+          </p:cNvPicPr>
+          <p:nvPr/>
+        </p:nvPicPr>
+        <p:blipFill>
+          <a:blip r:embed="rId6" cstate="print">
+            <a:extLst>
+              <a:ext uri="{28A0092B-C50C-407E-A947-70E740481C1C}">
+                <a14:useLocalDpi xmlns:a14="http://schemas.microsoft.com/office/drawing/2010/main" val="0"/>
+              </a:ext>
+            </a:extLst>
+          </a:blip>
+          <a:stretch>
+            <a:fillRect/>
+          </a:stretch>
+        </p:blipFill>
+        <p:spPr>
+          <a:xfrm>
+            <a:off x="7383948" y="694277"/>
+            <a:ext cx="1445318" cy="1445318"/>
+          </a:xfrm>
+          <a:prstGeom prst="rect">
+            <a:avLst/>
+          </a:prstGeom>
+        </p:spPr>
+      </p:pic>
+      <p:pic>
+        <p:nvPicPr>
+          <p:cNvPr id="11" name="Picture 10"/>
+          <p:cNvPicPr>
+            <a:picLocks noChangeAspect="1"/>
+          </p:cNvPicPr>
+          <p:nvPr/>
+        </p:nvPicPr>
+        <p:blipFill>
+          <a:blip r:embed="rId7" cstate="print">
+            <a:extLst>
+              <a:ext uri="{28A0092B-C50C-407E-A947-70E740481C1C}">
+                <a14:useLocalDpi xmlns:a14="http://schemas.microsoft.com/office/drawing/2010/main" val="0"/>
+              </a:ext>
+            </a:extLst>
+          </a:blip>
+          <a:stretch>
+            <a:fillRect/>
+          </a:stretch>
+        </p:blipFill>
+        <p:spPr>
+          <a:xfrm>
+            <a:off x="7782501" y="3816209"/>
+            <a:ext cx="1454641" cy="1454641"/>
+          </a:xfrm>
+          <a:prstGeom prst="rect">
+            <a:avLst/>
+          </a:prstGeom>
+        </p:spPr>
+      </p:pic>
+      <p:pic>
+        <p:nvPicPr>
+          <p:cNvPr id="12" name="Picture 11"/>
+          <p:cNvPicPr>
+            <a:picLocks noChangeAspect="1"/>
+          </p:cNvPicPr>
+          <p:nvPr/>
+        </p:nvPicPr>
+        <p:blipFill>
+          <a:blip r:embed="rId8" cstate="print">
+            <a:extLst>
+              <a:ext uri="{28A0092B-C50C-407E-A947-70E740481C1C}">
+                <a14:useLocalDpi xmlns:a14="http://schemas.microsoft.com/office/drawing/2010/main" val="0"/>
+              </a:ext>
+            </a:extLst>
+          </a:blip>
+          <a:stretch>
+            <a:fillRect/>
+          </a:stretch>
+        </p:blipFill>
+        <p:spPr>
+          <a:xfrm>
+            <a:off x="8625994" y="5530739"/>
+            <a:ext cx="955852" cy="955852"/>
+          </a:xfrm>
+          <a:prstGeom prst="rect">
+            <a:avLst/>
+          </a:prstGeom>
+        </p:spPr>
+      </p:pic>
+      <p:pic>
+        <p:nvPicPr>
+          <p:cNvPr id="13" name="Picture 12"/>
+          <p:cNvPicPr>
+            <a:picLocks noChangeAspect="1"/>
+          </p:cNvPicPr>
+          <p:nvPr/>
+        </p:nvPicPr>
+        <p:blipFill>
+          <a:blip r:embed="rId9" cstate="print">
+            <a:extLst>
+              <a:ext uri="{28A0092B-C50C-407E-A947-70E740481C1C}">
+                <a14:useLocalDpi xmlns:a14="http://schemas.microsoft.com/office/drawing/2010/main" val="0"/>
+              </a:ext>
+            </a:extLst>
+          </a:blip>
+          <a:stretch>
+            <a:fillRect/>
+          </a:stretch>
+        </p:blipFill>
+        <p:spPr>
+          <a:xfrm>
+            <a:off x="10801059" y="2752635"/>
+            <a:ext cx="1105481" cy="1105481"/>
+          </a:xfrm>
+          <a:prstGeom prst="rect">
+            <a:avLst/>
+          </a:prstGeom>
+        </p:spPr>
+      </p:pic>
+      <p:pic>
+        <p:nvPicPr>
+          <p:cNvPr id="14" name="Picture 13"/>
+          <p:cNvPicPr>
+            <a:picLocks noChangeAspect="1"/>
+          </p:cNvPicPr>
+          <p:nvPr/>
+        </p:nvPicPr>
+        <p:blipFill>
+          <a:blip r:embed="rId10" cstate="print">
+            <a:extLst>
+              <a:ext uri="{28A0092B-C50C-407E-A947-70E740481C1C}">
+                <a14:useLocalDpi xmlns:a14="http://schemas.microsoft.com/office/drawing/2010/main" val="0"/>
+              </a:ext>
+            </a:extLst>
+          </a:blip>
+          <a:stretch>
+            <a:fillRect/>
+          </a:stretch>
+        </p:blipFill>
+        <p:spPr>
+          <a:xfrm>
+            <a:off x="10691783" y="4033475"/>
+            <a:ext cx="1151013" cy="1151013"/>
+          </a:xfrm>
+          <a:prstGeom prst="rect">
+            <a:avLst/>
+          </a:prstGeom>
+        </p:spPr>
+      </p:pic>
+      <p:pic>
+        <p:nvPicPr>
+          <p:cNvPr id="15" name="Picture 14"/>
+          <p:cNvPicPr>
+            <a:picLocks noChangeAspect="1"/>
+          </p:cNvPicPr>
+          <p:nvPr/>
+        </p:nvPicPr>
+        <p:blipFill>
+          <a:blip r:embed="rId11" cstate="print">
+            <a:extLst>
+              <a:ext uri="{28A0092B-C50C-407E-A947-70E740481C1C}">
+                <a14:useLocalDpi xmlns:a14="http://schemas.microsoft.com/office/drawing/2010/main" val="0"/>
+              </a:ext>
+            </a:extLst>
+          </a:blip>
+          <a:stretch>
+            <a:fillRect/>
+          </a:stretch>
+        </p:blipFill>
+        <p:spPr>
+          <a:xfrm>
+            <a:off x="9456823" y="3588780"/>
+            <a:ext cx="1011177" cy="1011177"/>
+          </a:xfrm>
+          <a:prstGeom prst="rect">
+            <a:avLst/>
+          </a:prstGeom>
+        </p:spPr>
+      </p:pic>
+      <p:pic>
+        <p:nvPicPr>
+          <p:cNvPr id="16" name="Picture 15"/>
+          <p:cNvPicPr>
+            <a:picLocks noChangeAspect="1"/>
+          </p:cNvPicPr>
+          <p:nvPr/>
+        </p:nvPicPr>
+        <p:blipFill>
+          <a:blip r:embed="rId12" cstate="print">
+            <a:extLst>
+              <a:ext uri="{28A0092B-C50C-407E-A947-70E740481C1C}">
+                <a14:useLocalDpi xmlns:a14="http://schemas.microsoft.com/office/drawing/2010/main" val="0"/>
+              </a:ext>
+            </a:extLst>
+          </a:blip>
+          <a:stretch>
+            <a:fillRect/>
+          </a:stretch>
+        </p:blipFill>
+        <p:spPr>
+          <a:xfrm>
+            <a:off x="9711506" y="5257426"/>
+            <a:ext cx="1192603" cy="1192603"/>
+          </a:xfrm>
+          <a:prstGeom prst="rect">
+            <a:avLst/>
+          </a:prstGeom>
+        </p:spPr>
+      </p:pic>
+      <p:sp>
+        <p:nvSpPr>
+          <p:cNvPr id="17" name="TextBox 16"/>
+          <p:cNvSpPr txBox="1"/>
+          <p:nvPr/>
+        </p:nvSpPr>
+        <p:spPr>
+          <a:xfrm>
+            <a:off x="485021" y="1321842"/>
+            <a:ext cx="6729025" cy="6186309"/>
+          </a:xfrm>
+          <a:prstGeom prst="rect">
+            <a:avLst/>
+          </a:prstGeom>
+          <a:noFill/>
+        </p:spPr>
+        <p:txBody>
+          <a:bodyPr wrap="square" rtlCol="0">
+            <a:spAutoFit/>
+          </a:bodyPr>
+          <a:lstStyle/>
+          <a:p>
+            <a:pPr algn="just"/>
+            <a:endParaRPr lang="en-US" dirty="0">
+              <a:latin typeface="Arial Rounded MT Bold" panose="020F0704030504030204" pitchFamily="34" charset="0"/>
+            </a:endParaRPr>
+          </a:p>
+          <a:p>
+            <a:pPr marL="285750" indent="-285750" algn="just">
+              <a:buFont typeface="Arial" panose="020B0604020202020204" pitchFamily="34" charset="0"/>
+              <a:buChar char="•"/>
+            </a:pPr>
+            <a:r>
+              <a:rPr lang="en-US" sz="2800" dirty="0"/>
+              <a:t>Analyzing health using </a:t>
+            </a:r>
+            <a:r>
+              <a:rPr lang="en-US" sz="2800" b="1" dirty="0" smtClean="0"/>
+              <a:t>EHR</a:t>
+            </a:r>
+            <a:r>
+              <a:rPr lang="en-US" sz="2800" dirty="0" smtClean="0"/>
+              <a:t> </a:t>
+            </a:r>
+          </a:p>
+          <a:p>
+            <a:pPr marL="285750" indent="-285750" algn="just">
+              <a:buFont typeface="Arial" panose="020B0604020202020204" pitchFamily="34" charset="0"/>
+              <a:buChar char="•"/>
+            </a:pPr>
+            <a:r>
+              <a:rPr lang="en-US" sz="2800" dirty="0" smtClean="0"/>
+              <a:t>ICU </a:t>
+            </a:r>
+            <a:r>
+              <a:rPr lang="en-US" sz="2800" dirty="0"/>
+              <a:t>patients requires precise and accurate decisions</a:t>
+            </a:r>
+          </a:p>
+          <a:p>
+            <a:pPr marL="285750" indent="-285750" algn="just">
+              <a:buFont typeface="Arial" panose="020B0604020202020204" pitchFamily="34" charset="0"/>
+              <a:buChar char="•"/>
+            </a:pPr>
+            <a:r>
+              <a:rPr lang="en-US" sz="2800" dirty="0"/>
+              <a:t>F</a:t>
+            </a:r>
+            <a:r>
+              <a:rPr lang="en-US" sz="2800" dirty="0"/>
+              <a:t>eatures: </a:t>
+            </a:r>
+            <a:r>
+              <a:rPr lang="en-US" sz="2800" b="1" dirty="0"/>
+              <a:t>worth</a:t>
+            </a:r>
+            <a:r>
+              <a:rPr lang="en-US" sz="2800" dirty="0"/>
+              <a:t>, </a:t>
+            </a:r>
+            <a:r>
+              <a:rPr lang="en-US" sz="2800" b="1" dirty="0"/>
+              <a:t>capacity</a:t>
+            </a:r>
+            <a:r>
+              <a:rPr lang="en-US" sz="2800" dirty="0"/>
+              <a:t>, </a:t>
+            </a:r>
+            <a:r>
+              <a:rPr lang="en-US" sz="2800" b="1" dirty="0"/>
+              <a:t>access</a:t>
+            </a:r>
+            <a:r>
+              <a:rPr lang="en-US" sz="2800" dirty="0"/>
+              <a:t> and </a:t>
+            </a:r>
+            <a:r>
+              <a:rPr lang="en-US" sz="2800" b="1" dirty="0"/>
+              <a:t>dimensionality</a:t>
+            </a:r>
+          </a:p>
+          <a:p>
+            <a:pPr marL="285750" indent="-285750" algn="just">
+              <a:buFont typeface="Arial" panose="020B0604020202020204" pitchFamily="34" charset="0"/>
+              <a:buChar char="•"/>
+            </a:pPr>
+            <a:r>
+              <a:rPr lang="en-US" sz="2800" dirty="0"/>
+              <a:t>Diagnoses and Procedures</a:t>
+            </a:r>
+          </a:p>
+          <a:p>
+            <a:pPr marL="285750" indent="-285750" algn="just">
+              <a:buFont typeface="Arial" panose="020B0604020202020204" pitchFamily="34" charset="0"/>
+              <a:buChar char="•"/>
+            </a:pPr>
+            <a:r>
+              <a:rPr lang="en-US" sz="2800" dirty="0"/>
+              <a:t>Post-Procedural </a:t>
+            </a:r>
+            <a:r>
+              <a:rPr lang="en-US" sz="2800" dirty="0" smtClean="0"/>
+              <a:t>complications</a:t>
+            </a:r>
+          </a:p>
+          <a:p>
+            <a:pPr marL="285750" indent="-285750" algn="just">
+              <a:buFont typeface="Arial" panose="020B0604020202020204" pitchFamily="34" charset="0"/>
+              <a:buChar char="•"/>
+            </a:pPr>
+            <a:r>
+              <a:rPr lang="en-US" sz="2800" dirty="0" smtClean="0"/>
+              <a:t>Stakeholders: Patients, families, doctors, hospital management</a:t>
+            </a:r>
+            <a:endParaRPr lang="en-US" sz="2800" dirty="0"/>
+          </a:p>
+          <a:p>
+            <a:pPr marL="285750" indent="-285750" algn="just">
+              <a:lnSpc>
+                <a:spcPct val="150000"/>
+              </a:lnSpc>
+              <a:buFont typeface="Arial" panose="020B0604020202020204" pitchFamily="34" charset="0"/>
+              <a:buChar char="•"/>
+            </a:pPr>
+            <a:endParaRPr lang="en-US" dirty="0" smtClean="0">
+              <a:latin typeface="Arial Rounded MT Bold" panose="020F0704030504030204" pitchFamily="34" charset="0"/>
+            </a:endParaRPr>
+          </a:p>
+          <a:p>
+            <a:pPr marL="285750" indent="-285750" algn="just">
+              <a:lnSpc>
+                <a:spcPct val="150000"/>
+              </a:lnSpc>
+              <a:buFont typeface="Arial" panose="020B0604020202020204" pitchFamily="34" charset="0"/>
+              <a:buChar char="•"/>
+            </a:pPr>
+            <a:endParaRPr lang="en-US" dirty="0" smtClean="0">
+              <a:latin typeface="Arial Rounded MT Bold" panose="020F0704030504030204" pitchFamily="34" charset="0"/>
+            </a:endParaRPr>
+          </a:p>
+          <a:p>
+            <a:pPr marL="285750" indent="-285750" algn="just">
+              <a:lnSpc>
+                <a:spcPct val="150000"/>
+              </a:lnSpc>
+              <a:buFont typeface="Arial" panose="020B0604020202020204" pitchFamily="34" charset="0"/>
+              <a:buChar char="•"/>
+            </a:pPr>
+            <a:endParaRPr lang="en-US" dirty="0" smtClean="0">
+              <a:latin typeface="Arial Rounded MT Bold" panose="020F0704030504030204" pitchFamily="34" charset="0"/>
+            </a:endParaRPr>
+          </a:p>
+          <a:p>
+            <a:pPr marL="285750" indent="-285750" algn="just">
+              <a:lnSpc>
+                <a:spcPct val="150000"/>
+              </a:lnSpc>
+              <a:buFont typeface="Arial" panose="020B0604020202020204" pitchFamily="34" charset="0"/>
+              <a:buChar char="•"/>
+            </a:pPr>
+            <a:endParaRPr lang="en-US" dirty="0" smtClean="0">
+              <a:latin typeface="Arial Rounded MT Bold" panose="020F0704030504030204" pitchFamily="34" charset="0"/>
+            </a:endParaRPr>
+          </a:p>
+          <a:p>
+            <a:pPr marL="285750" indent="-285750">
+              <a:buFont typeface="Arial" panose="020B0604020202020204" pitchFamily="34" charset="0"/>
+              <a:buChar char="•"/>
+            </a:pPr>
+            <a:endParaRPr lang="en-US" dirty="0"/>
+          </a:p>
+        </p:txBody>
+      </p:sp>
     </p:spTree>
     <p:extLst>
       <p:ext uri="{BB962C8B-B14F-4D97-AF65-F5344CB8AC3E}">
-        <p14:creationId xmlns:p14="http://schemas.microsoft.com/office/powerpoint/2010/main" val="3146609004"/>
+        <p14:creationId xmlns:p14="http://schemas.microsoft.com/office/powerpoint/2010/main" val="4294024943"/>
       </p:ext>
     </p:extLst>
   </p:cSld>
@@ -6870,22 +9718,117 @@
           <a:lstStyle/>
           <a:p>
             <a:r>
+              <a:rPr lang="en-US" sz="3600" dirty="0">
+                <a:latin typeface="Arial Rounded MT Bold" panose="020F0704030504030204" pitchFamily="34" charset="0"/>
+                <a:ea typeface="+mn-ea"/>
+                <a:cs typeface="+mn-cs"/>
+              </a:rPr>
+              <a:t>Problem</a:t>
+            </a:r>
+            <a:r>
               <a:rPr lang="en-US" dirty="0" smtClean="0"/>
-              <a:t>Motivation</a:t>
+              <a:t> </a:t>
+            </a:r>
+            <a:r>
+              <a:rPr lang="en-US" sz="3600" dirty="0">
+                <a:latin typeface="Arial Rounded MT Bold" panose="020F0704030504030204" pitchFamily="34" charset="0"/>
+                <a:ea typeface="+mn-ea"/>
+                <a:cs typeface="+mn-cs"/>
+              </a:rPr>
+              <a:t>Statement</a:t>
+            </a:r>
+            <a:r>
+              <a:rPr lang="en-US" dirty="0" smtClean="0"/>
+              <a:t>	</a:t>
             </a:r>
             <a:endParaRPr lang="en-US" dirty="0"/>
+          </a:p>
+        </p:txBody>
+      </p:sp>
+      <p:sp>
+        <p:nvSpPr>
+          <p:cNvPr id="3" name="Content Placeholder 2"/>
+          <p:cNvSpPr>
+            <a:spLocks noGrp="1"/>
+          </p:cNvSpPr>
+          <p:nvPr>
+            <p:ph idx="1"/>
+          </p:nvPr>
+        </p:nvSpPr>
+        <p:spPr>
+          <a:xfrm>
+            <a:off x="1423328" y="2576598"/>
+            <a:ext cx="9345344" cy="2458993"/>
+          </a:xfrm>
+        </p:spPr>
+        <p:txBody>
+          <a:bodyPr>
+            <a:noAutofit/>
+          </a:bodyPr>
+          <a:lstStyle/>
+          <a:p>
+            <a:pPr marL="0" indent="0" algn="ctr">
+              <a:buNone/>
+            </a:pPr>
+            <a:r>
+              <a:rPr lang="en-US" sz="3200" dirty="0" smtClean="0"/>
+              <a:t>Generalizing all the P</a:t>
+            </a:r>
+            <a:r>
+              <a:rPr lang="en-US" sz="3200" dirty="0" smtClean="0"/>
+              <a:t>ost-Diagnoses or Post-Procedural complications to one class of having or not</a:t>
+            </a:r>
+            <a:r>
+              <a:rPr lang="en-US" sz="3200" dirty="0" smtClean="0"/>
+              <a:t>. Can we perform </a:t>
+            </a:r>
+            <a:r>
+              <a:rPr lang="en-US" sz="3200" b="1" dirty="0" smtClean="0"/>
+              <a:t>ETL</a:t>
+            </a:r>
+            <a:r>
+              <a:rPr lang="en-US" sz="3200" dirty="0" smtClean="0"/>
+              <a:t> on </a:t>
+            </a:r>
+            <a:r>
+              <a:rPr lang="en-US" sz="3200" b="1" dirty="0" smtClean="0"/>
+              <a:t>EHR</a:t>
+            </a:r>
+            <a:r>
+              <a:rPr lang="en-US" sz="3200" dirty="0" smtClean="0"/>
+              <a:t> (Medical Data Mart) and engineer specific features to </a:t>
+            </a:r>
+            <a:r>
+              <a:rPr lang="en-US" sz="3200" dirty="0" smtClean="0"/>
+              <a:t>predict that </a:t>
+            </a:r>
+            <a:r>
+              <a:rPr lang="en-US" sz="3200" b="1" dirty="0" smtClean="0"/>
+              <a:t>ICD</a:t>
+            </a:r>
+            <a:r>
+              <a:rPr lang="en-US" sz="3200" dirty="0" smtClean="0"/>
+              <a:t> class (</a:t>
+            </a:r>
+            <a:r>
+              <a:rPr lang="en-US" sz="3200" b="1" dirty="0" smtClean="0"/>
+              <a:t>996</a:t>
+            </a:r>
+            <a:r>
+              <a:rPr lang="en-US" sz="3200" dirty="0" smtClean="0"/>
+              <a:t>)?</a:t>
+            </a:r>
+            <a:endParaRPr lang="en-US" sz="3200" dirty="0"/>
           </a:p>
         </p:txBody>
       </p:sp>
       <p:pic>
         <p:nvPicPr>
-          <p:cNvPr id="6" name="Content Placeholder 5"/>
+          <p:cNvPr id="4" name="Picture 3"/>
           <p:cNvPicPr>
-            <a:picLocks noGrp="1" noChangeAspect="1"/>
+            <a:picLocks noChangeAspect="1"/>
           </p:cNvPicPr>
-          <p:nvPr>
-            <p:ph idx="1"/>
-          </p:nvPr>
+          <p:nvPr/>
         </p:nvPicPr>
         <p:blipFill>
           <a:blip r:embed="rId2" cstate="print">
@@ -6901,14 +9844,17 @@
         </p:blipFill>
         <p:spPr>
           <a:xfrm>
-            <a:off x="7413308" y="2983865"/>
-            <a:ext cx="1017429" cy="1017429"/>
+            <a:off x="8478981" y="365125"/>
+            <a:ext cx="1316787" cy="1316787"/>
           </a:xfrm>
+          <a:prstGeom prst="rect">
+            <a:avLst/>
+          </a:prstGeom>
         </p:spPr>
       </p:pic>
       <p:pic>
         <p:nvPicPr>
-          <p:cNvPr id="7" name="Picture 6"/>
+          <p:cNvPr id="5" name="Picture 4"/>
           <p:cNvPicPr>
             <a:picLocks noChangeAspect="1"/>
           </p:cNvPicPr>
@@ -6928,383 +9874,18 @@
         </p:blipFill>
         <p:spPr>
           <a:xfrm>
-            <a:off x="8088228" y="931989"/>
-            <a:ext cx="1517398" cy="1517398"/>
+            <a:off x="10091203" y="365125"/>
+            <a:ext cx="1477343" cy="1477343"/>
           </a:xfrm>
           <a:prstGeom prst="rect">
             <a:avLst/>
           </a:prstGeom>
         </p:spPr>
       </p:pic>
-      <p:pic>
-        <p:nvPicPr>
-          <p:cNvPr id="8" name="Picture 7"/>
-          <p:cNvPicPr>
-            <a:picLocks noChangeAspect="1"/>
-          </p:cNvPicPr>
-          <p:nvPr/>
-        </p:nvPicPr>
-        <p:blipFill>
-          <a:blip r:embed="rId4" cstate="print">
-            <a:extLst>
-              <a:ext uri="{28A0092B-C50C-407E-A947-70E740481C1C}">
-                <a14:useLocalDpi xmlns:a14="http://schemas.microsoft.com/office/drawing/2010/main" val="0"/>
-              </a:ext>
-            </a:extLst>
-          </a:blip>
-          <a:stretch>
-            <a:fillRect/>
-          </a:stretch>
-        </p:blipFill>
-        <p:spPr>
-          <a:xfrm>
-            <a:off x="9815080" y="940525"/>
-            <a:ext cx="1625377" cy="1625377"/>
-          </a:xfrm>
-          <a:prstGeom prst="rect">
-            <a:avLst/>
-          </a:prstGeom>
-        </p:spPr>
-      </p:pic>
-      <p:pic>
-        <p:nvPicPr>
-          <p:cNvPr id="9" name="Picture 8"/>
-          <p:cNvPicPr>
-            <a:picLocks noChangeAspect="1"/>
-          </p:cNvPicPr>
-          <p:nvPr/>
-        </p:nvPicPr>
-        <p:blipFill>
-          <a:blip r:embed="rId5" cstate="print">
-            <a:extLst>
-              <a:ext uri="{28A0092B-C50C-407E-A947-70E740481C1C}">
-                <a14:useLocalDpi xmlns:a14="http://schemas.microsoft.com/office/drawing/2010/main" val="0"/>
-              </a:ext>
-            </a:extLst>
-          </a:blip>
-          <a:stretch>
-            <a:fillRect/>
-          </a:stretch>
-        </p:blipFill>
-        <p:spPr>
-          <a:xfrm>
-            <a:off x="8797012" y="2982391"/>
-            <a:ext cx="1018903" cy="1018903"/>
-          </a:xfrm>
-          <a:prstGeom prst="rect">
-            <a:avLst/>
-          </a:prstGeom>
-        </p:spPr>
-      </p:pic>
-      <p:pic>
-        <p:nvPicPr>
-          <p:cNvPr id="10" name="Picture 9"/>
-          <p:cNvPicPr>
-            <a:picLocks noChangeAspect="1"/>
-          </p:cNvPicPr>
-          <p:nvPr/>
-        </p:nvPicPr>
-        <p:blipFill>
-          <a:blip r:embed="rId6" cstate="print">
-            <a:extLst>
-              <a:ext uri="{28A0092B-C50C-407E-A947-70E740481C1C}">
-                <a14:useLocalDpi xmlns:a14="http://schemas.microsoft.com/office/drawing/2010/main" val="0"/>
-              </a:ext>
-            </a:extLst>
-          </a:blip>
-          <a:stretch>
-            <a:fillRect/>
-          </a:stretch>
-        </p:blipFill>
-        <p:spPr>
-          <a:xfrm>
-            <a:off x="6433456" y="891222"/>
-            <a:ext cx="1445318" cy="1445318"/>
-          </a:xfrm>
-          <a:prstGeom prst="rect">
-            <a:avLst/>
-          </a:prstGeom>
-        </p:spPr>
-      </p:pic>
-      <p:pic>
-        <p:nvPicPr>
-          <p:cNvPr id="11" name="Picture 10"/>
-          <p:cNvPicPr>
-            <a:picLocks noChangeAspect="1"/>
-          </p:cNvPicPr>
-          <p:nvPr/>
-        </p:nvPicPr>
-        <p:blipFill>
-          <a:blip r:embed="rId7" cstate="print">
-            <a:extLst>
-              <a:ext uri="{28A0092B-C50C-407E-A947-70E740481C1C}">
-                <a14:useLocalDpi xmlns:a14="http://schemas.microsoft.com/office/drawing/2010/main" val="0"/>
-              </a:ext>
-            </a:extLst>
-          </a:blip>
-          <a:stretch>
-            <a:fillRect/>
-          </a:stretch>
-        </p:blipFill>
-        <p:spPr>
-          <a:xfrm>
-            <a:off x="6884183" y="4242798"/>
-            <a:ext cx="1454641" cy="1454641"/>
-          </a:xfrm>
-          <a:prstGeom prst="rect">
-            <a:avLst/>
-          </a:prstGeom>
-        </p:spPr>
-      </p:pic>
-      <p:pic>
-        <p:nvPicPr>
-          <p:cNvPr id="12" name="Picture 11"/>
-          <p:cNvPicPr>
-            <a:picLocks noChangeAspect="1"/>
-          </p:cNvPicPr>
-          <p:nvPr/>
-        </p:nvPicPr>
-        <p:blipFill>
-          <a:blip r:embed="rId8" cstate="print">
-            <a:extLst>
-              <a:ext uri="{28A0092B-C50C-407E-A947-70E740481C1C}">
-                <a14:useLocalDpi xmlns:a14="http://schemas.microsoft.com/office/drawing/2010/main" val="0"/>
-              </a:ext>
-            </a:extLst>
-          </a:blip>
-          <a:stretch>
-            <a:fillRect/>
-          </a:stretch>
-        </p:blipFill>
-        <p:spPr>
-          <a:xfrm>
-            <a:off x="8859228" y="5219513"/>
-            <a:ext cx="955852" cy="955852"/>
-          </a:xfrm>
-          <a:prstGeom prst="rect">
-            <a:avLst/>
-          </a:prstGeom>
-        </p:spPr>
-      </p:pic>
-      <p:pic>
-        <p:nvPicPr>
-          <p:cNvPr id="13" name="Picture 12"/>
-          <p:cNvPicPr>
-            <a:picLocks noChangeAspect="1"/>
-          </p:cNvPicPr>
-          <p:nvPr/>
-        </p:nvPicPr>
-        <p:blipFill>
-          <a:blip r:embed="rId9" cstate="print">
-            <a:extLst>
-              <a:ext uri="{28A0092B-C50C-407E-A947-70E740481C1C}">
-                <a14:useLocalDpi xmlns:a14="http://schemas.microsoft.com/office/drawing/2010/main" val="0"/>
-              </a:ext>
-            </a:extLst>
-          </a:blip>
-          <a:stretch>
-            <a:fillRect/>
-          </a:stretch>
-        </p:blipFill>
-        <p:spPr>
-          <a:xfrm>
-            <a:off x="10248319" y="3041522"/>
-            <a:ext cx="1105481" cy="1105481"/>
-          </a:xfrm>
-          <a:prstGeom prst="rect">
-            <a:avLst/>
-          </a:prstGeom>
-        </p:spPr>
-      </p:pic>
-      <p:pic>
-        <p:nvPicPr>
-          <p:cNvPr id="14" name="Picture 13"/>
-          <p:cNvPicPr>
-            <a:picLocks noChangeAspect="1"/>
-          </p:cNvPicPr>
-          <p:nvPr/>
-        </p:nvPicPr>
-        <p:blipFill>
-          <a:blip r:embed="rId10" cstate="print">
-            <a:extLst>
-              <a:ext uri="{28A0092B-C50C-407E-A947-70E740481C1C}">
-                <a14:useLocalDpi xmlns:a14="http://schemas.microsoft.com/office/drawing/2010/main" val="0"/>
-              </a:ext>
-            </a:extLst>
-          </a:blip>
-          <a:stretch>
-            <a:fillRect/>
-          </a:stretch>
-        </p:blipFill>
-        <p:spPr>
-          <a:xfrm>
-            <a:off x="10202787" y="4394611"/>
-            <a:ext cx="1151013" cy="1151013"/>
-          </a:xfrm>
-          <a:prstGeom prst="rect">
-            <a:avLst/>
-          </a:prstGeom>
-        </p:spPr>
-      </p:pic>
-      <p:pic>
-        <p:nvPicPr>
-          <p:cNvPr id="15" name="Picture 14"/>
-          <p:cNvPicPr>
-            <a:picLocks noChangeAspect="1"/>
-          </p:cNvPicPr>
-          <p:nvPr/>
-        </p:nvPicPr>
-        <p:blipFill>
-          <a:blip r:embed="rId11" cstate="print">
-            <a:extLst>
-              <a:ext uri="{28A0092B-C50C-407E-A947-70E740481C1C}">
-                <a14:useLocalDpi xmlns:a14="http://schemas.microsoft.com/office/drawing/2010/main" val="0"/>
-              </a:ext>
-            </a:extLst>
-          </a:blip>
-          <a:stretch>
-            <a:fillRect/>
-          </a:stretch>
-        </p:blipFill>
-        <p:spPr>
-          <a:xfrm>
-            <a:off x="8846927" y="4242798"/>
-            <a:ext cx="1011177" cy="1011177"/>
-          </a:xfrm>
-          <a:prstGeom prst="rect">
-            <a:avLst/>
-          </a:prstGeom>
-        </p:spPr>
-      </p:pic>
-      <p:pic>
-        <p:nvPicPr>
-          <p:cNvPr id="16" name="Picture 15"/>
-          <p:cNvPicPr>
-            <a:picLocks noChangeAspect="1"/>
-          </p:cNvPicPr>
-          <p:nvPr/>
-        </p:nvPicPr>
-        <p:blipFill>
-          <a:blip r:embed="rId12" cstate="print">
-            <a:extLst>
-              <a:ext uri="{28A0092B-C50C-407E-A947-70E740481C1C}">
-                <a14:useLocalDpi xmlns:a14="http://schemas.microsoft.com/office/drawing/2010/main" val="0"/>
-              </a:ext>
-            </a:extLst>
-          </a:blip>
-          <a:stretch>
-            <a:fillRect/>
-          </a:stretch>
-        </p:blipFill>
-        <p:spPr>
-          <a:xfrm>
-            <a:off x="5854430" y="2795252"/>
-            <a:ext cx="1192603" cy="1192603"/>
-          </a:xfrm>
-          <a:prstGeom prst="rect">
-            <a:avLst/>
-          </a:prstGeom>
-        </p:spPr>
-      </p:pic>
-      <p:sp>
-        <p:nvSpPr>
-          <p:cNvPr id="17" name="TextBox 16"/>
-          <p:cNvSpPr txBox="1"/>
-          <p:nvPr/>
-        </p:nvSpPr>
-        <p:spPr>
-          <a:xfrm>
-            <a:off x="838200" y="1613881"/>
-            <a:ext cx="4495826" cy="4801314"/>
-          </a:xfrm>
-          <a:prstGeom prst="rect">
-            <a:avLst/>
-          </a:prstGeom>
-          <a:noFill/>
-        </p:spPr>
-        <p:txBody>
-          <a:bodyPr wrap="square" rtlCol="0">
-            <a:spAutoFit/>
-          </a:bodyPr>
-          <a:lstStyle/>
-          <a:p>
-            <a:pPr algn="just"/>
-            <a:r>
-              <a:rPr lang="en-US" dirty="0"/>
-              <a:t>Quick and accurate decisions for the patients are </a:t>
-            </a:r>
-            <a:r>
-              <a:rPr lang="en-US" dirty="0" smtClean="0"/>
-              <a:t>needed for which doctors process electronic health record and prescribe medicine or do research on particular medicinal field which is time consuming and expensive. Why not have applications which can do the following and more:</a:t>
-            </a:r>
-          </a:p>
-          <a:p>
-            <a:pPr algn="just"/>
-            <a:endParaRPr lang="en-US" dirty="0"/>
-          </a:p>
-          <a:p>
-            <a:pPr marL="285750" indent="-285750" algn="just">
-              <a:buFont typeface="Arial" panose="020B0604020202020204" pitchFamily="34" charset="0"/>
-              <a:buChar char="•"/>
-            </a:pPr>
-            <a:r>
-              <a:rPr lang="en-US" dirty="0" smtClean="0"/>
-              <a:t>Extract sensitive information from admission and discharge summaries</a:t>
-            </a:r>
-          </a:p>
-          <a:p>
-            <a:pPr marL="285750" indent="-285750" algn="just">
-              <a:buFont typeface="Arial" panose="020B0604020202020204" pitchFamily="34" charset="0"/>
-              <a:buChar char="•"/>
-            </a:pPr>
-            <a:r>
-              <a:rPr lang="en-US" dirty="0" smtClean="0"/>
-              <a:t>Extract symptoms </a:t>
-            </a:r>
-          </a:p>
-          <a:p>
-            <a:pPr marL="285750" indent="-285750" algn="just">
-              <a:buFont typeface="Arial" panose="020B0604020202020204" pitchFamily="34" charset="0"/>
-              <a:buChar char="•"/>
-            </a:pPr>
-            <a:r>
-              <a:rPr lang="en-US" dirty="0" smtClean="0"/>
-              <a:t>Prescribe medicine &amp; propose health matrices</a:t>
-            </a:r>
-          </a:p>
-          <a:p>
-            <a:pPr marL="285750" indent="-285750" algn="just">
-              <a:buFont typeface="Arial" panose="020B0604020202020204" pitchFamily="34" charset="0"/>
-              <a:buChar char="•"/>
-            </a:pPr>
-            <a:r>
-              <a:rPr lang="en-US" dirty="0" smtClean="0"/>
-              <a:t>Aid doctors in giving accurate information</a:t>
-            </a:r>
-          </a:p>
-          <a:p>
-            <a:pPr marL="285750" indent="-285750">
-              <a:buFont typeface="Arial" panose="020B0604020202020204" pitchFamily="34" charset="0"/>
-              <a:buChar char="•"/>
-            </a:pPr>
-            <a:r>
-              <a:rPr lang="en-US" dirty="0" smtClean="0"/>
-              <a:t>Predict LOS, mortality, cause and other sensitive information using the clinical text</a:t>
-            </a:r>
-          </a:p>
-          <a:p>
-            <a:pPr marL="285750" indent="-285750">
-              <a:buFont typeface="Arial" panose="020B0604020202020204" pitchFamily="34" charset="0"/>
-              <a:buChar char="•"/>
-            </a:pPr>
-            <a:endParaRPr lang="en-US" dirty="0"/>
-          </a:p>
-        </p:txBody>
-      </p:sp>
     </p:spTree>
     <p:extLst>
       <p:ext uri="{BB962C8B-B14F-4D97-AF65-F5344CB8AC3E}">
-        <p14:creationId xmlns:p14="http://schemas.microsoft.com/office/powerpoint/2010/main" val="4294024943"/>
+        <p14:creationId xmlns:p14="http://schemas.microsoft.com/office/powerpoint/2010/main" val="1605043549"/>
       </p:ext>
     </p:extLst>
   </p:cSld>
@@ -7348,171 +9929,6 @@
             <p:ph type="title"/>
           </p:nvPr>
         </p:nvSpPr>
-        <p:spPr/>
-        <p:txBody>
-          <a:bodyPr/>
-          <a:lstStyle/>
-          <a:p>
-            <a:r>
-              <a:rPr lang="en-US" dirty="0" smtClean="0"/>
-              <a:t>Problem Statement	</a:t>
-            </a:r>
-            <a:endParaRPr lang="en-US" dirty="0"/>
-          </a:p>
-        </p:txBody>
-      </p:sp>
-      <p:sp>
-        <p:nvSpPr>
-          <p:cNvPr id="3" name="Content Placeholder 2"/>
-          <p:cNvSpPr>
-            <a:spLocks noGrp="1"/>
-          </p:cNvSpPr>
-          <p:nvPr>
-            <p:ph idx="1"/>
-          </p:nvPr>
-        </p:nvSpPr>
-        <p:spPr>
-          <a:xfrm>
-            <a:off x="1264952" y="2354926"/>
-            <a:ext cx="9662096" cy="2458993"/>
-          </a:xfrm>
-        </p:spPr>
-        <p:txBody>
-          <a:bodyPr>
-            <a:noAutofit/>
-          </a:bodyPr>
-          <a:lstStyle/>
-          <a:p>
-            <a:pPr marL="0" indent="0" algn="ctr">
-              <a:buNone/>
-            </a:pPr>
-            <a:r>
-              <a:rPr lang="en-US" dirty="0"/>
-              <a:t>B</a:t>
-            </a:r>
-            <a:r>
-              <a:rPr lang="en-US" dirty="0" smtClean="0"/>
-              <a:t>enchmarking </a:t>
-            </a:r>
-            <a:r>
-              <a:rPr lang="en-US" dirty="0"/>
-              <a:t>results for several clinical prediction tasks such as mortality prediction, length of stay prediction, and ICD-9 code group prediction using Deep Learning </a:t>
-            </a:r>
-            <a:r>
-              <a:rPr lang="en-US" dirty="0" smtClean="0"/>
-              <a:t>models and development of system predicting these valued information by combining NLP and Deep learning</a:t>
-            </a:r>
-            <a:endParaRPr lang="en-US" dirty="0"/>
-          </a:p>
-        </p:txBody>
-      </p:sp>
-      <p:pic>
-        <p:nvPicPr>
-          <p:cNvPr id="4" name="Picture 3"/>
-          <p:cNvPicPr>
-            <a:picLocks noChangeAspect="1"/>
-          </p:cNvPicPr>
-          <p:nvPr/>
-        </p:nvPicPr>
-        <p:blipFill>
-          <a:blip r:embed="rId2" cstate="print">
-            <a:extLst>
-              <a:ext uri="{28A0092B-C50C-407E-A947-70E740481C1C}">
-                <a14:useLocalDpi xmlns:a14="http://schemas.microsoft.com/office/drawing/2010/main" val="0"/>
-              </a:ext>
-            </a:extLst>
-          </a:blip>
-          <a:stretch>
-            <a:fillRect/>
-          </a:stretch>
-        </p:blipFill>
-        <p:spPr>
-          <a:xfrm>
-            <a:off x="8919882" y="520690"/>
-            <a:ext cx="1014432" cy="1014432"/>
-          </a:xfrm>
-          <a:prstGeom prst="rect">
-            <a:avLst/>
-          </a:prstGeom>
-        </p:spPr>
-      </p:pic>
-      <p:pic>
-        <p:nvPicPr>
-          <p:cNvPr id="5" name="Picture 4"/>
-          <p:cNvPicPr>
-            <a:picLocks noChangeAspect="1"/>
-          </p:cNvPicPr>
-          <p:nvPr/>
-        </p:nvPicPr>
-        <p:blipFill>
-          <a:blip r:embed="rId3" cstate="print">
-            <a:extLst>
-              <a:ext uri="{28A0092B-C50C-407E-A947-70E740481C1C}">
-                <a14:useLocalDpi xmlns:a14="http://schemas.microsoft.com/office/drawing/2010/main" val="0"/>
-              </a:ext>
-            </a:extLst>
-          </a:blip>
-          <a:stretch>
-            <a:fillRect/>
-          </a:stretch>
-        </p:blipFill>
-        <p:spPr>
-          <a:xfrm>
-            <a:off x="10118912" y="520690"/>
-            <a:ext cx="1050289" cy="1050289"/>
-          </a:xfrm>
-          <a:prstGeom prst="rect">
-            <a:avLst/>
-          </a:prstGeom>
-        </p:spPr>
-      </p:pic>
-    </p:spTree>
-    <p:extLst>
-      <p:ext uri="{BB962C8B-B14F-4D97-AF65-F5344CB8AC3E}">
-        <p14:creationId xmlns:p14="http://schemas.microsoft.com/office/powerpoint/2010/main" val="1605043549"/>
-      </p:ext>
-    </p:extLst>
-  </p:cSld>
-  <p:clrMapOvr>
-    <a:masterClrMapping/>
-  </p:clrMapOvr>
-  <p:timing>
-    <p:tnLst>
-      <p:par>
-        <p:cTn id="1" dur="indefinite" restart="never" nodeType="tmRoot"/>
-      </p:par>
-    </p:tnLst>
-  </p:timing>
-</p:sld>
-</file>
-
-<file path=ppt/slides/slide6.xml><?xml version="1.0" encoding="utf-8"?>
-<p:sld xmlns:a="http://schemas.openxmlformats.org/drawingml/2006/main" xmlns:r="http://schemas.openxmlformats.org/officeDocument/2006/relationships" xmlns:p="http://schemas.openxmlformats.org/presentationml/2006/main">
-  <p:cSld>
-    <p:spTree>
-      <p:nvGrpSpPr>
-        <p:cNvPr id="1" name=""/>
-        <p:cNvGrpSpPr/>
-        <p:nvPr/>
-      </p:nvGrpSpPr>
-      <p:grpSpPr>
-        <a:xfrm>
-          <a:off x="0" y="0"/>
-          <a:ext cx="0" cy="0"/>
-          <a:chOff x="0" y="0"/>
-          <a:chExt cx="0" cy="0"/>
-        </a:xfrm>
-      </p:grpSpPr>
-      <p:sp>
-        <p:nvSpPr>
-          <p:cNvPr id="2" name="Title 1"/>
-          <p:cNvSpPr>
-            <a:spLocks noGrp="1"/>
-          </p:cNvSpPr>
-          <p:nvPr>
-            <p:ph type="title"/>
-          </p:nvPr>
-        </p:nvSpPr>
         <p:spPr>
           <a:xfrm>
             <a:off x="838200" y="418913"/>
@@ -7524,10 +9940,18 @@
           <a:lstStyle/>
           <a:p>
             <a:r>
-              <a:rPr lang="en-US" dirty="0" smtClean="0"/>
+              <a:rPr lang="en-US" sz="3600" dirty="0">
+                <a:latin typeface="Arial Rounded MT Bold" panose="020F0704030504030204" pitchFamily="34" charset="0"/>
+                <a:ea typeface="+mn-ea"/>
+                <a:cs typeface="+mn-cs"/>
+              </a:rPr>
               <a:t>Objective</a:t>
             </a:r>
-            <a:endParaRPr lang="en-US" dirty="0"/>
+            <a:endParaRPr lang="en-US" sz="3600" dirty="0">
+              <a:latin typeface="Arial Rounded MT Bold" panose="020F0704030504030204" pitchFamily="34" charset="0"/>
+              <a:ea typeface="+mn-ea"/>
+              <a:cs typeface="+mn-cs"/>
+            </a:endParaRPr>
           </a:p>
         </p:txBody>
       </p:sp>
@@ -7539,8 +9963,8 @@
         </p:nvSpPr>
         <p:spPr>
           <a:xfrm>
-            <a:off x="2002809" y="2655534"/>
-            <a:ext cx="8186382" cy="1815882"/>
+            <a:off x="734401" y="1794024"/>
+            <a:ext cx="9929826" cy="1384995"/>
           </a:xfrm>
           <a:prstGeom prst="rect">
             <a:avLst/>
@@ -7560,7 +9984,43 @@
             </a:r>
             <a:r>
               <a:rPr lang="en-US" sz="2800" dirty="0" smtClean="0"/>
-              <a:t>Regardless of wide variety and complexity of features inherent in electronic health records, develop a model using NLP techniques and AI to predict several clinical tasks to aid doctors</a:t>
+              <a:t>Regardless of wide variety and complexity of features inherent in electronic health records, </a:t>
+            </a:r>
+            <a:r>
+              <a:rPr lang="en-US" sz="2800" dirty="0" smtClean="0"/>
+              <a:t>develop models </a:t>
+            </a:r>
+            <a:r>
+              <a:rPr lang="en-US" sz="2800" dirty="0" smtClean="0"/>
+              <a:t>using </a:t>
+            </a:r>
+            <a:r>
+              <a:rPr lang="en-US" sz="2800" b="1" dirty="0" smtClean="0"/>
+              <a:t>ML</a:t>
+            </a:r>
+            <a:r>
+              <a:rPr lang="en-US" sz="2800" dirty="0" smtClean="0"/>
+              <a:t> techniques to </a:t>
+            </a:r>
+            <a:r>
+              <a:rPr lang="en-US" sz="2800" dirty="0" smtClean="0"/>
+              <a:t>predict </a:t>
+            </a:r>
+            <a:r>
+              <a:rPr lang="en-US" sz="2800" dirty="0" smtClean="0"/>
+              <a:t>ICD-9 code </a:t>
+            </a:r>
+            <a:r>
+              <a:rPr lang="en-US" sz="2800" b="1" dirty="0" smtClean="0"/>
+              <a:t>996</a:t>
+            </a:r>
+            <a:r>
+              <a:rPr lang="en-US" sz="2800" dirty="0" smtClean="0"/>
+              <a:t> to </a:t>
+            </a:r>
+            <a:r>
+              <a:rPr lang="en-US" sz="2800" dirty="0" smtClean="0"/>
+              <a:t>aid doctors</a:t>
             </a:r>
             <a:r>
               <a:rPr lang="en-US" sz="2400" dirty="0" smtClean="0"/>
@@ -7630,10 +10090,441 @@
           </a:prstGeom>
         </p:spPr>
       </p:pic>
+      <p:sp>
+        <p:nvSpPr>
+          <p:cNvPr id="6" name="TextBox 5"/>
+          <p:cNvSpPr txBox="1"/>
+          <p:nvPr/>
+        </p:nvSpPr>
+        <p:spPr>
+          <a:xfrm>
+            <a:off x="838199" y="3685309"/>
+            <a:ext cx="10515601" cy="1815882"/>
+          </a:xfrm>
+          <a:prstGeom prst="rect">
+            <a:avLst/>
+          </a:prstGeom>
+          <a:noFill/>
+        </p:spPr>
+        <p:txBody>
+          <a:bodyPr wrap="square" rtlCol="0">
+            <a:spAutoFit/>
+          </a:bodyPr>
+          <a:lstStyle/>
+          <a:p>
+            <a:pPr marL="285750" indent="-285750">
+              <a:buFont typeface="Arial" panose="020B0604020202020204" pitchFamily="34" charset="0"/>
+              <a:buChar char="•"/>
+            </a:pPr>
+            <a:r>
+              <a:rPr lang="en-US" sz="2800" dirty="0" smtClean="0"/>
+              <a:t>ETL Process</a:t>
+            </a:r>
+          </a:p>
+          <a:p>
+            <a:pPr marL="285750" indent="-285750">
+              <a:buFont typeface="Arial" panose="020B0604020202020204" pitchFamily="34" charset="0"/>
+              <a:buChar char="•"/>
+            </a:pPr>
+            <a:r>
+              <a:rPr lang="en-US" sz="2800" dirty="0" smtClean="0"/>
+              <a:t>Feature Extraction (Available and Derived Concepts)</a:t>
+            </a:r>
+          </a:p>
+          <a:p>
+            <a:pPr marL="285750" indent="-285750">
+              <a:buFont typeface="Arial" panose="020B0604020202020204" pitchFamily="34" charset="0"/>
+              <a:buChar char="•"/>
+            </a:pPr>
+            <a:r>
+              <a:rPr lang="en-US" sz="2800" dirty="0" smtClean="0"/>
+              <a:t>Balance Dataset</a:t>
+            </a:r>
+          </a:p>
+          <a:p>
+            <a:pPr marL="285750" indent="-285750">
+              <a:buFont typeface="Arial" panose="020B0604020202020204" pitchFamily="34" charset="0"/>
+              <a:buChar char="•"/>
+            </a:pPr>
+            <a:r>
+              <a:rPr lang="en-US" sz="2800" dirty="0" smtClean="0"/>
+              <a:t>Predict 996 (Binary Class)</a:t>
+            </a:r>
+            <a:endParaRPr lang="en-US" sz="2800" dirty="0"/>
+          </a:p>
+        </p:txBody>
+      </p:sp>
     </p:spTree>
     <p:extLst>
       <p:ext uri="{BB962C8B-B14F-4D97-AF65-F5344CB8AC3E}">
         <p14:creationId xmlns:p14="http://schemas.microsoft.com/office/powerpoint/2010/main" val="2965480789"/>
+      </p:ext>
+    </p:extLst>
+  </p:cSld>
+  <p:clrMapOvr>
+    <a:masterClrMapping/>
+  </p:clrMapOvr>
+  <p:timing>
+    <p:tnLst>
+      <p:par>
+        <p:cTn id="1" dur="indefinite" restart="never" nodeType="tmRoot"/>
+      </p:par>
+    </p:tnLst>
+  </p:timing>
+</p:sld>
+</file>
+
+<file path=ppt/slides/slide6.xml><?xml version="1.0" encoding="utf-8"?>
+<p:sld xmlns:a="http://schemas.openxmlformats.org/drawingml/2006/main" xmlns:r="http://schemas.openxmlformats.org/officeDocument/2006/relationships" xmlns:p="http://schemas.openxmlformats.org/presentationml/2006/main">
+  <p:cSld>
+    <p:spTree>
+      <p:nvGrpSpPr>
+        <p:cNvPr id="1" name=""/>
+        <p:cNvGrpSpPr/>
+        <p:nvPr/>
+      </p:nvGrpSpPr>
+      <p:grpSpPr>
+        <a:xfrm>
+          <a:off x="0" y="0"/>
+          <a:ext cx="0" cy="0"/>
+          <a:chOff x="0" y="0"/>
+          <a:chExt cx="0" cy="0"/>
+        </a:xfrm>
+      </p:grpSpPr>
+      <p:sp>
+        <p:nvSpPr>
+          <p:cNvPr id="2" name="Title 1"/>
+          <p:cNvSpPr>
+            <a:spLocks noGrp="1"/>
+          </p:cNvSpPr>
+          <p:nvPr>
+            <p:ph type="title"/>
+          </p:nvPr>
+        </p:nvSpPr>
+        <p:spPr/>
+        <p:txBody>
+          <a:bodyPr/>
+          <a:lstStyle/>
+          <a:p>
+            <a:r>
+              <a:rPr lang="en-US" sz="3600" dirty="0">
+                <a:latin typeface="Arial Rounded MT Bold" panose="020F0704030504030204" pitchFamily="34" charset="0"/>
+                <a:ea typeface="+mn-ea"/>
+                <a:cs typeface="+mn-cs"/>
+              </a:rPr>
+              <a:t>Challenges</a:t>
+            </a:r>
+            <a:endParaRPr lang="en-US" sz="3600" dirty="0">
+              <a:latin typeface="Arial Rounded MT Bold" panose="020F0704030504030204" pitchFamily="34" charset="0"/>
+              <a:ea typeface="+mn-ea"/>
+              <a:cs typeface="+mn-cs"/>
+            </a:endParaRPr>
+          </a:p>
+        </p:txBody>
+      </p:sp>
+      <p:sp>
+        <p:nvSpPr>
+          <p:cNvPr id="3" name="Content Placeholder 2"/>
+          <p:cNvSpPr>
+            <a:spLocks noGrp="1"/>
+          </p:cNvSpPr>
+          <p:nvPr>
+            <p:ph idx="1"/>
+          </p:nvPr>
+        </p:nvSpPr>
+        <p:spPr>
+          <a:xfrm>
+            <a:off x="838200" y="1756709"/>
+            <a:ext cx="10515600" cy="4351338"/>
+          </a:xfrm>
+        </p:spPr>
+        <p:txBody>
+          <a:bodyPr>
+            <a:normAutofit/>
+          </a:bodyPr>
+          <a:lstStyle/>
+          <a:p>
+            <a:r>
+              <a:rPr lang="en-US" dirty="0" smtClean="0"/>
+              <a:t>Terminological variations and irregularities in clinical information</a:t>
+            </a:r>
+          </a:p>
+          <a:p>
+            <a:r>
+              <a:rPr lang="en-US" dirty="0"/>
+              <a:t>M</a:t>
+            </a:r>
+            <a:r>
+              <a:rPr lang="en-US" dirty="0" smtClean="0"/>
+              <a:t>orphological rules </a:t>
+            </a:r>
+            <a:r>
+              <a:rPr lang="en-US" dirty="0" smtClean="0"/>
+              <a:t>to </a:t>
+            </a:r>
+            <a:r>
+              <a:rPr lang="en-US" dirty="0" smtClean="0"/>
+              <a:t>cope with different variants in records</a:t>
+            </a:r>
+          </a:p>
+          <a:p>
+            <a:r>
+              <a:rPr lang="en-US" dirty="0" smtClean="0"/>
+              <a:t>Health records have specific </a:t>
+            </a:r>
+            <a:r>
+              <a:rPr lang="en-US" dirty="0" smtClean="0"/>
+              <a:t>formats (</a:t>
+            </a:r>
+            <a:r>
+              <a:rPr lang="en-US" b="1" dirty="0" smtClean="0"/>
+              <a:t>ICD</a:t>
+            </a:r>
+            <a:r>
+              <a:rPr lang="en-US" dirty="0" smtClean="0"/>
+              <a:t>, </a:t>
+            </a:r>
+            <a:r>
+              <a:rPr lang="en-US" b="1" dirty="0" smtClean="0"/>
+              <a:t>HL7</a:t>
+            </a:r>
+            <a:r>
+              <a:rPr lang="en-US" dirty="0" smtClean="0"/>
+              <a:t>)</a:t>
+            </a:r>
+            <a:endParaRPr lang="en-US" dirty="0" smtClean="0"/>
+          </a:p>
+          <a:p>
+            <a:r>
+              <a:rPr lang="en-US" b="1" dirty="0" smtClean="0"/>
+              <a:t>ETL</a:t>
+            </a:r>
+            <a:r>
+              <a:rPr lang="en-US" dirty="0" smtClean="0"/>
+              <a:t> , Mining Important Features</a:t>
+            </a:r>
+          </a:p>
+          <a:p>
+            <a:r>
+              <a:rPr lang="en-US" dirty="0" smtClean="0"/>
+              <a:t>Imbalance in Classes</a:t>
+            </a:r>
+          </a:p>
+          <a:p>
+            <a:r>
+              <a:rPr lang="en-US" dirty="0" smtClean="0"/>
+              <a:t>Protecting Health Information (</a:t>
+            </a:r>
+            <a:r>
+              <a:rPr lang="en-US" b="1" dirty="0" smtClean="0"/>
+              <a:t>PHI</a:t>
+            </a:r>
+            <a:r>
+              <a:rPr lang="en-US" dirty="0" smtClean="0"/>
+              <a:t>), </a:t>
+            </a:r>
+            <a:r>
+              <a:rPr lang="en-US" b="1" dirty="0" smtClean="0"/>
+              <a:t>HIPPA</a:t>
+            </a:r>
+            <a:r>
+              <a:rPr lang="en-US" dirty="0" smtClean="0"/>
+              <a:t> Compliances</a:t>
+            </a:r>
+          </a:p>
+          <a:p>
+            <a:r>
+              <a:rPr lang="en-US" dirty="0" smtClean="0"/>
+              <a:t>Subjectivity of problem</a:t>
+            </a:r>
+            <a:endParaRPr lang="en-US" dirty="0" smtClean="0"/>
+          </a:p>
+        </p:txBody>
+      </p:sp>
+      <p:pic>
+        <p:nvPicPr>
+          <p:cNvPr id="4" name="Picture 3"/>
+          <p:cNvPicPr>
+            <a:picLocks noChangeAspect="1"/>
+          </p:cNvPicPr>
+          <p:nvPr/>
+        </p:nvPicPr>
+        <p:blipFill>
+          <a:blip r:embed="rId2" cstate="print">
+            <a:extLst>
+              <a:ext uri="{28A0092B-C50C-407E-A947-70E740481C1C}">
+                <a14:useLocalDpi xmlns:a14="http://schemas.microsoft.com/office/drawing/2010/main" val="0"/>
+              </a:ext>
+            </a:extLst>
+          </a:blip>
+          <a:stretch>
+            <a:fillRect/>
+          </a:stretch>
+        </p:blipFill>
+        <p:spPr>
+          <a:xfrm>
+            <a:off x="8354291" y="166900"/>
+            <a:ext cx="1434250" cy="1434250"/>
+          </a:xfrm>
+          <a:prstGeom prst="rect">
+            <a:avLst/>
+          </a:prstGeom>
+        </p:spPr>
+      </p:pic>
+      <p:pic>
+        <p:nvPicPr>
+          <p:cNvPr id="5" name="Picture 4"/>
+          <p:cNvPicPr>
+            <a:picLocks noChangeAspect="1"/>
+          </p:cNvPicPr>
+          <p:nvPr/>
+        </p:nvPicPr>
+        <p:blipFill>
+          <a:blip r:embed="rId3" cstate="print">
+            <a:extLst>
+              <a:ext uri="{28A0092B-C50C-407E-A947-70E740481C1C}">
+                <a14:useLocalDpi xmlns:a14="http://schemas.microsoft.com/office/drawing/2010/main" val="0"/>
+              </a:ext>
+            </a:extLst>
+          </a:blip>
+          <a:stretch>
+            <a:fillRect/>
+          </a:stretch>
+        </p:blipFill>
+        <p:spPr>
+          <a:xfrm>
+            <a:off x="10140414" y="11341"/>
+            <a:ext cx="1745368" cy="1745368"/>
+          </a:xfrm>
+          <a:prstGeom prst="rect">
+            <a:avLst/>
+          </a:prstGeom>
+        </p:spPr>
+      </p:pic>
+      <p:pic>
+        <p:nvPicPr>
+          <p:cNvPr id="6" name="Picture 5"/>
+          <p:cNvPicPr>
+            <a:picLocks noChangeAspect="1"/>
+          </p:cNvPicPr>
+          <p:nvPr/>
+        </p:nvPicPr>
+        <p:blipFill>
+          <a:blip r:embed="rId4" cstate="print">
+            <a:extLst>
+              <a:ext uri="{28A0092B-C50C-407E-A947-70E740481C1C}">
+                <a14:useLocalDpi xmlns:a14="http://schemas.microsoft.com/office/drawing/2010/main" val="0"/>
+              </a:ext>
+            </a:extLst>
+          </a:blip>
+          <a:stretch>
+            <a:fillRect/>
+          </a:stretch>
+        </p:blipFill>
+        <p:spPr>
+          <a:xfrm>
+            <a:off x="8826955" y="2779874"/>
+            <a:ext cx="1219609" cy="1219609"/>
+          </a:xfrm>
+          <a:prstGeom prst="rect">
+            <a:avLst/>
+          </a:prstGeom>
+        </p:spPr>
+      </p:pic>
+      <p:pic>
+        <p:nvPicPr>
+          <p:cNvPr id="7" name="Picture 6"/>
+          <p:cNvPicPr>
+            <a:picLocks noChangeAspect="1"/>
+          </p:cNvPicPr>
+          <p:nvPr/>
+        </p:nvPicPr>
+        <p:blipFill>
+          <a:blip r:embed="rId5" cstate="print">
+            <a:extLst>
+              <a:ext uri="{28A0092B-C50C-407E-A947-70E740481C1C}">
+                <a14:useLocalDpi xmlns:a14="http://schemas.microsoft.com/office/drawing/2010/main" val="0"/>
+              </a:ext>
+            </a:extLst>
+          </a:blip>
+          <a:stretch>
+            <a:fillRect/>
+          </a:stretch>
+        </p:blipFill>
+        <p:spPr>
+          <a:xfrm>
+            <a:off x="10471363" y="2860688"/>
+            <a:ext cx="1307236" cy="1307236"/>
+          </a:xfrm>
+          <a:prstGeom prst="rect">
+            <a:avLst/>
+          </a:prstGeom>
+        </p:spPr>
+      </p:pic>
+      <p:pic>
+        <p:nvPicPr>
+          <p:cNvPr id="8" name="Picture 7"/>
+          <p:cNvPicPr>
+            <a:picLocks noChangeAspect="1"/>
+          </p:cNvPicPr>
+          <p:nvPr/>
+        </p:nvPicPr>
+        <p:blipFill>
+          <a:blip r:embed="rId6" cstate="print">
+            <a:extLst>
+              <a:ext uri="{28A0092B-C50C-407E-A947-70E740481C1C}">
+                <a14:useLocalDpi xmlns:a14="http://schemas.microsoft.com/office/drawing/2010/main" val="0"/>
+              </a:ext>
+            </a:extLst>
+          </a:blip>
+          <a:stretch>
+            <a:fillRect/>
+          </a:stretch>
+        </p:blipFill>
+        <p:spPr>
+          <a:xfrm>
+            <a:off x="10549613" y="1995444"/>
+            <a:ext cx="1150736" cy="1150736"/>
+          </a:xfrm>
+          <a:prstGeom prst="rect">
+            <a:avLst/>
+          </a:prstGeom>
+        </p:spPr>
+      </p:pic>
+      <p:pic>
+        <p:nvPicPr>
+          <p:cNvPr id="10" name="Picture 9"/>
+          <p:cNvPicPr>
+            <a:picLocks noChangeAspect="1"/>
+          </p:cNvPicPr>
+          <p:nvPr/>
+        </p:nvPicPr>
+        <p:blipFill>
+          <a:blip r:embed="rId7" cstate="print">
+            <a:extLst>
+              <a:ext uri="{28A0092B-C50C-407E-A947-70E740481C1C}">
+                <a14:useLocalDpi xmlns:a14="http://schemas.microsoft.com/office/drawing/2010/main" val="0"/>
+              </a:ext>
+            </a:extLst>
+          </a:blip>
+          <a:stretch>
+            <a:fillRect/>
+          </a:stretch>
+        </p:blipFill>
+        <p:spPr>
+          <a:xfrm>
+            <a:off x="10230468" y="4233945"/>
+            <a:ext cx="1565259" cy="1565259"/>
+          </a:xfrm>
+          <a:prstGeom prst="rect">
+            <a:avLst/>
+          </a:prstGeom>
+        </p:spPr>
+      </p:pic>
+    </p:spTree>
+    <p:extLst>
+      <p:ext uri="{BB962C8B-B14F-4D97-AF65-F5344CB8AC3E}">
+        <p14:creationId xmlns:p14="http://schemas.microsoft.com/office/powerpoint/2010/main" val="1821069065"/>
       </p:ext>
     </p:extLst>
   </p:cSld>
@@ -7683,81 +10574,31 @@
           <a:lstStyle/>
           <a:p>
             <a:r>
+              <a:rPr lang="en-US" sz="3600" dirty="0">
+                <a:latin typeface="Arial Rounded MT Bold" panose="020F0704030504030204" pitchFamily="34" charset="0"/>
+                <a:ea typeface="+mn-ea"/>
+                <a:cs typeface="+mn-cs"/>
+              </a:rPr>
+              <a:t>Literature Review</a:t>
+            </a:r>
+            <a:r>
               <a:rPr lang="en-US" dirty="0" smtClean="0"/>
-              <a:t>Challenges</a:t>
+              <a:t>	</a:t>
             </a:r>
             <a:endParaRPr lang="en-US" dirty="0"/>
-          </a:p>
-        </p:txBody>
-      </p:sp>
-      <p:sp>
-        <p:nvSpPr>
-          <p:cNvPr id="3" name="Content Placeholder 2"/>
-          <p:cNvSpPr>
-            <a:spLocks noGrp="1"/>
-          </p:cNvSpPr>
-          <p:nvPr>
-            <p:ph idx="1"/>
-          </p:nvPr>
-        </p:nvSpPr>
-        <p:spPr/>
-        <p:txBody>
-          <a:bodyPr/>
-          <a:lstStyle/>
-          <a:p>
-            <a:r>
-              <a:rPr lang="en-US" sz="2000" dirty="0" smtClean="0"/>
-              <a:t>Terminological variations and irregularities in clinical information</a:t>
-            </a:r>
-          </a:p>
-          <a:p>
-            <a:r>
-              <a:rPr lang="en-US" sz="2000" dirty="0"/>
-              <a:t>M</a:t>
-            </a:r>
-            <a:r>
-              <a:rPr lang="en-US" sz="2000" dirty="0" smtClean="0"/>
-              <a:t>orphological rules are required to cope with different variants in records</a:t>
-            </a:r>
-          </a:p>
-          <a:p>
-            <a:r>
-              <a:rPr lang="en-US" sz="2000" dirty="0" smtClean="0"/>
-              <a:t>Health records have specific formats </a:t>
-            </a:r>
-          </a:p>
-          <a:p>
-            <a:r>
-              <a:rPr lang="en-US" sz="2000" dirty="0" smtClean="0"/>
-              <a:t>Text retrieval, NLP and advanced DNN techniques are required to outperform already developed systems</a:t>
-            </a:r>
-          </a:p>
-          <a:p>
-            <a:r>
-              <a:rPr lang="en-US" sz="2000" dirty="0"/>
-              <a:t>A</a:t>
-            </a:r>
-            <a:r>
-              <a:rPr lang="en-US" sz="2000" dirty="0" smtClean="0"/>
-              <a:t>pproaches </a:t>
-            </a:r>
-            <a:r>
-              <a:rPr lang="en-US" sz="2000" dirty="0"/>
-              <a:t>that enable faster and more collaborative research while protecting patient privacy and confidentiality are becoming more important</a:t>
-            </a:r>
           </a:p>
         </p:txBody>
       </p:sp>
       <p:pic>
         <p:nvPicPr>
-          <p:cNvPr id="4" name="Picture 3"/>
+          <p:cNvPr id="7" name="Picture 6"/>
           <p:cNvPicPr>
             <a:picLocks noChangeAspect="1"/>
           </p:cNvPicPr>
           <p:nvPr/>
         </p:nvPicPr>
         <p:blipFill>
-          <a:blip r:embed="rId2" cstate="print">
+          <a:blip r:embed="rId2">
             <a:extLst>
               <a:ext uri="{28A0092B-C50C-407E-A947-70E740481C1C}">
                 <a14:useLocalDpi xmlns:a14="http://schemas.microsoft.com/office/drawing/2010/main" val="0"/>
@@ -7770,8 +10611,38 @@
         </p:blipFill>
         <p:spPr>
           <a:xfrm>
-            <a:off x="9654989" y="227262"/>
-            <a:ext cx="1601287" cy="1601287"/>
+            <a:off x="2397143" y="2246800"/>
+            <a:ext cx="2936858" cy="2936858"/>
+          </a:xfrm>
+          <a:prstGeom prst="rect">
+            <a:avLst/>
+          </a:prstGeom>
+        </p:spPr>
+      </p:pic>
+      <p:pic>
+        <p:nvPicPr>
+          <p:cNvPr id="8" name="Picture 7"/>
+          <p:cNvPicPr>
+            <a:picLocks noChangeAspect="1"/>
+          </p:cNvPicPr>
+          <p:nvPr/>
+        </p:nvPicPr>
+        <p:blipFill>
+          <a:blip r:embed="rId3">
+            <a:extLst>
+              <a:ext uri="{28A0092B-C50C-407E-A947-70E740481C1C}">
+                <a14:useLocalDpi xmlns:a14="http://schemas.microsoft.com/office/drawing/2010/main" val="0"/>
+              </a:ext>
+            </a:extLst>
+          </a:blip>
+          <a:stretch>
+            <a:fillRect/>
+          </a:stretch>
+        </p:blipFill>
+        <p:spPr>
+          <a:xfrm>
+            <a:off x="6802888" y="2246800"/>
+            <a:ext cx="2798312" cy="2798312"/>
           </a:xfrm>
           <a:prstGeom prst="rect">
             <a:avLst/>
@@ -7781,7 +10652,7 @@
     </p:spTree>
     <p:extLst>
       <p:ext uri="{BB962C8B-B14F-4D97-AF65-F5344CB8AC3E}">
-        <p14:creationId xmlns:p14="http://schemas.microsoft.com/office/powerpoint/2010/main" val="1821069065"/>
+        <p14:creationId xmlns:p14="http://schemas.microsoft.com/office/powerpoint/2010/main" val="2018365899"/>
       </p:ext>
     </p:extLst>
   </p:cSld>
@@ -7801,6 +10672,11 @@
 <file path=ppt/slides/slide8.xml><?xml version="1.0" encoding="utf-8"?>
 <p:sld xmlns:a="http://schemas.openxmlformats.org/drawingml/2006/main" xmlns:r="http://schemas.openxmlformats.org/officeDocument/2006/relationships" xmlns:p="http://schemas.openxmlformats.org/presentationml/2006/main">
   <p:cSld>
+    <p:bg>
+      <p:bgRef idx="1001">
+        <a:schemeClr val="bg1"/>
+      </p:bgRef>
+    </p:bg>
     <p:spTree>
       <p:nvGrpSpPr>
         <p:cNvPr id="1" name=""/>
@@ -7815,336 +10691,1359 @@
           <a:chExt cx="0" cy="0"/>
         </a:xfrm>
       </p:grpSpPr>
-      <p:sp>
-        <p:nvSpPr>
-          <p:cNvPr id="2" name="Title 1"/>
-          <p:cNvSpPr>
-            <a:spLocks noGrp="1"/>
-          </p:cNvSpPr>
+      <p:graphicFrame>
+        <p:nvGraphicFramePr>
+          <p:cNvPr id="2" name="Table 1"/>
+          <p:cNvGraphicFramePr>
+            <a:graphicFrameLocks noGrp="1"/>
+          </p:cNvGraphicFramePr>
           <p:nvPr>
-            <p:ph type="title"/>
+            <p:extLst>
+              <p:ext uri="{D42A27DB-BD31-4B8C-83A1-F6EECF244321}">
+                <p14:modId xmlns:p14="http://schemas.microsoft.com/office/powerpoint/2010/main" val="1814423999"/>
+              </p:ext>
+            </p:extLst>
           </p:nvPr>
-        </p:nvSpPr>
-        <p:spPr/>
-        <p:txBody>
-          <a:bodyPr/>
-          <a:lstStyle/>
-          <a:p>
-            <a:r>
-              <a:rPr lang="en-US" dirty="0" smtClean="0"/>
-              <a:t>Literature Review	</a:t>
-            </a:r>
-            <a:endParaRPr lang="en-US" dirty="0"/>
-          </a:p>
-        </p:txBody>
-      </p:sp>
-      <p:sp>
-        <p:nvSpPr>
-          <p:cNvPr id="3" name="Content Placeholder 2"/>
-          <p:cNvSpPr>
-            <a:spLocks noGrp="1"/>
-          </p:cNvSpPr>
-          <p:nvPr>
-            <p:ph idx="1"/>
-          </p:nvPr>
-        </p:nvSpPr>
-        <p:spPr>
-          <a:xfrm>
-            <a:off x="1003742" y="2197380"/>
-            <a:ext cx="10515600" cy="4660620"/>
-          </a:xfrm>
-        </p:spPr>
-        <p:txBody>
-          <a:bodyPr>
-            <a:normAutofit/>
-          </a:bodyPr>
-          <a:lstStyle/>
-          <a:p>
-            <a:r>
-              <a:rPr lang="en-US" sz="2000" dirty="0" err="1"/>
-              <a:t>Gentimis</a:t>
-            </a:r>
-            <a:r>
-              <a:rPr lang="en-US" sz="2000" dirty="0"/>
-              <a:t>, </a:t>
-            </a:r>
-            <a:r>
-              <a:rPr lang="en-US" sz="2000" dirty="0" err="1"/>
-              <a:t>Thanos</a:t>
-            </a:r>
-            <a:r>
-              <a:rPr lang="en-US" sz="2000" dirty="0"/>
-              <a:t>, </a:t>
-            </a:r>
-            <a:r>
-              <a:rPr lang="en-US" sz="2000" dirty="0" err="1"/>
-              <a:t>Alnaser</a:t>
-            </a:r>
-            <a:r>
-              <a:rPr lang="en-US" sz="2000" dirty="0"/>
-              <a:t> </a:t>
-            </a:r>
-            <a:r>
-              <a:rPr lang="en-US" sz="2000" dirty="0" err="1"/>
-              <a:t>Ala'J</a:t>
-            </a:r>
-            <a:r>
-              <a:rPr lang="en-US" sz="2000" dirty="0"/>
-              <a:t>, Alex Durante, Kyle Cook, and Robert Steele. "</a:t>
-            </a:r>
-            <a:r>
-              <a:rPr lang="en-US" sz="2000" b="1" dirty="0"/>
-              <a:t>Predicting Hospital Length of Stay Using Neural Networks on MIMIC III Data</a:t>
-            </a:r>
-            <a:r>
-              <a:rPr lang="en-US" sz="2000" dirty="0"/>
-              <a:t>." In </a:t>
-            </a:r>
-            <a:r>
-              <a:rPr lang="en-US" sz="2000" i="1" dirty="0"/>
-              <a:t>2017 </a:t>
-            </a:r>
-            <a:r>
-              <a:rPr lang="en-US" sz="2000" b="1" i="1" dirty="0"/>
-              <a:t>IEEE</a:t>
-            </a:r>
-            <a:r>
-              <a:rPr lang="en-US" sz="2000" i="1" dirty="0"/>
-              <a:t> 15th Intl </a:t>
-            </a:r>
-            <a:r>
-              <a:rPr lang="en-US" sz="2000" i="1" dirty="0" err="1"/>
-              <a:t>Conf</a:t>
-            </a:r>
-            <a:r>
-              <a:rPr lang="en-US" sz="2000" i="1" dirty="0"/>
-              <a:t> on Dependable, Autonomic and Secure Computing, 15th Intl </a:t>
-            </a:r>
-            <a:r>
-              <a:rPr lang="en-US" sz="2000" i="1" dirty="0" err="1"/>
-              <a:t>Conf</a:t>
-            </a:r>
-            <a:r>
-              <a:rPr lang="en-US" sz="2000" i="1" dirty="0"/>
-              <a:t> on Pervasive Intelligence and Computing, 3rd Intl </a:t>
-            </a:r>
-            <a:r>
-              <a:rPr lang="en-US" sz="2000" i="1" dirty="0" err="1"/>
-              <a:t>Conf</a:t>
-            </a:r>
-            <a:r>
-              <a:rPr lang="en-US" sz="2000" i="1" dirty="0"/>
-              <a:t> on Big Data Intelligence and Computing and Cyber Science and Technology Congress (DASC/</a:t>
-            </a:r>
-            <a:r>
-              <a:rPr lang="en-US" sz="2000" i="1" dirty="0" err="1"/>
-              <a:t>PiCom</a:t>
-            </a:r>
-            <a:r>
-              <a:rPr lang="en-US" sz="2000" i="1" dirty="0"/>
-              <a:t>/</a:t>
-            </a:r>
-            <a:r>
-              <a:rPr lang="en-US" sz="2000" i="1" dirty="0" err="1"/>
-              <a:t>DataCom</a:t>
-            </a:r>
-            <a:r>
-              <a:rPr lang="en-US" sz="2000" i="1" dirty="0"/>
-              <a:t>/</a:t>
-            </a:r>
-            <a:r>
-              <a:rPr lang="en-US" sz="2000" i="1" dirty="0" err="1"/>
-              <a:t>CyberSciTech</a:t>
-            </a:r>
-            <a:r>
-              <a:rPr lang="en-US" sz="2000" i="1" dirty="0"/>
-              <a:t>)</a:t>
-            </a:r>
-            <a:r>
-              <a:rPr lang="en-US" sz="2000" dirty="0"/>
-              <a:t>, pp. 1194-1201. IEEE, 2017</a:t>
-            </a:r>
-            <a:r>
-              <a:rPr lang="en-US" sz="2000" dirty="0" smtClean="0"/>
-              <a:t>. [1]</a:t>
-            </a:r>
-          </a:p>
-          <a:p>
-            <a:r>
-              <a:rPr lang="en-US" sz="2000" dirty="0" err="1"/>
-              <a:t>Sadeghi</a:t>
-            </a:r>
-            <a:r>
-              <a:rPr lang="en-US" sz="2000" dirty="0"/>
-              <a:t>, Reza, </a:t>
-            </a:r>
-            <a:r>
-              <a:rPr lang="en-US" sz="2000" dirty="0" err="1"/>
-              <a:t>Tanvi</a:t>
-            </a:r>
-            <a:r>
-              <a:rPr lang="en-US" sz="2000" dirty="0"/>
-              <a:t> Banerjee, and William Romine. </a:t>
-            </a:r>
-            <a:r>
-              <a:rPr lang="en-US" sz="2000" dirty="0" smtClean="0"/>
-              <a:t>"</a:t>
-            </a:r>
-            <a:r>
-              <a:rPr lang="en-US" sz="2000" b="1" dirty="0" smtClean="0"/>
-              <a:t>Early hospital mortality prediction using vital signals." Smart Health9 (2018)</a:t>
-            </a:r>
-            <a:r>
-              <a:rPr lang="en-US" sz="2000" dirty="0" smtClean="0"/>
-              <a:t>: 265-274</a:t>
-            </a:r>
-            <a:r>
-              <a:rPr lang="en-US" sz="2000" dirty="0"/>
-              <a:t>. </a:t>
-            </a:r>
-            <a:r>
-              <a:rPr lang="en-US" sz="2000" dirty="0" smtClean="0"/>
-              <a:t>[2]</a:t>
-            </a:r>
-            <a:endParaRPr lang="en-US" sz="2000" dirty="0"/>
-          </a:p>
-          <a:p>
-            <a:r>
-              <a:rPr lang="en-US" sz="2000" dirty="0" err="1"/>
-              <a:t>Purushotham</a:t>
-            </a:r>
-            <a:r>
-              <a:rPr lang="en-US" sz="2000" dirty="0"/>
-              <a:t>, Sanjay, </a:t>
-            </a:r>
-            <a:r>
-              <a:rPr lang="en-US" sz="2000" dirty="0" err="1"/>
-              <a:t>Chuizheng</a:t>
-            </a:r>
-            <a:r>
-              <a:rPr lang="en-US" sz="2000" dirty="0"/>
-              <a:t> </a:t>
-            </a:r>
-            <a:r>
-              <a:rPr lang="en-US" sz="2000" dirty="0" err="1"/>
-              <a:t>Meng</a:t>
-            </a:r>
-            <a:r>
-              <a:rPr lang="en-US" sz="2000" dirty="0"/>
-              <a:t>, </a:t>
-            </a:r>
-            <a:r>
-              <a:rPr lang="en-US" sz="2000" dirty="0" err="1"/>
-              <a:t>Zhengping</a:t>
-            </a:r>
-            <a:r>
-              <a:rPr lang="en-US" sz="2000" dirty="0"/>
-              <a:t> </a:t>
-            </a:r>
-            <a:r>
-              <a:rPr lang="en-US" sz="2000" dirty="0" err="1"/>
-              <a:t>Che</a:t>
-            </a:r>
-            <a:r>
-              <a:rPr lang="en-US" sz="2000" dirty="0"/>
-              <a:t>, and Yan Liu. "</a:t>
-            </a:r>
-            <a:r>
-              <a:rPr lang="en-US" sz="2000" b="1" dirty="0"/>
-              <a:t>Benchmark of deep learning models on large healthcare mimic datasets." </a:t>
-            </a:r>
-            <a:r>
-              <a:rPr lang="en-US" sz="2000" b="1" i="1" dirty="0" err="1"/>
-              <a:t>arXiv</a:t>
-            </a:r>
-            <a:r>
-              <a:rPr lang="en-US" sz="2000" b="1" i="1" dirty="0"/>
-              <a:t> preprint arXiv:1710.08531</a:t>
-            </a:r>
-            <a:r>
-              <a:rPr lang="en-US" sz="2000" b="1" dirty="0"/>
-              <a:t>(2017</a:t>
-            </a:r>
-            <a:r>
-              <a:rPr lang="en-US" sz="2000" b="1" dirty="0" smtClean="0"/>
-              <a:t>)</a:t>
-            </a:r>
-            <a:r>
-              <a:rPr lang="en-US" sz="2000" dirty="0" smtClean="0"/>
-              <a:t>. [3]</a:t>
-            </a:r>
-          </a:p>
-        </p:txBody>
-      </p:sp>
-      <p:pic>
-        <p:nvPicPr>
-          <p:cNvPr id="5" name="Picture 4"/>
-          <p:cNvPicPr>
-            <a:picLocks noChangeAspect="1"/>
-          </p:cNvPicPr>
-          <p:nvPr/>
-        </p:nvPicPr>
-        <p:blipFill>
-          <a:blip r:embed="rId2" cstate="print">
-            <a:extLst>
-              <a:ext uri="{28A0092B-C50C-407E-A947-70E740481C1C}">
-                <a14:useLocalDpi xmlns:a14="http://schemas.microsoft.com/office/drawing/2010/main" val="0"/>
-              </a:ext>
-            </a:extLst>
-          </a:blip>
-          <a:stretch>
-            <a:fillRect/>
-          </a:stretch>
-        </p:blipFill>
-        <p:spPr>
-          <a:xfrm>
-            <a:off x="10493188" y="514829"/>
-            <a:ext cx="1026154" cy="1026154"/>
-          </a:xfrm>
-          <a:prstGeom prst="rect">
-            <a:avLst/>
-          </a:prstGeom>
-        </p:spPr>
-      </p:pic>
-      <p:pic>
-        <p:nvPicPr>
-          <p:cNvPr id="6" name="Picture 5"/>
-          <p:cNvPicPr>
-            <a:picLocks noChangeAspect="1"/>
-          </p:cNvPicPr>
-          <p:nvPr/>
-        </p:nvPicPr>
-        <p:blipFill>
-          <a:blip r:embed="rId3" cstate="print">
-            <a:extLst>
-              <a:ext uri="{28A0092B-C50C-407E-A947-70E740481C1C}">
-                <a14:useLocalDpi xmlns:a14="http://schemas.microsoft.com/office/drawing/2010/main" val="0"/>
-              </a:ext>
-            </a:extLst>
-          </a:blip>
-          <a:stretch>
-            <a:fillRect/>
-          </a:stretch>
-        </p:blipFill>
-        <p:spPr>
-          <a:xfrm>
-            <a:off x="8780929" y="457936"/>
-            <a:ext cx="1139939" cy="1139939"/>
-          </a:xfrm>
-          <a:prstGeom prst="rect">
-            <a:avLst/>
-          </a:prstGeom>
-        </p:spPr>
-      </p:pic>
+        </p:nvGraphicFramePr>
+        <p:xfrm>
+          <a:off x="0" y="-91576"/>
+          <a:ext cx="12192000" cy="6949576"/>
+        </p:xfrm>
+        <a:graphic>
+          <a:graphicData uri="http://schemas.openxmlformats.org/drawingml/2006/table">
+            <a:tbl>
+              <a:tblPr firstRow="1" bandRow="1">
+                <a:tableStyleId>{F5AB1C69-6EDB-4FF4-983F-18BD219EF322}</a:tableStyleId>
+              </a:tblPr>
+              <a:tblGrid>
+                <a:gridCol w="3782291">
+                  <a:extLst>
+                    <a:ext uri="{9D8B030D-6E8A-4147-A177-3AD203B41FA5}">
+                      <a16:colId xmlns:a16="http://schemas.microsoft.com/office/drawing/2014/main" val="2769157857"/>
+                    </a:ext>
+                  </a:extLst>
+                </a:gridCol>
+                <a:gridCol w="1551709">
+                  <a:extLst>
+                    <a:ext uri="{9D8B030D-6E8A-4147-A177-3AD203B41FA5}">
+                      <a16:colId xmlns:a16="http://schemas.microsoft.com/office/drawing/2014/main" val="3322779451"/>
+                    </a:ext>
+                  </a:extLst>
+                </a:gridCol>
+                <a:gridCol w="2410691">
+                  <a:extLst>
+                    <a:ext uri="{9D8B030D-6E8A-4147-A177-3AD203B41FA5}">
+                      <a16:colId xmlns:a16="http://schemas.microsoft.com/office/drawing/2014/main" val="1801982039"/>
+                    </a:ext>
+                  </a:extLst>
+                </a:gridCol>
+                <a:gridCol w="2008909">
+                  <a:extLst>
+                    <a:ext uri="{9D8B030D-6E8A-4147-A177-3AD203B41FA5}">
+                      <a16:colId xmlns:a16="http://schemas.microsoft.com/office/drawing/2014/main" val="729867778"/>
+                    </a:ext>
+                  </a:extLst>
+                </a:gridCol>
+                <a:gridCol w="2438400">
+                  <a:extLst>
+                    <a:ext uri="{9D8B030D-6E8A-4147-A177-3AD203B41FA5}">
+                      <a16:colId xmlns:a16="http://schemas.microsoft.com/office/drawing/2014/main" val="2695522080"/>
+                    </a:ext>
+                  </a:extLst>
+                </a:gridCol>
+              </a:tblGrid>
+              <a:tr h="1024765">
+                <a:tc>
+                  <a:txBody>
+                    <a:bodyPr/>
+                    <a:lstStyle/>
+                    <a:p>
+                      <a:pPr marL="0" algn="ctr" defTabSz="914400" rtl="0" eaLnBrk="1" latinLnBrk="0" hangingPunct="1"/>
+                      <a:endParaRPr lang="en-US" sz="1800" b="1" kern="1200" dirty="0" smtClean="0">
+                        <a:solidFill>
+                          <a:schemeClr val="lt1"/>
+                        </a:solidFill>
+                        <a:latin typeface="+mn-lt"/>
+                        <a:ea typeface="+mn-ea"/>
+                        <a:cs typeface="+mn-cs"/>
+                      </a:endParaRPr>
+                    </a:p>
+                    <a:p>
+                      <a:pPr marL="0" algn="ctr" defTabSz="914400" rtl="0" eaLnBrk="1" latinLnBrk="0" hangingPunct="1"/>
+                      <a:r>
+                        <a:rPr lang="en-US" sz="1800" b="1" kern="1200" dirty="0" smtClean="0">
+                          <a:solidFill>
+                            <a:schemeClr val="lt1"/>
+                          </a:solidFill>
+                          <a:latin typeface="+mn-lt"/>
+                          <a:ea typeface="+mn-ea"/>
+                          <a:cs typeface="+mn-cs"/>
+                        </a:rPr>
+                        <a:t>Paper </a:t>
+                      </a:r>
+                      <a:endParaRPr lang="en-US" sz="1800" b="1" kern="1200" dirty="0">
+                        <a:solidFill>
+                          <a:schemeClr val="lt1"/>
+                        </a:solidFill>
+                        <a:latin typeface="+mn-lt"/>
+                        <a:ea typeface="+mn-ea"/>
+                        <a:cs typeface="+mn-cs"/>
+                      </a:endParaRPr>
+                    </a:p>
+                  </a:txBody>
+                  <a:tcPr/>
+                </a:tc>
+                <a:tc>
+                  <a:txBody>
+                    <a:bodyPr/>
+                    <a:lstStyle/>
+                    <a:p>
+                      <a:pPr marL="0" algn="ctr" defTabSz="914400" rtl="0" eaLnBrk="1" latinLnBrk="0" hangingPunct="1"/>
+                      <a:endParaRPr lang="en-US" sz="1800" b="1" kern="1200" dirty="0" smtClean="0">
+                        <a:solidFill>
+                          <a:schemeClr val="lt1"/>
+                        </a:solidFill>
+                        <a:latin typeface="+mn-lt"/>
+                        <a:ea typeface="+mn-ea"/>
+                        <a:cs typeface="+mn-cs"/>
+                      </a:endParaRPr>
+                    </a:p>
+                    <a:p>
+                      <a:pPr marL="0" algn="ctr" defTabSz="914400" rtl="0" eaLnBrk="1" latinLnBrk="0" hangingPunct="1"/>
+                      <a:r>
+                        <a:rPr lang="en-US" sz="1800" b="1" kern="1200" dirty="0" smtClean="0">
+                          <a:solidFill>
+                            <a:schemeClr val="lt1"/>
+                          </a:solidFill>
+                          <a:latin typeface="+mn-lt"/>
+                          <a:ea typeface="+mn-ea"/>
+                          <a:cs typeface="+mn-cs"/>
+                        </a:rPr>
+                        <a:t>Dataset</a:t>
+                      </a:r>
+                      <a:endParaRPr lang="en-US" sz="1800" b="1" kern="1200" dirty="0">
+                        <a:solidFill>
+                          <a:schemeClr val="lt1"/>
+                        </a:solidFill>
+                        <a:latin typeface="+mn-lt"/>
+                        <a:ea typeface="+mn-ea"/>
+                        <a:cs typeface="+mn-cs"/>
+                      </a:endParaRPr>
+                    </a:p>
+                  </a:txBody>
+                  <a:tcPr/>
+                </a:tc>
+                <a:tc>
+                  <a:txBody>
+                    <a:bodyPr/>
+                    <a:lstStyle/>
+                    <a:p>
+                      <a:pPr marL="0" algn="ctr" defTabSz="914400" rtl="0" eaLnBrk="1" latinLnBrk="0" hangingPunct="1"/>
+                      <a:endParaRPr lang="en-US" sz="1800" b="1" kern="1200" dirty="0" smtClean="0">
+                        <a:solidFill>
+                          <a:schemeClr val="lt1"/>
+                        </a:solidFill>
+                        <a:latin typeface="+mn-lt"/>
+                        <a:ea typeface="+mn-ea"/>
+                        <a:cs typeface="+mn-cs"/>
+                      </a:endParaRPr>
+                    </a:p>
+                    <a:p>
+                      <a:pPr marL="0" algn="ctr" defTabSz="914400" rtl="0" eaLnBrk="1" latinLnBrk="0" hangingPunct="1"/>
+                      <a:r>
+                        <a:rPr lang="en-US" sz="1800" b="1" kern="1200" dirty="0" smtClean="0">
+                          <a:solidFill>
+                            <a:schemeClr val="lt1"/>
+                          </a:solidFill>
+                          <a:latin typeface="+mn-lt"/>
+                          <a:ea typeface="+mn-ea"/>
+                          <a:cs typeface="+mn-cs"/>
+                        </a:rPr>
+                        <a:t>Features</a:t>
+                      </a:r>
+                      <a:endParaRPr lang="en-US" sz="1800" b="1" kern="1200" dirty="0">
+                        <a:solidFill>
+                          <a:schemeClr val="lt1"/>
+                        </a:solidFill>
+                        <a:latin typeface="+mn-lt"/>
+                        <a:ea typeface="+mn-ea"/>
+                        <a:cs typeface="+mn-cs"/>
+                      </a:endParaRPr>
+                    </a:p>
+                  </a:txBody>
+                  <a:tcPr/>
+                </a:tc>
+                <a:tc>
+                  <a:txBody>
+                    <a:bodyPr/>
+                    <a:lstStyle/>
+                    <a:p>
+                      <a:pPr marL="0" algn="ctr" defTabSz="914400" rtl="0" eaLnBrk="1" latinLnBrk="0" hangingPunct="1"/>
+                      <a:endParaRPr lang="en-US" sz="1800" b="1" kern="1200" dirty="0" smtClean="0">
+                        <a:solidFill>
+                          <a:schemeClr val="lt1"/>
+                        </a:solidFill>
+                        <a:latin typeface="+mn-lt"/>
+                        <a:ea typeface="+mn-ea"/>
+                        <a:cs typeface="+mn-cs"/>
+                      </a:endParaRPr>
+                    </a:p>
+                    <a:p>
+                      <a:pPr marL="0" algn="ctr" defTabSz="914400" rtl="0" eaLnBrk="1" latinLnBrk="0" hangingPunct="1"/>
+                      <a:r>
+                        <a:rPr lang="en-US" sz="1800" b="1" kern="1200" dirty="0" smtClean="0">
+                          <a:solidFill>
+                            <a:schemeClr val="lt1"/>
+                          </a:solidFill>
+                          <a:latin typeface="+mn-lt"/>
+                          <a:ea typeface="+mn-ea"/>
+                          <a:cs typeface="+mn-cs"/>
+                        </a:rPr>
+                        <a:t>Model</a:t>
+                      </a:r>
+                      <a:endParaRPr lang="en-US" sz="1800" b="1" kern="1200" dirty="0">
+                        <a:solidFill>
+                          <a:schemeClr val="lt1"/>
+                        </a:solidFill>
+                        <a:latin typeface="+mn-lt"/>
+                        <a:ea typeface="+mn-ea"/>
+                        <a:cs typeface="+mn-cs"/>
+                      </a:endParaRPr>
+                    </a:p>
+                  </a:txBody>
+                  <a:tcPr/>
+                </a:tc>
+                <a:tc>
+                  <a:txBody>
+                    <a:bodyPr/>
+                    <a:lstStyle/>
+                    <a:p>
+                      <a:pPr marL="0" algn="ctr" defTabSz="914400" rtl="0" eaLnBrk="1" latinLnBrk="0" hangingPunct="1"/>
+                      <a:endParaRPr lang="en-US" sz="1800" b="1" kern="1200" dirty="0" smtClean="0">
+                        <a:solidFill>
+                          <a:schemeClr val="lt1"/>
+                        </a:solidFill>
+                        <a:latin typeface="+mn-lt"/>
+                        <a:ea typeface="+mn-ea"/>
+                        <a:cs typeface="+mn-cs"/>
+                      </a:endParaRPr>
+                    </a:p>
+                    <a:p>
+                      <a:pPr marL="0" algn="ctr" defTabSz="914400" rtl="0" eaLnBrk="1" latinLnBrk="0" hangingPunct="1"/>
+                      <a:r>
+                        <a:rPr lang="en-US" sz="1800" b="1" kern="1200" dirty="0" smtClean="0">
+                          <a:solidFill>
+                            <a:schemeClr val="lt1"/>
+                          </a:solidFill>
+                          <a:latin typeface="+mn-lt"/>
+                          <a:ea typeface="+mn-ea"/>
+                          <a:cs typeface="+mn-cs"/>
+                        </a:rPr>
+                        <a:t>Results</a:t>
+                      </a:r>
+                      <a:endParaRPr lang="en-US" sz="1800" b="1" kern="1200" dirty="0">
+                        <a:solidFill>
+                          <a:schemeClr val="lt1"/>
+                        </a:solidFill>
+                        <a:latin typeface="+mn-lt"/>
+                        <a:ea typeface="+mn-ea"/>
+                        <a:cs typeface="+mn-cs"/>
+                      </a:endParaRPr>
+                    </a:p>
+                  </a:txBody>
+                  <a:tcPr/>
+                </a:tc>
+                <a:extLst>
+                  <a:ext uri="{0D108BD9-81ED-4DB2-BD59-A6C34878D82A}">
+                    <a16:rowId xmlns:a16="http://schemas.microsoft.com/office/drawing/2014/main" val="2152107169"/>
+                  </a:ext>
+                </a:extLst>
+              </a:tr>
+              <a:tr h="2142727">
+                <a:tc>
+                  <a:txBody>
+                    <a:bodyPr/>
+                    <a:lstStyle/>
+                    <a:p>
+                      <a:pPr marL="0" algn="ctr" defTabSz="914400" rtl="0" eaLnBrk="1" latinLnBrk="0" hangingPunct="1"/>
+                      <a:endParaRPr lang="en-US" sz="1800" b="0" kern="1200" dirty="0" smtClean="0">
+                        <a:solidFill>
+                          <a:schemeClr val="dk1"/>
+                        </a:solidFill>
+                        <a:latin typeface="+mn-lt"/>
+                        <a:ea typeface="+mn-ea"/>
+                        <a:cs typeface="+mn-cs"/>
+                      </a:endParaRPr>
+                    </a:p>
+                    <a:p>
+                      <a:pPr marL="0" algn="ctr" defTabSz="914400" rtl="0" eaLnBrk="1" latinLnBrk="0" hangingPunct="1"/>
+                      <a:r>
+                        <a:rPr lang="en-US" sz="1800" b="0" kern="1200" dirty="0" smtClean="0">
+                          <a:solidFill>
+                            <a:schemeClr val="dk1"/>
+                          </a:solidFill>
+                          <a:latin typeface="+mn-lt"/>
+                          <a:ea typeface="+mn-ea"/>
+                          <a:cs typeface="+mn-cs"/>
+                        </a:rPr>
+                        <a:t>Predicting </a:t>
+                      </a:r>
+                      <a:r>
+                        <a:rPr lang="en-US" sz="1800" b="0" kern="1200" dirty="0" smtClean="0">
+                          <a:solidFill>
+                            <a:schemeClr val="dk1"/>
+                          </a:solidFill>
+                          <a:latin typeface="+mn-lt"/>
+                          <a:ea typeface="+mn-ea"/>
+                          <a:cs typeface="+mn-cs"/>
+                        </a:rPr>
+                        <a:t>intensive care unit readmission with machine learning using electronic health record data</a:t>
+                      </a:r>
+                      <a:r>
+                        <a:rPr lang="en-US" sz="1800" b="0" kern="1200" dirty="0" smtClean="0">
+                          <a:solidFill>
+                            <a:schemeClr val="dk1"/>
+                          </a:solidFill>
+                          <a:latin typeface="+mn-lt"/>
+                          <a:ea typeface="+mn-ea"/>
+                          <a:cs typeface="+mn-cs"/>
+                        </a:rPr>
+                        <a:t>.</a:t>
+                      </a:r>
+                      <a:r>
+                        <a:rPr lang="en-US" sz="1800" b="0" kern="1200" dirty="0" smtClean="0">
+                          <a:solidFill>
+                            <a:schemeClr val="dk1"/>
+                          </a:solidFill>
+                          <a:latin typeface="+mn-lt"/>
+                          <a:ea typeface="+mn-ea"/>
+                          <a:cs typeface="+mn-cs"/>
+                        </a:rPr>
+                        <a:t> </a:t>
+                      </a:r>
+                      <a:r>
+                        <a:rPr lang="en-US" sz="1800" b="1" kern="1200" dirty="0" smtClean="0">
+                          <a:solidFill>
+                            <a:schemeClr val="dk1"/>
+                          </a:solidFill>
+                          <a:latin typeface="+mn-lt"/>
+                          <a:ea typeface="+mn-ea"/>
+                          <a:cs typeface="+mn-cs"/>
+                        </a:rPr>
+                        <a:t>Annals of the American Thoracic Society</a:t>
+                      </a:r>
+                      <a:r>
+                        <a:rPr lang="en-US" sz="1800" b="0" kern="1200" dirty="0" smtClean="0">
+                          <a:solidFill>
+                            <a:schemeClr val="dk1"/>
+                          </a:solidFill>
+                          <a:latin typeface="+mn-lt"/>
+                          <a:ea typeface="+mn-ea"/>
+                          <a:cs typeface="+mn-cs"/>
+                        </a:rPr>
+                        <a:t> 15, no. 7 (</a:t>
+                      </a:r>
+                      <a:r>
+                        <a:rPr lang="en-US" sz="1800" b="1" kern="1200" dirty="0" smtClean="0">
+                          <a:solidFill>
+                            <a:schemeClr val="dk1"/>
+                          </a:solidFill>
+                          <a:latin typeface="+mn-lt"/>
+                          <a:ea typeface="+mn-ea"/>
+                          <a:cs typeface="+mn-cs"/>
+                        </a:rPr>
+                        <a:t>2018</a:t>
+                      </a:r>
+                      <a:r>
+                        <a:rPr lang="en-US" sz="1800" b="0" kern="1200" dirty="0" smtClean="0">
+                          <a:solidFill>
+                            <a:schemeClr val="dk1"/>
+                          </a:solidFill>
+                          <a:latin typeface="+mn-lt"/>
+                          <a:ea typeface="+mn-ea"/>
+                          <a:cs typeface="+mn-cs"/>
+                        </a:rPr>
+                        <a:t>)</a:t>
+                      </a:r>
+                      <a:endParaRPr lang="en-US" sz="1800" b="0" kern="1200" dirty="0">
+                        <a:solidFill>
+                          <a:schemeClr val="dk1"/>
+                        </a:solidFill>
+                        <a:latin typeface="+mn-lt"/>
+                        <a:ea typeface="+mn-ea"/>
+                        <a:cs typeface="+mn-cs"/>
+                      </a:endParaRPr>
+                    </a:p>
+                  </a:txBody>
+                  <a:tcPr/>
+                </a:tc>
+                <a:tc>
+                  <a:txBody>
+                    <a:bodyPr/>
+                    <a:lstStyle/>
+                    <a:p>
+                      <a:pPr marL="0" algn="ctr" defTabSz="914400" rtl="0" eaLnBrk="1" latinLnBrk="0" hangingPunct="1"/>
+                      <a:endParaRPr lang="en-US" sz="1800" b="0" kern="1200" dirty="0" smtClean="0">
+                        <a:solidFill>
+                          <a:schemeClr val="dk1"/>
+                        </a:solidFill>
+                        <a:latin typeface="+mn-lt"/>
+                        <a:ea typeface="+mn-ea"/>
+                        <a:cs typeface="+mn-cs"/>
+                      </a:endParaRPr>
+                    </a:p>
+                    <a:p>
+                      <a:pPr marL="0" algn="ctr" defTabSz="914400" rtl="0" eaLnBrk="1" latinLnBrk="0" hangingPunct="1"/>
+                      <a:endParaRPr lang="en-US" sz="1800" b="0" kern="1200" dirty="0" smtClean="0">
+                        <a:solidFill>
+                          <a:schemeClr val="dk1"/>
+                        </a:solidFill>
+                        <a:latin typeface="+mn-lt"/>
+                        <a:ea typeface="+mn-ea"/>
+                        <a:cs typeface="+mn-cs"/>
+                      </a:endParaRPr>
+                    </a:p>
+                    <a:p>
+                      <a:pPr marL="0" algn="ctr" defTabSz="914400" rtl="0" eaLnBrk="1" latinLnBrk="0" hangingPunct="1"/>
+                      <a:r>
+                        <a:rPr lang="en-US" sz="1800" b="1" kern="1200" dirty="0" smtClean="0">
+                          <a:solidFill>
+                            <a:schemeClr val="dk1"/>
+                          </a:solidFill>
+                          <a:latin typeface="+mn-lt"/>
+                          <a:ea typeface="+mn-ea"/>
+                          <a:cs typeface="+mn-cs"/>
+                        </a:rPr>
+                        <a:t>MIMIC-III</a:t>
+                      </a:r>
+                      <a:endParaRPr lang="en-US" sz="1800" b="1" kern="1200" dirty="0">
+                        <a:solidFill>
+                          <a:schemeClr val="dk1"/>
+                        </a:solidFill>
+                        <a:latin typeface="+mn-lt"/>
+                        <a:ea typeface="+mn-ea"/>
+                        <a:cs typeface="+mn-cs"/>
+                      </a:endParaRPr>
+                    </a:p>
+                  </a:txBody>
+                  <a:tcPr/>
+                </a:tc>
+                <a:tc>
+                  <a:txBody>
+                    <a:bodyPr/>
+                    <a:lstStyle/>
+                    <a:p>
+                      <a:pPr marL="0" algn="ctr" defTabSz="914400" rtl="0" eaLnBrk="1" latinLnBrk="0" hangingPunct="1"/>
+                      <a:endParaRPr lang="en-US" sz="1800" b="0" kern="1200" dirty="0" smtClean="0">
+                        <a:solidFill>
+                          <a:schemeClr val="dk1"/>
+                        </a:solidFill>
+                        <a:latin typeface="+mn-lt"/>
+                        <a:ea typeface="+mn-ea"/>
+                        <a:cs typeface="+mn-cs"/>
+                      </a:endParaRPr>
+                    </a:p>
+                    <a:p>
+                      <a:pPr marL="0" algn="ctr" defTabSz="914400" rtl="0" eaLnBrk="1" latinLnBrk="0" hangingPunct="1"/>
+                      <a:r>
+                        <a:rPr lang="en-US" sz="1800" b="1" kern="1200" dirty="0" smtClean="0">
+                          <a:solidFill>
+                            <a:schemeClr val="dk1"/>
+                          </a:solidFill>
+                          <a:latin typeface="+mn-lt"/>
+                          <a:ea typeface="+mn-ea"/>
+                          <a:cs typeface="+mn-cs"/>
+                        </a:rPr>
+                        <a:t>Demographics,</a:t>
+                      </a:r>
+                    </a:p>
+                    <a:p>
+                      <a:pPr marL="0" algn="ctr" defTabSz="914400" rtl="0" eaLnBrk="1" latinLnBrk="0" hangingPunct="1"/>
+                      <a:r>
+                        <a:rPr lang="en-US" sz="1800" b="1" kern="1200" dirty="0" smtClean="0">
+                          <a:solidFill>
+                            <a:schemeClr val="dk1"/>
+                          </a:solidFill>
+                          <a:latin typeface="+mn-lt"/>
+                          <a:ea typeface="+mn-ea"/>
+                          <a:cs typeface="+mn-cs"/>
+                        </a:rPr>
+                        <a:t>Chart Events</a:t>
+                      </a:r>
+                    </a:p>
+                    <a:p>
+                      <a:pPr marL="0" algn="ctr" defTabSz="914400" rtl="0" eaLnBrk="1" latinLnBrk="0" hangingPunct="1"/>
+                      <a:r>
+                        <a:rPr lang="en-US" sz="1800" b="1" kern="1200" dirty="0" smtClean="0">
+                          <a:solidFill>
+                            <a:schemeClr val="dk1"/>
+                          </a:solidFill>
+                          <a:latin typeface="+mn-lt"/>
+                          <a:ea typeface="+mn-ea"/>
+                          <a:cs typeface="+mn-cs"/>
+                        </a:rPr>
+                        <a:t>Medications</a:t>
+                      </a:r>
+                    </a:p>
+                    <a:p>
+                      <a:pPr marL="0" algn="ctr" defTabSz="914400" rtl="0" eaLnBrk="1" latinLnBrk="0" hangingPunct="1"/>
+                      <a:endParaRPr lang="en-US" sz="1800" b="0" kern="1200" dirty="0">
+                        <a:solidFill>
+                          <a:schemeClr val="dk1"/>
+                        </a:solidFill>
+                        <a:latin typeface="+mn-lt"/>
+                        <a:ea typeface="+mn-ea"/>
+                        <a:cs typeface="+mn-cs"/>
+                      </a:endParaRPr>
+                    </a:p>
+                  </a:txBody>
+                  <a:tcPr/>
+                </a:tc>
+                <a:tc>
+                  <a:txBody>
+                    <a:bodyPr/>
+                    <a:lstStyle/>
+                    <a:p>
+                      <a:pPr marL="0" defTabSz="914400" rtl="0" eaLnBrk="1" latinLnBrk="0" hangingPunct="1"/>
+                      <a:endParaRPr lang="en-US" sz="1800" b="0" kern="1200" dirty="0" smtClean="0">
+                        <a:solidFill>
+                          <a:schemeClr val="dk1"/>
+                        </a:solidFill>
+                        <a:latin typeface="+mn-lt"/>
+                        <a:ea typeface="+mn-ea"/>
+                        <a:cs typeface="+mn-cs"/>
+                      </a:endParaRPr>
+                    </a:p>
+                    <a:p>
+                      <a:pPr marL="0" defTabSz="914400" rtl="0" eaLnBrk="1" latinLnBrk="0" hangingPunct="1"/>
+                      <a:endParaRPr lang="en-US" sz="1800" b="0" kern="1200" dirty="0" smtClean="0">
+                        <a:solidFill>
+                          <a:schemeClr val="dk1"/>
+                        </a:solidFill>
+                        <a:latin typeface="+mn-lt"/>
+                        <a:ea typeface="+mn-ea"/>
+                        <a:cs typeface="+mn-cs"/>
+                      </a:endParaRPr>
+                    </a:p>
+                    <a:p>
+                      <a:pPr marL="0" algn="ctr" defTabSz="914400" rtl="0" eaLnBrk="1" latinLnBrk="0" hangingPunct="1"/>
+                      <a:r>
+                        <a:rPr lang="en-US" sz="1800" b="1" kern="1200" dirty="0" smtClean="0">
+                          <a:solidFill>
+                            <a:schemeClr val="dk1"/>
+                          </a:solidFill>
+                          <a:latin typeface="+mn-lt"/>
+                          <a:ea typeface="+mn-ea"/>
+                          <a:cs typeface="+mn-cs"/>
+                        </a:rPr>
+                        <a:t>Gradient-boosting</a:t>
+                      </a:r>
+                      <a:endParaRPr lang="en-US" sz="1800" b="1" kern="1200" dirty="0">
+                        <a:solidFill>
+                          <a:schemeClr val="dk1"/>
+                        </a:solidFill>
+                        <a:latin typeface="+mn-lt"/>
+                        <a:ea typeface="+mn-ea"/>
+                        <a:cs typeface="+mn-cs"/>
+                      </a:endParaRPr>
+                    </a:p>
+                  </a:txBody>
+                  <a:tcPr/>
+                </a:tc>
+                <a:tc>
+                  <a:txBody>
+                    <a:bodyPr/>
+                    <a:lstStyle/>
+                    <a:p>
+                      <a:pPr marL="0" defTabSz="914400" rtl="0" eaLnBrk="1" latinLnBrk="0" hangingPunct="1"/>
+                      <a:endParaRPr lang="en-US" sz="1800" b="0" kern="1200" dirty="0" smtClean="0">
+                        <a:solidFill>
+                          <a:schemeClr val="dk1"/>
+                        </a:solidFill>
+                        <a:latin typeface="+mn-lt"/>
+                        <a:ea typeface="+mn-ea"/>
+                        <a:cs typeface="+mn-cs"/>
+                      </a:endParaRPr>
+                    </a:p>
+                    <a:p>
+                      <a:pPr marL="0" defTabSz="914400" rtl="0" eaLnBrk="1" latinLnBrk="0" hangingPunct="1"/>
+                      <a:endParaRPr lang="en-US" sz="1800" b="1" kern="1200" dirty="0" smtClean="0">
+                        <a:solidFill>
+                          <a:schemeClr val="dk1"/>
+                        </a:solidFill>
+                        <a:latin typeface="+mn-lt"/>
+                        <a:ea typeface="+mn-ea"/>
+                        <a:cs typeface="+mn-cs"/>
+                      </a:endParaRPr>
+                    </a:p>
+                    <a:p>
+                      <a:pPr marL="0" algn="ctr" defTabSz="914400" rtl="0" eaLnBrk="1" latinLnBrk="0" hangingPunct="1"/>
+                      <a:r>
+                        <a:rPr lang="en-US" sz="1800" b="1" kern="1200" dirty="0" smtClean="0">
+                          <a:solidFill>
+                            <a:schemeClr val="dk1"/>
+                          </a:solidFill>
+                          <a:latin typeface="+mn-lt"/>
+                          <a:ea typeface="+mn-ea"/>
+                          <a:cs typeface="+mn-cs"/>
+                        </a:rPr>
+                        <a:t>AUROC 0.76</a:t>
+                      </a:r>
+                      <a:endParaRPr lang="en-US" sz="1800" b="1" kern="1200" dirty="0">
+                        <a:solidFill>
+                          <a:schemeClr val="dk1"/>
+                        </a:solidFill>
+                        <a:latin typeface="+mn-lt"/>
+                        <a:ea typeface="+mn-ea"/>
+                        <a:cs typeface="+mn-cs"/>
+                      </a:endParaRPr>
+                    </a:p>
+                  </a:txBody>
+                  <a:tcPr/>
+                </a:tc>
+                <a:extLst>
+                  <a:ext uri="{0D108BD9-81ED-4DB2-BD59-A6C34878D82A}">
+                    <a16:rowId xmlns:a16="http://schemas.microsoft.com/office/drawing/2014/main" val="1961824199"/>
+                  </a:ext>
+                </a:extLst>
+              </a:tr>
+              <a:tr h="2014418">
+                <a:tc>
+                  <a:txBody>
+                    <a:bodyPr/>
+                    <a:lstStyle/>
+                    <a:p>
+                      <a:pPr marL="0" algn="ctr" defTabSz="914400" rtl="0" eaLnBrk="1" latinLnBrk="0" hangingPunct="1"/>
+                      <a:endParaRPr lang="en-US" sz="1800" b="0" kern="1200" dirty="0" smtClean="0">
+                        <a:solidFill>
+                          <a:schemeClr val="dk1"/>
+                        </a:solidFill>
+                        <a:latin typeface="+mn-lt"/>
+                        <a:ea typeface="+mn-ea"/>
+                        <a:cs typeface="+mn-cs"/>
+                      </a:endParaRPr>
+                    </a:p>
+                    <a:p>
+                      <a:pPr marL="0" algn="ctr" defTabSz="914400" rtl="0" eaLnBrk="1" latinLnBrk="0" hangingPunct="1"/>
+                      <a:r>
+                        <a:rPr lang="en-US" sz="1800" b="0" kern="1200" dirty="0" smtClean="0">
+                          <a:solidFill>
+                            <a:schemeClr val="dk1"/>
+                          </a:solidFill>
+                          <a:latin typeface="+mn-lt"/>
+                          <a:ea typeface="+mn-ea"/>
+                          <a:cs typeface="+mn-cs"/>
+                        </a:rPr>
+                        <a:t>Machine </a:t>
+                      </a:r>
+                      <a:r>
+                        <a:rPr lang="en-US" sz="1800" b="0" kern="1200" dirty="0" smtClean="0">
+                          <a:solidFill>
+                            <a:schemeClr val="dk1"/>
+                          </a:solidFill>
+                          <a:latin typeface="+mn-lt"/>
+                          <a:ea typeface="+mn-ea"/>
+                          <a:cs typeface="+mn-cs"/>
+                        </a:rPr>
+                        <a:t>learning for real-time prediction of complications in critical care: a retrospective study</a:t>
+                      </a:r>
+                      <a:r>
+                        <a:rPr lang="en-US" sz="1800" b="0" kern="1200" dirty="0" smtClean="0">
+                          <a:solidFill>
+                            <a:schemeClr val="dk1"/>
+                          </a:solidFill>
+                          <a:latin typeface="+mn-lt"/>
+                          <a:ea typeface="+mn-ea"/>
+                          <a:cs typeface="+mn-cs"/>
+                        </a:rPr>
+                        <a:t>.</a:t>
+                      </a:r>
+                      <a:r>
+                        <a:rPr lang="en-US" sz="1800" b="1" kern="1200" dirty="0" smtClean="0">
+                          <a:solidFill>
+                            <a:schemeClr val="dk1"/>
+                          </a:solidFill>
+                          <a:latin typeface="+mn-lt"/>
+                          <a:ea typeface="+mn-ea"/>
+                          <a:cs typeface="+mn-cs"/>
+                        </a:rPr>
+                        <a:t> The Lancet Respiratory Medicine </a:t>
+                      </a:r>
+                      <a:r>
+                        <a:rPr lang="en-US" sz="1800" b="0" kern="1200" dirty="0" smtClean="0">
+                          <a:solidFill>
+                            <a:schemeClr val="dk1"/>
+                          </a:solidFill>
+                          <a:latin typeface="+mn-lt"/>
+                          <a:ea typeface="+mn-ea"/>
+                          <a:cs typeface="+mn-cs"/>
+                        </a:rPr>
+                        <a:t>6, no. 12 </a:t>
+                      </a:r>
+                      <a:r>
+                        <a:rPr lang="en-US" sz="1800" b="1" kern="1200" dirty="0" smtClean="0">
+                          <a:solidFill>
+                            <a:schemeClr val="dk1"/>
+                          </a:solidFill>
+                          <a:latin typeface="+mn-lt"/>
+                          <a:ea typeface="+mn-ea"/>
+                          <a:cs typeface="+mn-cs"/>
+                        </a:rPr>
+                        <a:t>(2018)</a:t>
+                      </a:r>
+                      <a:endParaRPr lang="en-US" sz="1800" b="1" kern="1200" dirty="0">
+                        <a:solidFill>
+                          <a:schemeClr val="dk1"/>
+                        </a:solidFill>
+                        <a:latin typeface="+mn-lt"/>
+                        <a:ea typeface="+mn-ea"/>
+                        <a:cs typeface="+mn-cs"/>
+                      </a:endParaRPr>
+                    </a:p>
+                  </a:txBody>
+                  <a:tcPr/>
+                </a:tc>
+                <a:tc>
+                  <a:txBody>
+                    <a:bodyPr/>
+                    <a:lstStyle/>
+                    <a:p>
+                      <a:pPr marL="0" defTabSz="914400" rtl="0" eaLnBrk="1" latinLnBrk="0" hangingPunct="1"/>
+                      <a:endParaRPr lang="en-US" sz="1800" b="1" kern="1200" dirty="0" smtClean="0">
+                        <a:solidFill>
+                          <a:schemeClr val="dk1"/>
+                        </a:solidFill>
+                        <a:latin typeface="+mn-lt"/>
+                        <a:ea typeface="+mn-ea"/>
+                        <a:cs typeface="+mn-cs"/>
+                      </a:endParaRPr>
+                    </a:p>
+                    <a:p>
+                      <a:pPr marL="0" defTabSz="914400" rtl="0" eaLnBrk="1" latinLnBrk="0" hangingPunct="1"/>
+                      <a:endParaRPr lang="en-US" sz="1800" b="1" kern="1200" dirty="0" smtClean="0">
+                        <a:solidFill>
+                          <a:schemeClr val="dk1"/>
+                        </a:solidFill>
+                        <a:latin typeface="+mn-lt"/>
+                        <a:ea typeface="+mn-ea"/>
+                        <a:cs typeface="+mn-cs"/>
+                      </a:endParaRPr>
+                    </a:p>
+                    <a:p>
+                      <a:pPr marL="0" defTabSz="914400" rtl="0" eaLnBrk="1" latinLnBrk="0" hangingPunct="1"/>
+                      <a:endParaRPr lang="en-US" sz="1800" b="1" kern="1200" dirty="0" smtClean="0">
+                        <a:solidFill>
+                          <a:schemeClr val="dk1"/>
+                        </a:solidFill>
+                        <a:latin typeface="+mn-lt"/>
+                        <a:ea typeface="+mn-ea"/>
+                        <a:cs typeface="+mn-cs"/>
+                      </a:endParaRPr>
+                    </a:p>
+                    <a:p>
+                      <a:pPr marL="0" marR="0" lvl="0" indent="0" algn="ctr" defTabSz="914400" rtl="0" eaLnBrk="1" fontAlgn="auto" latinLnBrk="0" hangingPunct="1">
+                        <a:lnSpc>
+                          <a:spcPct val="100000"/>
+                        </a:lnSpc>
+                        <a:spcBef>
+                          <a:spcPts val="0"/>
+                        </a:spcBef>
+                        <a:spcAft>
+                          <a:spcPts val="0"/>
+                        </a:spcAft>
+                        <a:buClrTx/>
+                        <a:buSzTx/>
+                        <a:buFontTx/>
+                        <a:buNone/>
+                        <a:tabLst/>
+                        <a:defRPr/>
+                      </a:pPr>
+                      <a:r>
+                        <a:rPr lang="en-US" sz="1800" b="1" kern="1200" dirty="0" smtClean="0">
+                          <a:solidFill>
+                            <a:schemeClr val="dk1"/>
+                          </a:solidFill>
+                          <a:latin typeface="+mn-lt"/>
+                          <a:ea typeface="+mn-ea"/>
+                          <a:cs typeface="+mn-cs"/>
+                        </a:rPr>
+                        <a:t>MIMIC-III</a:t>
+                      </a:r>
+                    </a:p>
+                  </a:txBody>
+                  <a:tcPr/>
+                </a:tc>
+                <a:tc>
+                  <a:txBody>
+                    <a:bodyPr/>
+                    <a:lstStyle/>
+                    <a:p>
+                      <a:pPr marL="0" algn="ctr" defTabSz="914400" rtl="0" eaLnBrk="1" latinLnBrk="0" hangingPunct="1"/>
+                      <a:endParaRPr lang="en-US" sz="1800" b="1" kern="1200" dirty="0" smtClean="0">
+                        <a:solidFill>
+                          <a:schemeClr val="dk1"/>
+                        </a:solidFill>
+                        <a:latin typeface="+mn-lt"/>
+                        <a:ea typeface="+mn-ea"/>
+                        <a:cs typeface="+mn-cs"/>
+                      </a:endParaRPr>
+                    </a:p>
+                    <a:p>
+                      <a:pPr marL="0" algn="ctr" defTabSz="914400" rtl="0" eaLnBrk="1" latinLnBrk="0" hangingPunct="1"/>
+                      <a:r>
+                        <a:rPr lang="en-US" sz="1800" b="1" kern="1200" dirty="0" smtClean="0">
+                          <a:solidFill>
+                            <a:schemeClr val="dk1"/>
+                          </a:solidFill>
+                          <a:latin typeface="+mn-lt"/>
+                          <a:ea typeface="+mn-ea"/>
+                          <a:cs typeface="+mn-cs"/>
+                        </a:rPr>
+                        <a:t>Demographics,</a:t>
+                      </a:r>
+                    </a:p>
+                    <a:p>
+                      <a:pPr marL="0" algn="ctr" defTabSz="914400" rtl="0" eaLnBrk="1" latinLnBrk="0" hangingPunct="1"/>
+                      <a:r>
+                        <a:rPr lang="en-US" sz="1800" b="1" kern="1200" dirty="0" smtClean="0">
+                          <a:solidFill>
+                            <a:schemeClr val="dk1"/>
+                          </a:solidFill>
+                          <a:latin typeface="+mn-lt"/>
+                          <a:ea typeface="+mn-ea"/>
+                          <a:cs typeface="+mn-cs"/>
+                        </a:rPr>
+                        <a:t>Chart Events</a:t>
+                      </a:r>
+                    </a:p>
+                    <a:p>
+                      <a:pPr marL="0" algn="ctr" defTabSz="914400" rtl="0" eaLnBrk="1" latinLnBrk="0" hangingPunct="1"/>
+                      <a:r>
+                        <a:rPr lang="en-US" sz="1800" b="1" kern="1200" dirty="0" smtClean="0">
+                          <a:solidFill>
+                            <a:schemeClr val="dk1"/>
+                          </a:solidFill>
+                          <a:latin typeface="+mn-lt"/>
+                          <a:ea typeface="+mn-ea"/>
+                          <a:cs typeface="+mn-cs"/>
+                        </a:rPr>
+                        <a:t>Medications</a:t>
+                      </a:r>
+                    </a:p>
+                    <a:p>
+                      <a:pPr marL="0" defTabSz="914400" rtl="0" eaLnBrk="1" latinLnBrk="0" hangingPunct="1"/>
+                      <a:endParaRPr lang="en-US" sz="1800" b="1" kern="1200" dirty="0">
+                        <a:solidFill>
+                          <a:schemeClr val="dk1"/>
+                        </a:solidFill>
+                        <a:latin typeface="+mn-lt"/>
+                        <a:ea typeface="+mn-ea"/>
+                        <a:cs typeface="+mn-cs"/>
+                      </a:endParaRPr>
+                    </a:p>
+                  </a:txBody>
+                  <a:tcPr/>
+                </a:tc>
+                <a:tc>
+                  <a:txBody>
+                    <a:bodyPr/>
+                    <a:lstStyle/>
+                    <a:p>
+                      <a:pPr marL="0" defTabSz="914400" rtl="0" eaLnBrk="1" latinLnBrk="0" hangingPunct="1"/>
+                      <a:endParaRPr lang="en-US" sz="1800" b="1" kern="1200" dirty="0" smtClean="0">
+                        <a:solidFill>
+                          <a:schemeClr val="dk1"/>
+                        </a:solidFill>
+                        <a:latin typeface="+mn-lt"/>
+                        <a:ea typeface="+mn-ea"/>
+                        <a:cs typeface="+mn-cs"/>
+                      </a:endParaRPr>
+                    </a:p>
+                    <a:p>
+                      <a:pPr marL="0" defTabSz="914400" rtl="0" eaLnBrk="1" latinLnBrk="0" hangingPunct="1"/>
+                      <a:endParaRPr lang="en-US" sz="1800" b="1" kern="1200" dirty="0" smtClean="0">
+                        <a:solidFill>
+                          <a:schemeClr val="dk1"/>
+                        </a:solidFill>
+                        <a:latin typeface="+mn-lt"/>
+                        <a:ea typeface="+mn-ea"/>
+                        <a:cs typeface="+mn-cs"/>
+                      </a:endParaRPr>
+                    </a:p>
+                    <a:p>
+                      <a:pPr marL="0" marR="0" lvl="0" indent="0" algn="ctr" defTabSz="914400" rtl="0" eaLnBrk="1" fontAlgn="auto" latinLnBrk="0" hangingPunct="1">
+                        <a:lnSpc>
+                          <a:spcPct val="100000"/>
+                        </a:lnSpc>
+                        <a:spcBef>
+                          <a:spcPts val="0"/>
+                        </a:spcBef>
+                        <a:spcAft>
+                          <a:spcPts val="0"/>
+                        </a:spcAft>
+                        <a:buClrTx/>
+                        <a:buSzTx/>
+                        <a:buFontTx/>
+                        <a:buNone/>
+                        <a:tabLst/>
+                        <a:defRPr/>
+                      </a:pPr>
+                      <a:r>
+                        <a:rPr lang="en-US" sz="1800" b="1" kern="1200" dirty="0" smtClean="0">
+                          <a:solidFill>
+                            <a:schemeClr val="dk1"/>
+                          </a:solidFill>
+                          <a:latin typeface="+mn-lt"/>
+                          <a:ea typeface="+mn-ea"/>
+                          <a:cs typeface="+mn-cs"/>
+                        </a:rPr>
+                        <a:t>RNN</a:t>
+                      </a:r>
+                    </a:p>
+                    <a:p>
+                      <a:pPr marL="0" algn="ctr" defTabSz="914400" rtl="0" eaLnBrk="1" latinLnBrk="0" hangingPunct="1"/>
+                      <a:endParaRPr lang="en-US" sz="1800" b="1" kern="1200" dirty="0">
+                        <a:solidFill>
+                          <a:schemeClr val="dk1"/>
+                        </a:solidFill>
+                        <a:latin typeface="+mn-lt"/>
+                        <a:ea typeface="+mn-ea"/>
+                        <a:cs typeface="+mn-cs"/>
+                      </a:endParaRPr>
+                    </a:p>
+                  </a:txBody>
+                  <a:tcPr/>
+                </a:tc>
+                <a:tc>
+                  <a:txBody>
+                    <a:bodyPr/>
+                    <a:lstStyle/>
+                    <a:p>
+                      <a:pPr marL="0" algn="ctr" defTabSz="914400" rtl="0" eaLnBrk="1" latinLnBrk="0" hangingPunct="1"/>
+                      <a:r>
+                        <a:rPr lang="en-US" sz="1800" b="0" kern="1200" dirty="0" smtClean="0">
+                          <a:solidFill>
+                            <a:schemeClr val="dk1"/>
+                          </a:solidFill>
+                          <a:latin typeface="+mn-lt"/>
+                          <a:ea typeface="+mn-ea"/>
+                          <a:cs typeface="+mn-cs"/>
+                        </a:rPr>
+                        <a:t>Sensitivity</a:t>
+                      </a:r>
+                      <a:r>
+                        <a:rPr lang="en-US" sz="1800" b="1" kern="1200" dirty="0" smtClean="0">
+                          <a:solidFill>
+                            <a:schemeClr val="dk1"/>
+                          </a:solidFill>
+                          <a:latin typeface="+mn-lt"/>
+                          <a:ea typeface="+mn-ea"/>
+                          <a:cs typeface="+mn-cs"/>
+                        </a:rPr>
+                        <a:t> 0·85 for mortality, 0·87 and 0·94 for renal failure, and 0·84 and 0·74 for bleeding.</a:t>
+                      </a:r>
+                      <a:endParaRPr lang="en-US" sz="1800" b="1" kern="1200" dirty="0">
+                        <a:solidFill>
+                          <a:schemeClr val="dk1"/>
+                        </a:solidFill>
+                        <a:latin typeface="+mn-lt"/>
+                        <a:ea typeface="+mn-ea"/>
+                        <a:cs typeface="+mn-cs"/>
+                      </a:endParaRPr>
+                    </a:p>
+                  </a:txBody>
+                  <a:tcPr/>
+                </a:tc>
+                <a:extLst>
+                  <a:ext uri="{0D108BD9-81ED-4DB2-BD59-A6C34878D82A}">
+                    <a16:rowId xmlns:a16="http://schemas.microsoft.com/office/drawing/2014/main" val="340084548"/>
+                  </a:ext>
+                </a:extLst>
+              </a:tr>
+              <a:tr h="1767666">
+                <a:tc>
+                  <a:txBody>
+                    <a:bodyPr/>
+                    <a:lstStyle/>
+                    <a:p>
+                      <a:pPr marL="0" algn="ctr" defTabSz="914400" rtl="0" eaLnBrk="1" latinLnBrk="0" hangingPunct="1"/>
+                      <a:endParaRPr lang="en-US" sz="1800" b="0" kern="1200" dirty="0" smtClean="0">
+                        <a:solidFill>
+                          <a:schemeClr val="dk1"/>
+                        </a:solidFill>
+                        <a:latin typeface="+mn-lt"/>
+                        <a:ea typeface="+mn-ea"/>
+                        <a:cs typeface="+mn-cs"/>
+                      </a:endParaRPr>
+                    </a:p>
+                    <a:p>
+                      <a:pPr marL="0" algn="ctr" defTabSz="914400" rtl="0" eaLnBrk="1" latinLnBrk="0" hangingPunct="1"/>
+                      <a:r>
+                        <a:rPr lang="en-US" sz="1800" b="0" kern="1200" dirty="0" smtClean="0">
+                          <a:solidFill>
+                            <a:schemeClr val="dk1"/>
+                          </a:solidFill>
+                          <a:latin typeface="+mn-lt"/>
+                          <a:ea typeface="+mn-ea"/>
+                          <a:cs typeface="+mn-cs"/>
+                        </a:rPr>
+                        <a:t>Predicting </a:t>
+                      </a:r>
+                      <a:r>
+                        <a:rPr lang="en-US" sz="1800" b="0" kern="1200" dirty="0" smtClean="0">
+                          <a:solidFill>
+                            <a:schemeClr val="dk1"/>
+                          </a:solidFill>
+                          <a:latin typeface="+mn-lt"/>
+                          <a:ea typeface="+mn-ea"/>
+                          <a:cs typeface="+mn-cs"/>
+                        </a:rPr>
+                        <a:t>Surgical Complications in Adult Patients Undergoing Anterior Cervical Discectomy and Fusion Using Machine </a:t>
+                      </a:r>
+                      <a:r>
+                        <a:rPr lang="en-US" sz="1800" b="0" kern="1200" dirty="0" smtClean="0">
+                          <a:solidFill>
+                            <a:schemeClr val="dk1"/>
+                          </a:solidFill>
+                          <a:latin typeface="+mn-lt"/>
+                          <a:ea typeface="+mn-ea"/>
+                          <a:cs typeface="+mn-cs"/>
+                        </a:rPr>
+                        <a:t>Learning</a:t>
+                      </a:r>
+                      <a:r>
+                        <a:rPr lang="en-US" sz="1800" b="1" kern="1200" dirty="0" smtClean="0">
+                          <a:solidFill>
+                            <a:schemeClr val="dk1"/>
+                          </a:solidFill>
+                          <a:latin typeface="+mn-lt"/>
+                          <a:ea typeface="+mn-ea"/>
+                          <a:cs typeface="+mn-cs"/>
+                        </a:rPr>
+                        <a:t>.</a:t>
+                      </a:r>
+                      <a:r>
+                        <a:rPr lang="en-US" sz="1800" b="1" kern="1200" baseline="0" dirty="0" smtClean="0">
+                          <a:solidFill>
+                            <a:schemeClr val="dk1"/>
+                          </a:solidFill>
+                          <a:latin typeface="+mn-lt"/>
+                          <a:ea typeface="+mn-ea"/>
+                          <a:cs typeface="+mn-cs"/>
+                        </a:rPr>
+                        <a:t> </a:t>
+                      </a:r>
+                      <a:r>
+                        <a:rPr lang="en-US" sz="1800" b="1" kern="1200" dirty="0" err="1" smtClean="0">
+                          <a:solidFill>
+                            <a:schemeClr val="dk1"/>
+                          </a:solidFill>
+                          <a:latin typeface="+mn-lt"/>
+                          <a:ea typeface="+mn-ea"/>
+                          <a:cs typeface="+mn-cs"/>
+                        </a:rPr>
+                        <a:t>Neurospine</a:t>
+                      </a:r>
+                      <a:r>
+                        <a:rPr lang="en-US" sz="1800" b="1" kern="1200" dirty="0" smtClean="0">
+                          <a:solidFill>
+                            <a:schemeClr val="dk1"/>
+                          </a:solidFill>
+                          <a:latin typeface="+mn-lt"/>
+                          <a:ea typeface="+mn-ea"/>
+                          <a:cs typeface="+mn-cs"/>
+                        </a:rPr>
+                        <a:t> </a:t>
+                      </a:r>
+                      <a:r>
+                        <a:rPr lang="en-US" sz="1800" b="0" kern="1200" dirty="0" smtClean="0">
+                          <a:solidFill>
+                            <a:schemeClr val="dk1"/>
+                          </a:solidFill>
+                          <a:latin typeface="+mn-lt"/>
+                          <a:ea typeface="+mn-ea"/>
+                          <a:cs typeface="+mn-cs"/>
+                        </a:rPr>
+                        <a:t>15, no. 4 </a:t>
+                      </a:r>
+                      <a:r>
+                        <a:rPr lang="en-US" sz="1800" b="1" kern="1200" dirty="0" smtClean="0">
+                          <a:solidFill>
+                            <a:schemeClr val="dk1"/>
+                          </a:solidFill>
+                          <a:latin typeface="+mn-lt"/>
+                          <a:ea typeface="+mn-ea"/>
+                          <a:cs typeface="+mn-cs"/>
+                        </a:rPr>
+                        <a:t>(2018)</a:t>
+                      </a:r>
+                      <a:endParaRPr lang="en-US" sz="1800" b="1" kern="1200" dirty="0">
+                        <a:solidFill>
+                          <a:schemeClr val="dk1"/>
+                        </a:solidFill>
+                        <a:latin typeface="+mn-lt"/>
+                        <a:ea typeface="+mn-ea"/>
+                        <a:cs typeface="+mn-cs"/>
+                      </a:endParaRPr>
+                    </a:p>
+                  </a:txBody>
+                  <a:tcPr/>
+                </a:tc>
+                <a:tc>
+                  <a:txBody>
+                    <a:bodyPr/>
+                    <a:lstStyle/>
+                    <a:p>
+                      <a:pPr marL="0" algn="ctr" defTabSz="914400" rtl="0" eaLnBrk="1" latinLnBrk="0" hangingPunct="1"/>
+                      <a:endParaRPr lang="en-US" sz="1800" b="1" kern="1200" dirty="0" smtClean="0">
+                        <a:solidFill>
+                          <a:schemeClr val="dk1"/>
+                        </a:solidFill>
+                        <a:latin typeface="+mn-lt"/>
+                        <a:ea typeface="+mn-ea"/>
+                        <a:cs typeface="+mn-cs"/>
+                      </a:endParaRPr>
+                    </a:p>
+                    <a:p>
+                      <a:pPr marL="0" algn="ctr" defTabSz="914400" rtl="0" eaLnBrk="1" latinLnBrk="0" hangingPunct="1"/>
+                      <a:endParaRPr lang="en-US" sz="1800" b="1" kern="1200" dirty="0" smtClean="0">
+                        <a:solidFill>
+                          <a:schemeClr val="dk1"/>
+                        </a:solidFill>
+                        <a:latin typeface="+mn-lt"/>
+                        <a:ea typeface="+mn-ea"/>
+                        <a:cs typeface="+mn-cs"/>
+                      </a:endParaRPr>
+                    </a:p>
+                    <a:p>
+                      <a:pPr marL="0" algn="ctr" defTabSz="914400" rtl="0" eaLnBrk="1" latinLnBrk="0" hangingPunct="1"/>
+                      <a:r>
+                        <a:rPr lang="en-US" sz="1800" b="1" kern="1200" dirty="0" smtClean="0">
+                          <a:solidFill>
+                            <a:schemeClr val="dk1"/>
+                          </a:solidFill>
+                          <a:latin typeface="+mn-lt"/>
+                          <a:ea typeface="+mn-ea"/>
+                          <a:cs typeface="+mn-cs"/>
+                        </a:rPr>
+                        <a:t>ACDF</a:t>
+                      </a:r>
+                      <a:endParaRPr lang="en-US" sz="1800" b="1" kern="1200" dirty="0">
+                        <a:solidFill>
+                          <a:schemeClr val="dk1"/>
+                        </a:solidFill>
+                        <a:latin typeface="+mn-lt"/>
+                        <a:ea typeface="+mn-ea"/>
+                        <a:cs typeface="+mn-cs"/>
+                      </a:endParaRPr>
+                    </a:p>
+                  </a:txBody>
+                  <a:tcPr/>
+                </a:tc>
+                <a:tc>
+                  <a:txBody>
+                    <a:bodyPr/>
+                    <a:lstStyle/>
+                    <a:p>
+                      <a:pPr marL="0" defTabSz="914400" rtl="0" eaLnBrk="1" latinLnBrk="0" hangingPunct="1"/>
+                      <a:endParaRPr lang="en-US" sz="1800" b="1" kern="1200" dirty="0" smtClean="0">
+                        <a:solidFill>
+                          <a:schemeClr val="dk1"/>
+                        </a:solidFill>
+                        <a:latin typeface="+mn-lt"/>
+                        <a:ea typeface="+mn-ea"/>
+                        <a:cs typeface="+mn-cs"/>
+                      </a:endParaRPr>
+                    </a:p>
+                    <a:p>
+                      <a:pPr marL="0" algn="ctr" defTabSz="914400" rtl="0" eaLnBrk="1" latinLnBrk="0" hangingPunct="1"/>
+                      <a:r>
+                        <a:rPr lang="en-US" sz="1800" b="1" kern="1200" dirty="0" smtClean="0">
+                          <a:solidFill>
+                            <a:schemeClr val="dk1"/>
+                          </a:solidFill>
+                          <a:latin typeface="+mn-lt"/>
+                          <a:ea typeface="+mn-ea"/>
+                          <a:cs typeface="+mn-cs"/>
+                        </a:rPr>
+                        <a:t>Demographics,</a:t>
+                      </a:r>
+                    </a:p>
+                    <a:p>
+                      <a:pPr marL="0" algn="ctr" defTabSz="914400" rtl="0" eaLnBrk="1" latinLnBrk="0" hangingPunct="1"/>
+                      <a:r>
+                        <a:rPr lang="en-US" sz="1800" b="1" kern="1200" dirty="0" smtClean="0">
+                          <a:solidFill>
+                            <a:schemeClr val="dk1"/>
+                          </a:solidFill>
+                          <a:latin typeface="+mn-lt"/>
+                          <a:ea typeface="+mn-ea"/>
+                          <a:cs typeface="+mn-cs"/>
+                        </a:rPr>
+                        <a:t>Chart Events</a:t>
+                      </a:r>
+                    </a:p>
+                    <a:p>
+                      <a:pPr marL="0" algn="ctr" defTabSz="914400" rtl="0" eaLnBrk="1" latinLnBrk="0" hangingPunct="1"/>
+                      <a:r>
+                        <a:rPr lang="en-US" sz="1800" b="1" kern="1200" dirty="0" smtClean="0">
+                          <a:solidFill>
+                            <a:schemeClr val="dk1"/>
+                          </a:solidFill>
+                          <a:latin typeface="+mn-lt"/>
+                          <a:ea typeface="+mn-ea"/>
+                          <a:cs typeface="+mn-cs"/>
+                        </a:rPr>
+                        <a:t>Medications</a:t>
+                      </a:r>
+                    </a:p>
+                    <a:p>
+                      <a:pPr marL="0" algn="ctr" defTabSz="914400" rtl="0" eaLnBrk="1" latinLnBrk="0" hangingPunct="1"/>
+                      <a:endParaRPr lang="en-US" sz="1800" b="1" kern="1200" dirty="0">
+                        <a:solidFill>
+                          <a:schemeClr val="dk1"/>
+                        </a:solidFill>
+                        <a:latin typeface="+mn-lt"/>
+                        <a:ea typeface="+mn-ea"/>
+                        <a:cs typeface="+mn-cs"/>
+                      </a:endParaRPr>
+                    </a:p>
+                  </a:txBody>
+                  <a:tcPr/>
+                </a:tc>
+                <a:tc>
+                  <a:txBody>
+                    <a:bodyPr/>
+                    <a:lstStyle/>
+                    <a:p>
+                      <a:pPr marL="0" defTabSz="914400" rtl="0" eaLnBrk="1" latinLnBrk="0" hangingPunct="1"/>
+                      <a:endParaRPr lang="en-US" sz="1800" b="1" kern="1200" dirty="0" smtClean="0">
+                        <a:solidFill>
+                          <a:schemeClr val="dk1"/>
+                        </a:solidFill>
+                        <a:latin typeface="+mn-lt"/>
+                        <a:ea typeface="+mn-ea"/>
+                        <a:cs typeface="+mn-cs"/>
+                      </a:endParaRPr>
+                    </a:p>
+                    <a:p>
+                      <a:pPr marL="0" algn="ctr" defTabSz="914400" rtl="0" eaLnBrk="1" latinLnBrk="0" hangingPunct="1"/>
+                      <a:r>
+                        <a:rPr lang="en-US" sz="1800" b="1" kern="1200" dirty="0" smtClean="0">
+                          <a:solidFill>
+                            <a:schemeClr val="dk1"/>
+                          </a:solidFill>
+                          <a:latin typeface="+mn-lt"/>
+                          <a:ea typeface="+mn-ea"/>
+                          <a:cs typeface="+mn-cs"/>
+                        </a:rPr>
+                        <a:t>ANN</a:t>
+                      </a:r>
+                    </a:p>
+                    <a:p>
+                      <a:pPr marL="0" algn="ctr" defTabSz="914400" rtl="0" eaLnBrk="1" latinLnBrk="0" hangingPunct="1"/>
+                      <a:r>
+                        <a:rPr lang="en-US" sz="1800" b="1" kern="1200" dirty="0" smtClean="0">
+                          <a:solidFill>
+                            <a:schemeClr val="dk1"/>
+                          </a:solidFill>
+                          <a:latin typeface="+mn-lt"/>
+                          <a:ea typeface="+mn-ea"/>
+                          <a:cs typeface="+mn-cs"/>
+                        </a:rPr>
+                        <a:t>LR</a:t>
+                      </a:r>
+                    </a:p>
+                    <a:p>
+                      <a:pPr marL="0" algn="ctr" defTabSz="914400" rtl="0" eaLnBrk="1" latinLnBrk="0" hangingPunct="1"/>
+                      <a:r>
+                        <a:rPr lang="en-US" sz="1800" b="1" kern="1200" dirty="0" smtClean="0">
+                          <a:solidFill>
+                            <a:schemeClr val="dk1"/>
+                          </a:solidFill>
+                          <a:latin typeface="+mn-lt"/>
+                          <a:ea typeface="+mn-ea"/>
+                          <a:cs typeface="+mn-cs"/>
+                        </a:rPr>
+                        <a:t>SVM</a:t>
+                      </a:r>
+                    </a:p>
+                  </a:txBody>
+                  <a:tcPr/>
+                </a:tc>
+                <a:tc>
+                  <a:txBody>
+                    <a:bodyPr/>
+                    <a:lstStyle/>
+                    <a:p>
+                      <a:pPr marL="0" defTabSz="914400" rtl="0" eaLnBrk="1" latinLnBrk="0" hangingPunct="1"/>
+                      <a:r>
+                        <a:rPr lang="en-US" sz="1800" b="1" kern="1200" dirty="0" smtClean="0">
+                          <a:solidFill>
+                            <a:schemeClr val="dk1"/>
+                          </a:solidFill>
+                          <a:latin typeface="+mn-lt"/>
+                          <a:ea typeface="+mn-ea"/>
+                          <a:cs typeface="+mn-cs"/>
+                        </a:rPr>
+                        <a:t> </a:t>
+                      </a:r>
+                    </a:p>
+                    <a:p>
+                      <a:pPr marL="0" defTabSz="914400" rtl="0" eaLnBrk="1" latinLnBrk="0" hangingPunct="1"/>
+                      <a:endParaRPr lang="en-US" sz="1800" b="1" kern="1200" dirty="0" smtClean="0">
+                        <a:solidFill>
+                          <a:schemeClr val="dk1"/>
+                        </a:solidFill>
+                        <a:latin typeface="+mn-lt"/>
+                        <a:ea typeface="+mn-ea"/>
+                        <a:cs typeface="+mn-cs"/>
+                      </a:endParaRPr>
+                    </a:p>
+                    <a:p>
+                      <a:pPr marL="0" algn="ctr" defTabSz="914400" rtl="0" eaLnBrk="1" latinLnBrk="0" hangingPunct="1"/>
+                      <a:r>
+                        <a:rPr lang="en-US" sz="1800" b="1" kern="1200" dirty="0" smtClean="0">
+                          <a:solidFill>
+                            <a:schemeClr val="dk1"/>
+                          </a:solidFill>
+                          <a:latin typeface="+mn-lt"/>
+                          <a:ea typeface="+mn-ea"/>
+                          <a:cs typeface="+mn-cs"/>
+                        </a:rPr>
+                        <a:t>(p &lt; 0.05)</a:t>
+                      </a:r>
+                      <a:endParaRPr lang="en-US" sz="1800" b="1" kern="1200" dirty="0">
+                        <a:solidFill>
+                          <a:schemeClr val="dk1"/>
+                        </a:solidFill>
+                        <a:latin typeface="+mn-lt"/>
+                        <a:ea typeface="+mn-ea"/>
+                        <a:cs typeface="+mn-cs"/>
+                      </a:endParaRPr>
+                    </a:p>
+                  </a:txBody>
+                  <a:tcPr/>
+                </a:tc>
+                <a:extLst>
+                  <a:ext uri="{0D108BD9-81ED-4DB2-BD59-A6C34878D82A}">
+                    <a16:rowId xmlns:a16="http://schemas.microsoft.com/office/drawing/2014/main" val="376083504"/>
+                  </a:ext>
+                </a:extLst>
+              </a:tr>
+            </a:tbl>
+          </a:graphicData>
+        </a:graphic>
+      </p:graphicFrame>
     </p:spTree>
     <p:extLst>
       <p:ext uri="{BB962C8B-B14F-4D97-AF65-F5344CB8AC3E}">
-        <p14:creationId xmlns:p14="http://schemas.microsoft.com/office/powerpoint/2010/main" val="2018365899"/>
+        <p14:creationId xmlns:p14="http://schemas.microsoft.com/office/powerpoint/2010/main" val="3173467818"/>
       </p:ext>
     </p:extLst>
   </p:cSld>
   <p:clrMapOvr>
-    <a:masterClrMapping/>
+    <a:overrideClrMapping bg1="lt1" tx1="dk1" bg2="lt2" tx2="dk2" accent1="accent1" accent2="accent2" accent3="accent3" accent4="accent4" accent5="accent5" accent6="accent6" hlink="hlink" folHlink="folHlink"/>
   </p:clrMapOvr>
   <p:timing>
     <p:tnLst>
@@ -8182,7 +12081,7 @@
           <p:nvPr>
             <p:extLst>
               <p:ext uri="{D42A27DB-BD31-4B8C-83A1-F6EECF244321}">
-                <p14:modId xmlns:p14="http://schemas.microsoft.com/office/powerpoint/2010/main" val="3025694538"/>
+                <p14:modId xmlns:p14="http://schemas.microsoft.com/office/powerpoint/2010/main" val="2147743361"/>
               </p:ext>
             </p:extLst>
           </p:nvPr>
@@ -9651,4 +13550,47 @@
     </a:ext>
   </a:extLst>
 </a:theme>
+</file>
+
+<file path=ppt/theme/themeOverride1.xml><?xml version="1.0" encoding="utf-8"?>
+<a:themeOverride xmlns:a="http://schemas.openxmlformats.org/drawingml/2006/main">
+  <a:clrScheme name="Office">
+    <a:dk1>
+      <a:sysClr val="windowText" lastClr="000000"/>
+    </a:dk1>
+    <a:lt1>
+      <a:sysClr val="window" lastClr="FFFFFF"/>
+    </a:lt1>
+    <a:dk2>
+      <a:srgbClr val="44546A"/>
+    </a:dk2>
+    <a:lt2>
+      <a:srgbClr val="E7E6E6"/>
+    </a:lt2>
+    <a:accent1>
+      <a:srgbClr val="5B9BD5"/>
+    </a:accent1>
+    <a:accent2>
+      <a:srgbClr val="ED7D31"/>
+    </a:accent2>
+    <a:accent3>
+      <a:srgbClr val="A5A5A5"/>
+    </a:accent3>
+    <a:accent4>
+      <a:srgbClr val="FFC000"/>
+    </a:accent4>
+    <a:accent5>
+      <a:srgbClr val="4472C4"/>
+    </a:accent5>
+    <a:accent6>
+      <a:srgbClr val="70AD47"/>
+    </a:accent6>
+    <a:hlink>
+      <a:srgbClr val="0563C1"/>
+    </a:hlink>
+    <a:folHlink>
+      <a:srgbClr val="954F72"/>
+    </a:folHlink>
+  </a:clrScheme>
+</a:themeOverride>
 </file>
--- a/ClinicalOutcomes.pptx
+++ b/ClinicalOutcomes.pptx
@@ -5,7 +5,7 @@
     <p:sldMasterId id="2147483648" r:id="rId1"/>
   </p:sldMasterIdLst>
   <p:notesMasterIdLst>
-    <p:notesMasterId r:id="rId29"/>
+    <p:notesMasterId r:id="rId31"/>
   </p:notesMasterIdLst>
   <p:sldIdLst>
     <p:sldId id="256" r:id="rId2"/>
@@ -27,14 +27,16 @@
     <p:sldId id="287" r:id="rId18"/>
     <p:sldId id="288" r:id="rId19"/>
     <p:sldId id="289" r:id="rId20"/>
-    <p:sldId id="291" r:id="rId21"/>
-    <p:sldId id="290" r:id="rId22"/>
-    <p:sldId id="266" r:id="rId23"/>
-    <p:sldId id="292" r:id="rId24"/>
-    <p:sldId id="293" r:id="rId25"/>
-    <p:sldId id="268" r:id="rId26"/>
-    <p:sldId id="278" r:id="rId27"/>
-    <p:sldId id="294" r:id="rId28"/>
+    <p:sldId id="296" r:id="rId21"/>
+    <p:sldId id="291" r:id="rId22"/>
+    <p:sldId id="290" r:id="rId23"/>
+    <p:sldId id="266" r:id="rId24"/>
+    <p:sldId id="292" r:id="rId25"/>
+    <p:sldId id="293" r:id="rId26"/>
+    <p:sldId id="268" r:id="rId27"/>
+    <p:sldId id="278" r:id="rId28"/>
+    <p:sldId id="294" r:id="rId29"/>
+    <p:sldId id="295" r:id="rId30"/>
   </p:sldIdLst>
   <p:sldSz cx="12192000" cy="6858000"/>
   <p:notesSz cx="6858000" cy="9144000"/>
@@ -904,7 +906,91 @@
           <a:p>
             <a:fld id="{25C02D5A-27D3-4AD5-A518-65245B9E2171}" type="slidenum">
               <a:rPr lang="en-US" smtClean="0"/>
-              <a:t>22</a:t>
+              <a:t>16</a:t>
+            </a:fld>
+            <a:endParaRPr lang="en-US"/>
+          </a:p>
+        </p:txBody>
+      </p:sp>
+    </p:spTree>
+    <p:extLst>
+      <p:ext uri="{BB962C8B-B14F-4D97-AF65-F5344CB8AC3E}">
+        <p14:creationId xmlns:p14="http://schemas.microsoft.com/office/powerpoint/2010/main" val="2851345011"/>
+      </p:ext>
+    </p:extLst>
+  </p:cSld>
+  <p:clrMapOvr>
+    <a:masterClrMapping/>
+  </p:clrMapOvr>
+</p:notes>
+</file>
+
+<file path=ppt/notesSlides/notesSlide6.xml><?xml version="1.0" encoding="utf-8"?>
+<p:notes xmlns:a="http://schemas.openxmlformats.org/drawingml/2006/main" xmlns:r="http://schemas.openxmlformats.org/officeDocument/2006/relationships" xmlns:p="http://schemas.openxmlformats.org/presentationml/2006/main">
+  <p:cSld>
+    <p:spTree>
+      <p:nvGrpSpPr>
+        <p:cNvPr id="1" name=""/>
+        <p:cNvGrpSpPr/>
+        <p:nvPr/>
+      </p:nvGrpSpPr>
+      <p:grpSpPr>
+        <a:xfrm>
+          <a:off x="0" y="0"/>
+          <a:ext cx="0" cy="0"/>
+          <a:chOff x="0" y="0"/>
+          <a:chExt cx="0" cy="0"/>
+        </a:xfrm>
+      </p:grpSpPr>
+      <p:sp>
+        <p:nvSpPr>
+          <p:cNvPr id="2" name="Slide Image Placeholder 1"/>
+          <p:cNvSpPr>
+            <a:spLocks noGrp="1" noRot="1" noChangeAspect="1"/>
+          </p:cNvSpPr>
+          <p:nvPr>
+            <p:ph type="sldImg"/>
+          </p:nvPr>
+        </p:nvSpPr>
+        <p:spPr/>
+      </p:sp>
+      <p:sp>
+        <p:nvSpPr>
+          <p:cNvPr id="3" name="Notes Placeholder 2"/>
+          <p:cNvSpPr>
+            <a:spLocks noGrp="1"/>
+          </p:cNvSpPr>
+          <p:nvPr>
+            <p:ph type="body" idx="1"/>
+          </p:nvPr>
+        </p:nvSpPr>
+        <p:spPr/>
+        <p:txBody>
+          <a:bodyPr/>
+          <a:lstStyle/>
+          <a:p>
+            <a:endParaRPr lang="en-US" dirty="0"/>
+          </a:p>
+        </p:txBody>
+      </p:sp>
+      <p:sp>
+        <p:nvSpPr>
+          <p:cNvPr id="4" name="Slide Number Placeholder 3"/>
+          <p:cNvSpPr>
+            <a:spLocks noGrp="1"/>
+          </p:cNvSpPr>
+          <p:nvPr>
+            <p:ph type="sldNum" sz="quarter" idx="10"/>
+          </p:nvPr>
+        </p:nvSpPr>
+        <p:spPr/>
+        <p:txBody>
+          <a:bodyPr/>
+          <a:lstStyle/>
+          <a:p>
+            <a:fld id="{25C02D5A-27D3-4AD5-A518-65245B9E2171}" type="slidenum">
+              <a:rPr lang="en-US" smtClean="0"/>
+              <a:t>23</a:t>
             </a:fld>
             <a:endParaRPr lang="en-US"/>
           </a:p>
@@ -4088,8 +4174,13 @@
             </a:r>
             <a:r>
               <a:rPr lang="en-US" dirty="0" smtClean="0"/>
-              <a:t>more</a:t>
-            </a:r>
+              <a:t>more, </a:t>
+            </a:r>
+            <a:r>
+              <a:rPr lang="en-US" dirty="0"/>
+              <a:t>Beth Israel Deaconess Medical Center from 2001 to 2012</a:t>
+            </a:r>
+            <a:endParaRPr lang="en-US" dirty="0" smtClean="0"/>
           </a:p>
           <a:p>
             <a:r>
@@ -5061,11 +5152,17 @@
           <a:p>
             <a:r>
               <a:rPr lang="en-US" sz="2400" dirty="0">
+                <a:solidFill>
+                  <a:srgbClr val="00B050"/>
+                </a:solidFill>
                 <a:latin typeface="Arial Rounded MT Bold" panose="020F0704030504030204" pitchFamily="34" charset="0"/>
               </a:rPr>
               <a:t>Chart Events and Lab Events Processing</a:t>
             </a:r>
             <a:endParaRPr lang="en-US" sz="2400" dirty="0">
+              <a:solidFill>
+                <a:srgbClr val="00B050"/>
+              </a:solidFill>
               <a:latin typeface="Arial Rounded MT Bold" panose="020F0704030504030204" pitchFamily="34" charset="0"/>
             </a:endParaRPr>
           </a:p>
@@ -5118,19 +5215,52 @@
             <p:ph type="title"/>
           </p:nvPr>
         </p:nvSpPr>
-        <p:spPr/>
+        <p:spPr>
+          <a:xfrm>
+            <a:off x="838200" y="628794"/>
+            <a:ext cx="10515600" cy="1325563"/>
+          </a:xfrm>
+        </p:spPr>
         <p:txBody>
-          <a:bodyPr/>
+          <a:bodyPr>
+            <a:normAutofit fontScale="90000"/>
+          </a:bodyPr>
           <a:lstStyle/>
           <a:p>
             <a:r>
-              <a:rPr lang="en-US" sz="3600" dirty="0">
+              <a:rPr lang="en-US" sz="3600" dirty="0" smtClean="0">
                 <a:latin typeface="Arial Rounded MT Bold" panose="020F0704030504030204" pitchFamily="34" charset="0"/>
                 <a:ea typeface="+mn-ea"/>
                 <a:cs typeface="+mn-cs"/>
               </a:rPr>
               <a:t>Features</a:t>
             </a:r>
+            <a:br>
+              <a:rPr lang="en-US" sz="3600" dirty="0" smtClean="0">
+                <a:latin typeface="Arial Rounded MT Bold" panose="020F0704030504030204" pitchFamily="34" charset="0"/>
+                <a:ea typeface="+mn-ea"/>
+                <a:cs typeface="+mn-cs"/>
+              </a:rPr>
+            </a:br>
+            <a:r>
+              <a:rPr lang="en-US" sz="2200" dirty="0">
+                <a:latin typeface="+mn-lt"/>
+              </a:rPr>
+              <a:t>Special thanks to Dr. Zulfiqar Ali Congo, </a:t>
+            </a:r>
+            <a:r>
+              <a:rPr lang="en-US" sz="2200" dirty="0">
+                <a:latin typeface="+mn-lt"/>
+              </a:rPr>
+              <a:t>Cardiologist, Internal Medicine Specialist, Endocrinologist, Diabetologist</a:t>
+            </a:r>
+            <a:r>
+              <a:rPr lang="en-US" dirty="0"/>
+              <a:t/>
+            </a:r>
+            <a:br>
+              <a:rPr lang="en-US" dirty="0"/>
+            </a:br>
             <a:r>
               <a:rPr lang="en-US" dirty="0" smtClean="0"/>
               <a:t>	</a:t>
@@ -5149,7 +5279,12 @@
             <p:ph idx="1"/>
           </p:nvPr>
         </p:nvSpPr>
-        <p:spPr/>
+        <p:spPr>
+          <a:xfrm>
+            <a:off x="838200" y="1954357"/>
+            <a:ext cx="10515600" cy="4351338"/>
+          </a:xfrm>
+        </p:spPr>
         <p:txBody>
           <a:bodyPr>
             <a:normAutofit fontScale="85000" lnSpcReduction="20000"/>
@@ -5204,7 +5339,7 @@
           <p:nvPr/>
         </p:nvPicPr>
         <p:blipFill>
-          <a:blip r:embed="rId2" cstate="print">
+          <a:blip r:embed="rId3" cstate="print">
             <a:extLst>
               <a:ext uri="{28A0092B-C50C-407E-A947-70E740481C1C}">
                 <a14:useLocalDpi xmlns:a14="http://schemas.microsoft.com/office/drawing/2010/main" val="0"/>
@@ -5217,8 +5352,8 @@
         </p:blipFill>
         <p:spPr>
           <a:xfrm>
-            <a:off x="9633934" y="181913"/>
-            <a:ext cx="1576243" cy="1576243"/>
+            <a:off x="10991247" y="111761"/>
+            <a:ext cx="1034066" cy="1034066"/>
           </a:xfrm>
           <a:prstGeom prst="rect">
             <a:avLst/>
@@ -6337,6 +6472,277 @@
           <a:chExt cx="0" cy="0"/>
         </a:xfrm>
       </p:grpSpPr>
+      <p:graphicFrame>
+        <p:nvGraphicFramePr>
+          <p:cNvPr id="2" name="Table 1"/>
+          <p:cNvGraphicFramePr>
+            <a:graphicFrameLocks noGrp="1"/>
+          </p:cNvGraphicFramePr>
+          <p:nvPr>
+            <p:extLst>
+              <p:ext uri="{D42A27DB-BD31-4B8C-83A1-F6EECF244321}">
+                <p14:modId xmlns:p14="http://schemas.microsoft.com/office/powerpoint/2010/main" val="3919431585"/>
+              </p:ext>
+            </p:extLst>
+          </p:nvPr>
+        </p:nvGraphicFramePr>
+        <p:xfrm>
+          <a:off x="1431262" y="2535484"/>
+          <a:ext cx="9853266" cy="1942306"/>
+        </p:xfrm>
+        <a:graphic>
+          <a:graphicData uri="http://schemas.openxmlformats.org/drawingml/2006/table">
+            <a:tbl>
+              <a:tblPr firstRow="1" firstCol="1" bandRow="1">
+                <a:tableStyleId>{9D7B26C5-4107-4FEC-AEDC-1716B250A1EF}</a:tableStyleId>
+              </a:tblPr>
+              <a:tblGrid>
+                <a:gridCol w="4990321">
+                  <a:extLst>
+                    <a:ext uri="{9D8B030D-6E8A-4147-A177-3AD203B41FA5}">
+                      <a16:colId xmlns:a16="http://schemas.microsoft.com/office/drawing/2014/main" val="4026321996"/>
+                    </a:ext>
+                  </a:extLst>
+                </a:gridCol>
+                <a:gridCol w="4862945">
+                  <a:extLst>
+                    <a:ext uri="{9D8B030D-6E8A-4147-A177-3AD203B41FA5}">
+                      <a16:colId xmlns:a16="http://schemas.microsoft.com/office/drawing/2014/main" val="3615130856"/>
+                    </a:ext>
+                  </a:extLst>
+                </a:gridCol>
+              </a:tblGrid>
+              <a:tr h="1302226">
+                <a:tc>
+                  <a:txBody>
+                    <a:bodyPr/>
+                    <a:lstStyle/>
+                    <a:p>
+                      <a:pPr algn="ctr">
+                        <a:lnSpc>
+                          <a:spcPct val="150000"/>
+                        </a:lnSpc>
+                        <a:spcAft>
+                          <a:spcPts val="0"/>
+                        </a:spcAft>
+                        <a:tabLst>
+                          <a:tab pos="2430780" algn="l"/>
+                        </a:tabLst>
+                      </a:pPr>
+                      <a:r>
+                        <a:rPr lang="en-US" sz="2800">
+                          <a:effectLst/>
+                        </a:rPr>
+                        <a:t>Patients with Complications</a:t>
+                      </a:r>
+                      <a:endParaRPr lang="en-US" sz="2800">
+                        <a:effectLst/>
+                        <a:latin typeface="Times New Roman" panose="02020603050405020304" pitchFamily="18" charset="0"/>
+                        <a:ea typeface="Cordia New"/>
+                        <a:cs typeface="Cordia New"/>
+                      </a:endParaRPr>
+                    </a:p>
+                  </a:txBody>
+                  <a:tcPr marL="68580" marR="68580" marT="0" marB="0"/>
+                </a:tc>
+                <a:tc>
+                  <a:txBody>
+                    <a:bodyPr/>
+                    <a:lstStyle/>
+                    <a:p>
+                      <a:pPr algn="ctr">
+                        <a:lnSpc>
+                          <a:spcPct val="150000"/>
+                        </a:lnSpc>
+                        <a:spcAft>
+                          <a:spcPts val="0"/>
+                        </a:spcAft>
+                        <a:tabLst>
+                          <a:tab pos="2430780" algn="l"/>
+                        </a:tabLst>
+                      </a:pPr>
+                      <a:r>
+                        <a:rPr lang="en-US" sz="2800" dirty="0">
+                          <a:effectLst/>
+                        </a:rPr>
+                        <a:t>Patients Died at Hospital</a:t>
+                      </a:r>
+                      <a:endParaRPr lang="en-US" sz="2800" dirty="0">
+                        <a:effectLst/>
+                        <a:latin typeface="Times New Roman" panose="02020603050405020304" pitchFamily="18" charset="0"/>
+                        <a:ea typeface="Cordia New"/>
+                        <a:cs typeface="Cordia New"/>
+                      </a:endParaRPr>
+                    </a:p>
+                  </a:txBody>
+                  <a:tcPr marL="68580" marR="68580" marT="0" marB="0"/>
+                </a:tc>
+                <a:extLst>
+                  <a:ext uri="{0D108BD9-81ED-4DB2-BD59-A6C34878D82A}">
+                    <a16:rowId xmlns:a16="http://schemas.microsoft.com/office/drawing/2014/main" val="2300054173"/>
+                  </a:ext>
+                </a:extLst>
+              </a:tr>
+              <a:tr h="0">
+                <a:tc>
+                  <a:txBody>
+                    <a:bodyPr/>
+                    <a:lstStyle/>
+                    <a:p>
+                      <a:pPr algn="ctr">
+                        <a:lnSpc>
+                          <a:spcPct val="150000"/>
+                        </a:lnSpc>
+                        <a:spcAft>
+                          <a:spcPts val="0"/>
+                        </a:spcAft>
+                        <a:tabLst>
+                          <a:tab pos="2430780" algn="l"/>
+                        </a:tabLst>
+                      </a:pPr>
+                      <a:r>
+                        <a:rPr lang="en-US" sz="2800" dirty="0">
+                          <a:effectLst/>
+                        </a:rPr>
+                        <a:t>2754</a:t>
+                      </a:r>
+                      <a:endParaRPr lang="en-US" sz="2800" dirty="0">
+                        <a:effectLst/>
+                        <a:latin typeface="Times New Roman" panose="02020603050405020304" pitchFamily="18" charset="0"/>
+                        <a:ea typeface="Cordia New"/>
+                        <a:cs typeface="Cordia New"/>
+                      </a:endParaRPr>
+                    </a:p>
+                  </a:txBody>
+                  <a:tcPr marL="68580" marR="68580" marT="0" marB="0"/>
+                </a:tc>
+                <a:tc>
+                  <a:txBody>
+                    <a:bodyPr/>
+                    <a:lstStyle/>
+                    <a:p>
+                      <a:pPr algn="ctr">
+                        <a:lnSpc>
+                          <a:spcPct val="150000"/>
+                        </a:lnSpc>
+                        <a:spcAft>
+                          <a:spcPts val="0"/>
+                        </a:spcAft>
+                        <a:tabLst>
+                          <a:tab pos="2430780" algn="l"/>
+                        </a:tabLst>
+                      </a:pPr>
+                      <a:r>
+                        <a:rPr lang="en-US" sz="2800" b="1" dirty="0">
+                          <a:effectLst/>
+                        </a:rPr>
+                        <a:t>576</a:t>
+                      </a:r>
+                      <a:endParaRPr lang="en-US" sz="2800" b="1" dirty="0">
+                        <a:effectLst/>
+                        <a:latin typeface="Times New Roman" panose="02020603050405020304" pitchFamily="18" charset="0"/>
+                        <a:ea typeface="Cordia New"/>
+                        <a:cs typeface="Cordia New"/>
+                      </a:endParaRPr>
+                    </a:p>
+                  </a:txBody>
+                  <a:tcPr marL="68580" marR="68580" marT="0" marB="0"/>
+                </a:tc>
+                <a:extLst>
+                  <a:ext uri="{0D108BD9-81ED-4DB2-BD59-A6C34878D82A}">
+                    <a16:rowId xmlns:a16="http://schemas.microsoft.com/office/drawing/2014/main" val="1720827609"/>
+                  </a:ext>
+                </a:extLst>
+              </a:tr>
+            </a:tbl>
+          </a:graphicData>
+        </a:graphic>
+      </p:graphicFrame>
+      <p:sp>
+        <p:nvSpPr>
+          <p:cNvPr id="3" name="Title 1"/>
+          <p:cNvSpPr txBox="1">
+            <a:spLocks/>
+          </p:cNvSpPr>
+          <p:nvPr/>
+        </p:nvSpPr>
+        <p:spPr>
+          <a:xfrm>
+            <a:off x="768928" y="380451"/>
+            <a:ext cx="10515600" cy="810492"/>
+          </a:xfrm>
+          <a:prstGeom prst="rect">
+            <a:avLst/>
+          </a:prstGeom>
+        </p:spPr>
+        <p:txBody>
+          <a:bodyPr/>
+          <a:lstStyle>
+            <a:lvl1pPr algn="l" defTabSz="914400" rtl="0" eaLnBrk="1" latinLnBrk="0" hangingPunct="1">
+              <a:lnSpc>
+                <a:spcPct val="90000"/>
+              </a:lnSpc>
+              <a:spcBef>
+                <a:spcPct val="0"/>
+              </a:spcBef>
+              <a:buNone/>
+              <a:defRPr sz="4400" kern="1200">
+                <a:solidFill>
+                  <a:schemeClr val="tx1"/>
+                </a:solidFill>
+                <a:latin typeface="+mj-lt"/>
+                <a:ea typeface="+mj-ea"/>
+                <a:cs typeface="+mj-cs"/>
+              </a:defRPr>
+            </a:lvl1pPr>
+          </a:lstStyle>
+          <a:p>
+            <a:r>
+              <a:rPr lang="en-US" sz="3600" dirty="0" smtClean="0">
+                <a:latin typeface="Arial Rounded MT Bold" panose="020F0704030504030204" pitchFamily="34" charset="0"/>
+                <a:ea typeface="+mn-ea"/>
+                <a:cs typeface="+mn-cs"/>
+              </a:rPr>
+              <a:t>Experiments and Results…</a:t>
+            </a:r>
+            <a:r>
+              <a:rPr lang="en-US" dirty="0" smtClean="0"/>
+              <a:t>	</a:t>
+            </a:r>
+            <a:endParaRPr lang="en-US" dirty="0"/>
+          </a:p>
+        </p:txBody>
+      </p:sp>
+    </p:spTree>
+    <p:extLst>
+      <p:ext uri="{BB962C8B-B14F-4D97-AF65-F5344CB8AC3E}">
+        <p14:creationId xmlns:p14="http://schemas.microsoft.com/office/powerpoint/2010/main" val="2805337588"/>
+      </p:ext>
+    </p:extLst>
+  </p:cSld>
+  <p:clrMapOvr>
+    <a:masterClrMapping/>
+  </p:clrMapOvr>
+</p:sld>
+</file>
+
+<file path=ppt/slides/slide21.xml><?xml version="1.0" encoding="utf-8"?>
+<p:sld xmlns:a="http://schemas.openxmlformats.org/drawingml/2006/main" xmlns:r="http://schemas.openxmlformats.org/officeDocument/2006/relationships" xmlns:p="http://schemas.openxmlformats.org/presentationml/2006/main">
+  <p:cSld>
+    <p:spTree>
+      <p:nvGrpSpPr>
+        <p:cNvPr id="1" name=""/>
+        <p:cNvGrpSpPr/>
+        <p:nvPr/>
+      </p:nvGrpSpPr>
+      <p:grpSpPr>
+        <a:xfrm>
+          <a:off x="0" y="0"/>
+          <a:ext cx="0" cy="0"/>
+          <a:chOff x="0" y="0"/>
+          <a:chExt cx="0" cy="0"/>
+        </a:xfrm>
+      </p:grpSpPr>
       <p:pic>
         <p:nvPicPr>
           <p:cNvPr id="6" name="Picture 5"/>
@@ -7067,7 +7473,7 @@
 </p:sld>
 </file>
 
-<file path=ppt/slides/slide21.xml><?xml version="1.0" encoding="utf-8"?>
+<file path=ppt/slides/slide22.xml><?xml version="1.0" encoding="utf-8"?>
 <p:sld xmlns:a="http://schemas.openxmlformats.org/drawingml/2006/main" xmlns:r="http://schemas.openxmlformats.org/officeDocument/2006/relationships" xmlns:p="http://schemas.openxmlformats.org/presentationml/2006/main">
   <p:cSld>
     <p:spTree>
@@ -7093,7 +7499,7 @@
           <p:nvPr>
             <p:extLst>
               <p:ext uri="{D42A27DB-BD31-4B8C-83A1-F6EECF244321}">
-                <p14:modId xmlns:p14="http://schemas.microsoft.com/office/powerpoint/2010/main" val="1255085613"/>
+                <p14:modId xmlns:p14="http://schemas.microsoft.com/office/powerpoint/2010/main" val="2584819314"/>
               </p:ext>
             </p:extLst>
           </p:nvPr>
@@ -7486,10 +7892,10 @@
                         </a:spcAft>
                       </a:pPr>
                       <a:r>
-                        <a:rPr lang="en-US" sz="1800" b="1" dirty="0">
+                        <a:rPr lang="en-US" sz="1800" b="1" dirty="0" smtClean="0">
                           <a:effectLst/>
                         </a:rPr>
-                        <a:t>0.86</a:t>
+                        <a:t>0.82</a:t>
                       </a:r>
                       <a:endParaRPr lang="en-US" sz="1800" b="1" dirty="0">
                         <a:effectLst/>
@@ -7815,7 +8221,7 @@
 </p:sld>
 </file>
 
-<file path=ppt/slides/slide22.xml><?xml version="1.0" encoding="utf-8"?>
+<file path=ppt/slides/slide23.xml><?xml version="1.0" encoding="utf-8"?>
 <p:sld xmlns:a="http://schemas.openxmlformats.org/drawingml/2006/main" xmlns:r="http://schemas.openxmlformats.org/officeDocument/2006/relationships" xmlns:p="http://schemas.openxmlformats.org/presentationml/2006/main">
   <p:cSld>
     <p:spTree>
@@ -7944,7 +8350,7 @@
 </p:sld>
 </file>
 
-<file path=ppt/slides/slide23.xml><?xml version="1.0" encoding="utf-8"?>
+<file path=ppt/slides/slide24.xml><?xml version="1.0" encoding="utf-8"?>
 <p:sld xmlns:a="http://schemas.openxmlformats.org/drawingml/2006/main" xmlns:r="http://schemas.openxmlformats.org/officeDocument/2006/relationships" xmlns:p="http://schemas.openxmlformats.org/presentationml/2006/main">
   <p:cSld>
     <p:spTree>
@@ -8062,7 +8468,7 @@
 </p:sld>
 </file>
 
-<file path=ppt/slides/slide24.xml><?xml version="1.0" encoding="utf-8"?>
+<file path=ppt/slides/slide25.xml><?xml version="1.0" encoding="utf-8"?>
 <p:sld xmlns:a="http://schemas.openxmlformats.org/drawingml/2006/main" xmlns:r="http://schemas.openxmlformats.org/officeDocument/2006/relationships" xmlns:p="http://schemas.openxmlformats.org/presentationml/2006/main">
   <p:cSld>
     <p:spTree>
@@ -8216,7 +8622,7 @@
 </p:sld>
 </file>
 
-<file path=ppt/slides/slide25.xml><?xml version="1.0" encoding="utf-8"?>
+<file path=ppt/slides/slide26.xml><?xml version="1.0" encoding="utf-8"?>
 <p:sld xmlns:a="http://schemas.openxmlformats.org/drawingml/2006/main" xmlns:r="http://schemas.openxmlformats.org/officeDocument/2006/relationships" xmlns:p="http://schemas.openxmlformats.org/presentationml/2006/main">
   <p:cSld>
     <p:spTree>
@@ -8254,10 +8660,18 @@
           <a:lstStyle/>
           <a:p>
             <a:r>
-              <a:rPr lang="en-US" dirty="0" smtClean="0"/>
+              <a:rPr lang="en-US" sz="3600" dirty="0">
+                <a:latin typeface="Arial Rounded MT Bold" panose="020F0704030504030204" pitchFamily="34" charset="0"/>
+                <a:ea typeface="+mn-ea"/>
+                <a:cs typeface="+mn-cs"/>
+              </a:rPr>
               <a:t>References</a:t>
             </a:r>
-            <a:endParaRPr lang="en-US" dirty="0"/>
+            <a:endParaRPr lang="en-US" sz="3600" dirty="0">
+              <a:latin typeface="Arial Rounded MT Bold" panose="020F0704030504030204" pitchFamily="34" charset="0"/>
+              <a:ea typeface="+mn-ea"/>
+              <a:cs typeface="+mn-cs"/>
+            </a:endParaRPr>
           </a:p>
         </p:txBody>
       </p:sp>
@@ -8570,7 +8984,7 @@
 </p:sld>
 </file>
 
-<file path=ppt/slides/slide26.xml><?xml version="1.0" encoding="utf-8"?>
+<file path=ppt/slides/slide27.xml><?xml version="1.0" encoding="utf-8"?>
 <p:sld xmlns:a="http://schemas.openxmlformats.org/drawingml/2006/main" xmlns:r="http://schemas.openxmlformats.org/officeDocument/2006/relationships" xmlns:p="http://schemas.openxmlformats.org/presentationml/2006/main">
   <p:cSld>
     <p:spTree>
@@ -8603,10 +9017,18 @@
           <a:lstStyle/>
           <a:p>
             <a:r>
-              <a:rPr lang="en-US" dirty="0" smtClean="0"/>
+              <a:rPr lang="en-US" sz="3600" dirty="0">
+                <a:latin typeface="Arial Rounded MT Bold" panose="020F0704030504030204" pitchFamily="34" charset="0"/>
+                <a:ea typeface="+mn-ea"/>
+                <a:cs typeface="+mn-cs"/>
+              </a:rPr>
               <a:t>References</a:t>
             </a:r>
-            <a:endParaRPr lang="en-US" dirty="0"/>
+            <a:endParaRPr lang="en-US" sz="3600" dirty="0">
+              <a:latin typeface="Arial Rounded MT Bold" panose="020F0704030504030204" pitchFamily="34" charset="0"/>
+              <a:ea typeface="+mn-ea"/>
+              <a:cs typeface="+mn-cs"/>
+            </a:endParaRPr>
           </a:p>
         </p:txBody>
       </p:sp>
@@ -8933,7 +9355,7 @@
 </p:sld>
 </file>
 
-<file path=ppt/slides/slide27.xml><?xml version="1.0" encoding="utf-8"?>
+<file path=ppt/slides/slide28.xml><?xml version="1.0" encoding="utf-8"?>
 <p:sld xmlns:a="http://schemas.openxmlformats.org/drawingml/2006/main" xmlns:r="http://schemas.openxmlformats.org/officeDocument/2006/relationships" xmlns:p="http://schemas.openxmlformats.org/presentationml/2006/main">
   <p:cSld>
     <p:spTree>
@@ -8966,10 +9388,18 @@
           <a:lstStyle/>
           <a:p>
             <a:r>
-              <a:rPr lang="en-US" dirty="0" smtClean="0"/>
+              <a:rPr lang="en-US" sz="3600" dirty="0">
+                <a:latin typeface="Arial Rounded MT Bold" panose="020F0704030504030204" pitchFamily="34" charset="0"/>
+                <a:ea typeface="+mn-ea"/>
+                <a:cs typeface="+mn-cs"/>
+              </a:rPr>
               <a:t>References</a:t>
             </a:r>
-            <a:endParaRPr lang="en-US" dirty="0"/>
+            <a:endParaRPr lang="en-US" sz="3600" dirty="0">
+              <a:latin typeface="Arial Rounded MT Bold" panose="020F0704030504030204" pitchFamily="34" charset="0"/>
+              <a:ea typeface="+mn-ea"/>
+              <a:cs typeface="+mn-cs"/>
+            </a:endParaRPr>
           </a:p>
         </p:txBody>
       </p:sp>
@@ -9011,7 +9441,7 @@
         <p:spPr>
           <a:xfrm>
             <a:off x="838200" y="1506022"/>
-            <a:ext cx="9453283" cy="1200329"/>
+            <a:ext cx="9453283" cy="3416320"/>
           </a:xfrm>
           <a:prstGeom prst="rect">
             <a:avLst/>
@@ -9062,10 +9492,183 @@
             </a:r>
             <a:r>
               <a:rPr lang="en-US" dirty="0"/>
-              <a:t> 15, no. 4 (2018): 329.</a:t>
-            </a:r>
-          </a:p>
-          <a:p>
+              <a:t> 15, no. 4 (2018): 329</a:t>
+            </a:r>
+            <a:r>
+              <a:rPr lang="en-US" dirty="0" smtClean="0"/>
+              <a:t>.</a:t>
+            </a:r>
+          </a:p>
+          <a:p>
+            <a:endParaRPr lang="en-US" dirty="0"/>
+          </a:p>
+          <a:p>
+            <a:r>
+              <a:rPr lang="en-US" dirty="0" smtClean="0"/>
+              <a:t>[11] </a:t>
+            </a:r>
+            <a:r>
+              <a:rPr lang="en-US" dirty="0" err="1"/>
+              <a:t>Purushotham</a:t>
+            </a:r>
+            <a:r>
+              <a:rPr lang="en-US" dirty="0"/>
+              <a:t>, Sanjay, </a:t>
+            </a:r>
+            <a:r>
+              <a:rPr lang="en-US" dirty="0" err="1"/>
+              <a:t>Chuizheng</a:t>
+            </a:r>
+            <a:r>
+              <a:rPr lang="en-US" dirty="0"/>
+              <a:t> </a:t>
+            </a:r>
+            <a:r>
+              <a:rPr lang="en-US" dirty="0" err="1"/>
+              <a:t>Meng</a:t>
+            </a:r>
+            <a:r>
+              <a:rPr lang="en-US" dirty="0"/>
+              <a:t>, </a:t>
+            </a:r>
+            <a:r>
+              <a:rPr lang="en-US" dirty="0" err="1"/>
+              <a:t>Zhengping</a:t>
+            </a:r>
+            <a:r>
+              <a:rPr lang="en-US" dirty="0"/>
+              <a:t> </a:t>
+            </a:r>
+            <a:r>
+              <a:rPr lang="en-US" dirty="0" err="1"/>
+              <a:t>Che</a:t>
+            </a:r>
+            <a:r>
+              <a:rPr lang="en-US" dirty="0"/>
+              <a:t>, and Yan Liu. "</a:t>
+            </a:r>
+            <a:r>
+              <a:rPr lang="en-US" b="1" dirty="0"/>
+              <a:t>Benchmark of deep learning models on large healthcare mimic datasets</a:t>
+            </a:r>
+            <a:r>
+              <a:rPr lang="en-US" dirty="0"/>
+              <a:t>." </a:t>
+            </a:r>
+            <a:r>
+              <a:rPr lang="en-US" i="1" dirty="0" err="1"/>
+              <a:t>arXiv</a:t>
+            </a:r>
+            <a:r>
+              <a:rPr lang="en-US" i="1" dirty="0"/>
+              <a:t> preprint arXiv:1710.08531</a:t>
+            </a:r>
+            <a:r>
+              <a:rPr lang="en-US" dirty="0"/>
+              <a:t> (2017</a:t>
+            </a:r>
+            <a:r>
+              <a:rPr lang="en-US" dirty="0" smtClean="0"/>
+              <a:t>).</a:t>
+            </a:r>
+          </a:p>
+          <a:p>
+            <a:endParaRPr lang="en-US" dirty="0"/>
+          </a:p>
+          <a:p>
+            <a:r>
+              <a:rPr lang="en-US" dirty="0" smtClean="0"/>
+              <a:t>[12] </a:t>
+            </a:r>
+            <a:r>
+              <a:rPr lang="en-US" dirty="0" err="1"/>
+              <a:t>Mullenbach</a:t>
+            </a:r>
+            <a:r>
+              <a:rPr lang="en-US" dirty="0"/>
+              <a:t>, James, Sarah </a:t>
+            </a:r>
+            <a:r>
+              <a:rPr lang="en-US" dirty="0" err="1"/>
+              <a:t>Wiegreffe</a:t>
+            </a:r>
+            <a:r>
+              <a:rPr lang="en-US" dirty="0"/>
+              <a:t>, Jon Duke, </a:t>
+            </a:r>
+            <a:r>
+              <a:rPr lang="en-US" dirty="0" err="1"/>
+              <a:t>Jimeng</a:t>
+            </a:r>
+            <a:r>
+              <a:rPr lang="en-US" dirty="0"/>
+              <a:t> Sun, and Jacob Eisenstein. "</a:t>
+            </a:r>
+            <a:r>
+              <a:rPr lang="en-US" b="1" dirty="0"/>
+              <a:t>Explainable prediction of medical codes from clinical text</a:t>
+            </a:r>
+            <a:r>
+              <a:rPr lang="en-US" dirty="0"/>
+              <a:t>." </a:t>
+            </a:r>
+            <a:r>
+              <a:rPr lang="en-US" i="1" dirty="0" err="1"/>
+              <a:t>arXiv</a:t>
+            </a:r>
+            <a:r>
+              <a:rPr lang="en-US" i="1" dirty="0"/>
+              <a:t> preprint arXiv:1802.05695</a:t>
+            </a:r>
+            <a:r>
+              <a:rPr lang="en-US" dirty="0"/>
+              <a:t> (2018</a:t>
+            </a:r>
+            <a:r>
+              <a:rPr lang="en-US" dirty="0" smtClean="0"/>
+              <a:t>).</a:t>
+            </a:r>
+          </a:p>
+          <a:p>
+            <a:endParaRPr lang="en-US" dirty="0"/>
+          </a:p>
+          <a:p>
+            <a:r>
+              <a:rPr lang="en-US" dirty="0" smtClean="0"/>
+              <a:t>[13] </a:t>
+            </a:r>
+            <a:r>
+              <a:rPr lang="en-US" dirty="0" err="1"/>
+              <a:t>Sadeghi</a:t>
+            </a:r>
+            <a:r>
+              <a:rPr lang="en-US" dirty="0"/>
+              <a:t>, Reza, </a:t>
+            </a:r>
+            <a:r>
+              <a:rPr lang="en-US" dirty="0" err="1"/>
+              <a:t>Tanvi</a:t>
+            </a:r>
+            <a:r>
+              <a:rPr lang="en-US" dirty="0"/>
+              <a:t> Banerjee, and William Romine. "</a:t>
+            </a:r>
+            <a:r>
+              <a:rPr lang="en-US" b="1" dirty="0"/>
+              <a:t>Early hospital mortality prediction using vital signals.</a:t>
+            </a:r>
+            <a:r>
+              <a:rPr lang="en-US" dirty="0"/>
+              <a:t>" </a:t>
+            </a:r>
+            <a:r>
+              <a:rPr lang="en-US" i="1" dirty="0"/>
+              <a:t>Smart Health</a:t>
+            </a:r>
+            <a:r>
+              <a:rPr lang="en-US" dirty="0"/>
+              <a:t> 9 (2018): 265-274.</a:t>
+            </a:r>
             <a:endParaRPr lang="en-US" dirty="0" smtClean="0"/>
           </a:p>
         </p:txBody>
@@ -9087,6 +9690,86 @@
       </p:par>
     </p:tnLst>
   </p:timing>
+</p:sld>
+</file>
+
+<file path=ppt/slides/slide29.xml><?xml version="1.0" encoding="utf-8"?>
+<p:sld xmlns:a="http://schemas.openxmlformats.org/drawingml/2006/main" xmlns:r="http://schemas.openxmlformats.org/officeDocument/2006/relationships" xmlns:p="http://schemas.openxmlformats.org/presentationml/2006/main">
+  <p:cSld>
+    <p:spTree>
+      <p:nvGrpSpPr>
+        <p:cNvPr id="1" name=""/>
+        <p:cNvGrpSpPr/>
+        <p:nvPr/>
+      </p:nvGrpSpPr>
+      <p:grpSpPr>
+        <a:xfrm>
+          <a:off x="0" y="0"/>
+          <a:ext cx="0" cy="0"/>
+          <a:chOff x="0" y="0"/>
+          <a:chExt cx="0" cy="0"/>
+        </a:xfrm>
+      </p:grpSpPr>
+      <p:sp>
+        <p:nvSpPr>
+          <p:cNvPr id="2" name="Title 1"/>
+          <p:cNvSpPr>
+            <a:spLocks noGrp="1"/>
+          </p:cNvSpPr>
+          <p:nvPr>
+            <p:ph type="ctrTitle"/>
+          </p:nvPr>
+        </p:nvSpPr>
+        <p:spPr>
+          <a:xfrm>
+            <a:off x="1551709" y="1524145"/>
+            <a:ext cx="9144000" cy="2387600"/>
+          </a:xfrm>
+        </p:spPr>
+        <p:txBody>
+          <a:bodyPr>
+            <a:normAutofit/>
+          </a:bodyPr>
+          <a:lstStyle/>
+          <a:p>
+            <a:r>
+              <a:rPr lang="en-US" sz="8000" dirty="0">
+                <a:latin typeface="Arial Rounded MT Bold" panose="020F0704030504030204" pitchFamily="34" charset="0"/>
+                <a:ea typeface="+mn-ea"/>
+                <a:cs typeface="+mn-cs"/>
+              </a:rPr>
+              <a:t>Thank</a:t>
+            </a:r>
+            <a:r>
+              <a:rPr lang="en-US" sz="8000" dirty="0" smtClean="0"/>
+              <a:t> </a:t>
+            </a:r>
+            <a:r>
+              <a:rPr lang="en-US" sz="8000" dirty="0">
+                <a:latin typeface="Arial Rounded MT Bold" panose="020F0704030504030204" pitchFamily="34" charset="0"/>
+                <a:ea typeface="+mn-ea"/>
+                <a:cs typeface="+mn-cs"/>
+              </a:rPr>
+              <a:t>You</a:t>
+            </a:r>
+            <a:endParaRPr lang="en-US" sz="8000" dirty="0">
+              <a:latin typeface="Arial Rounded MT Bold" panose="020F0704030504030204" pitchFamily="34" charset="0"/>
+              <a:ea typeface="+mn-ea"/>
+              <a:cs typeface="+mn-cs"/>
+            </a:endParaRPr>
+          </a:p>
+        </p:txBody>
+      </p:sp>
+    </p:spTree>
+    <p:extLst>
+      <p:ext uri="{BB962C8B-B14F-4D97-AF65-F5344CB8AC3E}">
+        <p14:creationId xmlns:p14="http://schemas.microsoft.com/office/powerpoint/2010/main" val="4015319421"/>
+      </p:ext>
+    </p:extLst>
+  </p:cSld>
+  <p:clrMapOvr>
+    <a:masterClrMapping/>
+  </p:clrMapOvr>
 </p:sld>
 </file>
 
@@ -9816,7 +10499,7 @@
             </a:r>
             <a:r>
               <a:rPr lang="en-US" sz="3200" dirty="0" smtClean="0"/>
-              <a:t>)?</a:t>
+              <a:t>) to seek if complications can lead to death or not?</a:t>
             </a:r>
             <a:endParaRPr lang="en-US" sz="3200" dirty="0"/>
           </a:p>
@@ -9964,7 +10647,7 @@
         <p:spPr>
           <a:xfrm>
             <a:off x="734401" y="1794024"/>
-            <a:ext cx="9929826" cy="1384995"/>
+            <a:ext cx="9929826" cy="1815882"/>
           </a:xfrm>
           <a:prstGeom prst="rect">
             <a:avLst/>
@@ -10020,7 +10703,11 @@
             </a:r>
             <a:r>
               <a:rPr lang="en-US" sz="2800" dirty="0" smtClean="0"/>
-              <a:t>aid doctors</a:t>
+              <a:t>aid </a:t>
+            </a:r>
+            <a:r>
+              <a:rPr lang="en-US" sz="2800" dirty="0" smtClean="0"/>
+              <a:t>doctors, hospital management and families </a:t>
             </a:r>
             <a:r>
               <a:rPr lang="en-US" sz="2400" dirty="0" smtClean="0"/>
@@ -10098,7 +10785,7 @@
         </p:nvSpPr>
         <p:spPr>
           <a:xfrm>
-            <a:off x="838199" y="3685309"/>
+            <a:off x="838199" y="3675163"/>
             <a:ext cx="10515601" cy="1815882"/>
           </a:xfrm>
           <a:prstGeom prst="rect">
@@ -10336,6 +11023,12 @@
             <a:r>
               <a:rPr lang="en-US" dirty="0" smtClean="0"/>
               <a:t>Subjectivity of problem</a:t>
+            </a:r>
+          </a:p>
+          <a:p>
+            <a:r>
+              <a:rPr lang="en-US" dirty="0" smtClean="0"/>
+              <a:t>Near Zero Variance vs Huge Variance Gaps</a:t>
             </a:r>
             <a:endParaRPr lang="en-US" dirty="0" smtClean="0"/>
           </a:p>
@@ -10700,7 +11393,7 @@
           <p:nvPr>
             <p:extLst>
               <p:ext uri="{D42A27DB-BD31-4B8C-83A1-F6EECF244321}">
-                <p14:modId xmlns:p14="http://schemas.microsoft.com/office/powerpoint/2010/main" val="1814423999"/>
+                <p14:modId xmlns:p14="http://schemas.microsoft.com/office/powerpoint/2010/main" val="2011465943"/>
               </p:ext>
             </p:extLst>
           </p:nvPr>
@@ -11182,8 +11875,30 @@
                           <a:ea typeface="+mn-ea"/>
                           <a:cs typeface="+mn-cs"/>
                         </a:rPr>
-                        <a:t>Medications</a:t>
+                        <a:t>Diagnoses</a:t>
                       </a:r>
+                    </a:p>
+                    <a:p>
+                      <a:pPr marL="0" algn="ctr" defTabSz="914400" rtl="0" eaLnBrk="1" latinLnBrk="0" hangingPunct="1"/>
+                      <a:r>
+                        <a:rPr lang="en-US" sz="1800" b="1" kern="1200" dirty="0" smtClean="0">
+                          <a:solidFill>
+                            <a:schemeClr val="dk1"/>
+                          </a:solidFill>
+                          <a:latin typeface="+mn-lt"/>
+                          <a:ea typeface="+mn-ea"/>
+                          <a:cs typeface="+mn-cs"/>
+                        </a:rPr>
+                        <a:t>Items</a:t>
+                      </a:r>
+                      <a:endParaRPr lang="en-US" sz="1800" b="1" kern="1200" dirty="0" smtClean="0">
+                        <a:solidFill>
+                          <a:schemeClr val="dk1"/>
+                        </a:solidFill>
+                        <a:latin typeface="+mn-lt"/>
+                        <a:ea typeface="+mn-ea"/>
+                        <a:cs typeface="+mn-cs"/>
+                      </a:endParaRPr>
                     </a:p>
                     <a:p>
                       <a:pPr marL="0" algn="ctr" defTabSz="914400" rtl="0" eaLnBrk="1" latinLnBrk="0" hangingPunct="1"/>
@@ -11527,8 +12242,16 @@
                           <a:ea typeface="+mn-ea"/>
                           <a:cs typeface="+mn-cs"/>
                         </a:rPr>
-                        <a:t>Medications</a:t>
+                        <a:t>Lab Events</a:t>
                       </a:r>
+                      <a:endParaRPr lang="en-US" sz="1800" b="1" kern="1200" dirty="0" smtClean="0">
+                        <a:solidFill>
+                          <a:schemeClr val="dk1"/>
+                        </a:solidFill>
+                        <a:latin typeface="+mn-lt"/>
+                        <a:ea typeface="+mn-ea"/>
+                        <a:cs typeface="+mn-cs"/>
+                      </a:endParaRPr>
                     </a:p>
                     <a:p>
                       <a:pPr marL="0" defTabSz="914400" rtl="0" eaLnBrk="1" latinLnBrk="0" hangingPunct="1"/>
@@ -11894,8 +12617,27 @@
                           <a:ea typeface="+mn-ea"/>
                           <a:cs typeface="+mn-cs"/>
                         </a:rPr>
-                        <a:t>Medications</a:t>
+                        <a:t>Lab Items</a:t>
                       </a:r>
+                      <a:r>
+                        <a:rPr lang="en-US" sz="1800" b="1" kern="1200" baseline="0" dirty="0" smtClean="0">
+                          <a:solidFill>
+                            <a:schemeClr val="dk1"/>
+                          </a:solidFill>
+                          <a:latin typeface="+mn-lt"/>
+                          <a:ea typeface="+mn-ea"/>
+                          <a:cs typeface="+mn-cs"/>
+                        </a:rPr>
+                        <a:t> and Scores</a:t>
+                      </a:r>
+                      <a:endParaRPr lang="en-US" sz="1800" b="1" kern="1200" dirty="0" smtClean="0">
+                        <a:solidFill>
+                          <a:schemeClr val="dk1"/>
+                        </a:solidFill>
+                        <a:latin typeface="+mn-lt"/>
+                        <a:ea typeface="+mn-ea"/>
+                        <a:cs typeface="+mn-cs"/>
+                      </a:endParaRPr>
                     </a:p>
                     <a:p>
                       <a:pPr marL="0" algn="ctr" defTabSz="914400" rtl="0" eaLnBrk="1" latinLnBrk="0" hangingPunct="1"/>
@@ -12081,7 +12823,7 @@
           <p:nvPr>
             <p:extLst>
               <p:ext uri="{D42A27DB-BD31-4B8C-83A1-F6EECF244321}">
-                <p14:modId xmlns:p14="http://schemas.microsoft.com/office/powerpoint/2010/main" val="2147743361"/>
+                <p14:modId xmlns:p14="http://schemas.microsoft.com/office/powerpoint/2010/main" val="3502459774"/>
               </p:ext>
             </p:extLst>
           </p:nvPr>
@@ -12464,10 +13206,10 @@
                           <a:ea typeface="+mn-ea"/>
                           <a:cs typeface="+mn-cs"/>
                         </a:rPr>
-                        <a:t> 79 (2017) - </a:t>
+                        <a:t> 79 (2017</a:t>
                       </a:r>
                       <a:r>
-                        <a:rPr lang="en-US" sz="1800" b="1" i="1" kern="1200" dirty="0" smtClean="0">
+                        <a:rPr lang="en-US" sz="1800" b="1" i="0" kern="1200" dirty="0" smtClean="0">
                           <a:solidFill>
                             <a:schemeClr val="dk1"/>
                           </a:solidFill>
@@ -12476,7 +13218,7 @@
                           <a:ea typeface="+mn-ea"/>
                           <a:cs typeface="+mn-cs"/>
                         </a:rPr>
-                        <a:t>Preprint</a:t>
+                        <a:t>)</a:t>
                       </a:r>
                       <a:endParaRPr lang="en-US" b="1" i="1" dirty="0" smtClean="0"/>
                     </a:p>
@@ -12872,7 +13614,19 @@
                           <a:ea typeface="+mn-ea"/>
                           <a:cs typeface="+mn-cs"/>
                         </a:rPr>
-                        <a:t> preprint arXiv:1802.05695</a:t>
+                        <a:t> preprint </a:t>
+                      </a:r>
+                      <a:r>
+                        <a:rPr lang="en-US" sz="1800" b="1" i="1" kern="1200" dirty="0" smtClean="0">
+                          <a:solidFill>
+                            <a:schemeClr val="dk1"/>
+                          </a:solidFill>
+                          <a:effectLst/>
+                          <a:latin typeface="+mn-lt"/>
+                          <a:ea typeface="+mn-ea"/>
+                          <a:cs typeface="+mn-cs"/>
+                        </a:rPr>
+                        <a:t>arXiv:1802.05695</a:t>
                       </a:r>
                       <a:r>
                         <a:rPr lang="en-US" sz="1800" b="1" i="0" kern="1200" dirty="0" smtClean="0">
